--- a/1-Introduction to R and Rstudio.pptx
+++ b/1-Introduction to R and Rstudio.pptx
@@ -14,30 +14,30 @@
     <p:sldId id="262" r:id="rId5"/>
     <p:sldId id="263" r:id="rId6"/>
     <p:sldId id="264" r:id="rId7"/>
-    <p:sldId id="266" r:id="rId8"/>
-    <p:sldId id="267" r:id="rId9"/>
-    <p:sldId id="268" r:id="rId10"/>
-    <p:sldId id="269" r:id="rId11"/>
-    <p:sldId id="270" r:id="rId12"/>
-    <p:sldId id="273" r:id="rId13"/>
-    <p:sldId id="272" r:id="rId14"/>
-    <p:sldId id="274" r:id="rId15"/>
-    <p:sldId id="275" r:id="rId16"/>
-    <p:sldId id="276" r:id="rId17"/>
-    <p:sldId id="271" r:id="rId18"/>
-    <p:sldId id="277" r:id="rId19"/>
-    <p:sldId id="280" r:id="rId20"/>
-    <p:sldId id="278" r:id="rId21"/>
-    <p:sldId id="281" r:id="rId22"/>
-    <p:sldId id="282" r:id="rId23"/>
-    <p:sldId id="283" r:id="rId24"/>
-    <p:sldId id="279" r:id="rId25"/>
-    <p:sldId id="285" r:id="rId26"/>
-    <p:sldId id="286" r:id="rId27"/>
-    <p:sldId id="287" r:id="rId28"/>
-    <p:sldId id="297" r:id="rId29"/>
-    <p:sldId id="303" r:id="rId30"/>
-    <p:sldId id="304" r:id="rId31"/>
+    <p:sldId id="307" r:id="rId8"/>
+    <p:sldId id="266" r:id="rId9"/>
+    <p:sldId id="267" r:id="rId10"/>
+    <p:sldId id="268" r:id="rId11"/>
+    <p:sldId id="269" r:id="rId12"/>
+    <p:sldId id="270" r:id="rId13"/>
+    <p:sldId id="273" r:id="rId14"/>
+    <p:sldId id="272" r:id="rId15"/>
+    <p:sldId id="274" r:id="rId16"/>
+    <p:sldId id="275" r:id="rId17"/>
+    <p:sldId id="276" r:id="rId18"/>
+    <p:sldId id="271" r:id="rId19"/>
+    <p:sldId id="277" r:id="rId20"/>
+    <p:sldId id="280" r:id="rId21"/>
+    <p:sldId id="278" r:id="rId22"/>
+    <p:sldId id="281" r:id="rId23"/>
+    <p:sldId id="282" r:id="rId24"/>
+    <p:sldId id="283" r:id="rId25"/>
+    <p:sldId id="279" r:id="rId26"/>
+    <p:sldId id="285" r:id="rId27"/>
+    <p:sldId id="286" r:id="rId28"/>
+    <p:sldId id="287" r:id="rId29"/>
+    <p:sldId id="297" r:id="rId30"/>
+    <p:sldId id="303" r:id="rId31"/>
     <p:sldId id="288" r:id="rId32"/>
     <p:sldId id="289" r:id="rId33"/>
     <p:sldId id="290" r:id="rId34"/>
@@ -254,7 +254,7 @@
           <a:p>
             <a:fld id="{4423FC37-365B-BC41-AA8A-8A54106CC33D}" type="datetimeFigureOut">
               <a:rPr lang="en-US" smtClean="0"/>
-              <a:t>10/23/19</a:t>
+              <a:t>10/14/20</a:t>
             </a:fld>
             <a:endParaRPr lang="en-US"/>
           </a:p>
@@ -757,7 +757,7 @@
           <a:p>
             <a:fld id="{C17ADF25-8215-F840-935D-DDE3E3B0A995}" type="slidenum">
               <a:rPr lang="en-US" smtClean="0"/>
-              <a:t>7</a:t>
+              <a:t>4</a:t>
             </a:fld>
             <a:endParaRPr lang="en-US"/>
           </a:p>
@@ -766,7 +766,7 @@
     </p:spTree>
     <p:extLst>
       <p:ext uri="{BB962C8B-B14F-4D97-AF65-F5344CB8AC3E}">
-        <p14:creationId xmlns:p14="http://schemas.microsoft.com/office/powerpoint/2010/main" val="2363505759"/>
+        <p14:creationId xmlns:p14="http://schemas.microsoft.com/office/powerpoint/2010/main" val="2403145936"/>
       </p:ext>
     </p:extLst>
   </p:cSld>
@@ -820,74 +820,16 @@
           <a:bodyPr/>
           <a:lstStyle/>
           <a:p>
-            <a:pPr marL="0" marR="0" lvl="0" indent="0" algn="l" defTabSz="914400" rtl="0" eaLnBrk="1" fontAlgn="auto" latinLnBrk="0" hangingPunct="1">
-              <a:lnSpc>
-                <a:spcPct val="100000"/>
-              </a:lnSpc>
-              <a:spcBef>
-                <a:spcPts val="0"/>
-              </a:spcBef>
-              <a:spcAft>
-                <a:spcPts val="0"/>
-              </a:spcAft>
-              <a:buClrTx/>
-              <a:buSzTx/>
-              <a:buFontTx/>
-              <a:buNone/>
-              <a:tabLst/>
-              <a:defRPr/>
-            </a:pPr>
-            <a:r>
-              <a:rPr lang="en-GB" sz="1200" b="1" dirty="0">
-                <a:solidFill>
-                  <a:srgbClr val="000000"/>
-                </a:solidFill>
-              </a:rPr>
-              <a:t>Ecosphere</a:t>
-            </a:r>
-            <a:br>
-              <a:rPr lang="en-GB" sz="1200" dirty="0">
-                <a:solidFill>
-                  <a:srgbClr val="000000"/>
-                </a:solidFill>
-              </a:rPr>
-            </a:br>
-            <a:r>
-              <a:rPr lang="en-GB" sz="1200" dirty="0">
-                <a:solidFill>
-                  <a:srgbClr val="000000"/>
-                </a:solidFill>
-                <a:hlinkClick r:id="rId3"/>
-              </a:rPr>
-              <a:t>Volume 7, Issue 8, </a:t>
-            </a:r>
-            <a:r>
-              <a:rPr lang="en-GB" sz="1200" dirty="0">
-                <a:solidFill>
-                  <a:srgbClr val="000000"/>
-                </a:solidFill>
-              </a:rPr>
-              <a:t>17 AUG 2016 DOI: 10.1002/ecs2.1394</a:t>
-            </a:r>
-            <a:br>
-              <a:rPr lang="en-GB" sz="1200" dirty="0">
-                <a:solidFill>
-                  <a:srgbClr val="000000"/>
-                </a:solidFill>
-              </a:rPr>
-            </a:br>
-            <a:r>
-              <a:rPr lang="en-GB" sz="1200" dirty="0">
-                <a:solidFill>
-                  <a:srgbClr val="000000"/>
-                </a:solidFill>
-                <a:hlinkClick r:id="rId4"/>
-              </a:rPr>
-              <a:t>http://onlinelibrary.wiley.com/doi/10.1002/ecs2.1394/full#ecs21394-fig-0003</a:t>
-            </a:r>
-          </a:p>
-          <a:p>
-            <a:endParaRPr lang="en-US" dirty="0"/>
+            <a:r>
+              <a:rPr lang="en-US" dirty="0"/>
+              <a:t>Personal license is ~$1,500/year</a:t>
+            </a:r>
+          </a:p>
+          <a:p>
+            <a:r>
+              <a:rPr lang="en-US" dirty="0"/>
+              <a:t>Teaching-grade vs. research grade</a:t>
+            </a:r>
           </a:p>
         </p:txBody>
       </p:sp>
@@ -908,7 +850,7 @@
           <a:p>
             <a:fld id="{C17ADF25-8215-F840-935D-DDE3E3B0A995}" type="slidenum">
               <a:rPr lang="en-US" smtClean="0"/>
-              <a:t>8</a:t>
+              <a:t>7</a:t>
             </a:fld>
             <a:endParaRPr lang="en-US"/>
           </a:p>
@@ -917,7 +859,7 @@
     </p:spTree>
     <p:extLst>
       <p:ext uri="{BB962C8B-B14F-4D97-AF65-F5344CB8AC3E}">
-        <p14:creationId xmlns:p14="http://schemas.microsoft.com/office/powerpoint/2010/main" val="1108084019"/>
+        <p14:creationId xmlns:p14="http://schemas.microsoft.com/office/powerpoint/2010/main" val="1534131950"/>
       </p:ext>
     </p:extLst>
   </p:cSld>
@@ -992,7 +934,413 @@
           <a:p>
             <a:fld id="{C17ADF25-8215-F840-935D-DDE3E3B0A995}" type="slidenum">
               <a:rPr lang="en-US" smtClean="0"/>
+              <a:t>8</a:t>
+            </a:fld>
+            <a:endParaRPr lang="en-US"/>
+          </a:p>
+        </p:txBody>
+      </p:sp>
+    </p:spTree>
+    <p:extLst>
+      <p:ext uri="{BB962C8B-B14F-4D97-AF65-F5344CB8AC3E}">
+        <p14:creationId xmlns:p14="http://schemas.microsoft.com/office/powerpoint/2010/main" val="2363505759"/>
+      </p:ext>
+    </p:extLst>
+  </p:cSld>
+  <p:clrMapOvr>
+    <a:masterClrMapping/>
+  </p:clrMapOvr>
+</p:notes>
+</file>
+
+<file path=ppt/notesSlides/notesSlide6.xml><?xml version="1.0" encoding="utf-8"?>
+<p:notes xmlns:a="http://schemas.openxmlformats.org/drawingml/2006/main" xmlns:r="http://schemas.openxmlformats.org/officeDocument/2006/relationships" xmlns:p="http://schemas.openxmlformats.org/presentationml/2006/main">
+  <p:cSld>
+    <p:spTree>
+      <p:nvGrpSpPr>
+        <p:cNvPr id="1" name=""/>
+        <p:cNvGrpSpPr/>
+        <p:nvPr/>
+      </p:nvGrpSpPr>
+      <p:grpSpPr>
+        <a:xfrm>
+          <a:off x="0" y="0"/>
+          <a:ext cx="0" cy="0"/>
+          <a:chOff x="0" y="0"/>
+          <a:chExt cx="0" cy="0"/>
+        </a:xfrm>
+      </p:grpSpPr>
+      <p:sp>
+        <p:nvSpPr>
+          <p:cNvPr id="2" name="Slide Image Placeholder 1"/>
+          <p:cNvSpPr>
+            <a:spLocks noGrp="1" noRot="1" noChangeAspect="1"/>
+          </p:cNvSpPr>
+          <p:nvPr>
+            <p:ph type="sldImg"/>
+          </p:nvPr>
+        </p:nvSpPr>
+        <p:spPr/>
+      </p:sp>
+      <p:sp>
+        <p:nvSpPr>
+          <p:cNvPr id="3" name="Notes Placeholder 2"/>
+          <p:cNvSpPr>
+            <a:spLocks noGrp="1"/>
+          </p:cNvSpPr>
+          <p:nvPr>
+            <p:ph type="body" idx="1"/>
+          </p:nvPr>
+        </p:nvSpPr>
+        <p:spPr/>
+        <p:txBody>
+          <a:bodyPr/>
+          <a:lstStyle/>
+          <a:p>
+            <a:pPr marL="0" marR="0" lvl="0" indent="0" algn="l" defTabSz="914400" rtl="0" eaLnBrk="1" fontAlgn="auto" latinLnBrk="0" hangingPunct="1">
+              <a:lnSpc>
+                <a:spcPct val="100000"/>
+              </a:lnSpc>
+              <a:spcBef>
+                <a:spcPts val="0"/>
+              </a:spcBef>
+              <a:spcAft>
+                <a:spcPts val="0"/>
+              </a:spcAft>
+              <a:buClrTx/>
+              <a:buSzTx/>
+              <a:buFontTx/>
+              <a:buNone/>
+              <a:tabLst/>
+              <a:defRPr/>
+            </a:pPr>
+            <a:r>
+              <a:rPr lang="en-GB" sz="1200" b="1" dirty="0">
+                <a:solidFill>
+                  <a:srgbClr val="000000"/>
+                </a:solidFill>
+              </a:rPr>
+              <a:t>Ecosphere</a:t>
+            </a:r>
+            <a:br>
+              <a:rPr lang="en-GB" sz="1200" dirty="0">
+                <a:solidFill>
+                  <a:srgbClr val="000000"/>
+                </a:solidFill>
+              </a:rPr>
+            </a:br>
+            <a:r>
+              <a:rPr lang="en-GB" sz="1200" dirty="0">
+                <a:solidFill>
+                  <a:srgbClr val="000000"/>
+                </a:solidFill>
+                <a:hlinkClick r:id="rId3"/>
+              </a:rPr>
+              <a:t>Volume 7, Issue 8, </a:t>
+            </a:r>
+            <a:r>
+              <a:rPr lang="en-GB" sz="1200" dirty="0">
+                <a:solidFill>
+                  <a:srgbClr val="000000"/>
+                </a:solidFill>
+              </a:rPr>
+              <a:t>17 AUG 2016 DOI: 10.1002/ecs2.1394</a:t>
+            </a:r>
+            <a:br>
+              <a:rPr lang="en-GB" sz="1200" dirty="0">
+                <a:solidFill>
+                  <a:srgbClr val="000000"/>
+                </a:solidFill>
+              </a:rPr>
+            </a:br>
+            <a:r>
+              <a:rPr lang="en-GB" sz="1200" dirty="0">
+                <a:solidFill>
+                  <a:srgbClr val="000000"/>
+                </a:solidFill>
+                <a:hlinkClick r:id="rId4"/>
+              </a:rPr>
+              <a:t>http://onlinelibrary.wiley.com/doi/10.1002/ecs2.1394/full#ecs21394-fig-0003</a:t>
+            </a:r>
+          </a:p>
+          <a:p>
+            <a:endParaRPr lang="en-US" dirty="0"/>
+          </a:p>
+        </p:txBody>
+      </p:sp>
+      <p:sp>
+        <p:nvSpPr>
+          <p:cNvPr id="4" name="Slide Number Placeholder 3"/>
+          <p:cNvSpPr>
+            <a:spLocks noGrp="1"/>
+          </p:cNvSpPr>
+          <p:nvPr>
+            <p:ph type="sldNum" sz="quarter" idx="5"/>
+          </p:nvPr>
+        </p:nvSpPr>
+        <p:spPr/>
+        <p:txBody>
+          <a:bodyPr/>
+          <a:lstStyle/>
+          <a:p>
+            <a:fld id="{C17ADF25-8215-F840-935D-DDE3E3B0A995}" type="slidenum">
+              <a:rPr lang="en-US" smtClean="0"/>
+              <a:t>9</a:t>
+            </a:fld>
+            <a:endParaRPr lang="en-US"/>
+          </a:p>
+        </p:txBody>
+      </p:sp>
+    </p:spTree>
+    <p:extLst>
+      <p:ext uri="{BB962C8B-B14F-4D97-AF65-F5344CB8AC3E}">
+        <p14:creationId xmlns:p14="http://schemas.microsoft.com/office/powerpoint/2010/main" val="1108084019"/>
+      </p:ext>
+    </p:extLst>
+  </p:cSld>
+  <p:clrMapOvr>
+    <a:masterClrMapping/>
+  </p:clrMapOvr>
+</p:notes>
+</file>
+
+<file path=ppt/notesSlides/notesSlide7.xml><?xml version="1.0" encoding="utf-8"?>
+<p:notes xmlns:a="http://schemas.openxmlformats.org/drawingml/2006/main" xmlns:r="http://schemas.openxmlformats.org/officeDocument/2006/relationships" xmlns:p="http://schemas.openxmlformats.org/presentationml/2006/main">
+  <p:cSld>
+    <p:spTree>
+      <p:nvGrpSpPr>
+        <p:cNvPr id="1" name=""/>
+        <p:cNvGrpSpPr/>
+        <p:nvPr/>
+      </p:nvGrpSpPr>
+      <p:grpSpPr>
+        <a:xfrm>
+          <a:off x="0" y="0"/>
+          <a:ext cx="0" cy="0"/>
+          <a:chOff x="0" y="0"/>
+          <a:chExt cx="0" cy="0"/>
+        </a:xfrm>
+      </p:grpSpPr>
+      <p:sp>
+        <p:nvSpPr>
+          <p:cNvPr id="2" name="Slide Image Placeholder 1"/>
+          <p:cNvSpPr>
+            <a:spLocks noGrp="1" noRot="1" noChangeAspect="1"/>
+          </p:cNvSpPr>
+          <p:nvPr>
+            <p:ph type="sldImg"/>
+          </p:nvPr>
+        </p:nvSpPr>
+        <p:spPr/>
+      </p:sp>
+      <p:sp>
+        <p:nvSpPr>
+          <p:cNvPr id="3" name="Notes Placeholder 2"/>
+          <p:cNvSpPr>
+            <a:spLocks noGrp="1"/>
+          </p:cNvSpPr>
+          <p:nvPr>
+            <p:ph type="body" idx="1"/>
+          </p:nvPr>
+        </p:nvSpPr>
+        <p:spPr/>
+        <p:txBody>
+          <a:bodyPr/>
+          <a:lstStyle/>
+          <a:p>
+            <a:r>
+              <a:rPr lang="en-US" dirty="0"/>
+              <a:t>R is a language….learn the lingo.</a:t>
+            </a:r>
+          </a:p>
+        </p:txBody>
+      </p:sp>
+      <p:sp>
+        <p:nvSpPr>
+          <p:cNvPr id="4" name="Slide Number Placeholder 3"/>
+          <p:cNvSpPr>
+            <a:spLocks noGrp="1"/>
+          </p:cNvSpPr>
+          <p:nvPr>
+            <p:ph type="sldNum" sz="quarter" idx="5"/>
+          </p:nvPr>
+        </p:nvSpPr>
+        <p:spPr/>
+        <p:txBody>
+          <a:bodyPr/>
+          <a:lstStyle/>
+          <a:p>
+            <a:fld id="{C17ADF25-8215-F840-935D-DDE3E3B0A995}" type="slidenum">
+              <a:rPr lang="en-US" smtClean="0"/>
+              <a:t>11</a:t>
+            </a:fld>
+            <a:endParaRPr lang="en-US"/>
+          </a:p>
+        </p:txBody>
+      </p:sp>
+    </p:spTree>
+    <p:extLst>
+      <p:ext uri="{BB962C8B-B14F-4D97-AF65-F5344CB8AC3E}">
+        <p14:creationId xmlns:p14="http://schemas.microsoft.com/office/powerpoint/2010/main" val="2857169988"/>
+      </p:ext>
+    </p:extLst>
+  </p:cSld>
+  <p:clrMapOvr>
+    <a:masterClrMapping/>
+  </p:clrMapOvr>
+</p:notes>
+</file>
+
+<file path=ppt/notesSlides/notesSlide8.xml><?xml version="1.0" encoding="utf-8"?>
+<p:notes xmlns:a="http://schemas.openxmlformats.org/drawingml/2006/main" xmlns:r="http://schemas.openxmlformats.org/officeDocument/2006/relationships" xmlns:p="http://schemas.openxmlformats.org/presentationml/2006/main">
+  <p:cSld>
+    <p:spTree>
+      <p:nvGrpSpPr>
+        <p:cNvPr id="1" name=""/>
+        <p:cNvGrpSpPr/>
+        <p:nvPr/>
+      </p:nvGrpSpPr>
+      <p:grpSpPr>
+        <a:xfrm>
+          <a:off x="0" y="0"/>
+          <a:ext cx="0" cy="0"/>
+          <a:chOff x="0" y="0"/>
+          <a:chExt cx="0" cy="0"/>
+        </a:xfrm>
+      </p:grpSpPr>
+      <p:sp>
+        <p:nvSpPr>
+          <p:cNvPr id="2" name="Slide Image Placeholder 1"/>
+          <p:cNvSpPr>
+            <a:spLocks noGrp="1" noRot="1" noChangeAspect="1"/>
+          </p:cNvSpPr>
+          <p:nvPr>
+            <p:ph type="sldImg"/>
+          </p:nvPr>
+        </p:nvSpPr>
+        <p:spPr/>
+      </p:sp>
+      <p:sp>
+        <p:nvSpPr>
+          <p:cNvPr id="3" name="Notes Placeholder 2"/>
+          <p:cNvSpPr>
+            <a:spLocks noGrp="1"/>
+          </p:cNvSpPr>
+          <p:nvPr>
+            <p:ph type="body" idx="1"/>
+          </p:nvPr>
+        </p:nvSpPr>
+        <p:spPr/>
+        <p:txBody>
+          <a:bodyPr/>
+          <a:lstStyle/>
+          <a:p>
+            <a:endParaRPr lang="en-US" dirty="0"/>
+          </a:p>
+        </p:txBody>
+      </p:sp>
+      <p:sp>
+        <p:nvSpPr>
+          <p:cNvPr id="4" name="Slide Number Placeholder 3"/>
+          <p:cNvSpPr>
+            <a:spLocks noGrp="1"/>
+          </p:cNvSpPr>
+          <p:nvPr>
+            <p:ph type="sldNum" sz="quarter" idx="5"/>
+          </p:nvPr>
+        </p:nvSpPr>
+        <p:spPr/>
+        <p:txBody>
+          <a:bodyPr/>
+          <a:lstStyle/>
+          <a:p>
+            <a:fld id="{C17ADF25-8215-F840-935D-DDE3E3B0A995}" type="slidenum">
+              <a:rPr lang="en-US" smtClean="0"/>
               <a:t>25</a:t>
+            </a:fld>
+            <a:endParaRPr lang="en-US"/>
+          </a:p>
+        </p:txBody>
+      </p:sp>
+    </p:spTree>
+    <p:extLst>
+      <p:ext uri="{BB962C8B-B14F-4D97-AF65-F5344CB8AC3E}">
+        <p14:creationId xmlns:p14="http://schemas.microsoft.com/office/powerpoint/2010/main" val="3192620793"/>
+      </p:ext>
+    </p:extLst>
+  </p:cSld>
+  <p:clrMapOvr>
+    <a:masterClrMapping/>
+  </p:clrMapOvr>
+</p:notes>
+</file>
+
+<file path=ppt/notesSlides/notesSlide9.xml><?xml version="1.0" encoding="utf-8"?>
+<p:notes xmlns:a="http://schemas.openxmlformats.org/drawingml/2006/main" xmlns:r="http://schemas.openxmlformats.org/officeDocument/2006/relationships" xmlns:p="http://schemas.openxmlformats.org/presentationml/2006/main">
+  <p:cSld>
+    <p:spTree>
+      <p:nvGrpSpPr>
+        <p:cNvPr id="1" name=""/>
+        <p:cNvGrpSpPr/>
+        <p:nvPr/>
+      </p:nvGrpSpPr>
+      <p:grpSpPr>
+        <a:xfrm>
+          <a:off x="0" y="0"/>
+          <a:ext cx="0" cy="0"/>
+          <a:chOff x="0" y="0"/>
+          <a:chExt cx="0" cy="0"/>
+        </a:xfrm>
+      </p:grpSpPr>
+      <p:sp>
+        <p:nvSpPr>
+          <p:cNvPr id="2" name="Slide Image Placeholder 1"/>
+          <p:cNvSpPr>
+            <a:spLocks noGrp="1" noRot="1" noChangeAspect="1"/>
+          </p:cNvSpPr>
+          <p:nvPr>
+            <p:ph type="sldImg"/>
+          </p:nvPr>
+        </p:nvSpPr>
+        <p:spPr/>
+      </p:sp>
+      <p:sp>
+        <p:nvSpPr>
+          <p:cNvPr id="3" name="Notes Placeholder 2"/>
+          <p:cNvSpPr>
+            <a:spLocks noGrp="1"/>
+          </p:cNvSpPr>
+          <p:nvPr>
+            <p:ph type="body" idx="1"/>
+          </p:nvPr>
+        </p:nvSpPr>
+        <p:spPr/>
+        <p:txBody>
+          <a:bodyPr/>
+          <a:lstStyle/>
+          <a:p>
+            <a:endParaRPr lang="en-US" dirty="0"/>
+          </a:p>
+        </p:txBody>
+      </p:sp>
+      <p:sp>
+        <p:nvSpPr>
+          <p:cNvPr id="4" name="Slide Number Placeholder 3"/>
+          <p:cNvSpPr>
+            <a:spLocks noGrp="1"/>
+          </p:cNvSpPr>
+          <p:nvPr>
+            <p:ph type="sldNum" sz="quarter" idx="5"/>
+          </p:nvPr>
+        </p:nvSpPr>
+        <p:spPr/>
+        <p:txBody>
+          <a:bodyPr/>
+          <a:lstStyle/>
+          <a:p>
+            <a:fld id="{C17ADF25-8215-F840-935D-DDE3E3B0A995}" type="slidenum">
+              <a:rPr lang="en-US" smtClean="0"/>
+              <a:t>26</a:t>
             </a:fld>
             <a:endParaRPr lang="en-US"/>
           </a:p>
@@ -1190,7 +1538,7 @@
           <a:p>
             <a:fld id="{0D162873-51CE-49DA-B98E-BAD067B56C8D}" type="datetimeFigureOut">
               <a:rPr lang="en-US" smtClean="0"/>
-              <a:t>10/23/19</a:t>
+              <a:t>10/14/20</a:t>
             </a:fld>
             <a:endParaRPr lang="en-US"/>
           </a:p>
@@ -1358,7 +1706,7 @@
           <a:p>
             <a:fld id="{0D162873-51CE-49DA-B98E-BAD067B56C8D}" type="datetimeFigureOut">
               <a:rPr lang="en-US" smtClean="0"/>
-              <a:t>10/23/19</a:t>
+              <a:t>10/14/20</a:t>
             </a:fld>
             <a:endParaRPr lang="en-US"/>
           </a:p>
@@ -1536,7 +1884,7 @@
           <a:p>
             <a:fld id="{0D162873-51CE-49DA-B98E-BAD067B56C8D}" type="datetimeFigureOut">
               <a:rPr lang="en-US" smtClean="0"/>
-              <a:t>10/23/19</a:t>
+              <a:t>10/14/20</a:t>
             </a:fld>
             <a:endParaRPr lang="en-US"/>
           </a:p>
@@ -1916,7 +2264,7 @@
           <a:p>
             <a:fld id="{0D162873-51CE-49DA-B98E-BAD067B56C8D}" type="datetimeFigureOut">
               <a:rPr lang="en-US" smtClean="0"/>
-              <a:t>10/23/19</a:t>
+              <a:t>10/14/20</a:t>
             </a:fld>
             <a:endParaRPr lang="en-US"/>
           </a:p>
@@ -2201,7 +2549,7 @@
           <a:p>
             <a:fld id="{0D162873-51CE-49DA-B98E-BAD067B56C8D}" type="datetimeFigureOut">
               <a:rPr lang="en-US" smtClean="0"/>
-              <a:t>10/23/19</a:t>
+              <a:t>10/14/20</a:t>
             </a:fld>
             <a:endParaRPr lang="en-US"/>
           </a:p>
@@ -2620,7 +2968,7 @@
           <a:p>
             <a:fld id="{0D162873-51CE-49DA-B98E-BAD067B56C8D}" type="datetimeFigureOut">
               <a:rPr lang="en-US" smtClean="0"/>
-              <a:t>10/23/19</a:t>
+              <a:t>10/14/20</a:t>
             </a:fld>
             <a:endParaRPr lang="en-US"/>
           </a:p>
@@ -2737,7 +3085,7 @@
           <a:p>
             <a:fld id="{0D162873-51CE-49DA-B98E-BAD067B56C8D}" type="datetimeFigureOut">
               <a:rPr lang="en-US" smtClean="0"/>
-              <a:t>10/23/19</a:t>
+              <a:t>10/14/20</a:t>
             </a:fld>
             <a:endParaRPr lang="en-US"/>
           </a:p>
@@ -2832,7 +3180,7 @@
           <a:p>
             <a:fld id="{0D162873-51CE-49DA-B98E-BAD067B56C8D}" type="datetimeFigureOut">
               <a:rPr lang="en-US" smtClean="0"/>
-              <a:t>10/23/19</a:t>
+              <a:t>10/14/20</a:t>
             </a:fld>
             <a:endParaRPr lang="en-US"/>
           </a:p>
@@ -3107,7 +3455,7 @@
           <a:p>
             <a:fld id="{0D162873-51CE-49DA-B98E-BAD067B56C8D}" type="datetimeFigureOut">
               <a:rPr lang="en-US" smtClean="0"/>
-              <a:t>10/23/19</a:t>
+              <a:t>10/14/20</a:t>
             </a:fld>
             <a:endParaRPr lang="en-US"/>
           </a:p>
@@ -3359,7 +3707,7 @@
           <a:p>
             <a:fld id="{0D162873-51CE-49DA-B98E-BAD067B56C8D}" type="datetimeFigureOut">
               <a:rPr lang="en-US" smtClean="0"/>
-              <a:t>10/23/19</a:t>
+              <a:t>10/14/20</a:t>
             </a:fld>
             <a:endParaRPr lang="en-US"/>
           </a:p>
@@ -3570,7 +3918,7 @@
           <a:p>
             <a:fld id="{0D162873-51CE-49DA-B98E-BAD067B56C8D}" type="datetimeFigureOut">
               <a:rPr lang="en-US" smtClean="0"/>
-              <a:t>10/23/19</a:t>
+              <a:t>10/14/20</a:t>
             </a:fld>
             <a:endParaRPr lang="en-US"/>
           </a:p>
@@ -4027,6 +4375,151 @@
           <a:chExt cx="0" cy="0"/>
         </a:xfrm>
       </p:grpSpPr>
+      <p:sp>
+        <p:nvSpPr>
+          <p:cNvPr id="2" name="Title 1"/>
+          <p:cNvSpPr>
+            <a:spLocks noGrp="1"/>
+          </p:cNvSpPr>
+          <p:nvPr>
+            <p:ph type="title"/>
+          </p:nvPr>
+        </p:nvSpPr>
+        <p:spPr/>
+        <p:txBody>
+          <a:bodyPr/>
+          <a:lstStyle/>
+          <a:p>
+            <a:r>
+              <a:rPr lang="en-US" dirty="0"/>
+              <a:t>Learning R</a:t>
+            </a:r>
+          </a:p>
+        </p:txBody>
+      </p:sp>
+      <p:sp>
+        <p:nvSpPr>
+          <p:cNvPr id="3" name="Content Placeholder 2"/>
+          <p:cNvSpPr>
+            <a:spLocks noGrp="1"/>
+          </p:cNvSpPr>
+          <p:nvPr>
+            <p:ph idx="1"/>
+          </p:nvPr>
+        </p:nvSpPr>
+        <p:spPr/>
+        <p:txBody>
+          <a:bodyPr/>
+          <a:lstStyle/>
+          <a:p>
+            <a:r>
+              <a:rPr lang="en-US" dirty="0"/>
+              <a:t>R is a programming language, the learning curve can be steep (R is free, but its not cheap)</a:t>
+            </a:r>
+          </a:p>
+          <a:p>
+            <a:r>
+              <a:rPr lang="en-US" dirty="0"/>
+              <a:t>Very rewarding to become fluent: you can do more</a:t>
+            </a:r>
+          </a:p>
+          <a:p>
+            <a:r>
+              <a:rPr lang="en-US" dirty="0"/>
+              <a:t>Be patient and creative</a:t>
+            </a:r>
+          </a:p>
+          <a:p>
+            <a:r>
+              <a:rPr lang="en-US" dirty="0"/>
+              <a:t>Lots of help files, online sources, books, and graduate students in your lab</a:t>
+            </a:r>
+          </a:p>
+          <a:p>
+            <a:pPr lvl="1"/>
+            <a:r>
+              <a:rPr lang="en-US" dirty="0"/>
+              <a:t>Course readings</a:t>
+            </a:r>
+          </a:p>
+          <a:p>
+            <a:pPr lvl="1"/>
+            <a:r>
+              <a:rPr lang="en-US" dirty="0"/>
+              <a:t>Books: R graphics (Murrell), The R book (Crawley), A primer of ecology with R (Stevens)</a:t>
+            </a:r>
+          </a:p>
+          <a:p>
+            <a:pPr lvl="1"/>
+            <a:r>
+              <a:rPr lang="en-US" dirty="0"/>
+              <a:t>R reference card 2.0 (Baggott)</a:t>
+            </a:r>
+          </a:p>
+          <a:p>
+            <a:pPr lvl="1"/>
+            <a:r>
+              <a:rPr lang="en-US" dirty="0"/>
+              <a:t>R-Studio ‘</a:t>
+            </a:r>
+            <a:r>
+              <a:rPr lang="en-US" dirty="0" err="1"/>
+              <a:t>cheatsheets</a:t>
+            </a:r>
+            <a:r>
+              <a:rPr lang="en-US" dirty="0"/>
+              <a:t>’ (</a:t>
+            </a:r>
+            <a:r>
+              <a:rPr lang="en-US" dirty="0" err="1"/>
+              <a:t>Help</a:t>
+            </a:r>
+            <a:r>
+              <a:rPr lang="en-US" dirty="0" err="1">
+                <a:sym typeface="Wingdings" pitchFamily="2" charset="2"/>
+              </a:rPr>
+              <a:t>Cheatsheets</a:t>
+            </a:r>
+            <a:r>
+              <a:rPr lang="en-US" dirty="0">
+                <a:sym typeface="Wingdings" pitchFamily="2" charset="2"/>
+              </a:rPr>
+              <a:t>)</a:t>
+            </a:r>
+            <a:endParaRPr lang="en-US" dirty="0"/>
+          </a:p>
+        </p:txBody>
+      </p:sp>
+    </p:spTree>
+    <p:extLst>
+      <p:ext uri="{BB962C8B-B14F-4D97-AF65-F5344CB8AC3E}">
+        <p14:creationId xmlns:p14="http://schemas.microsoft.com/office/powerpoint/2010/main" val="2801068454"/>
+      </p:ext>
+    </p:extLst>
+  </p:cSld>
+  <p:clrMapOvr>
+    <a:masterClrMapping/>
+  </p:clrMapOvr>
+</p:sld>
+</file>
+
+<file path=ppt/slides/slide11.xml><?xml version="1.0" encoding="utf-8"?>
+<p:sld xmlns:a="http://schemas.openxmlformats.org/drawingml/2006/main" xmlns:r="http://schemas.openxmlformats.org/officeDocument/2006/relationships" xmlns:p="http://schemas.openxmlformats.org/presentationml/2006/main">
+  <p:cSld>
+    <p:spTree>
+      <p:nvGrpSpPr>
+        <p:cNvPr id="1" name=""/>
+        <p:cNvGrpSpPr/>
+        <p:nvPr/>
+      </p:nvGrpSpPr>
+      <p:grpSpPr>
+        <a:xfrm>
+          <a:off x="0" y="0"/>
+          <a:ext cx="0" cy="0"/>
+          <a:chOff x="0" y="0"/>
+          <a:chExt cx="0" cy="0"/>
+        </a:xfrm>
+      </p:grpSpPr>
       <p:pic>
         <p:nvPicPr>
           <p:cNvPr id="3074" name="Picture 2"/>
@@ -4036,7 +4529,7 @@
           <p:nvPr/>
         </p:nvPicPr>
         <p:blipFill>
-          <a:blip r:embed="rId2" cstate="print">
+          <a:blip r:embed="rId3" cstate="print">
             <a:extLst>
               <a:ext uri="{28A0092B-C50C-407E-A947-70E740481C1C}">
                 <a14:useLocalDpi xmlns:a14="http://schemas.microsoft.com/office/drawing/2010/main" val="0"/>
@@ -4094,7 +4587,7 @@
 </p:sld>
 </file>
 
-<file path=ppt/slides/slide11.xml><?xml version="1.0" encoding="utf-8"?>
+<file path=ppt/slides/slide12.xml><?xml version="1.0" encoding="utf-8"?>
 <p:sld xmlns:a="http://schemas.openxmlformats.org/drawingml/2006/main" xmlns:r="http://schemas.openxmlformats.org/officeDocument/2006/relationships" xmlns:p="http://schemas.openxmlformats.org/presentationml/2006/main">
   <p:cSld>
     <p:spTree>
@@ -4236,7 +4729,7 @@
 </p:sld>
 </file>
 
-<file path=ppt/slides/slide12.xml><?xml version="1.0" encoding="utf-8"?>
+<file path=ppt/slides/slide13.xml><?xml version="1.0" encoding="utf-8"?>
 <p:sld xmlns:a="http://schemas.openxmlformats.org/drawingml/2006/main" xmlns:r="http://schemas.openxmlformats.org/officeDocument/2006/relationships" xmlns:p="http://schemas.openxmlformats.org/presentationml/2006/main">
   <p:cSld>
     <p:spTree>
@@ -4379,7 +4872,7 @@
 </p:sld>
 </file>
 
-<file path=ppt/slides/slide13.xml><?xml version="1.0" encoding="utf-8"?>
+<file path=ppt/slides/slide14.xml><?xml version="1.0" encoding="utf-8"?>
 <p:sld xmlns:a="http://schemas.openxmlformats.org/drawingml/2006/main" xmlns:r="http://schemas.openxmlformats.org/officeDocument/2006/relationships" xmlns:p="http://schemas.openxmlformats.org/presentationml/2006/main">
   <p:cSld>
     <p:spTree>
@@ -4889,7 +5382,7 @@
 </p:sld>
 </file>
 
-<file path=ppt/slides/slide14.xml><?xml version="1.0" encoding="utf-8"?>
+<file path=ppt/slides/slide15.xml><?xml version="1.0" encoding="utf-8"?>
 <p:sld xmlns:a="http://schemas.openxmlformats.org/drawingml/2006/main" xmlns:r="http://schemas.openxmlformats.org/officeDocument/2006/relationships" xmlns:p="http://schemas.openxmlformats.org/presentationml/2006/main">
   <p:cSld>
     <p:spTree>
@@ -5241,13 +5734,16 @@
       <p:cxnSp>
         <p:nvCxnSpPr>
           <p:cNvPr id="11" name="Straight Arrow Connector 10"/>
-          <p:cNvCxnSpPr/>
+          <p:cNvCxnSpPr>
+            <a:cxnSpLocks/>
+            <a:stCxn id="12" idx="1"/>
+          </p:cNvCxnSpPr>
           <p:nvPr/>
         </p:nvCxnSpPr>
         <p:spPr>
           <a:xfrm flipH="1" flipV="1">
             <a:off x="1950720" y="3048000"/>
-            <a:ext cx="563880" cy="304800"/>
+            <a:ext cx="563880" cy="532536"/>
           </a:xfrm>
           <a:prstGeom prst="straightConnector1">
             <a:avLst/>
@@ -5284,7 +5780,7 @@
         </p:nvSpPr>
         <p:spPr>
           <a:xfrm>
-            <a:off x="2438400" y="3251200"/>
+            <a:off x="2514600" y="3395870"/>
             <a:ext cx="4420377" cy="369332"/>
           </a:xfrm>
           <a:prstGeom prst="rect">
@@ -5427,7 +5923,7 @@
 </p:sld>
 </file>
 
-<file path=ppt/slides/slide15.xml><?xml version="1.0" encoding="utf-8"?>
+<file path=ppt/slides/slide16.xml><?xml version="1.0" encoding="utf-8"?>
 <p:sld xmlns:a="http://schemas.openxmlformats.org/drawingml/2006/main" xmlns:r="http://schemas.openxmlformats.org/officeDocument/2006/relationships" xmlns:p="http://schemas.openxmlformats.org/presentationml/2006/main">
   <p:cSld>
     <p:spTree>
@@ -5578,7 +6074,7 @@
 </p:sld>
 </file>
 
-<file path=ppt/slides/slide16.xml><?xml version="1.0" encoding="utf-8"?>
+<file path=ppt/slides/slide17.xml><?xml version="1.0" encoding="utf-8"?>
 <p:sld xmlns:a="http://schemas.openxmlformats.org/drawingml/2006/main" xmlns:r="http://schemas.openxmlformats.org/officeDocument/2006/relationships" xmlns:p="http://schemas.openxmlformats.org/presentationml/2006/main">
   <p:cSld>
     <p:spTree>
@@ -5842,7 +6338,7 @@
 </p:sld>
 </file>
 
-<file path=ppt/slides/slide17.xml><?xml version="1.0" encoding="utf-8"?>
+<file path=ppt/slides/slide18.xml><?xml version="1.0" encoding="utf-8"?>
 <p:sld xmlns:a="http://schemas.openxmlformats.org/drawingml/2006/main" xmlns:r="http://schemas.openxmlformats.org/officeDocument/2006/relationships" xmlns:p="http://schemas.openxmlformats.org/presentationml/2006/main">
   <p:cSld>
     <p:spTree>
@@ -6228,7 +6724,7 @@
 </p:sld>
 </file>
 
-<file path=ppt/slides/slide18.xml><?xml version="1.0" encoding="utf-8"?>
+<file path=ppt/slides/slide19.xml><?xml version="1.0" encoding="utf-8"?>
 <p:sld xmlns:a="http://schemas.openxmlformats.org/drawingml/2006/main" xmlns:r="http://schemas.openxmlformats.org/officeDocument/2006/relationships" xmlns:p="http://schemas.openxmlformats.org/presentationml/2006/main">
   <p:cSld>
     <p:spTree>
@@ -6841,122 +7337,6 @@
 </p:sld>
 </file>
 
-<file path=ppt/slides/slide19.xml><?xml version="1.0" encoding="utf-8"?>
-<p:sld xmlns:a="http://schemas.openxmlformats.org/drawingml/2006/main" xmlns:r="http://schemas.openxmlformats.org/officeDocument/2006/relationships" xmlns:p="http://schemas.openxmlformats.org/presentationml/2006/main">
-  <p:cSld>
-    <p:spTree>
-      <p:nvGrpSpPr>
-        <p:cNvPr id="1" name=""/>
-        <p:cNvGrpSpPr/>
-        <p:nvPr/>
-      </p:nvGrpSpPr>
-      <p:grpSpPr>
-        <a:xfrm>
-          <a:off x="0" y="0"/>
-          <a:ext cx="0" cy="0"/>
-          <a:chOff x="0" y="0"/>
-          <a:chExt cx="0" cy="0"/>
-        </a:xfrm>
-      </p:grpSpPr>
-      <p:sp>
-        <p:nvSpPr>
-          <p:cNvPr id="2" name="Title 1"/>
-          <p:cNvSpPr>
-            <a:spLocks noGrp="1"/>
-          </p:cNvSpPr>
-          <p:nvPr>
-            <p:ph type="title"/>
-          </p:nvPr>
-        </p:nvSpPr>
-        <p:spPr/>
-        <p:txBody>
-          <a:bodyPr/>
-          <a:lstStyle/>
-          <a:p>
-            <a:r>
-              <a:rPr lang="en-US" dirty="0"/>
-              <a:t>R scripts</a:t>
-            </a:r>
-          </a:p>
-        </p:txBody>
-      </p:sp>
-      <p:sp>
-        <p:nvSpPr>
-          <p:cNvPr id="3" name="Content Placeholder 2"/>
-          <p:cNvSpPr>
-            <a:spLocks noGrp="1"/>
-          </p:cNvSpPr>
-          <p:nvPr>
-            <p:ph idx="1"/>
-          </p:nvPr>
-        </p:nvSpPr>
-        <p:spPr/>
-        <p:txBody>
-          <a:bodyPr/>
-          <a:lstStyle/>
-          <a:p>
-            <a:r>
-              <a:rPr lang="en-US" dirty="0"/>
-              <a:t>A text file (e.g. lab1.r) that contains all your R code</a:t>
-            </a:r>
-          </a:p>
-          <a:p>
-            <a:r>
-              <a:rPr lang="en-US" dirty="0"/>
-              <a:t>Scientific method: complete record of your analyses</a:t>
-            </a:r>
-          </a:p>
-          <a:p>
-            <a:r>
-              <a:rPr lang="en-US" dirty="0"/>
-              <a:t>Reproducible: rerunning your code is easy for you or someone else</a:t>
-            </a:r>
-          </a:p>
-          <a:p>
-            <a:r>
-              <a:rPr lang="en-US" dirty="0"/>
-              <a:t>Easily modified and rerun</a:t>
-            </a:r>
-          </a:p>
-          <a:p>
-            <a:r>
-              <a:rPr lang="en-US" dirty="0"/>
-              <a:t>In RStudio, select code and type &lt;</a:t>
-            </a:r>
-            <a:r>
-              <a:rPr lang="en-US" dirty="0" err="1"/>
-              <a:t>ctrl+enter</a:t>
-            </a:r>
-            <a:r>
-              <a:rPr lang="en-US" dirty="0"/>
-              <a:t>&gt; to run the code in the R console</a:t>
-            </a:r>
-          </a:p>
-          <a:p>
-            <a:r>
-              <a:rPr lang="en-US" dirty="0">
-                <a:solidFill>
-                  <a:srgbClr val="FF0000"/>
-                </a:solidFill>
-              </a:rPr>
-              <a:t>SAVE YOUR SCRIPTS (unsaved scripts have red title)</a:t>
-            </a:r>
-          </a:p>
-        </p:txBody>
-      </p:sp>
-    </p:spTree>
-    <p:extLst>
-      <p:ext uri="{BB962C8B-B14F-4D97-AF65-F5344CB8AC3E}">
-        <p14:creationId xmlns:p14="http://schemas.microsoft.com/office/powerpoint/2010/main" val="811991198"/>
-      </p:ext>
-    </p:extLst>
-  </p:cSld>
-  <p:clrMapOvr>
-    <a:masterClrMapping/>
-  </p:clrMapOvr>
-</p:sld>
-</file>
-
 <file path=ppt/slides/slide2.xml><?xml version="1.0" encoding="utf-8"?>
 <p:sld xmlns:a="http://schemas.openxmlformats.org/drawingml/2006/main" xmlns:r="http://schemas.openxmlformats.org/officeDocument/2006/relationships" xmlns:p="http://schemas.openxmlformats.org/presentationml/2006/main">
   <p:cSld>
@@ -7176,6 +7556,122 @@
           <a:p>
             <a:r>
               <a:rPr lang="en-US" dirty="0"/>
+              <a:t>R scripts</a:t>
+            </a:r>
+          </a:p>
+        </p:txBody>
+      </p:sp>
+      <p:sp>
+        <p:nvSpPr>
+          <p:cNvPr id="3" name="Content Placeholder 2"/>
+          <p:cNvSpPr>
+            <a:spLocks noGrp="1"/>
+          </p:cNvSpPr>
+          <p:nvPr>
+            <p:ph idx="1"/>
+          </p:nvPr>
+        </p:nvSpPr>
+        <p:spPr/>
+        <p:txBody>
+          <a:bodyPr/>
+          <a:lstStyle/>
+          <a:p>
+            <a:r>
+              <a:rPr lang="en-US" dirty="0"/>
+              <a:t>A text file (e.g. lab1.r) that contains all your R code</a:t>
+            </a:r>
+          </a:p>
+          <a:p>
+            <a:r>
+              <a:rPr lang="en-US" dirty="0"/>
+              <a:t>Scientific method: complete record of your analyses</a:t>
+            </a:r>
+          </a:p>
+          <a:p>
+            <a:r>
+              <a:rPr lang="en-US" dirty="0"/>
+              <a:t>Reproducible: rerunning your code is easy for you or someone else</a:t>
+            </a:r>
+          </a:p>
+          <a:p>
+            <a:r>
+              <a:rPr lang="en-US" dirty="0"/>
+              <a:t>Easily modified and rerun</a:t>
+            </a:r>
+          </a:p>
+          <a:p>
+            <a:r>
+              <a:rPr lang="en-US" dirty="0"/>
+              <a:t>In RStudio, select code and type &lt;</a:t>
+            </a:r>
+            <a:r>
+              <a:rPr lang="en-US" dirty="0" err="1"/>
+              <a:t>ctrl+enter</a:t>
+            </a:r>
+            <a:r>
+              <a:rPr lang="en-US" dirty="0"/>
+              <a:t>&gt; to run the code in the R console</a:t>
+            </a:r>
+          </a:p>
+          <a:p>
+            <a:r>
+              <a:rPr lang="en-US" dirty="0">
+                <a:solidFill>
+                  <a:srgbClr val="FF0000"/>
+                </a:solidFill>
+              </a:rPr>
+              <a:t>SAVE YOUR SCRIPTS (unsaved scripts have red title)</a:t>
+            </a:r>
+          </a:p>
+        </p:txBody>
+      </p:sp>
+    </p:spTree>
+    <p:extLst>
+      <p:ext uri="{BB962C8B-B14F-4D97-AF65-F5344CB8AC3E}">
+        <p14:creationId xmlns:p14="http://schemas.microsoft.com/office/powerpoint/2010/main" val="811991198"/>
+      </p:ext>
+    </p:extLst>
+  </p:cSld>
+  <p:clrMapOvr>
+    <a:masterClrMapping/>
+  </p:clrMapOvr>
+</p:sld>
+</file>
+
+<file path=ppt/slides/slide21.xml><?xml version="1.0" encoding="utf-8"?>
+<p:sld xmlns:a="http://schemas.openxmlformats.org/drawingml/2006/main" xmlns:r="http://schemas.openxmlformats.org/officeDocument/2006/relationships" xmlns:p="http://schemas.openxmlformats.org/presentationml/2006/main">
+  <p:cSld>
+    <p:spTree>
+      <p:nvGrpSpPr>
+        <p:cNvPr id="1" name=""/>
+        <p:cNvGrpSpPr/>
+        <p:nvPr/>
+      </p:nvGrpSpPr>
+      <p:grpSpPr>
+        <a:xfrm>
+          <a:off x="0" y="0"/>
+          <a:ext cx="0" cy="0"/>
+          <a:chOff x="0" y="0"/>
+          <a:chExt cx="0" cy="0"/>
+        </a:xfrm>
+      </p:grpSpPr>
+      <p:sp>
+        <p:nvSpPr>
+          <p:cNvPr id="2" name="Title 1"/>
+          <p:cNvSpPr>
+            <a:spLocks noGrp="1"/>
+          </p:cNvSpPr>
+          <p:nvPr>
+            <p:ph type="title"/>
+          </p:nvPr>
+        </p:nvSpPr>
+        <p:spPr/>
+        <p:txBody>
+          <a:bodyPr/>
+          <a:lstStyle/>
+          <a:p>
+            <a:r>
+              <a:rPr lang="en-US" dirty="0"/>
               <a:t>RStudio quick help</a:t>
             </a:r>
           </a:p>
@@ -7356,7 +7852,7 @@
 </p:sld>
 </file>
 
-<file path=ppt/slides/slide21.xml><?xml version="1.0" encoding="utf-8"?>
+<file path=ppt/slides/slide22.xml><?xml version="1.0" encoding="utf-8"?>
 <p:sld xmlns:a="http://schemas.openxmlformats.org/drawingml/2006/main" xmlns:r="http://schemas.openxmlformats.org/officeDocument/2006/relationships" xmlns:p="http://schemas.openxmlformats.org/presentationml/2006/main">
   <p:cSld>
     <p:spTree>
@@ -7828,7 +8324,7 @@
 </p:sld>
 </file>
 
-<file path=ppt/slides/slide22.xml><?xml version="1.0" encoding="utf-8"?>
+<file path=ppt/slides/slide23.xml><?xml version="1.0" encoding="utf-8"?>
 <p:sld xmlns:a="http://schemas.openxmlformats.org/drawingml/2006/main" xmlns:r="http://schemas.openxmlformats.org/officeDocument/2006/relationships" xmlns:p="http://schemas.openxmlformats.org/presentationml/2006/main">
   <p:cSld>
     <p:spTree>
@@ -8014,7 +8510,7 @@
 </p:sld>
 </file>
 
-<file path=ppt/slides/slide23.xml><?xml version="1.0" encoding="utf-8"?>
+<file path=ppt/slides/slide24.xml><?xml version="1.0" encoding="utf-8"?>
 <p:sld xmlns:a="http://schemas.openxmlformats.org/drawingml/2006/main" xmlns:r="http://schemas.openxmlformats.org/officeDocument/2006/relationships" xmlns:p="http://schemas.openxmlformats.org/presentationml/2006/main">
   <p:cSld>
     <p:spTree>
@@ -8756,7 +9252,7 @@
 </p:sld>
 </file>
 
-<file path=ppt/slides/slide24.xml><?xml version="1.0" encoding="utf-8"?>
+<file path=ppt/slides/slide25.xml><?xml version="1.0" encoding="utf-8"?>
 <p:sld xmlns:a="http://schemas.openxmlformats.org/drawingml/2006/main" xmlns:r="http://schemas.openxmlformats.org/officeDocument/2006/relationships" xmlns:p="http://schemas.openxmlformats.org/presentationml/2006/main">
   <p:cSld>
     <p:spTree>
@@ -8920,7 +9416,7 @@
 </p:sld>
 </file>
 
-<file path=ppt/slides/slide25.xml><?xml version="1.0" encoding="utf-8"?>
+<file path=ppt/slides/slide26.xml><?xml version="1.0" encoding="utf-8"?>
 <p:sld xmlns:a="http://schemas.openxmlformats.org/drawingml/2006/main" xmlns:r="http://schemas.openxmlformats.org/officeDocument/2006/relationships" xmlns:p="http://schemas.openxmlformats.org/presentationml/2006/main">
   <p:cSld>
     <p:spTree>
@@ -9047,7 +9543,7 @@
           <a:graphicData uri="http://schemas.openxmlformats.org/presentationml/2006/ole">
             <mc:AlternateContent xmlns:mc="http://schemas.openxmlformats.org/markup-compatibility/2006">
               <mc:Choice xmlns:v="urn:schemas-microsoft-com:vml" Requires="v">
-                <p:oleObj spid="_x0000_s5196" name="Equation" r:id="rId4" imgW="939600" imgH="253800" progId="Equation.DSMT4">
+                <p:oleObj spid="_x0000_s5234" name="Equation" r:id="rId4" imgW="939600" imgH="253800" progId="Equation.DSMT4">
                   <p:embed/>
                 </p:oleObj>
               </mc:Choice>
@@ -9112,7 +9608,7 @@
           <a:graphicData uri="http://schemas.openxmlformats.org/presentationml/2006/ole">
             <mc:AlternateContent xmlns:mc="http://schemas.openxmlformats.org/markup-compatibility/2006">
               <mc:Choice xmlns:v="urn:schemas-microsoft-com:vml" Requires="v">
-                <p:oleObj spid="_x0000_s5197" name="Equation" r:id="rId6" imgW="571252" imgH="469696" progId="Equation.DSMT4">
+                <p:oleObj spid="_x0000_s5235" name="Equation" r:id="rId6" imgW="571252" imgH="469696" progId="Equation.DSMT4">
                   <p:embed/>
                 </p:oleObj>
               </mc:Choice>
@@ -9342,7 +9838,7 @@
 </p:sld>
 </file>
 
-<file path=ppt/slides/slide26.xml><?xml version="1.0" encoding="utf-8"?>
+<file path=ppt/slides/slide27.xml><?xml version="1.0" encoding="utf-8"?>
 <p:sld xmlns:a="http://schemas.openxmlformats.org/drawingml/2006/main" xmlns:r="http://schemas.openxmlformats.org/officeDocument/2006/relationships" xmlns:p="http://schemas.openxmlformats.org/presentationml/2006/main">
   <p:cSld>
     <p:spTree>
@@ -9474,6 +9970,58 @@
           </a:p>
         </p:txBody>
       </p:sp>
+      <p:pic>
+        <p:nvPicPr>
+          <p:cNvPr id="6146" name="Picture 2" descr="Data structure and data types. While data stored as a scalar, vector or...  | Download Scientific Diagram">
+            <a:extLst>
+              <a:ext uri="{FF2B5EF4-FFF2-40B4-BE49-F238E27FC236}">
+                <a16:creationId xmlns:a16="http://schemas.microsoft.com/office/drawing/2014/main" id="{A22719B4-101F-0C4E-83BD-8EA53A94FA20}"/>
+              </a:ext>
+            </a:extLst>
+          </p:cNvPr>
+          <p:cNvPicPr>
+            <a:picLocks noChangeAspect="1" noChangeArrowheads="1"/>
+          </p:cNvPicPr>
+          <p:nvPr/>
+        </p:nvPicPr>
+        <p:blipFill>
+          <a:blip r:embed="rId2">
+            <a:extLst>
+              <a:ext uri="{28A0092B-C50C-407E-A947-70E740481C1C}">
+                <a14:useLocalDpi xmlns:a14="http://schemas.microsoft.com/office/drawing/2010/main" val="0"/>
+              </a:ext>
+            </a:extLst>
+          </a:blip>
+          <a:srcRect/>
+          <a:stretch>
+            <a:fillRect/>
+          </a:stretch>
+        </p:blipFill>
+        <p:spPr bwMode="auto">
+          <a:xfrm>
+            <a:off x="5715000" y="2079853"/>
+            <a:ext cx="2971800" cy="3351129"/>
+          </a:xfrm>
+          <a:prstGeom prst="rect">
+            <a:avLst/>
+          </a:prstGeom>
+          <a:noFill/>
+          <a:ln>
+            <a:solidFill>
+              <a:schemeClr val="tx1"/>
+            </a:solidFill>
+          </a:ln>
+          <a:extLst>
+            <a:ext uri="{909E8E84-426E-40DD-AFC4-6F175D3DCCD1}">
+              <a14:hiddenFill xmlns:a14="http://schemas.microsoft.com/office/drawing/2010/main">
+                <a:solidFill>
+                  <a:srgbClr val="FFFFFF"/>
+                </a:solidFill>
+              </a14:hiddenFill>
+            </a:ext>
+          </a:extLst>
+        </p:spPr>
+      </p:pic>
     </p:spTree>
     <p:extLst>
       <p:ext uri="{BB962C8B-B14F-4D97-AF65-F5344CB8AC3E}">
@@ -9487,7 +10035,7 @@
 </p:sld>
 </file>
 
-<file path=ppt/slides/slide27.xml><?xml version="1.0" encoding="utf-8"?>
+<file path=ppt/slides/slide28.xml><?xml version="1.0" encoding="utf-8"?>
 <p:sld xmlns:a="http://schemas.openxmlformats.org/drawingml/2006/main" xmlns:r="http://schemas.openxmlformats.org/officeDocument/2006/relationships" xmlns:p="http://schemas.openxmlformats.org/presentationml/2006/main">
   <p:cSld>
     <p:spTree>
@@ -9852,7 +10400,7 @@
 </p:sld>
 </file>
 
-<file path=ppt/slides/slide28.xml><?xml version="1.0" encoding="utf-8"?>
+<file path=ppt/slides/slide29.xml><?xml version="1.0" encoding="utf-8"?>
 <p:sld xmlns:a="http://schemas.openxmlformats.org/drawingml/2006/main" xmlns:r="http://schemas.openxmlformats.org/officeDocument/2006/relationships" xmlns:p="http://schemas.openxmlformats.org/presentationml/2006/main">
   <p:cSld>
     <p:spTree>
@@ -10098,7 +10646,7 @@
                   <a:srgbClr val="FF0000"/>
                 </a:solidFill>
               </a:rPr>
-              <a:t>Usually we use double quotation marks but single quotes are treated the same</a:t>
+              <a:t>Usually we use double quotation marks, but single quotes are treated the same</a:t>
             </a:r>
           </a:p>
         </p:txBody>
@@ -10236,7 +10784,171 @@
 </p:sld>
 </file>
 
-<file path=ppt/slides/slide29.xml><?xml version="1.0" encoding="utf-8"?>
+<file path=ppt/slides/slide3.xml><?xml version="1.0" encoding="utf-8"?>
+<p:sld xmlns:a="http://schemas.openxmlformats.org/drawingml/2006/main" xmlns:r="http://schemas.openxmlformats.org/officeDocument/2006/relationships" xmlns:p="http://schemas.openxmlformats.org/presentationml/2006/main">
+  <p:cSld>
+    <p:spTree>
+      <p:nvGrpSpPr>
+        <p:cNvPr id="1" name=""/>
+        <p:cNvGrpSpPr/>
+        <p:nvPr/>
+      </p:nvGrpSpPr>
+      <p:grpSpPr>
+        <a:xfrm>
+          <a:off x="0" y="0"/>
+          <a:ext cx="0" cy="0"/>
+          <a:chOff x="0" y="0"/>
+          <a:chExt cx="0" cy="0"/>
+        </a:xfrm>
+      </p:grpSpPr>
+      <p:sp>
+        <p:nvSpPr>
+          <p:cNvPr id="2" name="Title 1"/>
+          <p:cNvSpPr>
+            <a:spLocks noGrp="1"/>
+          </p:cNvSpPr>
+          <p:nvPr>
+            <p:ph type="title"/>
+          </p:nvPr>
+        </p:nvSpPr>
+        <p:spPr/>
+        <p:txBody>
+          <a:bodyPr/>
+          <a:lstStyle/>
+          <a:p>
+            <a:r>
+              <a:rPr lang="en-US" dirty="0"/>
+              <a:t>What is R</a:t>
+            </a:r>
+          </a:p>
+        </p:txBody>
+      </p:sp>
+      <p:sp>
+        <p:nvSpPr>
+          <p:cNvPr id="3" name="Content Placeholder 2"/>
+          <p:cNvSpPr>
+            <a:spLocks noGrp="1"/>
+          </p:cNvSpPr>
+          <p:nvPr>
+            <p:ph idx="1"/>
+          </p:nvPr>
+        </p:nvSpPr>
+        <p:spPr/>
+        <p:txBody>
+          <a:bodyPr/>
+          <a:lstStyle/>
+          <a:p>
+            <a:r>
+              <a:rPr lang="en-US" dirty="0"/>
+              <a:t>An effective data handling and storage facility</a:t>
+            </a:r>
+          </a:p>
+          <a:p>
+            <a:r>
+              <a:rPr lang="en-US" dirty="0"/>
+              <a:t>A large, integrated collection of tools for </a:t>
+            </a:r>
+            <a:r>
+              <a:rPr lang="en-US" dirty="0">
+                <a:solidFill>
+                  <a:srgbClr val="00B050"/>
+                </a:solidFill>
+              </a:rPr>
+              <a:t>data analysis</a:t>
+            </a:r>
+          </a:p>
+          <a:p>
+            <a:r>
+              <a:rPr lang="en-US" dirty="0"/>
+              <a:t>A large and highly flexible collection of graphing facilities for </a:t>
+            </a:r>
+            <a:r>
+              <a:rPr lang="en-US" dirty="0">
+                <a:solidFill>
+                  <a:srgbClr val="00B050"/>
+                </a:solidFill>
+              </a:rPr>
+              <a:t>data display</a:t>
+            </a:r>
+          </a:p>
+          <a:p>
+            <a:r>
+              <a:rPr lang="en-US" dirty="0"/>
+              <a:t>A well-developed and relatively simple </a:t>
+            </a:r>
+            <a:r>
+              <a:rPr lang="en-US" dirty="0">
+                <a:solidFill>
+                  <a:srgbClr val="00B050"/>
+                </a:solidFill>
+              </a:rPr>
+              <a:t>programming language</a:t>
+            </a:r>
+          </a:p>
+          <a:p>
+            <a:pPr lvl="1"/>
+            <a:r>
+              <a:rPr lang="en-US" dirty="0"/>
+              <a:t>Conditionals (if-then-else), loops (for, while), user-defined functions, input and output</a:t>
+            </a:r>
+          </a:p>
+        </p:txBody>
+      </p:sp>
+      <p:pic>
+        <p:nvPicPr>
+          <p:cNvPr id="4" name="Picture 2" descr="R logo"/>
+          <p:cNvPicPr>
+            <a:picLocks noChangeAspect="1" noChangeArrowheads="1"/>
+          </p:cNvPicPr>
+          <p:nvPr/>
+        </p:nvPicPr>
+        <p:blipFill>
+          <a:blip r:embed="rId2">
+            <a:extLst>
+              <a:ext uri="{28A0092B-C50C-407E-A947-70E740481C1C}">
+                <a14:useLocalDpi xmlns:a14="http://schemas.microsoft.com/office/drawing/2010/main" val="0"/>
+              </a:ext>
+            </a:extLst>
+          </a:blip>
+          <a:srcRect/>
+          <a:stretch>
+            <a:fillRect/>
+          </a:stretch>
+        </p:blipFill>
+        <p:spPr bwMode="auto">
+          <a:xfrm>
+            <a:off x="2133600" y="457200"/>
+            <a:ext cx="952500" cy="723900"/>
+          </a:xfrm>
+          <a:prstGeom prst="rect">
+            <a:avLst/>
+          </a:prstGeom>
+          <a:noFill/>
+          <a:extLst>
+            <a:ext uri="{909E8E84-426E-40DD-AFC4-6F175D3DCCD1}">
+              <a14:hiddenFill xmlns:a14="http://schemas.microsoft.com/office/drawing/2010/main">
+                <a:solidFill>
+                  <a:srgbClr val="FFFFFF"/>
+                </a:solidFill>
+              </a14:hiddenFill>
+            </a:ext>
+          </a:extLst>
+        </p:spPr>
+      </p:pic>
+    </p:spTree>
+    <p:extLst>
+      <p:ext uri="{BB962C8B-B14F-4D97-AF65-F5344CB8AC3E}">
+        <p14:creationId xmlns:p14="http://schemas.microsoft.com/office/powerpoint/2010/main" val="2218832828"/>
+      </p:ext>
+    </p:extLst>
+  </p:cSld>
+  <p:clrMapOvr>
+    <a:masterClrMapping/>
+  </p:clrMapOvr>
+</p:sld>
+</file>
+
+<file path=ppt/slides/slide30.xml><?xml version="1.0" encoding="utf-8"?>
 <p:sld xmlns:a="http://schemas.openxmlformats.org/drawingml/2006/main" xmlns:r="http://schemas.openxmlformats.org/officeDocument/2006/relationships" xmlns:p="http://schemas.openxmlformats.org/presentationml/2006/main">
   <p:cSld>
     <p:spTree>
@@ -14003,275 +14715,6 @@
 </p:sld>
 </file>
 
-<file path=ppt/slides/slide3.xml><?xml version="1.0" encoding="utf-8"?>
-<p:sld xmlns:a="http://schemas.openxmlformats.org/drawingml/2006/main" xmlns:r="http://schemas.openxmlformats.org/officeDocument/2006/relationships" xmlns:p="http://schemas.openxmlformats.org/presentationml/2006/main">
-  <p:cSld>
-    <p:spTree>
-      <p:nvGrpSpPr>
-        <p:cNvPr id="1" name=""/>
-        <p:cNvGrpSpPr/>
-        <p:nvPr/>
-      </p:nvGrpSpPr>
-      <p:grpSpPr>
-        <a:xfrm>
-          <a:off x="0" y="0"/>
-          <a:ext cx="0" cy="0"/>
-          <a:chOff x="0" y="0"/>
-          <a:chExt cx="0" cy="0"/>
-        </a:xfrm>
-      </p:grpSpPr>
-      <p:sp>
-        <p:nvSpPr>
-          <p:cNvPr id="2" name="Title 1"/>
-          <p:cNvSpPr>
-            <a:spLocks noGrp="1"/>
-          </p:cNvSpPr>
-          <p:nvPr>
-            <p:ph type="title"/>
-          </p:nvPr>
-        </p:nvSpPr>
-        <p:spPr/>
-        <p:txBody>
-          <a:bodyPr/>
-          <a:lstStyle/>
-          <a:p>
-            <a:r>
-              <a:rPr lang="en-US" dirty="0"/>
-              <a:t>What is R</a:t>
-            </a:r>
-          </a:p>
-        </p:txBody>
-      </p:sp>
-      <p:sp>
-        <p:nvSpPr>
-          <p:cNvPr id="3" name="Content Placeholder 2"/>
-          <p:cNvSpPr>
-            <a:spLocks noGrp="1"/>
-          </p:cNvSpPr>
-          <p:nvPr>
-            <p:ph idx="1"/>
-          </p:nvPr>
-        </p:nvSpPr>
-        <p:spPr/>
-        <p:txBody>
-          <a:bodyPr/>
-          <a:lstStyle/>
-          <a:p>
-            <a:r>
-              <a:rPr lang="en-US" dirty="0"/>
-              <a:t>An effective data handling and storage facility</a:t>
-            </a:r>
-          </a:p>
-          <a:p>
-            <a:r>
-              <a:rPr lang="en-US" dirty="0"/>
-              <a:t>A large, integrated collection of tools for </a:t>
-            </a:r>
-            <a:r>
-              <a:rPr lang="en-US" dirty="0">
-                <a:solidFill>
-                  <a:srgbClr val="00B050"/>
-                </a:solidFill>
-              </a:rPr>
-              <a:t>data analysis</a:t>
-            </a:r>
-          </a:p>
-          <a:p>
-            <a:r>
-              <a:rPr lang="en-US" dirty="0"/>
-              <a:t>A large and highly flexible collection of graphing facilities for </a:t>
-            </a:r>
-            <a:r>
-              <a:rPr lang="en-US" dirty="0">
-                <a:solidFill>
-                  <a:srgbClr val="00B050"/>
-                </a:solidFill>
-              </a:rPr>
-              <a:t>data display</a:t>
-            </a:r>
-          </a:p>
-          <a:p>
-            <a:r>
-              <a:rPr lang="en-US" dirty="0"/>
-              <a:t>A well-developed and relatively simple </a:t>
-            </a:r>
-            <a:r>
-              <a:rPr lang="en-US" dirty="0">
-                <a:solidFill>
-                  <a:srgbClr val="00B050"/>
-                </a:solidFill>
-              </a:rPr>
-              <a:t>programming language</a:t>
-            </a:r>
-          </a:p>
-          <a:p>
-            <a:pPr lvl="1"/>
-            <a:r>
-              <a:rPr lang="en-US" dirty="0"/>
-              <a:t>Conditionals (if-then-else), loops (for, while), user-defined functions, input and output</a:t>
-            </a:r>
-          </a:p>
-        </p:txBody>
-      </p:sp>
-      <p:pic>
-        <p:nvPicPr>
-          <p:cNvPr id="4" name="Picture 2" descr="R logo"/>
-          <p:cNvPicPr>
-            <a:picLocks noChangeAspect="1" noChangeArrowheads="1"/>
-          </p:cNvPicPr>
-          <p:nvPr/>
-        </p:nvPicPr>
-        <p:blipFill>
-          <a:blip r:embed="rId2">
-            <a:extLst>
-              <a:ext uri="{28A0092B-C50C-407E-A947-70E740481C1C}">
-                <a14:useLocalDpi xmlns:a14="http://schemas.microsoft.com/office/drawing/2010/main" val="0"/>
-              </a:ext>
-            </a:extLst>
-          </a:blip>
-          <a:srcRect/>
-          <a:stretch>
-            <a:fillRect/>
-          </a:stretch>
-        </p:blipFill>
-        <p:spPr bwMode="auto">
-          <a:xfrm>
-            <a:off x="2133600" y="457200"/>
-            <a:ext cx="952500" cy="723900"/>
-          </a:xfrm>
-          <a:prstGeom prst="rect">
-            <a:avLst/>
-          </a:prstGeom>
-          <a:noFill/>
-          <a:extLst>
-            <a:ext uri="{909E8E84-426E-40DD-AFC4-6F175D3DCCD1}">
-              <a14:hiddenFill xmlns:a14="http://schemas.microsoft.com/office/drawing/2010/main">
-                <a:solidFill>
-                  <a:srgbClr val="FFFFFF"/>
-                </a:solidFill>
-              </a14:hiddenFill>
-            </a:ext>
-          </a:extLst>
-        </p:spPr>
-      </p:pic>
-    </p:spTree>
-    <p:extLst>
-      <p:ext uri="{BB962C8B-B14F-4D97-AF65-F5344CB8AC3E}">
-        <p14:creationId xmlns:p14="http://schemas.microsoft.com/office/powerpoint/2010/main" val="2218832828"/>
-      </p:ext>
-    </p:extLst>
-  </p:cSld>
-  <p:clrMapOvr>
-    <a:masterClrMapping/>
-  </p:clrMapOvr>
-</p:sld>
-</file>
-
-<file path=ppt/slides/slide30.xml><?xml version="1.0" encoding="utf-8"?>
-<p:sld xmlns:a="http://schemas.openxmlformats.org/drawingml/2006/main" xmlns:r="http://schemas.openxmlformats.org/officeDocument/2006/relationships" xmlns:p="http://schemas.openxmlformats.org/presentationml/2006/main">
-  <p:cSld>
-    <p:spTree>
-      <p:nvGrpSpPr>
-        <p:cNvPr id="1" name=""/>
-        <p:cNvGrpSpPr/>
-        <p:nvPr/>
-      </p:nvGrpSpPr>
-      <p:grpSpPr>
-        <a:xfrm>
-          <a:off x="0" y="0"/>
-          <a:ext cx="0" cy="0"/>
-          <a:chOff x="0" y="0"/>
-          <a:chExt cx="0" cy="0"/>
-        </a:xfrm>
-      </p:grpSpPr>
-      <p:pic>
-        <p:nvPicPr>
-          <p:cNvPr id="6146" name="Picture 2" descr="Pointers"/>
-          <p:cNvPicPr>
-            <a:picLocks noChangeAspect="1" noChangeArrowheads="1"/>
-          </p:cNvPicPr>
-          <p:nvPr/>
-        </p:nvPicPr>
-        <p:blipFill>
-          <a:blip r:embed="rId2">
-            <a:extLst>
-              <a:ext uri="{28A0092B-C50C-407E-A947-70E740481C1C}">
-                <a14:useLocalDpi xmlns:a14="http://schemas.microsoft.com/office/drawing/2010/main" val="0"/>
-              </a:ext>
-            </a:extLst>
-          </a:blip>
-          <a:srcRect/>
-          <a:stretch>
-            <a:fillRect/>
-          </a:stretch>
-        </p:blipFill>
-        <p:spPr bwMode="auto">
-          <a:xfrm>
-            <a:off x="1600200" y="457200"/>
-            <a:ext cx="6146968" cy="5105400"/>
-          </a:xfrm>
-          <a:prstGeom prst="rect">
-            <a:avLst/>
-          </a:prstGeom>
-          <a:noFill/>
-          <a:extLst>
-            <a:ext uri="{909E8E84-426E-40DD-AFC4-6F175D3DCCD1}">
-              <a14:hiddenFill xmlns:a14="http://schemas.microsoft.com/office/drawing/2010/main">
-                <a:solidFill>
-                  <a:srgbClr val="FFFFFF"/>
-                </a:solidFill>
-              </a14:hiddenFill>
-            </a:ext>
-          </a:extLst>
-        </p:spPr>
-      </p:pic>
-      <p:sp>
-        <p:nvSpPr>
-          <p:cNvPr id="4" name="Rectangle 3"/>
-          <p:cNvSpPr/>
-          <p:nvPr/>
-        </p:nvSpPr>
-        <p:spPr>
-          <a:xfrm>
-            <a:off x="5520148" y="5638800"/>
-            <a:ext cx="2227020" cy="369332"/>
-          </a:xfrm>
-          <a:prstGeom prst="rect">
-            <a:avLst/>
-          </a:prstGeom>
-        </p:spPr>
-        <p:txBody>
-          <a:bodyPr wrap="none">
-            <a:spAutoFit/>
-          </a:bodyPr>
-          <a:lstStyle/>
-          <a:p>
-            <a:r>
-              <a:rPr lang="en-US" dirty="0">
-                <a:solidFill>
-                  <a:schemeClr val="bg1">
-                    <a:lumMod val="50000"/>
-                  </a:schemeClr>
-                </a:solidFill>
-              </a:rPr>
-              <a:t>http://xkcd.com/138/</a:t>
-            </a:r>
-          </a:p>
-        </p:txBody>
-      </p:sp>
-    </p:spTree>
-    <p:extLst>
-      <p:ext uri="{BB962C8B-B14F-4D97-AF65-F5344CB8AC3E}">
-        <p14:creationId xmlns:p14="http://schemas.microsoft.com/office/powerpoint/2010/main" val="3702632437"/>
-      </p:ext>
-    </p:extLst>
-  </p:cSld>
-  <p:clrMapOvr>
-    <a:masterClrMapping/>
-  </p:clrMapOvr>
-</p:sld>
-</file>
-
 <file path=ppt/slides/slide31.xml><?xml version="1.0" encoding="utf-8"?>
 <p:sld xmlns:a="http://schemas.openxmlformats.org/drawingml/2006/main" xmlns:r="http://schemas.openxmlformats.org/officeDocument/2006/relationships" xmlns:p="http://schemas.openxmlformats.org/presentationml/2006/main">
   <p:cSld>
@@ -17797,7 +18240,7 @@
           <p:nvPr/>
         </p:nvPicPr>
         <p:blipFill>
-          <a:blip r:embed="rId2">
+          <a:blip r:embed="rId3">
             <a:extLst>
               <a:ext uri="{28A0092B-C50C-407E-A947-70E740481C1C}">
                 <a14:useLocalDpi xmlns:a14="http://schemas.microsoft.com/office/drawing/2010/main" val="0"/>
@@ -17841,8 +18284,8 @@
         </p:nvSpPr>
         <p:spPr>
           <a:xfrm>
-            <a:off x="457200" y="1447800"/>
-            <a:ext cx="3581400" cy="5105400"/>
+            <a:off x="457199" y="1447800"/>
+            <a:ext cx="3932583" cy="5105400"/>
           </a:xfrm>
         </p:spPr>
         <p:txBody>
@@ -17865,7 +18308,7 @@
           <a:p>
             <a:r>
               <a:rPr lang="en-US" dirty="0"/>
-              <a:t>There is a learning curve</a:t>
+              <a:t>There is a learning curve (its free, but its not cheap)</a:t>
             </a:r>
           </a:p>
           <a:p>
@@ -19679,9 +20122,9 @@
               <a:rPr lang="en-US" altLang="en-US" sz="2000" dirty="0">
                 <a:hlinkClick r:id="rId3"/>
               </a:rPr>
-              <a:t>http://ahandel.myweb.uga.edu/software/yari.pdf</a:t>
-            </a:r>
-            <a:endParaRPr lang="en-US" altLang="en-US" dirty="0"/>
+              <a:t>https://handelgroup.uga.edu/files/software/yari.zip</a:t>
+            </a:r>
+            <a:endParaRPr lang="en-US" altLang="en-US" sz="2000" dirty="0"/>
           </a:p>
           <a:p>
             <a:pPr lvl="1"/>
@@ -20076,7 +20519,7 @@
           <a:p>
             <a:r>
               <a:rPr lang="en-US" dirty="0"/>
-              <a:t>Limited statistical packages</a:t>
+              <a:t>Limited statistical capabilities</a:t>
             </a:r>
           </a:p>
           <a:p>
@@ -20361,6 +20804,333 @@
       </p:grpSpPr>
       <p:sp>
         <p:nvSpPr>
+          <p:cNvPr id="5" name="TextBox 4"/>
+          <p:cNvSpPr txBox="1"/>
+          <p:nvPr/>
+        </p:nvSpPr>
+        <p:spPr>
+          <a:xfrm>
+            <a:off x="494805" y="253129"/>
+            <a:ext cx="6838732" cy="523220"/>
+          </a:xfrm>
+          <a:prstGeom prst="rect">
+            <a:avLst/>
+          </a:prstGeom>
+          <a:noFill/>
+        </p:spPr>
+        <p:txBody>
+          <a:bodyPr wrap="none" rtlCol="0">
+            <a:spAutoFit/>
+          </a:bodyPr>
+          <a:lstStyle/>
+          <a:p>
+            <a:r>
+              <a:rPr lang="en-US" sz="2800" dirty="0"/>
+              <a:t>What about JMP? I used that in Biostatistics…</a:t>
+            </a:r>
+          </a:p>
+        </p:txBody>
+      </p:sp>
+      <p:sp>
+        <p:nvSpPr>
+          <p:cNvPr id="3" name="Content Placeholder 2">
+            <a:extLst>
+              <a:ext uri="{FF2B5EF4-FFF2-40B4-BE49-F238E27FC236}">
+                <a16:creationId xmlns:a16="http://schemas.microsoft.com/office/drawing/2014/main" id="{60CA48DF-69D2-4941-A8C8-0C84B2E0A4A5}"/>
+              </a:ext>
+            </a:extLst>
+          </p:cNvPr>
+          <p:cNvSpPr>
+            <a:spLocks noGrp="1"/>
+          </p:cNvSpPr>
+          <p:nvPr>
+            <p:ph sz="half" idx="1"/>
+          </p:nvPr>
+        </p:nvSpPr>
+        <p:spPr>
+          <a:xfrm>
+            <a:off x="457200" y="1143000"/>
+            <a:ext cx="8229600" cy="2366368"/>
+          </a:xfrm>
+          <a:ln>
+            <a:solidFill>
+              <a:schemeClr val="tx1"/>
+            </a:solidFill>
+          </a:ln>
+        </p:spPr>
+        <p:txBody>
+          <a:bodyPr>
+            <a:normAutofit fontScale="62500" lnSpcReduction="20000"/>
+          </a:bodyPr>
+          <a:lstStyle/>
+          <a:p>
+            <a:r>
+              <a:rPr lang="en-US" sz="3400" dirty="0"/>
+              <a:t>JMP is very easy to use, fully featured, very mature (continual development for over 20 years)</a:t>
+            </a:r>
+          </a:p>
+          <a:p>
+            <a:r>
+              <a:rPr lang="en-US" sz="3400" dirty="0"/>
+              <a:t>Has almost all traditional and contemporary statistical methods built-in. </a:t>
+            </a:r>
+          </a:p>
+          <a:p>
+            <a:r>
+              <a:rPr lang="en-US" sz="3400" dirty="0"/>
+              <a:t>Cannot make attractive figures/graphs (limited plotting)</a:t>
+            </a:r>
+          </a:p>
+          <a:p>
+            <a:r>
+              <a:rPr lang="en-US" sz="3400" i="1" dirty="0"/>
+              <a:t>“But, simple (reductionist) experiments should only require simple analysis techniques”</a:t>
+            </a:r>
+            <a:r>
+              <a:rPr lang="en-US" sz="3400" dirty="0"/>
+              <a:t>; OK then JMP may be OK for you.</a:t>
+            </a:r>
+          </a:p>
+          <a:p>
+            <a:endParaRPr lang="en-US" dirty="0"/>
+          </a:p>
+          <a:p>
+            <a:endParaRPr lang="en-US" sz="2400" dirty="0"/>
+          </a:p>
+        </p:txBody>
+      </p:sp>
+      <p:sp>
+        <p:nvSpPr>
+          <p:cNvPr id="12" name="Content Placeholder 11">
+            <a:extLst>
+              <a:ext uri="{FF2B5EF4-FFF2-40B4-BE49-F238E27FC236}">
+                <a16:creationId xmlns:a16="http://schemas.microsoft.com/office/drawing/2014/main" id="{F068AF73-E583-164F-A390-584E7580451B}"/>
+              </a:ext>
+            </a:extLst>
+          </p:cNvPr>
+          <p:cNvSpPr>
+            <a:spLocks noGrp="1"/>
+          </p:cNvSpPr>
+          <p:nvPr>
+            <p:ph sz="half" idx="2"/>
+          </p:nvPr>
+        </p:nvSpPr>
+        <p:spPr>
+          <a:xfrm>
+            <a:off x="457200" y="3651587"/>
+            <a:ext cx="8229600" cy="3120031"/>
+          </a:xfrm>
+          <a:ln>
+            <a:solidFill>
+              <a:schemeClr val="tx1"/>
+            </a:solidFill>
+          </a:ln>
+        </p:spPr>
+        <p:txBody>
+          <a:bodyPr>
+            <a:normAutofit fontScale="62500" lnSpcReduction="20000"/>
+          </a:bodyPr>
+          <a:lstStyle/>
+          <a:p>
+            <a:r>
+              <a:rPr lang="en-US" sz="3400" dirty="0"/>
+              <a:t>Very expensive ($1,500/year); no employer is likely to buy a copy.</a:t>
+            </a:r>
+          </a:p>
+          <a:p>
+            <a:r>
+              <a:rPr lang="en-US" sz="3400" dirty="0"/>
+              <a:t>Not widely used outside academia; but SAS is</a:t>
+            </a:r>
+          </a:p>
+          <a:p>
+            <a:r>
+              <a:rPr lang="en-US" sz="3400" dirty="0"/>
+              <a:t>Cannot do purpose-built or cutting-edge analytics; genetic analysis, proteomics, machine learning, spatial analysis, data science.</a:t>
+            </a:r>
+          </a:p>
+          <a:p>
+            <a:r>
+              <a:rPr lang="en-US" sz="3400" dirty="0"/>
+              <a:t>Cannot do modeling.</a:t>
+            </a:r>
+          </a:p>
+          <a:p>
+            <a:r>
+              <a:rPr lang="en-US" sz="3400" dirty="0"/>
+              <a:t>Workflows largely not repeatable (some scripting capability).</a:t>
+            </a:r>
+          </a:p>
+          <a:p>
+            <a:r>
+              <a:rPr lang="en-US" sz="3400" dirty="0"/>
+              <a:t>Difficult to generate reports that mix text, figures, analyses.</a:t>
+            </a:r>
+          </a:p>
+          <a:p>
+            <a:r>
+              <a:rPr lang="en-US" sz="3400" dirty="0"/>
+              <a:t>Does not generate web-based (.html) </a:t>
+            </a:r>
+            <a:r>
+              <a:rPr lang="en-US" sz="3400" dirty="0">
+                <a:hlinkClick r:id="rId3"/>
+              </a:rPr>
+              <a:t>reports</a:t>
+            </a:r>
+            <a:endParaRPr lang="en-US" sz="3400" dirty="0"/>
+          </a:p>
+          <a:p>
+            <a:r>
+              <a:rPr lang="en-US" sz="3400" dirty="0"/>
+              <a:t>Does not force an understanding of analyses; magic black box</a:t>
+            </a:r>
+          </a:p>
+          <a:p>
+            <a:endParaRPr lang="en-US" dirty="0"/>
+          </a:p>
+        </p:txBody>
+      </p:sp>
+      <p:pic>
+        <p:nvPicPr>
+          <p:cNvPr id="6" name="Picture 5">
+            <a:extLst>
+              <a:ext uri="{FF2B5EF4-FFF2-40B4-BE49-F238E27FC236}">
+                <a16:creationId xmlns:a16="http://schemas.microsoft.com/office/drawing/2014/main" id="{5BFE392F-237F-A044-A721-15538E8DFC4E}"/>
+              </a:ext>
+            </a:extLst>
+          </p:cNvPr>
+          <p:cNvPicPr>
+            <a:picLocks noChangeAspect="1"/>
+          </p:cNvPicPr>
+          <p:nvPr/>
+        </p:nvPicPr>
+        <p:blipFill>
+          <a:blip r:embed="rId4"/>
+          <a:stretch>
+            <a:fillRect/>
+          </a:stretch>
+        </p:blipFill>
+        <p:spPr>
+          <a:xfrm>
+            <a:off x="7620000" y="86381"/>
+            <a:ext cx="1374098" cy="914400"/>
+          </a:xfrm>
+          <a:prstGeom prst="rect">
+            <a:avLst/>
+          </a:prstGeom>
+        </p:spPr>
+      </p:pic>
+    </p:spTree>
+    <p:extLst>
+      <p:ext uri="{BB962C8B-B14F-4D97-AF65-F5344CB8AC3E}">
+        <p14:creationId xmlns:p14="http://schemas.microsoft.com/office/powerpoint/2010/main" val="3479587721"/>
+      </p:ext>
+    </p:extLst>
+  </p:cSld>
+  <p:clrMapOvr>
+    <a:masterClrMapping/>
+  </p:clrMapOvr>
+  <p:timing>
+    <p:tnLst>
+      <p:par>
+        <p:cTn id="1" dur="indefinite" restart="never" nodeType="tmRoot">
+          <p:childTnLst>
+            <p:seq concurrent="1" nextAc="seek">
+              <p:cTn id="2" dur="indefinite" nodeType="mainSeq">
+                <p:childTnLst>
+                  <p:par>
+                    <p:cTn id="3" fill="hold">
+                      <p:stCondLst>
+                        <p:cond delay="indefinite"/>
+                      </p:stCondLst>
+                      <p:childTnLst>
+                        <p:par>
+                          <p:cTn id="4" fill="hold">
+                            <p:stCondLst>
+                              <p:cond delay="0"/>
+                            </p:stCondLst>
+                            <p:childTnLst>
+                              <p:par>
+                                <p:cTn id="5" presetID="1" presetClass="entr" presetSubtype="0" fill="hold" grpId="0" nodeType="clickEffect">
+                                  <p:stCondLst>
+                                    <p:cond delay="0"/>
+                                  </p:stCondLst>
+                                  <p:childTnLst>
+                                    <p:set>
+                                      <p:cBhvr>
+                                        <p:cTn id="6" dur="1" fill="hold">
+                                          <p:stCondLst>
+                                            <p:cond delay="0"/>
+                                          </p:stCondLst>
+                                        </p:cTn>
+                                        <p:tgtEl>
+                                          <p:spTgt spid="12"/>
+                                        </p:tgtEl>
+                                        <p:attrNameLst>
+                                          <p:attrName>style.visibility</p:attrName>
+                                        </p:attrNameLst>
+                                      </p:cBhvr>
+                                      <p:to>
+                                        <p:strVal val="visible"/>
+                                      </p:to>
+                                    </p:set>
+                                  </p:childTnLst>
+                                </p:cTn>
+                              </p:par>
+                            </p:childTnLst>
+                          </p:cTn>
+                        </p:par>
+                      </p:childTnLst>
+                    </p:cTn>
+                  </p:par>
+                </p:childTnLst>
+              </p:cTn>
+              <p:prevCondLst>
+                <p:cond evt="onPrev" delay="0">
+                  <p:tgtEl>
+                    <p:sldTgt/>
+                  </p:tgtEl>
+                </p:cond>
+              </p:prevCondLst>
+              <p:nextCondLst>
+                <p:cond evt="onNext" delay="0">
+                  <p:tgtEl>
+                    <p:sldTgt/>
+                  </p:tgtEl>
+                </p:cond>
+              </p:nextCondLst>
+            </p:seq>
+          </p:childTnLst>
+        </p:cTn>
+      </p:par>
+    </p:tnLst>
+    <p:bldLst>
+      <p:bldP spid="12" grpId="0" uiExpand="1" animBg="1"/>
+    </p:bldLst>
+  </p:timing>
+</p:sld>
+</file>
+
+<file path=ppt/slides/slide8.xml><?xml version="1.0" encoding="utf-8"?>
+<p:sld xmlns:a="http://schemas.openxmlformats.org/drawingml/2006/main" xmlns:r="http://schemas.openxmlformats.org/officeDocument/2006/relationships" xmlns:p="http://schemas.openxmlformats.org/presentationml/2006/main">
+  <p:cSld>
+    <p:spTree>
+      <p:nvGrpSpPr>
+        <p:cNvPr id="1" name=""/>
+        <p:cNvGrpSpPr/>
+        <p:nvPr/>
+      </p:nvGrpSpPr>
+      <p:grpSpPr>
+        <a:xfrm>
+          <a:off x="0" y="0"/>
+          <a:ext cx="0" cy="0"/>
+          <a:chOff x="0" y="0"/>
+          <a:chExt cx="0" cy="0"/>
+        </a:xfrm>
+      </p:grpSpPr>
+      <p:sp>
+        <p:nvSpPr>
           <p:cNvPr id="2" name="Title 1"/>
           <p:cNvSpPr>
             <a:spLocks noGrp="1"/>
@@ -20471,7 +21241,7 @@
 </p:sld>
 </file>
 
-<file path=ppt/slides/slide8.xml><?xml version="1.0" encoding="utf-8"?>
+<file path=ppt/slides/slide9.xml><?xml version="1.0" encoding="utf-8"?>
 <p:sld xmlns:a="http://schemas.openxmlformats.org/drawingml/2006/main" xmlns:r="http://schemas.openxmlformats.org/officeDocument/2006/relationships" xmlns:p="http://schemas.openxmlformats.org/presentationml/2006/main">
   <p:cSld>
     <p:spTree>
@@ -20706,151 +21476,6 @@
     <p:extLst>
       <p:ext uri="{BB962C8B-B14F-4D97-AF65-F5344CB8AC3E}">
         <p14:creationId xmlns:p14="http://schemas.microsoft.com/office/powerpoint/2010/main" val="3623379571"/>
-      </p:ext>
-    </p:extLst>
-  </p:cSld>
-  <p:clrMapOvr>
-    <a:masterClrMapping/>
-  </p:clrMapOvr>
-</p:sld>
-</file>
-
-<file path=ppt/slides/slide9.xml><?xml version="1.0" encoding="utf-8"?>
-<p:sld xmlns:a="http://schemas.openxmlformats.org/drawingml/2006/main" xmlns:r="http://schemas.openxmlformats.org/officeDocument/2006/relationships" xmlns:p="http://schemas.openxmlformats.org/presentationml/2006/main">
-  <p:cSld>
-    <p:spTree>
-      <p:nvGrpSpPr>
-        <p:cNvPr id="1" name=""/>
-        <p:cNvGrpSpPr/>
-        <p:nvPr/>
-      </p:nvGrpSpPr>
-      <p:grpSpPr>
-        <a:xfrm>
-          <a:off x="0" y="0"/>
-          <a:ext cx="0" cy="0"/>
-          <a:chOff x="0" y="0"/>
-          <a:chExt cx="0" cy="0"/>
-        </a:xfrm>
-      </p:grpSpPr>
-      <p:sp>
-        <p:nvSpPr>
-          <p:cNvPr id="2" name="Title 1"/>
-          <p:cNvSpPr>
-            <a:spLocks noGrp="1"/>
-          </p:cNvSpPr>
-          <p:nvPr>
-            <p:ph type="title"/>
-          </p:nvPr>
-        </p:nvSpPr>
-        <p:spPr/>
-        <p:txBody>
-          <a:bodyPr/>
-          <a:lstStyle/>
-          <a:p>
-            <a:r>
-              <a:rPr lang="en-US" dirty="0"/>
-              <a:t>Learning R</a:t>
-            </a:r>
-          </a:p>
-        </p:txBody>
-      </p:sp>
-      <p:sp>
-        <p:nvSpPr>
-          <p:cNvPr id="3" name="Content Placeholder 2"/>
-          <p:cNvSpPr>
-            <a:spLocks noGrp="1"/>
-          </p:cNvSpPr>
-          <p:nvPr>
-            <p:ph idx="1"/>
-          </p:nvPr>
-        </p:nvSpPr>
-        <p:spPr/>
-        <p:txBody>
-          <a:bodyPr/>
-          <a:lstStyle/>
-          <a:p>
-            <a:r>
-              <a:rPr lang="en-US" dirty="0"/>
-              <a:t>R is a programming language, the learning curve can be steep (R is free, but its not cheap)</a:t>
-            </a:r>
-          </a:p>
-          <a:p>
-            <a:r>
-              <a:rPr lang="en-US" dirty="0"/>
-              <a:t>Very rewarding to become fluent: you can do more</a:t>
-            </a:r>
-          </a:p>
-          <a:p>
-            <a:r>
-              <a:rPr lang="en-US" dirty="0"/>
-              <a:t>Be patient and creative</a:t>
-            </a:r>
-          </a:p>
-          <a:p>
-            <a:r>
-              <a:rPr lang="en-US" dirty="0"/>
-              <a:t>Lots of help files, online sources, books, and graduate students in your lab</a:t>
-            </a:r>
-          </a:p>
-          <a:p>
-            <a:pPr lvl="1"/>
-            <a:r>
-              <a:rPr lang="en-US" dirty="0"/>
-              <a:t>Course readings</a:t>
-            </a:r>
-          </a:p>
-          <a:p>
-            <a:pPr lvl="1"/>
-            <a:r>
-              <a:rPr lang="en-US" dirty="0"/>
-              <a:t>Books: R graphics (Murrell), The R book (Crawley), A primer of ecology with R (Stevens)</a:t>
-            </a:r>
-          </a:p>
-          <a:p>
-            <a:pPr lvl="1"/>
-            <a:r>
-              <a:rPr lang="en-US" dirty="0"/>
-              <a:t>R reference card 2.0 (Baggott)</a:t>
-            </a:r>
-          </a:p>
-          <a:p>
-            <a:pPr lvl="1"/>
-            <a:r>
-              <a:rPr lang="en-US" dirty="0"/>
-              <a:t>R-Studio ‘</a:t>
-            </a:r>
-            <a:r>
-              <a:rPr lang="en-US" dirty="0" err="1"/>
-              <a:t>cheatsheets</a:t>
-            </a:r>
-            <a:r>
-              <a:rPr lang="en-US" dirty="0"/>
-              <a:t>’ (</a:t>
-            </a:r>
-            <a:r>
-              <a:rPr lang="en-US" dirty="0" err="1"/>
-              <a:t>Help</a:t>
-            </a:r>
-            <a:r>
-              <a:rPr lang="en-US" dirty="0" err="1">
-                <a:sym typeface="Wingdings" pitchFamily="2" charset="2"/>
-              </a:rPr>
-              <a:t>Cheatsheets</a:t>
-            </a:r>
-            <a:r>
-              <a:rPr lang="en-US" dirty="0">
-                <a:sym typeface="Wingdings" pitchFamily="2" charset="2"/>
-              </a:rPr>
-              <a:t>)</a:t>
-            </a:r>
-            <a:endParaRPr lang="en-US" dirty="0"/>
-          </a:p>
-        </p:txBody>
-      </p:sp>
-    </p:spTree>
-    <p:extLst>
-      <p:ext uri="{BB962C8B-B14F-4D97-AF65-F5344CB8AC3E}">
-        <p14:creationId xmlns:p14="http://schemas.microsoft.com/office/powerpoint/2010/main" val="2801068454"/>
       </p:ext>
     </p:extLst>
   </p:cSld>

--- a/1-Introduction to R and Rstudio.pptx
+++ b/1-Introduction to R and Rstudio.pptx
@@ -5,7 +5,7 @@
     <p:sldMasterId id="2147483648" r:id="rId1"/>
   </p:sldMasterIdLst>
   <p:notesMasterIdLst>
-    <p:notesMasterId r:id="rId49"/>
+    <p:notesMasterId r:id="rId52"/>
   </p:notesMasterIdLst>
   <p:sldIdLst>
     <p:sldId id="256" r:id="rId2"/>
@@ -17,44 +17,47 @@
     <p:sldId id="307" r:id="rId8"/>
     <p:sldId id="266" r:id="rId9"/>
     <p:sldId id="267" r:id="rId10"/>
-    <p:sldId id="268" r:id="rId11"/>
-    <p:sldId id="269" r:id="rId12"/>
-    <p:sldId id="270" r:id="rId13"/>
-    <p:sldId id="273" r:id="rId14"/>
-    <p:sldId id="272" r:id="rId15"/>
-    <p:sldId id="274" r:id="rId16"/>
-    <p:sldId id="275" r:id="rId17"/>
-    <p:sldId id="276" r:id="rId18"/>
-    <p:sldId id="271" r:id="rId19"/>
-    <p:sldId id="277" r:id="rId20"/>
-    <p:sldId id="280" r:id="rId21"/>
-    <p:sldId id="278" r:id="rId22"/>
-    <p:sldId id="281" r:id="rId23"/>
-    <p:sldId id="282" r:id="rId24"/>
-    <p:sldId id="283" r:id="rId25"/>
-    <p:sldId id="279" r:id="rId26"/>
-    <p:sldId id="285" r:id="rId27"/>
-    <p:sldId id="286" r:id="rId28"/>
-    <p:sldId id="287" r:id="rId29"/>
-    <p:sldId id="297" r:id="rId30"/>
-    <p:sldId id="303" r:id="rId31"/>
-    <p:sldId id="288" r:id="rId32"/>
-    <p:sldId id="289" r:id="rId33"/>
-    <p:sldId id="290" r:id="rId34"/>
-    <p:sldId id="291" r:id="rId35"/>
-    <p:sldId id="292" r:id="rId36"/>
-    <p:sldId id="299" r:id="rId37"/>
-    <p:sldId id="293" r:id="rId38"/>
-    <p:sldId id="294" r:id="rId39"/>
-    <p:sldId id="295" r:id="rId40"/>
-    <p:sldId id="296" r:id="rId41"/>
-    <p:sldId id="300" r:id="rId42"/>
-    <p:sldId id="301" r:id="rId43"/>
-    <p:sldId id="302" r:id="rId44"/>
-    <p:sldId id="305" r:id="rId45"/>
-    <p:sldId id="258" r:id="rId46"/>
-    <p:sldId id="306" r:id="rId47"/>
-    <p:sldId id="284" r:id="rId48"/>
+    <p:sldId id="310" r:id="rId11"/>
+    <p:sldId id="309" r:id="rId12"/>
+    <p:sldId id="308" r:id="rId13"/>
+    <p:sldId id="268" r:id="rId14"/>
+    <p:sldId id="269" r:id="rId15"/>
+    <p:sldId id="270" r:id="rId16"/>
+    <p:sldId id="273" r:id="rId17"/>
+    <p:sldId id="272" r:id="rId18"/>
+    <p:sldId id="274" r:id="rId19"/>
+    <p:sldId id="275" r:id="rId20"/>
+    <p:sldId id="276" r:id="rId21"/>
+    <p:sldId id="271" r:id="rId22"/>
+    <p:sldId id="277" r:id="rId23"/>
+    <p:sldId id="280" r:id="rId24"/>
+    <p:sldId id="278" r:id="rId25"/>
+    <p:sldId id="281" r:id="rId26"/>
+    <p:sldId id="282" r:id="rId27"/>
+    <p:sldId id="283" r:id="rId28"/>
+    <p:sldId id="279" r:id="rId29"/>
+    <p:sldId id="285" r:id="rId30"/>
+    <p:sldId id="286" r:id="rId31"/>
+    <p:sldId id="287" r:id="rId32"/>
+    <p:sldId id="297" r:id="rId33"/>
+    <p:sldId id="303" r:id="rId34"/>
+    <p:sldId id="288" r:id="rId35"/>
+    <p:sldId id="289" r:id="rId36"/>
+    <p:sldId id="290" r:id="rId37"/>
+    <p:sldId id="291" r:id="rId38"/>
+    <p:sldId id="292" r:id="rId39"/>
+    <p:sldId id="299" r:id="rId40"/>
+    <p:sldId id="293" r:id="rId41"/>
+    <p:sldId id="294" r:id="rId42"/>
+    <p:sldId id="295" r:id="rId43"/>
+    <p:sldId id="296" r:id="rId44"/>
+    <p:sldId id="300" r:id="rId45"/>
+    <p:sldId id="301" r:id="rId46"/>
+    <p:sldId id="302" r:id="rId47"/>
+    <p:sldId id="305" r:id="rId48"/>
+    <p:sldId id="258" r:id="rId49"/>
+    <p:sldId id="306" r:id="rId50"/>
+    <p:sldId id="284" r:id="rId51"/>
   </p:sldIdLst>
   <p:sldSz cx="9144000" cy="6858000" type="screen4x3"/>
   <p:notesSz cx="6858000" cy="9144000"/>
@@ -254,7 +257,7 @@
           <a:p>
             <a:fld id="{4423FC37-365B-BC41-AA8A-8A54106CC33D}" type="datetimeFigureOut">
               <a:rPr lang="en-US" smtClean="0"/>
-              <a:t>10/14/20</a:t>
+              <a:t>10/12/21</a:t>
             </a:fld>
             <a:endParaRPr lang="en-US"/>
           </a:p>
@@ -608,6 +611,429 @@
 </p:notes>
 </file>
 
+<file path=ppt/notesSlides/notesSlide10.xml><?xml version="1.0" encoding="utf-8"?>
+<p:notes xmlns:a="http://schemas.openxmlformats.org/drawingml/2006/main" xmlns:r="http://schemas.openxmlformats.org/officeDocument/2006/relationships" xmlns:p="http://schemas.openxmlformats.org/presentationml/2006/main">
+  <p:cSld>
+    <p:spTree>
+      <p:nvGrpSpPr>
+        <p:cNvPr id="1" name=""/>
+        <p:cNvGrpSpPr/>
+        <p:nvPr/>
+      </p:nvGrpSpPr>
+      <p:grpSpPr>
+        <a:xfrm>
+          <a:off x="0" y="0"/>
+          <a:ext cx="0" cy="0"/>
+          <a:chOff x="0" y="0"/>
+          <a:chExt cx="0" cy="0"/>
+        </a:xfrm>
+      </p:grpSpPr>
+      <p:sp>
+        <p:nvSpPr>
+          <p:cNvPr id="2" name="Slide Image Placeholder 1"/>
+          <p:cNvSpPr>
+            <a:spLocks noGrp="1" noRot="1" noChangeAspect="1"/>
+          </p:cNvSpPr>
+          <p:nvPr>
+            <p:ph type="sldImg"/>
+          </p:nvPr>
+        </p:nvSpPr>
+        <p:spPr/>
+      </p:sp>
+      <p:sp>
+        <p:nvSpPr>
+          <p:cNvPr id="3" name="Notes Placeholder 2"/>
+          <p:cNvSpPr>
+            <a:spLocks noGrp="1"/>
+          </p:cNvSpPr>
+          <p:nvPr>
+            <p:ph type="body" idx="1"/>
+          </p:nvPr>
+        </p:nvSpPr>
+        <p:spPr/>
+        <p:txBody>
+          <a:bodyPr/>
+          <a:lstStyle/>
+          <a:p>
+            <a:endParaRPr lang="en-US" dirty="0"/>
+          </a:p>
+        </p:txBody>
+      </p:sp>
+      <p:sp>
+        <p:nvSpPr>
+          <p:cNvPr id="4" name="Slide Number Placeholder 3"/>
+          <p:cNvSpPr>
+            <a:spLocks noGrp="1"/>
+          </p:cNvSpPr>
+          <p:nvPr>
+            <p:ph type="sldNum" sz="quarter" idx="5"/>
+          </p:nvPr>
+        </p:nvSpPr>
+        <p:spPr/>
+        <p:txBody>
+          <a:bodyPr/>
+          <a:lstStyle/>
+          <a:p>
+            <a:fld id="{C17ADF25-8215-F840-935D-DDE3E3B0A995}" type="slidenum">
+              <a:rPr lang="en-US" smtClean="0"/>
+              <a:t>13</a:t>
+            </a:fld>
+            <a:endParaRPr lang="en-US"/>
+          </a:p>
+        </p:txBody>
+      </p:sp>
+    </p:spTree>
+    <p:extLst>
+      <p:ext uri="{BB962C8B-B14F-4D97-AF65-F5344CB8AC3E}">
+        <p14:creationId xmlns:p14="http://schemas.microsoft.com/office/powerpoint/2010/main" val="4136517986"/>
+      </p:ext>
+    </p:extLst>
+  </p:cSld>
+  <p:clrMapOvr>
+    <a:masterClrMapping/>
+  </p:clrMapOvr>
+</p:notes>
+</file>
+
+<file path=ppt/notesSlides/notesSlide11.xml><?xml version="1.0" encoding="utf-8"?>
+<p:notes xmlns:a="http://schemas.openxmlformats.org/drawingml/2006/main" xmlns:r="http://schemas.openxmlformats.org/officeDocument/2006/relationships" xmlns:p="http://schemas.openxmlformats.org/presentationml/2006/main">
+  <p:cSld>
+    <p:spTree>
+      <p:nvGrpSpPr>
+        <p:cNvPr id="1" name=""/>
+        <p:cNvGrpSpPr/>
+        <p:nvPr/>
+      </p:nvGrpSpPr>
+      <p:grpSpPr>
+        <a:xfrm>
+          <a:off x="0" y="0"/>
+          <a:ext cx="0" cy="0"/>
+          <a:chOff x="0" y="0"/>
+          <a:chExt cx="0" cy="0"/>
+        </a:xfrm>
+      </p:grpSpPr>
+      <p:sp>
+        <p:nvSpPr>
+          <p:cNvPr id="2" name="Slide Image Placeholder 1"/>
+          <p:cNvSpPr>
+            <a:spLocks noGrp="1" noRot="1" noChangeAspect="1"/>
+          </p:cNvSpPr>
+          <p:nvPr>
+            <p:ph type="sldImg"/>
+          </p:nvPr>
+        </p:nvSpPr>
+        <p:spPr/>
+      </p:sp>
+      <p:sp>
+        <p:nvSpPr>
+          <p:cNvPr id="3" name="Notes Placeholder 2"/>
+          <p:cNvSpPr>
+            <a:spLocks noGrp="1"/>
+          </p:cNvSpPr>
+          <p:nvPr>
+            <p:ph type="body" idx="1"/>
+          </p:nvPr>
+        </p:nvSpPr>
+        <p:spPr/>
+        <p:txBody>
+          <a:bodyPr/>
+          <a:lstStyle/>
+          <a:p>
+            <a:r>
+              <a:rPr lang="en-US" dirty="0"/>
+              <a:t>R is a language….learn the lingo.</a:t>
+            </a:r>
+          </a:p>
+        </p:txBody>
+      </p:sp>
+      <p:sp>
+        <p:nvSpPr>
+          <p:cNvPr id="4" name="Slide Number Placeholder 3"/>
+          <p:cNvSpPr>
+            <a:spLocks noGrp="1"/>
+          </p:cNvSpPr>
+          <p:nvPr>
+            <p:ph type="sldNum" sz="quarter" idx="5"/>
+          </p:nvPr>
+        </p:nvSpPr>
+        <p:spPr/>
+        <p:txBody>
+          <a:bodyPr/>
+          <a:lstStyle/>
+          <a:p>
+            <a:fld id="{C17ADF25-8215-F840-935D-DDE3E3B0A995}" type="slidenum">
+              <a:rPr lang="en-US" smtClean="0"/>
+              <a:t>14</a:t>
+            </a:fld>
+            <a:endParaRPr lang="en-US"/>
+          </a:p>
+        </p:txBody>
+      </p:sp>
+    </p:spTree>
+    <p:extLst>
+      <p:ext uri="{BB962C8B-B14F-4D97-AF65-F5344CB8AC3E}">
+        <p14:creationId xmlns:p14="http://schemas.microsoft.com/office/powerpoint/2010/main" val="2857169988"/>
+      </p:ext>
+    </p:extLst>
+  </p:cSld>
+  <p:clrMapOvr>
+    <a:masterClrMapping/>
+  </p:clrMapOvr>
+</p:notes>
+</file>
+
+<file path=ppt/notesSlides/notesSlide12.xml><?xml version="1.0" encoding="utf-8"?>
+<p:notes xmlns:a="http://schemas.openxmlformats.org/drawingml/2006/main" xmlns:r="http://schemas.openxmlformats.org/officeDocument/2006/relationships" xmlns:p="http://schemas.openxmlformats.org/presentationml/2006/main">
+  <p:cSld>
+    <p:spTree>
+      <p:nvGrpSpPr>
+        <p:cNvPr id="1" name=""/>
+        <p:cNvGrpSpPr/>
+        <p:nvPr/>
+      </p:nvGrpSpPr>
+      <p:grpSpPr>
+        <a:xfrm>
+          <a:off x="0" y="0"/>
+          <a:ext cx="0" cy="0"/>
+          <a:chOff x="0" y="0"/>
+          <a:chExt cx="0" cy="0"/>
+        </a:xfrm>
+      </p:grpSpPr>
+      <p:sp>
+        <p:nvSpPr>
+          <p:cNvPr id="2" name="Slide Image Placeholder 1"/>
+          <p:cNvSpPr>
+            <a:spLocks noGrp="1" noRot="1" noChangeAspect="1"/>
+          </p:cNvSpPr>
+          <p:nvPr>
+            <p:ph type="sldImg"/>
+          </p:nvPr>
+        </p:nvSpPr>
+        <p:spPr/>
+      </p:sp>
+      <p:sp>
+        <p:nvSpPr>
+          <p:cNvPr id="3" name="Notes Placeholder 2"/>
+          <p:cNvSpPr>
+            <a:spLocks noGrp="1"/>
+          </p:cNvSpPr>
+          <p:nvPr>
+            <p:ph type="body" idx="1"/>
+          </p:nvPr>
+        </p:nvSpPr>
+        <p:spPr/>
+        <p:txBody>
+          <a:bodyPr/>
+          <a:lstStyle/>
+          <a:p>
+            <a:endParaRPr lang="en-US" dirty="0"/>
+          </a:p>
+        </p:txBody>
+      </p:sp>
+      <p:sp>
+        <p:nvSpPr>
+          <p:cNvPr id="4" name="Slide Number Placeholder 3"/>
+          <p:cNvSpPr>
+            <a:spLocks noGrp="1"/>
+          </p:cNvSpPr>
+          <p:nvPr>
+            <p:ph type="sldNum" sz="quarter" idx="5"/>
+          </p:nvPr>
+        </p:nvSpPr>
+        <p:spPr/>
+        <p:txBody>
+          <a:bodyPr/>
+          <a:lstStyle/>
+          <a:p>
+            <a:fld id="{C17ADF25-8215-F840-935D-DDE3E3B0A995}" type="slidenum">
+              <a:rPr lang="en-US" smtClean="0"/>
+              <a:t>28</a:t>
+            </a:fld>
+            <a:endParaRPr lang="en-US"/>
+          </a:p>
+        </p:txBody>
+      </p:sp>
+    </p:spTree>
+    <p:extLst>
+      <p:ext uri="{BB962C8B-B14F-4D97-AF65-F5344CB8AC3E}">
+        <p14:creationId xmlns:p14="http://schemas.microsoft.com/office/powerpoint/2010/main" val="3192620793"/>
+      </p:ext>
+    </p:extLst>
+  </p:cSld>
+  <p:clrMapOvr>
+    <a:masterClrMapping/>
+  </p:clrMapOvr>
+</p:notes>
+</file>
+
+<file path=ppt/notesSlides/notesSlide13.xml><?xml version="1.0" encoding="utf-8"?>
+<p:notes xmlns:a="http://schemas.openxmlformats.org/drawingml/2006/main" xmlns:r="http://schemas.openxmlformats.org/officeDocument/2006/relationships" xmlns:p="http://schemas.openxmlformats.org/presentationml/2006/main">
+  <p:cSld>
+    <p:spTree>
+      <p:nvGrpSpPr>
+        <p:cNvPr id="1" name=""/>
+        <p:cNvGrpSpPr/>
+        <p:nvPr/>
+      </p:nvGrpSpPr>
+      <p:grpSpPr>
+        <a:xfrm>
+          <a:off x="0" y="0"/>
+          <a:ext cx="0" cy="0"/>
+          <a:chOff x="0" y="0"/>
+          <a:chExt cx="0" cy="0"/>
+        </a:xfrm>
+      </p:grpSpPr>
+      <p:sp>
+        <p:nvSpPr>
+          <p:cNvPr id="2" name="Slide Image Placeholder 1"/>
+          <p:cNvSpPr>
+            <a:spLocks noGrp="1" noRot="1" noChangeAspect="1"/>
+          </p:cNvSpPr>
+          <p:nvPr>
+            <p:ph type="sldImg"/>
+          </p:nvPr>
+        </p:nvSpPr>
+        <p:spPr/>
+      </p:sp>
+      <p:sp>
+        <p:nvSpPr>
+          <p:cNvPr id="3" name="Notes Placeholder 2"/>
+          <p:cNvSpPr>
+            <a:spLocks noGrp="1"/>
+          </p:cNvSpPr>
+          <p:nvPr>
+            <p:ph type="body" idx="1"/>
+          </p:nvPr>
+        </p:nvSpPr>
+        <p:spPr/>
+        <p:txBody>
+          <a:bodyPr/>
+          <a:lstStyle/>
+          <a:p>
+            <a:endParaRPr lang="en-US" dirty="0"/>
+          </a:p>
+        </p:txBody>
+      </p:sp>
+      <p:sp>
+        <p:nvSpPr>
+          <p:cNvPr id="4" name="Slide Number Placeholder 3"/>
+          <p:cNvSpPr>
+            <a:spLocks noGrp="1"/>
+          </p:cNvSpPr>
+          <p:nvPr>
+            <p:ph type="sldNum" sz="quarter" idx="5"/>
+          </p:nvPr>
+        </p:nvSpPr>
+        <p:spPr/>
+        <p:txBody>
+          <a:bodyPr/>
+          <a:lstStyle/>
+          <a:p>
+            <a:fld id="{C17ADF25-8215-F840-935D-DDE3E3B0A995}" type="slidenum">
+              <a:rPr lang="en-US" smtClean="0"/>
+              <a:t>29</a:t>
+            </a:fld>
+            <a:endParaRPr lang="en-US"/>
+          </a:p>
+        </p:txBody>
+      </p:sp>
+    </p:spTree>
+    <p:extLst>
+      <p:ext uri="{BB962C8B-B14F-4D97-AF65-F5344CB8AC3E}">
+        <p14:creationId xmlns:p14="http://schemas.microsoft.com/office/powerpoint/2010/main" val="473637897"/>
+      </p:ext>
+    </p:extLst>
+  </p:cSld>
+  <p:clrMapOvr>
+    <a:masterClrMapping/>
+  </p:clrMapOvr>
+</p:notes>
+</file>
+
+<file path=ppt/notesSlides/notesSlide14.xml><?xml version="1.0" encoding="utf-8"?>
+<p:notes xmlns:a="http://schemas.openxmlformats.org/drawingml/2006/main" xmlns:r="http://schemas.openxmlformats.org/officeDocument/2006/relationships" xmlns:p="http://schemas.openxmlformats.org/presentationml/2006/main">
+  <p:cSld>
+    <p:spTree>
+      <p:nvGrpSpPr>
+        <p:cNvPr id="1" name=""/>
+        <p:cNvGrpSpPr/>
+        <p:nvPr/>
+      </p:nvGrpSpPr>
+      <p:grpSpPr>
+        <a:xfrm>
+          <a:off x="0" y="0"/>
+          <a:ext cx="0" cy="0"/>
+          <a:chOff x="0" y="0"/>
+          <a:chExt cx="0" cy="0"/>
+        </a:xfrm>
+      </p:grpSpPr>
+      <p:sp>
+        <p:nvSpPr>
+          <p:cNvPr id="2" name="Slide Image Placeholder 1"/>
+          <p:cNvSpPr>
+            <a:spLocks noGrp="1" noRot="1" noChangeAspect="1"/>
+          </p:cNvSpPr>
+          <p:nvPr>
+            <p:ph type="sldImg"/>
+          </p:nvPr>
+        </p:nvSpPr>
+        <p:spPr/>
+      </p:sp>
+      <p:sp>
+        <p:nvSpPr>
+          <p:cNvPr id="3" name="Notes Placeholder 2"/>
+          <p:cNvSpPr>
+            <a:spLocks noGrp="1"/>
+          </p:cNvSpPr>
+          <p:nvPr>
+            <p:ph type="body" idx="1"/>
+          </p:nvPr>
+        </p:nvSpPr>
+        <p:spPr/>
+        <p:txBody>
+          <a:bodyPr/>
+          <a:lstStyle/>
+          <a:p>
+            <a:endParaRPr lang="en-US" dirty="0"/>
+          </a:p>
+        </p:txBody>
+      </p:sp>
+      <p:sp>
+        <p:nvSpPr>
+          <p:cNvPr id="4" name="Slide Number Placeholder 3"/>
+          <p:cNvSpPr>
+            <a:spLocks noGrp="1"/>
+          </p:cNvSpPr>
+          <p:nvPr>
+            <p:ph type="sldNum" sz="quarter" idx="5"/>
+          </p:nvPr>
+        </p:nvSpPr>
+        <p:spPr/>
+        <p:txBody>
+          <a:bodyPr/>
+          <a:lstStyle/>
+          <a:p>
+            <a:fld id="{C17ADF25-8215-F840-935D-DDE3E3B0A995}" type="slidenum">
+              <a:rPr lang="en-US" smtClean="0"/>
+              <a:t>41</a:t>
+            </a:fld>
+            <a:endParaRPr lang="en-US"/>
+          </a:p>
+        </p:txBody>
+      </p:sp>
+    </p:spTree>
+    <p:extLst>
+      <p:ext uri="{BB962C8B-B14F-4D97-AF65-F5344CB8AC3E}">
+        <p14:creationId xmlns:p14="http://schemas.microsoft.com/office/powerpoint/2010/main" val="1773387343"/>
+      </p:ext>
+    </p:extLst>
+  </p:cSld>
+  <p:clrMapOvr>
+    <a:masterClrMapping/>
+  </p:clrMapOvr>
+</p:notes>
+</file>
+
 <file path=ppt/notesSlides/notesSlide2.xml><?xml version="1.0" encoding="utf-8"?>
 <p:notes xmlns:a="http://schemas.openxmlformats.org/drawingml/2006/main" xmlns:r="http://schemas.openxmlformats.org/officeDocument/2006/relationships" xmlns:p="http://schemas.openxmlformats.org/presentationml/2006/main">
   <p:cSld>
@@ -1148,10 +1574,213 @@
           <a:bodyPr/>
           <a:lstStyle/>
           <a:p>
-            <a:r>
-              <a:rPr lang="en-US" dirty="0"/>
-              <a:t>R is a language….learn the lingo.</a:t>
-            </a:r>
+            <a:pPr marL="0" marR="0" lvl="0" indent="0" algn="l" defTabSz="914400" rtl="0" eaLnBrk="1" fontAlgn="auto" latinLnBrk="0" hangingPunct="1">
+              <a:lnSpc>
+                <a:spcPct val="100000"/>
+              </a:lnSpc>
+              <a:spcBef>
+                <a:spcPts val="0"/>
+              </a:spcBef>
+              <a:spcAft>
+                <a:spcPts val="0"/>
+              </a:spcAft>
+              <a:buClrTx/>
+              <a:buSzTx/>
+              <a:buFontTx/>
+              <a:buNone/>
+              <a:tabLst/>
+              <a:defRPr/>
+            </a:pPr>
+            <a:r>
+              <a:rPr lang="en-US" sz="1200" b="0" i="0" kern="1200" dirty="0">
+                <a:solidFill>
+                  <a:schemeClr val="tx1"/>
+                </a:solidFill>
+                <a:effectLst/>
+                <a:latin typeface="+mn-lt"/>
+                <a:ea typeface="+mn-ea"/>
+                <a:cs typeface="+mn-cs"/>
+              </a:rPr>
+              <a:t>Lai, J., </a:t>
+            </a:r>
+            <a:r>
+              <a:rPr lang="en-US" sz="1200" b="0" i="0" kern="1200" dirty="0" err="1">
+                <a:solidFill>
+                  <a:schemeClr val="tx1"/>
+                </a:solidFill>
+                <a:effectLst/>
+                <a:latin typeface="+mn-lt"/>
+                <a:ea typeface="+mn-ea"/>
+                <a:cs typeface="+mn-cs"/>
+              </a:rPr>
+              <a:t>Lortie</a:t>
+            </a:r>
+            <a:r>
+              <a:rPr lang="en-US" sz="1200" b="0" i="0" kern="1200" dirty="0">
+                <a:solidFill>
+                  <a:schemeClr val="tx1"/>
+                </a:solidFill>
+                <a:effectLst/>
+                <a:latin typeface="+mn-lt"/>
+                <a:ea typeface="+mn-ea"/>
+                <a:cs typeface="+mn-cs"/>
+              </a:rPr>
+              <a:t>, C. J., </a:t>
+            </a:r>
+            <a:r>
+              <a:rPr lang="en-US" sz="1200" b="0" i="0" kern="1200" dirty="0" err="1">
+                <a:solidFill>
+                  <a:schemeClr val="tx1"/>
+                </a:solidFill>
+                <a:effectLst/>
+                <a:latin typeface="+mn-lt"/>
+                <a:ea typeface="+mn-ea"/>
+                <a:cs typeface="+mn-cs"/>
+              </a:rPr>
+              <a:t>Muenchen</a:t>
+            </a:r>
+            <a:r>
+              <a:rPr lang="en-US" sz="1200" b="0" i="0" kern="1200" dirty="0">
+                <a:solidFill>
+                  <a:schemeClr val="tx1"/>
+                </a:solidFill>
+                <a:effectLst/>
+                <a:latin typeface="+mn-lt"/>
+                <a:ea typeface="+mn-ea"/>
+                <a:cs typeface="+mn-cs"/>
+              </a:rPr>
+              <a:t>, R. A., Yang, J., and Ma, K.. 2019. Evaluating the popularity of R in ecology. </a:t>
+            </a:r>
+            <a:r>
+              <a:rPr lang="en-US" sz="1200" b="0" i="1" kern="1200" dirty="0">
+                <a:solidFill>
+                  <a:schemeClr val="tx1"/>
+                </a:solidFill>
+                <a:effectLst/>
+                <a:latin typeface="+mn-lt"/>
+                <a:ea typeface="+mn-ea"/>
+                <a:cs typeface="+mn-cs"/>
+              </a:rPr>
+              <a:t>Ecosphere</a:t>
+            </a:r>
+            <a:r>
+              <a:rPr lang="en-US" sz="1200" b="0" i="0" kern="1200" dirty="0">
+                <a:solidFill>
+                  <a:schemeClr val="tx1"/>
+                </a:solidFill>
+                <a:effectLst/>
+                <a:latin typeface="+mn-lt"/>
+                <a:ea typeface="+mn-ea"/>
+                <a:cs typeface="+mn-cs"/>
+              </a:rPr>
+              <a:t> 10( 1):e02567. </a:t>
+            </a:r>
+            <a:r>
+              <a:rPr lang="en-US" sz="1200" b="0" i="0" u="none" strike="noStrike" kern="1200" dirty="0">
+                <a:solidFill>
+                  <a:schemeClr val="tx1"/>
+                </a:solidFill>
+                <a:effectLst/>
+                <a:latin typeface="+mn-lt"/>
+                <a:ea typeface="+mn-ea"/>
+                <a:cs typeface="+mn-cs"/>
+                <a:hlinkClick r:id="rId3" tooltip="Link to external resource: 10.1002/ecs2.2567"/>
+              </a:rPr>
+              <a:t>10.1002/ecs2.2567</a:t>
+            </a:r>
+            <a:endParaRPr lang="en-US" sz="1200" b="0" i="0" u="none" strike="noStrike" kern="1200" dirty="0">
+              <a:solidFill>
+                <a:schemeClr val="tx1"/>
+              </a:solidFill>
+              <a:effectLst/>
+              <a:latin typeface="+mn-lt"/>
+              <a:ea typeface="+mn-ea"/>
+              <a:cs typeface="+mn-cs"/>
+            </a:endParaRPr>
+          </a:p>
+          <a:p>
+            <a:pPr marL="0" marR="0" lvl="0" indent="0" algn="l" defTabSz="914400" rtl="0" eaLnBrk="1" fontAlgn="auto" latinLnBrk="0" hangingPunct="1">
+              <a:lnSpc>
+                <a:spcPct val="100000"/>
+              </a:lnSpc>
+              <a:spcBef>
+                <a:spcPts val="0"/>
+              </a:spcBef>
+              <a:spcAft>
+                <a:spcPts val="0"/>
+              </a:spcAft>
+              <a:buClrTx/>
+              <a:buSzTx/>
+              <a:buFontTx/>
+              <a:buNone/>
+              <a:tabLst/>
+              <a:defRPr/>
+            </a:pPr>
+            <a:endParaRPr lang="en-US" sz="1200" b="0" i="0" u="none" strike="noStrike" kern="1200" dirty="0">
+              <a:solidFill>
+                <a:schemeClr val="tx1"/>
+              </a:solidFill>
+              <a:effectLst/>
+              <a:latin typeface="+mn-lt"/>
+              <a:ea typeface="+mn-ea"/>
+              <a:cs typeface="+mn-cs"/>
+            </a:endParaRPr>
+          </a:p>
+          <a:p>
+            <a:pPr marL="0" marR="0" lvl="0" indent="0" algn="l" defTabSz="914400" rtl="0" eaLnBrk="1" fontAlgn="auto" latinLnBrk="0" hangingPunct="1">
+              <a:lnSpc>
+                <a:spcPct val="100000"/>
+              </a:lnSpc>
+              <a:spcBef>
+                <a:spcPts val="0"/>
+              </a:spcBef>
+              <a:spcAft>
+                <a:spcPts val="0"/>
+              </a:spcAft>
+              <a:buClrTx/>
+              <a:buSzTx/>
+              <a:buFontTx/>
+              <a:buNone/>
+              <a:tabLst/>
+              <a:defRPr/>
+            </a:pPr>
+            <a:r>
+              <a:rPr lang="en-US" sz="1200" b="0" i="0" u="none" strike="noStrike" kern="1200" dirty="0">
+                <a:solidFill>
+                  <a:schemeClr val="tx1"/>
+                </a:solidFill>
+                <a:effectLst/>
+                <a:latin typeface="+mn-lt"/>
+                <a:ea typeface="+mn-ea"/>
+                <a:cs typeface="+mn-cs"/>
+              </a:rPr>
+              <a:t>* Cell-</a:t>
+            </a:r>
+            <a:r>
+              <a:rPr lang="en-US" sz="1200" b="0" i="0" u="none" strike="noStrike" kern="1200" dirty="0" err="1">
+                <a:solidFill>
+                  <a:schemeClr val="tx1"/>
+                </a:solidFill>
+                <a:effectLst/>
+                <a:latin typeface="+mn-lt"/>
+                <a:ea typeface="+mn-ea"/>
+                <a:cs typeface="+mn-cs"/>
+              </a:rPr>
+              <a:t>Molec</a:t>
+            </a:r>
+            <a:r>
+              <a:rPr lang="en-US" sz="1200" b="0" i="0" u="none" strike="noStrike" kern="1200" dirty="0">
+                <a:solidFill>
+                  <a:schemeClr val="tx1"/>
+                </a:solidFill>
+                <a:effectLst/>
+                <a:latin typeface="+mn-lt"/>
+                <a:ea typeface="+mn-ea"/>
+                <a:cs typeface="+mn-cs"/>
+              </a:rPr>
+              <a:t>-Micro labs have been slower to embrace R. Simple experiments can get away with using simple tools.</a:t>
+            </a:r>
+            <a:endParaRPr lang="en-US" dirty="0"/>
           </a:p>
         </p:txBody>
       </p:sp>
@@ -1172,7 +1801,7 @@
           <a:p>
             <a:fld id="{C17ADF25-8215-F840-935D-DDE3E3B0A995}" type="slidenum">
               <a:rPr lang="en-US" smtClean="0"/>
-              <a:t>11</a:t>
+              <a:t>10</a:t>
             </a:fld>
             <a:endParaRPr lang="en-US"/>
           </a:p>
@@ -1181,7 +1810,7 @@
     </p:spTree>
     <p:extLst>
       <p:ext uri="{BB962C8B-B14F-4D97-AF65-F5344CB8AC3E}">
-        <p14:creationId xmlns:p14="http://schemas.microsoft.com/office/powerpoint/2010/main" val="2857169988"/>
+        <p14:creationId xmlns:p14="http://schemas.microsoft.com/office/powerpoint/2010/main" val="491145958"/>
       </p:ext>
     </p:extLst>
   </p:cSld>
@@ -1235,6 +1864,73 @@
           <a:bodyPr/>
           <a:lstStyle/>
           <a:p>
+            <a:pPr marL="0" marR="0" lvl="0" indent="0" algn="l" defTabSz="914400" rtl="0" eaLnBrk="1" fontAlgn="auto" latinLnBrk="0" hangingPunct="1">
+              <a:lnSpc>
+                <a:spcPct val="100000"/>
+              </a:lnSpc>
+              <a:spcBef>
+                <a:spcPts val="0"/>
+              </a:spcBef>
+              <a:spcAft>
+                <a:spcPts val="0"/>
+              </a:spcAft>
+              <a:buClrTx/>
+              <a:buSzTx/>
+              <a:buFontTx/>
+              <a:buNone/>
+              <a:tabLst/>
+              <a:defRPr/>
+            </a:pPr>
+            <a:r>
+              <a:rPr lang="en-GB" sz="1200" b="1" dirty="0">
+                <a:solidFill>
+                  <a:srgbClr val="000000"/>
+                </a:solidFill>
+              </a:rPr>
+              <a:t>Ecosphere</a:t>
+            </a:r>
+            <a:br>
+              <a:rPr lang="en-GB" sz="1200" dirty="0">
+                <a:solidFill>
+                  <a:srgbClr val="000000"/>
+                </a:solidFill>
+              </a:rPr>
+            </a:br>
+            <a:r>
+              <a:rPr lang="en-GB" sz="1200" dirty="0">
+                <a:solidFill>
+                  <a:srgbClr val="000000"/>
+                </a:solidFill>
+                <a:hlinkClick r:id="rId3"/>
+              </a:rPr>
+              <a:t>Volume 7, Issue 8, </a:t>
+            </a:r>
+            <a:r>
+              <a:rPr lang="en-GB" sz="1200" dirty="0">
+                <a:solidFill>
+                  <a:srgbClr val="000000"/>
+                </a:solidFill>
+              </a:rPr>
+              <a:t>17 AUG 2016 DOI: 10.1002/ecs2.1394</a:t>
+            </a:r>
+            <a:br>
+              <a:rPr lang="en-GB" sz="1200" dirty="0">
+                <a:solidFill>
+                  <a:srgbClr val="000000"/>
+                </a:solidFill>
+              </a:rPr>
+            </a:br>
+            <a:r>
+              <a:rPr lang="en-GB" sz="1200" dirty="0">
+                <a:solidFill>
+                  <a:srgbClr val="000000"/>
+                </a:solidFill>
+                <a:hlinkClick r:id="rId4"/>
+              </a:rPr>
+              <a:t>http://onlinelibrary.wiley.com/doi/10.1002/ecs2.1394/full#ecs21394-fig-0003</a:t>
+            </a:r>
+          </a:p>
+          <a:p>
             <a:endParaRPr lang="en-US" dirty="0"/>
           </a:p>
         </p:txBody>
@@ -1256,7 +1952,7 @@
           <a:p>
             <a:fld id="{C17ADF25-8215-F840-935D-DDE3E3B0A995}" type="slidenum">
               <a:rPr lang="en-US" smtClean="0"/>
-              <a:t>25</a:t>
+              <a:t>11</a:t>
             </a:fld>
             <a:endParaRPr lang="en-US"/>
           </a:p>
@@ -1265,7 +1961,7 @@
     </p:spTree>
     <p:extLst>
       <p:ext uri="{BB962C8B-B14F-4D97-AF65-F5344CB8AC3E}">
-        <p14:creationId xmlns:p14="http://schemas.microsoft.com/office/powerpoint/2010/main" val="3192620793"/>
+        <p14:creationId xmlns:p14="http://schemas.microsoft.com/office/powerpoint/2010/main" val="3424005957"/>
       </p:ext>
     </p:extLst>
   </p:cSld>
@@ -1319,6 +2015,73 @@
           <a:bodyPr/>
           <a:lstStyle/>
           <a:p>
+            <a:pPr marL="0" marR="0" lvl="0" indent="0" algn="l" defTabSz="914400" rtl="0" eaLnBrk="1" fontAlgn="auto" latinLnBrk="0" hangingPunct="1">
+              <a:lnSpc>
+                <a:spcPct val="100000"/>
+              </a:lnSpc>
+              <a:spcBef>
+                <a:spcPts val="0"/>
+              </a:spcBef>
+              <a:spcAft>
+                <a:spcPts val="0"/>
+              </a:spcAft>
+              <a:buClrTx/>
+              <a:buSzTx/>
+              <a:buFontTx/>
+              <a:buNone/>
+              <a:tabLst/>
+              <a:defRPr/>
+            </a:pPr>
+            <a:r>
+              <a:rPr lang="en-GB" sz="1200" b="1">
+                <a:solidFill>
+                  <a:srgbClr val="000000"/>
+                </a:solidFill>
+              </a:rPr>
+              <a:t>Ecosphere</a:t>
+            </a:r>
+            <a:br>
+              <a:rPr lang="en-GB" sz="1200">
+                <a:solidFill>
+                  <a:srgbClr val="000000"/>
+                </a:solidFill>
+              </a:rPr>
+            </a:br>
+            <a:r>
+              <a:rPr lang="en-GB" sz="1200">
+                <a:solidFill>
+                  <a:srgbClr val="000000"/>
+                </a:solidFill>
+                <a:hlinkClick r:id="rId3"/>
+              </a:rPr>
+              <a:t>Volume 7, Issue 8, </a:t>
+            </a:r>
+            <a:r>
+              <a:rPr lang="en-GB" sz="1200">
+                <a:solidFill>
+                  <a:srgbClr val="000000"/>
+                </a:solidFill>
+              </a:rPr>
+              <a:t>17 AUG 2016 DOI: 10.1002/ecs2.1394</a:t>
+            </a:r>
+            <a:br>
+              <a:rPr lang="en-GB" sz="1200">
+                <a:solidFill>
+                  <a:srgbClr val="000000"/>
+                </a:solidFill>
+              </a:rPr>
+            </a:br>
+            <a:r>
+              <a:rPr lang="en-GB" sz="1200">
+                <a:solidFill>
+                  <a:srgbClr val="000000"/>
+                </a:solidFill>
+                <a:hlinkClick r:id="rId4"/>
+              </a:rPr>
+              <a:t>http://onlinelibrary.wiley.com/doi/10.1002/ecs2.1394/full#ecs21394-fig-0003</a:t>
+            </a:r>
+          </a:p>
+          <a:p>
             <a:endParaRPr lang="en-US" dirty="0"/>
           </a:p>
         </p:txBody>
@@ -1340,7 +2103,7 @@
           <a:p>
             <a:fld id="{C17ADF25-8215-F840-935D-DDE3E3B0A995}" type="slidenum">
               <a:rPr lang="en-US" smtClean="0"/>
-              <a:t>26</a:t>
+              <a:t>12</a:t>
             </a:fld>
             <a:endParaRPr lang="en-US"/>
           </a:p>
@@ -1349,7 +2112,7 @@
     </p:spTree>
     <p:extLst>
       <p:ext uri="{BB962C8B-B14F-4D97-AF65-F5344CB8AC3E}">
-        <p14:creationId xmlns:p14="http://schemas.microsoft.com/office/powerpoint/2010/main" val="473637897"/>
+        <p14:creationId xmlns:p14="http://schemas.microsoft.com/office/powerpoint/2010/main" val="2415228040"/>
       </p:ext>
     </p:extLst>
   </p:cSld>
@@ -1538,7 +2301,7 @@
           <a:p>
             <a:fld id="{0D162873-51CE-49DA-B98E-BAD067B56C8D}" type="datetimeFigureOut">
               <a:rPr lang="en-US" smtClean="0"/>
-              <a:t>10/14/20</a:t>
+              <a:t>10/12/21</a:t>
             </a:fld>
             <a:endParaRPr lang="en-US"/>
           </a:p>
@@ -1706,7 +2469,7 @@
           <a:p>
             <a:fld id="{0D162873-51CE-49DA-B98E-BAD067B56C8D}" type="datetimeFigureOut">
               <a:rPr lang="en-US" smtClean="0"/>
-              <a:t>10/14/20</a:t>
+              <a:t>10/12/21</a:t>
             </a:fld>
             <a:endParaRPr lang="en-US"/>
           </a:p>
@@ -1884,7 +2647,7 @@
           <a:p>
             <a:fld id="{0D162873-51CE-49DA-B98E-BAD067B56C8D}" type="datetimeFigureOut">
               <a:rPr lang="en-US" smtClean="0"/>
-              <a:t>10/14/20</a:t>
+              <a:t>10/12/21</a:t>
             </a:fld>
             <a:endParaRPr lang="en-US"/>
           </a:p>
@@ -2264,7 +3027,7 @@
           <a:p>
             <a:fld id="{0D162873-51CE-49DA-B98E-BAD067B56C8D}" type="datetimeFigureOut">
               <a:rPr lang="en-US" smtClean="0"/>
-              <a:t>10/14/20</a:t>
+              <a:t>10/12/21</a:t>
             </a:fld>
             <a:endParaRPr lang="en-US"/>
           </a:p>
@@ -2549,7 +3312,7 @@
           <a:p>
             <a:fld id="{0D162873-51CE-49DA-B98E-BAD067B56C8D}" type="datetimeFigureOut">
               <a:rPr lang="en-US" smtClean="0"/>
-              <a:t>10/14/20</a:t>
+              <a:t>10/12/21</a:t>
             </a:fld>
             <a:endParaRPr lang="en-US"/>
           </a:p>
@@ -2968,7 +3731,7 @@
           <a:p>
             <a:fld id="{0D162873-51CE-49DA-B98E-BAD067B56C8D}" type="datetimeFigureOut">
               <a:rPr lang="en-US" smtClean="0"/>
-              <a:t>10/14/20</a:t>
+              <a:t>10/12/21</a:t>
             </a:fld>
             <a:endParaRPr lang="en-US"/>
           </a:p>
@@ -3085,7 +3848,7 @@
           <a:p>
             <a:fld id="{0D162873-51CE-49DA-B98E-BAD067B56C8D}" type="datetimeFigureOut">
               <a:rPr lang="en-US" smtClean="0"/>
-              <a:t>10/14/20</a:t>
+              <a:t>10/12/21</a:t>
             </a:fld>
             <a:endParaRPr lang="en-US"/>
           </a:p>
@@ -3180,7 +3943,7 @@
           <a:p>
             <a:fld id="{0D162873-51CE-49DA-B98E-BAD067B56C8D}" type="datetimeFigureOut">
               <a:rPr lang="en-US" smtClean="0"/>
-              <a:t>10/14/20</a:t>
+              <a:t>10/12/21</a:t>
             </a:fld>
             <a:endParaRPr lang="en-US"/>
           </a:p>
@@ -3455,7 +4218,7 @@
           <a:p>
             <a:fld id="{0D162873-51CE-49DA-B98E-BAD067B56C8D}" type="datetimeFigureOut">
               <a:rPr lang="en-US" smtClean="0"/>
-              <a:t>10/14/20</a:t>
+              <a:t>10/12/21</a:t>
             </a:fld>
             <a:endParaRPr lang="en-US"/>
           </a:p>
@@ -3707,7 +4470,7 @@
           <a:p>
             <a:fld id="{0D162873-51CE-49DA-B98E-BAD067B56C8D}" type="datetimeFigureOut">
               <a:rPr lang="en-US" smtClean="0"/>
-              <a:t>10/14/20</a:t>
+              <a:t>10/12/21</a:t>
             </a:fld>
             <a:endParaRPr lang="en-US"/>
           </a:p>
@@ -3918,7 +4681,7 @@
           <a:p>
             <a:fld id="{0D162873-51CE-49DA-B98E-BAD067B56C8D}" type="datetimeFigureOut">
               <a:rPr lang="en-US" smtClean="0"/>
-              <a:t>10/14/20</a:t>
+              <a:t>10/12/21</a:t>
             </a:fld>
             <a:endParaRPr lang="en-US"/>
           </a:p>
@@ -4377,6 +5140,374 @@
       </p:grpSpPr>
       <p:sp>
         <p:nvSpPr>
+          <p:cNvPr id="3" name="Content Placeholder 2"/>
+          <p:cNvSpPr>
+            <a:spLocks noGrp="1"/>
+          </p:cNvSpPr>
+          <p:nvPr>
+            <p:ph idx="1"/>
+          </p:nvPr>
+        </p:nvSpPr>
+        <p:spPr>
+          <a:xfrm>
+            <a:off x="1600200" y="169828"/>
+            <a:ext cx="6189548" cy="1073728"/>
+          </a:xfrm>
+        </p:spPr>
+        <p:txBody>
+          <a:bodyPr>
+            <a:normAutofit fontScale="62500" lnSpcReduction="20000"/>
+          </a:bodyPr>
+          <a:lstStyle/>
+          <a:p>
+            <a:pPr marL="0" indent="0">
+              <a:buNone/>
+            </a:pPr>
+            <a:r>
+              <a:rPr lang="en-US" sz="5100" dirty="0"/>
+              <a:t>No seriously, everyone* is using R.</a:t>
+            </a:r>
+          </a:p>
+          <a:p>
+            <a:pPr marL="0" indent="0">
+              <a:buNone/>
+            </a:pPr>
+            <a:r>
+              <a:rPr lang="en-US" sz="5100" dirty="0"/>
+              <a:t>You will need it if you want a job.</a:t>
+            </a:r>
+          </a:p>
+          <a:p>
+            <a:pPr marL="0" indent="0">
+              <a:buNone/>
+            </a:pPr>
+            <a:endParaRPr lang="en-US" dirty="0"/>
+          </a:p>
+          <a:p>
+            <a:endParaRPr lang="en-US" dirty="0"/>
+          </a:p>
+        </p:txBody>
+      </p:sp>
+      <p:sp>
+        <p:nvSpPr>
+          <p:cNvPr id="6" name="TextBox 5">
+            <a:extLst>
+              <a:ext uri="{FF2B5EF4-FFF2-40B4-BE49-F238E27FC236}">
+                <a16:creationId xmlns:a16="http://schemas.microsoft.com/office/drawing/2014/main" id="{0149653C-CBE8-C64C-8BAD-5C9841D258A7}"/>
+              </a:ext>
+            </a:extLst>
+          </p:cNvPr>
+          <p:cNvSpPr txBox="1"/>
+          <p:nvPr/>
+        </p:nvSpPr>
+        <p:spPr>
+          <a:xfrm>
+            <a:off x="931747" y="6002064"/>
+            <a:ext cx="7737705" cy="646331"/>
+          </a:xfrm>
+          <a:prstGeom prst="rect">
+            <a:avLst/>
+          </a:prstGeom>
+          <a:noFill/>
+        </p:spPr>
+        <p:txBody>
+          <a:bodyPr wrap="square" rtlCol="0">
+            <a:spAutoFit/>
+          </a:bodyPr>
+          <a:lstStyle/>
+          <a:p>
+            <a:r>
+              <a:rPr lang="en-US" dirty="0"/>
+              <a:t>Lai, J., </a:t>
+            </a:r>
+            <a:r>
+              <a:rPr lang="en-US" dirty="0" err="1"/>
+              <a:t>Lortie</a:t>
+            </a:r>
+            <a:r>
+              <a:rPr lang="en-US" dirty="0"/>
+              <a:t>, C. J., </a:t>
+            </a:r>
+            <a:r>
+              <a:rPr lang="en-US" dirty="0" err="1"/>
+              <a:t>Muenchen</a:t>
+            </a:r>
+            <a:r>
+              <a:rPr lang="en-US" dirty="0"/>
+              <a:t>, R. A., Yang, J., and Ma, K. 2019. Evaluating the popularity of R in ecology. </a:t>
+            </a:r>
+            <a:r>
+              <a:rPr lang="en-US" i="1" dirty="0"/>
+              <a:t>Ecosphere</a:t>
+            </a:r>
+            <a:r>
+              <a:rPr lang="en-US" dirty="0"/>
+              <a:t> 10( 1):e02567. </a:t>
+            </a:r>
+            <a:r>
+              <a:rPr lang="en-US" dirty="0">
+                <a:hlinkClick r:id="rId3" tooltip="Link to external resource: 10.1002/ecs2.2567"/>
+              </a:rPr>
+              <a:t>10.1002/ecs2.2567</a:t>
+            </a:r>
+            <a:endParaRPr lang="en-US" sz="1200" dirty="0"/>
+          </a:p>
+        </p:txBody>
+      </p:sp>
+      <p:pic>
+        <p:nvPicPr>
+          <p:cNvPr id="4" name="Picture 2" descr="image">
+            <a:extLst>
+              <a:ext uri="{FF2B5EF4-FFF2-40B4-BE49-F238E27FC236}">
+                <a16:creationId xmlns:a16="http://schemas.microsoft.com/office/drawing/2014/main" id="{1AF6AFA3-C374-7A4D-9A21-D4687F13434B}"/>
+              </a:ext>
+            </a:extLst>
+          </p:cNvPr>
+          <p:cNvPicPr>
+            <a:picLocks noChangeAspect="1" noChangeArrowheads="1"/>
+          </p:cNvPicPr>
+          <p:nvPr/>
+        </p:nvPicPr>
+        <p:blipFill>
+          <a:blip r:embed="rId4">
+            <a:extLst>
+              <a:ext uri="{28A0092B-C50C-407E-A947-70E740481C1C}">
+                <a14:useLocalDpi xmlns:a14="http://schemas.microsoft.com/office/drawing/2010/main" val="0"/>
+              </a:ext>
+            </a:extLst>
+          </a:blip>
+          <a:srcRect/>
+          <a:stretch>
+            <a:fillRect/>
+          </a:stretch>
+        </p:blipFill>
+        <p:spPr bwMode="auto">
+          <a:xfrm>
+            <a:off x="609600" y="1283494"/>
+            <a:ext cx="7620000" cy="4583906"/>
+          </a:xfrm>
+          <a:prstGeom prst="rect">
+            <a:avLst/>
+          </a:prstGeom>
+          <a:noFill/>
+          <a:extLst>
+            <a:ext uri="{909E8E84-426E-40DD-AFC4-6F175D3DCCD1}">
+              <a14:hiddenFill xmlns:a14="http://schemas.microsoft.com/office/drawing/2010/main">
+                <a:solidFill>
+                  <a:srgbClr val="FFFFFF"/>
+                </a:solidFill>
+              </a14:hiddenFill>
+            </a:ext>
+          </a:extLst>
+        </p:spPr>
+      </p:pic>
+    </p:spTree>
+    <p:extLst>
+      <p:ext uri="{BB962C8B-B14F-4D97-AF65-F5344CB8AC3E}">
+        <p14:creationId xmlns:p14="http://schemas.microsoft.com/office/powerpoint/2010/main" val="3473797239"/>
+      </p:ext>
+    </p:extLst>
+  </p:cSld>
+  <p:clrMapOvr>
+    <a:masterClrMapping/>
+  </p:clrMapOvr>
+</p:sld>
+</file>
+
+<file path=ppt/slides/slide11.xml><?xml version="1.0" encoding="utf-8"?>
+<p:sld xmlns:a="http://schemas.openxmlformats.org/drawingml/2006/main" xmlns:r="http://schemas.openxmlformats.org/officeDocument/2006/relationships" xmlns:p="http://schemas.openxmlformats.org/presentationml/2006/main">
+  <p:cSld>
+    <p:spTree>
+      <p:nvGrpSpPr>
+        <p:cNvPr id="1" name=""/>
+        <p:cNvGrpSpPr/>
+        <p:nvPr/>
+      </p:nvGrpSpPr>
+      <p:grpSpPr>
+        <a:xfrm>
+          <a:off x="0" y="0"/>
+          <a:ext cx="0" cy="0"/>
+          <a:chOff x="0" y="0"/>
+          <a:chExt cx="0" cy="0"/>
+        </a:xfrm>
+      </p:grpSpPr>
+      <p:sp>
+        <p:nvSpPr>
+          <p:cNvPr id="3" name="Content Placeholder 2"/>
+          <p:cNvSpPr>
+            <a:spLocks noGrp="1"/>
+          </p:cNvSpPr>
+          <p:nvPr>
+            <p:ph idx="1"/>
+          </p:nvPr>
+        </p:nvSpPr>
+        <p:spPr>
+          <a:xfrm>
+            <a:off x="263295" y="114860"/>
+            <a:ext cx="8534400" cy="609600"/>
+          </a:xfrm>
+        </p:spPr>
+        <p:txBody>
+          <a:bodyPr/>
+          <a:lstStyle/>
+          <a:p>
+            <a:pPr marL="0" indent="0">
+              <a:buNone/>
+            </a:pPr>
+            <a:r>
+              <a:rPr lang="en-US" dirty="0"/>
+              <a:t>Becoming the default language of data analysis in biology</a:t>
+            </a:r>
+          </a:p>
+          <a:p>
+            <a:endParaRPr lang="en-US" dirty="0"/>
+          </a:p>
+        </p:txBody>
+      </p:sp>
+      <p:sp>
+        <p:nvSpPr>
+          <p:cNvPr id="4" name="TextBox 3">
+            <a:extLst>
+              <a:ext uri="{FF2B5EF4-FFF2-40B4-BE49-F238E27FC236}">
+                <a16:creationId xmlns:a16="http://schemas.microsoft.com/office/drawing/2014/main" id="{0017D991-DC89-6944-85AA-28F405A93500}"/>
+              </a:ext>
+            </a:extLst>
+          </p:cNvPr>
+          <p:cNvSpPr txBox="1"/>
+          <p:nvPr/>
+        </p:nvSpPr>
+        <p:spPr>
+          <a:xfrm>
+            <a:off x="630382" y="5791200"/>
+            <a:ext cx="8118705" cy="1200329"/>
+          </a:xfrm>
+          <a:prstGeom prst="rect">
+            <a:avLst/>
+          </a:prstGeom>
+          <a:noFill/>
+        </p:spPr>
+        <p:txBody>
+          <a:bodyPr wrap="square" rtlCol="0">
+            <a:spAutoFit/>
+          </a:bodyPr>
+          <a:lstStyle/>
+          <a:p>
+            <a:r>
+              <a:rPr lang="en-US" dirty="0"/>
+              <a:t>The distribution of position postings on </a:t>
+            </a:r>
+            <a:r>
+              <a:rPr lang="en-US" dirty="0" err="1"/>
+              <a:t>Ecolog</a:t>
+            </a:r>
+            <a:r>
+              <a:rPr lang="en-US" dirty="0"/>
+              <a:t>‐L requiring R in 2008–2009, 2012–2013, and 2017–2018. (</a:t>
+            </a:r>
+            <a:r>
+              <a:rPr lang="en-US" dirty="0" err="1"/>
+              <a:t>Auker</a:t>
+            </a:r>
+            <a:r>
+              <a:rPr lang="en-US" dirty="0"/>
+              <a:t> and </a:t>
+            </a:r>
+            <a:r>
+              <a:rPr lang="en-US" dirty="0" err="1"/>
+              <a:t>Barthelmess</a:t>
+            </a:r>
+            <a:r>
+              <a:rPr lang="en-US" dirty="0"/>
+              <a:t> 2021)</a:t>
+            </a:r>
+          </a:p>
+          <a:p>
+            <a:endParaRPr lang="en-US" dirty="0"/>
+          </a:p>
+          <a:p>
+            <a:endParaRPr lang="en-US" dirty="0"/>
+          </a:p>
+        </p:txBody>
+      </p:sp>
+      <p:pic>
+        <p:nvPicPr>
+          <p:cNvPr id="5" name="Picture 2" descr="image">
+            <a:extLst>
+              <a:ext uri="{FF2B5EF4-FFF2-40B4-BE49-F238E27FC236}">
+                <a16:creationId xmlns:a16="http://schemas.microsoft.com/office/drawing/2014/main" id="{15FE35CF-4110-5F43-A12F-2E3033CD5EBB}"/>
+              </a:ext>
+            </a:extLst>
+          </p:cNvPr>
+          <p:cNvPicPr>
+            <a:picLocks noChangeAspect="1" noChangeArrowheads="1"/>
+          </p:cNvPicPr>
+          <p:nvPr/>
+        </p:nvPicPr>
+        <p:blipFill>
+          <a:blip r:embed="rId3">
+            <a:extLst>
+              <a:ext uri="{28A0092B-C50C-407E-A947-70E740481C1C}">
+                <a14:useLocalDpi xmlns:a14="http://schemas.microsoft.com/office/drawing/2010/main" val="0"/>
+              </a:ext>
+            </a:extLst>
+          </a:blip>
+          <a:srcRect/>
+          <a:stretch>
+            <a:fillRect/>
+          </a:stretch>
+        </p:blipFill>
+        <p:spPr bwMode="auto">
+          <a:xfrm>
+            <a:off x="2133600" y="743230"/>
+            <a:ext cx="5884863" cy="5029200"/>
+          </a:xfrm>
+          <a:prstGeom prst="rect">
+            <a:avLst/>
+          </a:prstGeom>
+          <a:noFill/>
+          <a:extLst>
+            <a:ext uri="{909E8E84-426E-40DD-AFC4-6F175D3DCCD1}">
+              <a14:hiddenFill xmlns:a14="http://schemas.microsoft.com/office/drawing/2010/main">
+                <a:solidFill>
+                  <a:srgbClr val="FFFFFF"/>
+                </a:solidFill>
+              </a14:hiddenFill>
+            </a:ext>
+          </a:extLst>
+        </p:spPr>
+      </p:pic>
+    </p:spTree>
+    <p:extLst>
+      <p:ext uri="{BB962C8B-B14F-4D97-AF65-F5344CB8AC3E}">
+        <p14:creationId xmlns:p14="http://schemas.microsoft.com/office/powerpoint/2010/main" val="2608615232"/>
+      </p:ext>
+    </p:extLst>
+  </p:cSld>
+  <p:clrMapOvr>
+    <a:masterClrMapping/>
+  </p:clrMapOvr>
+</p:sld>
+</file>
+
+<file path=ppt/slides/slide12.xml><?xml version="1.0" encoding="utf-8"?>
+<p:sld xmlns:a="http://schemas.openxmlformats.org/drawingml/2006/main" xmlns:r="http://schemas.openxmlformats.org/officeDocument/2006/relationships" xmlns:p="http://schemas.openxmlformats.org/presentationml/2006/main">
+  <p:cSld>
+    <p:spTree>
+      <p:nvGrpSpPr>
+        <p:cNvPr id="1" name=""/>
+        <p:cNvGrpSpPr/>
+        <p:nvPr/>
+      </p:nvGrpSpPr>
+      <p:grpSpPr>
+        <a:xfrm>
+          <a:off x="0" y="0"/>
+          <a:ext cx="0" cy="0"/>
+          <a:chOff x="0" y="0"/>
+          <a:chExt cx="0" cy="0"/>
+        </a:xfrm>
+      </p:grpSpPr>
+      <p:sp>
+        <p:nvSpPr>
           <p:cNvPr id="2" name="Title 1"/>
           <p:cNvSpPr>
             <a:spLocks noGrp="1"/>
@@ -4385,14 +5516,19 @@
             <p:ph type="title"/>
           </p:nvPr>
         </p:nvSpPr>
-        <p:spPr/>
+        <p:spPr>
+          <a:xfrm>
+            <a:off x="1524000" y="-31750"/>
+            <a:ext cx="6461023" cy="1371600"/>
+          </a:xfrm>
+        </p:spPr>
         <p:txBody>
           <a:bodyPr/>
           <a:lstStyle/>
           <a:p>
             <a:r>
               <a:rPr lang="en-US" dirty="0"/>
-              <a:t>Learning R</a:t>
+              <a:t>What are the strengths of R?</a:t>
             </a:r>
           </a:p>
         </p:txBody>
@@ -4407,7 +5543,226 @@
             <p:ph idx="1"/>
           </p:nvPr>
         </p:nvSpPr>
+        <p:spPr>
+          <a:xfrm>
+            <a:off x="381000" y="1066800"/>
+            <a:ext cx="8229600" cy="5105400"/>
+          </a:xfrm>
+        </p:spPr>
+        <p:txBody>
+          <a:bodyPr/>
+          <a:lstStyle/>
+          <a:p>
+            <a:r>
+              <a:rPr lang="en-US" dirty="0"/>
+              <a:t>Publication-quality graphics</a:t>
+            </a:r>
+          </a:p>
+          <a:p>
+            <a:pPr lvl="1"/>
+            <a:r>
+              <a:rPr lang="en-US" dirty="0"/>
+              <a:t>Many default graphics</a:t>
+            </a:r>
+          </a:p>
+          <a:p>
+            <a:pPr lvl="1"/>
+            <a:r>
+              <a:rPr lang="en-US" dirty="0"/>
+              <a:t>Full control of graphics</a:t>
+            </a:r>
+          </a:p>
+          <a:p>
+            <a:pPr lvl="1"/>
+            <a:r>
+              <a:rPr lang="en-US" dirty="0"/>
+              <a:t>Make even rudimentary plots </a:t>
+            </a:r>
+          </a:p>
+          <a:p>
+            <a:pPr marL="457200" lvl="1" indent="0">
+              <a:buNone/>
+            </a:pPr>
+            <a:r>
+              <a:rPr lang="en-US" dirty="0"/>
+              <a:t>     vibrant and exciting</a:t>
+            </a:r>
+          </a:p>
+          <a:p>
+            <a:endParaRPr lang="en-US" dirty="0"/>
+          </a:p>
+          <a:p>
+            <a:endParaRPr lang="en-US" dirty="0"/>
+          </a:p>
+        </p:txBody>
+      </p:sp>
+      <p:pic>
+        <p:nvPicPr>
+          <p:cNvPr id="4" name="Picture 7" descr="hist"/>
+          <p:cNvPicPr>
+            <a:picLocks noChangeAspect="1" noChangeArrowheads="1"/>
+          </p:cNvPicPr>
+          <p:nvPr/>
+        </p:nvPicPr>
+        <p:blipFill rotWithShape="1">
+          <a:blip r:embed="rId3" cstate="print">
+            <a:extLst>
+              <a:ext uri="{28A0092B-C50C-407E-A947-70E740481C1C}">
+                <a14:useLocalDpi xmlns:a14="http://schemas.microsoft.com/office/drawing/2010/main" val="0"/>
+              </a:ext>
+            </a:extLst>
+          </a:blip>
+          <a:srcRect t="9535"/>
+          <a:stretch/>
+        </p:blipFill>
+        <p:spPr bwMode="auto">
+          <a:xfrm>
+            <a:off x="914400" y="3810000"/>
+            <a:ext cx="3238500" cy="2362200"/>
+          </a:xfrm>
+          <a:prstGeom prst="rect">
+            <a:avLst/>
+          </a:prstGeom>
+          <a:noFill/>
+          <a:ln>
+            <a:noFill/>
+          </a:ln>
+          <a:extLst>
+            <a:ext uri="{909E8E84-426E-40DD-AFC4-6F175D3DCCD1}">
+              <a14:hiddenFill xmlns:a14="http://schemas.microsoft.com/office/drawing/2010/main">
+                <a:solidFill>
+                  <a:srgbClr val="FFFFFF"/>
+                </a:solidFill>
+              </a14:hiddenFill>
+            </a:ext>
+            <a:ext uri="{91240B29-F687-4F45-9708-019B960494DF}">
+              <a14:hiddenLine xmlns:a14="http://schemas.microsoft.com/office/drawing/2010/main" w="9525">
+                <a:solidFill>
+                  <a:srgbClr val="000000"/>
+                </a:solidFill>
+                <a:miter lim="800000"/>
+                <a:headEnd/>
+                <a:tailEnd/>
+              </a14:hiddenLine>
+            </a:ext>
+          </a:extLst>
+        </p:spPr>
+      </p:pic>
+      <p:pic>
+        <p:nvPicPr>
+          <p:cNvPr id="7170" name="Picture 2" descr="Waffle Chart With Ggplot">
+            <a:extLst>
+              <a:ext uri="{FF2B5EF4-FFF2-40B4-BE49-F238E27FC236}">
+                <a16:creationId xmlns:a16="http://schemas.microsoft.com/office/drawing/2014/main" id="{F8957D51-F098-4549-9AB9-093A36B84298}"/>
+              </a:ext>
+            </a:extLst>
+          </p:cNvPr>
+          <p:cNvPicPr>
+            <a:picLocks noChangeAspect="1" noChangeArrowheads="1"/>
+          </p:cNvPicPr>
+          <p:nvPr/>
+        </p:nvPicPr>
+        <p:blipFill>
+          <a:blip r:embed="rId4">
+            <a:extLst>
+              <a:ext uri="{28A0092B-C50C-407E-A947-70E740481C1C}">
+                <a14:useLocalDpi xmlns:a14="http://schemas.microsoft.com/office/drawing/2010/main" val="0"/>
+              </a:ext>
+            </a:extLst>
+          </a:blip>
+          <a:srcRect/>
+          <a:stretch>
+            <a:fillRect/>
+          </a:stretch>
+        </p:blipFill>
+        <p:spPr bwMode="auto">
+          <a:xfrm>
+            <a:off x="4876800" y="1899516"/>
+            <a:ext cx="4114800" cy="3657600"/>
+          </a:xfrm>
+          <a:prstGeom prst="rect">
+            <a:avLst/>
+          </a:prstGeom>
+          <a:noFill/>
+          <a:extLst>
+            <a:ext uri="{909E8E84-426E-40DD-AFC4-6F175D3DCCD1}">
+              <a14:hiddenFill xmlns:a14="http://schemas.microsoft.com/office/drawing/2010/main">
+                <a:solidFill>
+                  <a:srgbClr val="FFFFFF"/>
+                </a:solidFill>
+              </a14:hiddenFill>
+            </a:ext>
+          </a:extLst>
+        </p:spPr>
+      </p:pic>
+    </p:spTree>
+    <p:extLst>
+      <p:ext uri="{BB962C8B-B14F-4D97-AF65-F5344CB8AC3E}">
+        <p14:creationId xmlns:p14="http://schemas.microsoft.com/office/powerpoint/2010/main" val="2932564869"/>
+      </p:ext>
+    </p:extLst>
+  </p:cSld>
+  <p:clrMapOvr>
+    <a:masterClrMapping/>
+  </p:clrMapOvr>
+</p:sld>
+</file>
+
+<file path=ppt/slides/slide13.xml><?xml version="1.0" encoding="utf-8"?>
+<p:sld xmlns:a="http://schemas.openxmlformats.org/drawingml/2006/main" xmlns:r="http://schemas.openxmlformats.org/officeDocument/2006/relationships" xmlns:p="http://schemas.openxmlformats.org/presentationml/2006/main">
+  <p:cSld>
+    <p:spTree>
+      <p:nvGrpSpPr>
+        <p:cNvPr id="1" name=""/>
+        <p:cNvGrpSpPr/>
+        <p:nvPr/>
+      </p:nvGrpSpPr>
+      <p:grpSpPr>
+        <a:xfrm>
+          <a:off x="0" y="0"/>
+          <a:ext cx="0" cy="0"/>
+          <a:chOff x="0" y="0"/>
+          <a:chExt cx="0" cy="0"/>
+        </a:xfrm>
+      </p:grpSpPr>
+      <p:sp>
+        <p:nvSpPr>
+          <p:cNvPr id="2" name="Title 1"/>
+          <p:cNvSpPr>
+            <a:spLocks noGrp="1"/>
+          </p:cNvSpPr>
+          <p:nvPr>
+            <p:ph type="title"/>
+          </p:nvPr>
+        </p:nvSpPr>
         <p:spPr/>
+        <p:txBody>
+          <a:bodyPr/>
+          <a:lstStyle/>
+          <a:p>
+            <a:r>
+              <a:rPr lang="en-US" dirty="0"/>
+              <a:t>Learning R</a:t>
+            </a:r>
+          </a:p>
+        </p:txBody>
+      </p:sp>
+      <p:sp>
+        <p:nvSpPr>
+          <p:cNvPr id="3" name="Content Placeholder 2"/>
+          <p:cNvSpPr>
+            <a:spLocks noGrp="1"/>
+          </p:cNvSpPr>
+          <p:nvPr>
+            <p:ph idx="1"/>
+          </p:nvPr>
+        </p:nvSpPr>
+        <p:spPr>
+          <a:xfrm>
+            <a:off x="457200" y="1143000"/>
+            <a:ext cx="8229600" cy="5105400"/>
+          </a:xfrm>
+        </p:spPr>
         <p:txBody>
           <a:bodyPr/>
           <a:lstStyle/>
@@ -4420,7 +5775,7 @@
           <a:p>
             <a:r>
               <a:rPr lang="en-US" dirty="0"/>
-              <a:t>Very rewarding to become fluent: you can do more</a:t>
+              <a:t>Very rewarding to become fluent</a:t>
             </a:r>
           </a:p>
           <a:p>
@@ -4503,7 +5858,7 @@
 </p:sld>
 </file>
 
-<file path=ppt/slides/slide11.xml><?xml version="1.0" encoding="utf-8"?>
+<file path=ppt/slides/slide14.xml><?xml version="1.0" encoding="utf-8"?>
 <p:sld xmlns:a="http://schemas.openxmlformats.org/drawingml/2006/main" xmlns:r="http://schemas.openxmlformats.org/officeDocument/2006/relationships" xmlns:p="http://schemas.openxmlformats.org/presentationml/2006/main">
   <p:cSld>
     <p:spTree>
@@ -4587,7 +5942,7 @@
 </p:sld>
 </file>
 
-<file path=ppt/slides/slide12.xml><?xml version="1.0" encoding="utf-8"?>
+<file path=ppt/slides/slide15.xml><?xml version="1.0" encoding="utf-8"?>
 <p:sld xmlns:a="http://schemas.openxmlformats.org/drawingml/2006/main" xmlns:r="http://schemas.openxmlformats.org/officeDocument/2006/relationships" xmlns:p="http://schemas.openxmlformats.org/presentationml/2006/main">
   <p:cSld>
     <p:spTree>
@@ -4729,7 +6084,7 @@
 </p:sld>
 </file>
 
-<file path=ppt/slides/slide13.xml><?xml version="1.0" encoding="utf-8"?>
+<file path=ppt/slides/slide16.xml><?xml version="1.0" encoding="utf-8"?>
 <p:sld xmlns:a="http://schemas.openxmlformats.org/drawingml/2006/main" xmlns:r="http://schemas.openxmlformats.org/officeDocument/2006/relationships" xmlns:p="http://schemas.openxmlformats.org/presentationml/2006/main">
   <p:cSld>
     <p:spTree>
@@ -4872,7 +6227,7 @@
 </p:sld>
 </file>
 
-<file path=ppt/slides/slide14.xml><?xml version="1.0" encoding="utf-8"?>
+<file path=ppt/slides/slide17.xml><?xml version="1.0" encoding="utf-8"?>
 <p:sld xmlns:a="http://schemas.openxmlformats.org/drawingml/2006/main" xmlns:r="http://schemas.openxmlformats.org/officeDocument/2006/relationships" xmlns:p="http://schemas.openxmlformats.org/presentationml/2006/main">
   <p:cSld>
     <p:spTree>
@@ -5382,7 +6737,7 @@
 </p:sld>
 </file>
 
-<file path=ppt/slides/slide15.xml><?xml version="1.0" encoding="utf-8"?>
+<file path=ppt/slides/slide18.xml><?xml version="1.0" encoding="utf-8"?>
 <p:sld xmlns:a="http://schemas.openxmlformats.org/drawingml/2006/main" xmlns:r="http://schemas.openxmlformats.org/officeDocument/2006/relationships" xmlns:p="http://schemas.openxmlformats.org/presentationml/2006/main">
   <p:cSld>
     <p:spTree>
@@ -5923,7 +7278,7 @@
 </p:sld>
 </file>
 
-<file path=ppt/slides/slide16.xml><?xml version="1.0" encoding="utf-8"?>
+<file path=ppt/slides/slide19.xml><?xml version="1.0" encoding="utf-8"?>
 <p:sld xmlns:a="http://schemas.openxmlformats.org/drawingml/2006/main" xmlns:r="http://schemas.openxmlformats.org/officeDocument/2006/relationships" xmlns:p="http://schemas.openxmlformats.org/presentationml/2006/main">
   <p:cSld>
     <p:spTree>
@@ -6074,7 +7429,192 @@
 </p:sld>
 </file>
 
-<file path=ppt/slides/slide17.xml><?xml version="1.0" encoding="utf-8"?>
+<file path=ppt/slides/slide2.xml><?xml version="1.0" encoding="utf-8"?>
+<p:sld xmlns:a="http://schemas.openxmlformats.org/drawingml/2006/main" xmlns:r="http://schemas.openxmlformats.org/officeDocument/2006/relationships" xmlns:p="http://schemas.openxmlformats.org/presentationml/2006/main">
+  <p:cSld>
+    <p:spTree>
+      <p:nvGrpSpPr>
+        <p:cNvPr id="1" name=""/>
+        <p:cNvGrpSpPr/>
+        <p:nvPr/>
+      </p:nvGrpSpPr>
+      <p:grpSpPr>
+        <a:xfrm>
+          <a:off x="0" y="0"/>
+          <a:ext cx="0" cy="0"/>
+          <a:chOff x="0" y="0"/>
+          <a:chExt cx="0" cy="0"/>
+        </a:xfrm>
+      </p:grpSpPr>
+      <p:sp>
+        <p:nvSpPr>
+          <p:cNvPr id="2" name="Title 1"/>
+          <p:cNvSpPr>
+            <a:spLocks noGrp="1"/>
+          </p:cNvSpPr>
+          <p:nvPr>
+            <p:ph type="title"/>
+          </p:nvPr>
+        </p:nvSpPr>
+        <p:spPr/>
+        <p:txBody>
+          <a:bodyPr>
+            <a:normAutofit/>
+          </a:bodyPr>
+          <a:lstStyle/>
+          <a:p>
+            <a:r>
+              <a:rPr lang="en-US" sz="4000" dirty="0"/>
+              <a:t>What is R?</a:t>
+            </a:r>
+          </a:p>
+        </p:txBody>
+      </p:sp>
+      <p:sp>
+        <p:nvSpPr>
+          <p:cNvPr id="3" name="Content Placeholder 2"/>
+          <p:cNvSpPr>
+            <a:spLocks noGrp="1"/>
+          </p:cNvSpPr>
+          <p:nvPr>
+            <p:ph idx="1"/>
+          </p:nvPr>
+        </p:nvSpPr>
+        <p:spPr/>
+        <p:txBody>
+          <a:bodyPr>
+            <a:normAutofit/>
+          </a:bodyPr>
+          <a:lstStyle/>
+          <a:p>
+            <a:r>
+              <a:rPr lang="en-US" sz="2800" dirty="0"/>
+              <a:t>R is a </a:t>
+            </a:r>
+            <a:r>
+              <a:rPr lang="en-US" sz="2800" dirty="0">
+                <a:solidFill>
+                  <a:srgbClr val="0432FF"/>
+                </a:solidFill>
+              </a:rPr>
+              <a:t>computer language</a:t>
+            </a:r>
+            <a:r>
+              <a:rPr lang="en-US" sz="2800" dirty="0"/>
+              <a:t>, an environment for statistical computing, graphics, and much more</a:t>
+            </a:r>
+          </a:p>
+          <a:p>
+            <a:r>
+              <a:rPr lang="en-US" sz="2800" dirty="0"/>
+              <a:t>It is </a:t>
+            </a:r>
+            <a:r>
+              <a:rPr lang="en-US" sz="2800" dirty="0">
+                <a:solidFill>
+                  <a:srgbClr val="0432FF"/>
+                </a:solidFill>
+              </a:rPr>
+              <a:t>open source </a:t>
+            </a:r>
+            <a:r>
+              <a:rPr lang="en-US" sz="2800" dirty="0"/>
+              <a:t>with great flexibility and power gained from contributions by many users</a:t>
+            </a:r>
+          </a:p>
+          <a:p>
+            <a:r>
+              <a:rPr lang="en-US" dirty="0"/>
+              <a:t>It allows anyone using any operating system to </a:t>
+            </a:r>
+            <a:r>
+              <a:rPr lang="en-US" dirty="0">
+                <a:solidFill>
+                  <a:srgbClr val="0432FF"/>
+                </a:solidFill>
+              </a:rPr>
+              <a:t>reproduce</a:t>
+            </a:r>
+            <a:r>
+              <a:rPr lang="en-US" dirty="0"/>
+              <a:t> your work from data to finished analysis</a:t>
+            </a:r>
+          </a:p>
+          <a:p>
+            <a:r>
+              <a:rPr lang="en-US" sz="2800" dirty="0"/>
+              <a:t>It is </a:t>
+            </a:r>
+            <a:r>
+              <a:rPr lang="en-US" sz="2800" dirty="0">
+                <a:solidFill>
+                  <a:srgbClr val="0432FF"/>
+                </a:solidFill>
+              </a:rPr>
+              <a:t>script-based</a:t>
+            </a:r>
+            <a:r>
+              <a:rPr lang="en-US" sz="2800" dirty="0"/>
+              <a:t> (text computer code) and not GUI-based (point and click with menus)</a:t>
+            </a:r>
+          </a:p>
+        </p:txBody>
+      </p:sp>
+      <p:pic>
+        <p:nvPicPr>
+          <p:cNvPr id="1026" name="Picture 2" descr="R logo"/>
+          <p:cNvPicPr>
+            <a:picLocks noChangeAspect="1" noChangeArrowheads="1"/>
+          </p:cNvPicPr>
+          <p:nvPr/>
+        </p:nvPicPr>
+        <p:blipFill>
+          <a:blip r:embed="rId3">
+            <a:extLst>
+              <a:ext uri="{28A0092B-C50C-407E-A947-70E740481C1C}">
+                <a14:useLocalDpi xmlns:a14="http://schemas.microsoft.com/office/drawing/2010/main" val="0"/>
+              </a:ext>
+            </a:extLst>
+          </a:blip>
+          <a:srcRect/>
+          <a:stretch>
+            <a:fillRect/>
+          </a:stretch>
+        </p:blipFill>
+        <p:spPr bwMode="auto">
+          <a:xfrm>
+            <a:off x="2133600" y="457200"/>
+            <a:ext cx="952500" cy="723900"/>
+          </a:xfrm>
+          <a:prstGeom prst="rect">
+            <a:avLst/>
+          </a:prstGeom>
+          <a:noFill/>
+          <a:extLst>
+            <a:ext uri="{909E8E84-426E-40DD-AFC4-6F175D3DCCD1}">
+              <a14:hiddenFill xmlns:a14="http://schemas.microsoft.com/office/drawing/2010/main">
+                <a:solidFill>
+                  <a:srgbClr val="FFFFFF"/>
+                </a:solidFill>
+              </a14:hiddenFill>
+            </a:ext>
+          </a:extLst>
+        </p:spPr>
+      </p:pic>
+    </p:spTree>
+    <p:extLst>
+      <p:ext uri="{BB962C8B-B14F-4D97-AF65-F5344CB8AC3E}">
+        <p14:creationId xmlns:p14="http://schemas.microsoft.com/office/powerpoint/2010/main" val="1607418767"/>
+      </p:ext>
+    </p:extLst>
+  </p:cSld>
+  <p:clrMapOvr>
+    <a:masterClrMapping/>
+  </p:clrMapOvr>
+</p:sld>
+</file>
+
+<file path=ppt/slides/slide20.xml><?xml version="1.0" encoding="utf-8"?>
 <p:sld xmlns:a="http://schemas.openxmlformats.org/drawingml/2006/main" xmlns:r="http://schemas.openxmlformats.org/officeDocument/2006/relationships" xmlns:p="http://schemas.openxmlformats.org/presentationml/2006/main">
   <p:cSld>
     <p:spTree>
@@ -6338,7 +7878,7 @@
 </p:sld>
 </file>
 
-<file path=ppt/slides/slide18.xml><?xml version="1.0" encoding="utf-8"?>
+<file path=ppt/slides/slide21.xml><?xml version="1.0" encoding="utf-8"?>
 <p:sld xmlns:a="http://schemas.openxmlformats.org/drawingml/2006/main" xmlns:r="http://schemas.openxmlformats.org/officeDocument/2006/relationships" xmlns:p="http://schemas.openxmlformats.org/presentationml/2006/main">
   <p:cSld>
     <p:spTree>
@@ -6724,7 +8264,7 @@
 </p:sld>
 </file>
 
-<file path=ppt/slides/slide19.xml><?xml version="1.0" encoding="utf-8"?>
+<file path=ppt/slides/slide22.xml><?xml version="1.0" encoding="utf-8"?>
 <p:sld xmlns:a="http://schemas.openxmlformats.org/drawingml/2006/main" xmlns:r="http://schemas.openxmlformats.org/officeDocument/2006/relationships" xmlns:p="http://schemas.openxmlformats.org/presentationml/2006/main">
   <p:cSld>
     <p:spTree>
@@ -7337,7 +8877,7 @@
 </p:sld>
 </file>
 
-<file path=ppt/slides/slide2.xml><?xml version="1.0" encoding="utf-8"?>
+<file path=ppt/slides/slide23.xml><?xml version="1.0" encoding="utf-8"?>
 <p:sld xmlns:a="http://schemas.openxmlformats.org/drawingml/2006/main" xmlns:r="http://schemas.openxmlformats.org/officeDocument/2006/relationships" xmlns:p="http://schemas.openxmlformats.org/presentationml/2006/main">
   <p:cSld>
     <p:spTree>
@@ -7366,191 +8906,6 @@
         </p:nvSpPr>
         <p:spPr/>
         <p:txBody>
-          <a:bodyPr>
-            <a:normAutofit/>
-          </a:bodyPr>
-          <a:lstStyle/>
-          <a:p>
-            <a:r>
-              <a:rPr lang="en-US" sz="4000" dirty="0"/>
-              <a:t>What is R?</a:t>
-            </a:r>
-          </a:p>
-        </p:txBody>
-      </p:sp>
-      <p:sp>
-        <p:nvSpPr>
-          <p:cNvPr id="3" name="Content Placeholder 2"/>
-          <p:cNvSpPr>
-            <a:spLocks noGrp="1"/>
-          </p:cNvSpPr>
-          <p:nvPr>
-            <p:ph idx="1"/>
-          </p:nvPr>
-        </p:nvSpPr>
-        <p:spPr/>
-        <p:txBody>
-          <a:bodyPr>
-            <a:normAutofit/>
-          </a:bodyPr>
-          <a:lstStyle/>
-          <a:p>
-            <a:r>
-              <a:rPr lang="en-US" sz="2800" dirty="0"/>
-              <a:t>R is a </a:t>
-            </a:r>
-            <a:r>
-              <a:rPr lang="en-US" sz="2800" dirty="0">
-                <a:solidFill>
-                  <a:srgbClr val="0432FF"/>
-                </a:solidFill>
-              </a:rPr>
-              <a:t>computer language</a:t>
-            </a:r>
-            <a:r>
-              <a:rPr lang="en-US" sz="2800" dirty="0"/>
-              <a:t>, an environment for statistical computing, graphics, and much more</a:t>
-            </a:r>
-          </a:p>
-          <a:p>
-            <a:r>
-              <a:rPr lang="en-US" sz="2800" dirty="0"/>
-              <a:t>It is </a:t>
-            </a:r>
-            <a:r>
-              <a:rPr lang="en-US" sz="2800" dirty="0">
-                <a:solidFill>
-                  <a:srgbClr val="0432FF"/>
-                </a:solidFill>
-              </a:rPr>
-              <a:t>open source </a:t>
-            </a:r>
-            <a:r>
-              <a:rPr lang="en-US" sz="2800" dirty="0"/>
-              <a:t>with great flexibility and power gained from contributions by many users</a:t>
-            </a:r>
-          </a:p>
-          <a:p>
-            <a:r>
-              <a:rPr lang="en-US" dirty="0"/>
-              <a:t>It allows anyone using any operating system to </a:t>
-            </a:r>
-            <a:r>
-              <a:rPr lang="en-US" dirty="0">
-                <a:solidFill>
-                  <a:srgbClr val="0432FF"/>
-                </a:solidFill>
-              </a:rPr>
-              <a:t>reproduce</a:t>
-            </a:r>
-            <a:r>
-              <a:rPr lang="en-US" dirty="0"/>
-              <a:t> your work from data to finished analysis</a:t>
-            </a:r>
-          </a:p>
-          <a:p>
-            <a:r>
-              <a:rPr lang="en-US" sz="2800" dirty="0"/>
-              <a:t>It is </a:t>
-            </a:r>
-            <a:r>
-              <a:rPr lang="en-US" sz="2800" dirty="0">
-                <a:solidFill>
-                  <a:srgbClr val="0432FF"/>
-                </a:solidFill>
-              </a:rPr>
-              <a:t>script-based</a:t>
-            </a:r>
-            <a:r>
-              <a:rPr lang="en-US" sz="2800" dirty="0"/>
-              <a:t> (text computer code) and not GUI-based (point and click with menus)</a:t>
-            </a:r>
-          </a:p>
-        </p:txBody>
-      </p:sp>
-      <p:pic>
-        <p:nvPicPr>
-          <p:cNvPr id="1026" name="Picture 2" descr="R logo"/>
-          <p:cNvPicPr>
-            <a:picLocks noChangeAspect="1" noChangeArrowheads="1"/>
-          </p:cNvPicPr>
-          <p:nvPr/>
-        </p:nvPicPr>
-        <p:blipFill>
-          <a:blip r:embed="rId3">
-            <a:extLst>
-              <a:ext uri="{28A0092B-C50C-407E-A947-70E740481C1C}">
-                <a14:useLocalDpi xmlns:a14="http://schemas.microsoft.com/office/drawing/2010/main" val="0"/>
-              </a:ext>
-            </a:extLst>
-          </a:blip>
-          <a:srcRect/>
-          <a:stretch>
-            <a:fillRect/>
-          </a:stretch>
-        </p:blipFill>
-        <p:spPr bwMode="auto">
-          <a:xfrm>
-            <a:off x="2133600" y="457200"/>
-            <a:ext cx="952500" cy="723900"/>
-          </a:xfrm>
-          <a:prstGeom prst="rect">
-            <a:avLst/>
-          </a:prstGeom>
-          <a:noFill/>
-          <a:extLst>
-            <a:ext uri="{909E8E84-426E-40DD-AFC4-6F175D3DCCD1}">
-              <a14:hiddenFill xmlns:a14="http://schemas.microsoft.com/office/drawing/2010/main">
-                <a:solidFill>
-                  <a:srgbClr val="FFFFFF"/>
-                </a:solidFill>
-              </a14:hiddenFill>
-            </a:ext>
-          </a:extLst>
-        </p:spPr>
-      </p:pic>
-    </p:spTree>
-    <p:extLst>
-      <p:ext uri="{BB962C8B-B14F-4D97-AF65-F5344CB8AC3E}">
-        <p14:creationId xmlns:p14="http://schemas.microsoft.com/office/powerpoint/2010/main" val="1607418767"/>
-      </p:ext>
-    </p:extLst>
-  </p:cSld>
-  <p:clrMapOvr>
-    <a:masterClrMapping/>
-  </p:clrMapOvr>
-</p:sld>
-</file>
-
-<file path=ppt/slides/slide20.xml><?xml version="1.0" encoding="utf-8"?>
-<p:sld xmlns:a="http://schemas.openxmlformats.org/drawingml/2006/main" xmlns:r="http://schemas.openxmlformats.org/officeDocument/2006/relationships" xmlns:p="http://schemas.openxmlformats.org/presentationml/2006/main">
-  <p:cSld>
-    <p:spTree>
-      <p:nvGrpSpPr>
-        <p:cNvPr id="1" name=""/>
-        <p:cNvGrpSpPr/>
-        <p:nvPr/>
-      </p:nvGrpSpPr>
-      <p:grpSpPr>
-        <a:xfrm>
-          <a:off x="0" y="0"/>
-          <a:ext cx="0" cy="0"/>
-          <a:chOff x="0" y="0"/>
-          <a:chExt cx="0" cy="0"/>
-        </a:xfrm>
-      </p:grpSpPr>
-      <p:sp>
-        <p:nvSpPr>
-          <p:cNvPr id="2" name="Title 1"/>
-          <p:cNvSpPr>
-            <a:spLocks noGrp="1"/>
-          </p:cNvSpPr>
-          <p:nvPr>
-            <p:ph type="title"/>
-          </p:nvPr>
-        </p:nvSpPr>
-        <p:spPr/>
-        <p:txBody>
           <a:bodyPr/>
           <a:lstStyle/>
           <a:p>
@@ -7638,7 +8993,7 @@
 </p:sld>
 </file>
 
-<file path=ppt/slides/slide21.xml><?xml version="1.0" encoding="utf-8"?>
+<file path=ppt/slides/slide24.xml><?xml version="1.0" encoding="utf-8"?>
 <p:sld xmlns:a="http://schemas.openxmlformats.org/drawingml/2006/main" xmlns:r="http://schemas.openxmlformats.org/officeDocument/2006/relationships" xmlns:p="http://schemas.openxmlformats.org/presentationml/2006/main">
   <p:cSld>
     <p:spTree>
@@ -7852,7 +9207,7 @@
 </p:sld>
 </file>
 
-<file path=ppt/slides/slide22.xml><?xml version="1.0" encoding="utf-8"?>
+<file path=ppt/slides/slide25.xml><?xml version="1.0" encoding="utf-8"?>
 <p:sld xmlns:a="http://schemas.openxmlformats.org/drawingml/2006/main" xmlns:r="http://schemas.openxmlformats.org/officeDocument/2006/relationships" xmlns:p="http://schemas.openxmlformats.org/presentationml/2006/main">
   <p:cSld>
     <p:spTree>
@@ -8324,7 +9679,7 @@
 </p:sld>
 </file>
 
-<file path=ppt/slides/slide23.xml><?xml version="1.0" encoding="utf-8"?>
+<file path=ppt/slides/slide26.xml><?xml version="1.0" encoding="utf-8"?>
 <p:sld xmlns:a="http://schemas.openxmlformats.org/drawingml/2006/main" xmlns:r="http://schemas.openxmlformats.org/officeDocument/2006/relationships" xmlns:p="http://schemas.openxmlformats.org/presentationml/2006/main">
   <p:cSld>
     <p:spTree>
@@ -8510,7 +9865,7 @@
 </p:sld>
 </file>
 
-<file path=ppt/slides/slide24.xml><?xml version="1.0" encoding="utf-8"?>
+<file path=ppt/slides/slide27.xml><?xml version="1.0" encoding="utf-8"?>
 <p:sld xmlns:a="http://schemas.openxmlformats.org/drawingml/2006/main" xmlns:r="http://schemas.openxmlformats.org/officeDocument/2006/relationships" xmlns:p="http://schemas.openxmlformats.org/presentationml/2006/main">
   <p:cSld>
     <p:spTree>
@@ -9252,7 +10607,7 @@
 </p:sld>
 </file>
 
-<file path=ppt/slides/slide25.xml><?xml version="1.0" encoding="utf-8"?>
+<file path=ppt/slides/slide28.xml><?xml version="1.0" encoding="utf-8"?>
 <p:sld xmlns:a="http://schemas.openxmlformats.org/drawingml/2006/main" xmlns:r="http://schemas.openxmlformats.org/officeDocument/2006/relationships" xmlns:p="http://schemas.openxmlformats.org/presentationml/2006/main">
   <p:cSld>
     <p:spTree>
@@ -9416,7 +10771,7 @@
 </p:sld>
 </file>
 
-<file path=ppt/slides/slide26.xml><?xml version="1.0" encoding="utf-8"?>
+<file path=ppt/slides/slide29.xml><?xml version="1.0" encoding="utf-8"?>
 <p:sld xmlns:a="http://schemas.openxmlformats.org/drawingml/2006/main" xmlns:r="http://schemas.openxmlformats.org/officeDocument/2006/relationships" xmlns:p="http://schemas.openxmlformats.org/presentationml/2006/main">
   <p:cSld>
     <p:spTree>
@@ -9543,7 +10898,7 @@
           <a:graphicData uri="http://schemas.openxmlformats.org/presentationml/2006/ole">
             <mc:AlternateContent xmlns:mc="http://schemas.openxmlformats.org/markup-compatibility/2006">
               <mc:Choice xmlns:v="urn:schemas-microsoft-com:vml" Requires="v">
-                <p:oleObj spid="_x0000_s5234" name="Equation" r:id="rId4" imgW="939600" imgH="253800" progId="Equation.DSMT4">
+                <p:oleObj spid="_x0000_s5280" name="Equation" r:id="rId4" imgW="939600" imgH="253800" progId="Equation.DSMT4">
                   <p:embed/>
                 </p:oleObj>
               </mc:Choice>
@@ -9608,7 +10963,7 @@
           <a:graphicData uri="http://schemas.openxmlformats.org/presentationml/2006/ole">
             <mc:AlternateContent xmlns:mc="http://schemas.openxmlformats.org/markup-compatibility/2006">
               <mc:Choice xmlns:v="urn:schemas-microsoft-com:vml" Requires="v">
-                <p:oleObj spid="_x0000_s5235" name="Equation" r:id="rId6" imgW="571252" imgH="469696" progId="Equation.DSMT4">
+                <p:oleObj spid="_x0000_s5281" name="Equation" r:id="rId6" imgW="571252" imgH="469696" progId="Equation.DSMT4">
                   <p:embed/>
                 </p:oleObj>
               </mc:Choice>
@@ -9838,7 +11193,171 @@
 </p:sld>
 </file>
 
-<file path=ppt/slides/slide27.xml><?xml version="1.0" encoding="utf-8"?>
+<file path=ppt/slides/slide3.xml><?xml version="1.0" encoding="utf-8"?>
+<p:sld xmlns:a="http://schemas.openxmlformats.org/drawingml/2006/main" xmlns:r="http://schemas.openxmlformats.org/officeDocument/2006/relationships" xmlns:p="http://schemas.openxmlformats.org/presentationml/2006/main">
+  <p:cSld>
+    <p:spTree>
+      <p:nvGrpSpPr>
+        <p:cNvPr id="1" name=""/>
+        <p:cNvGrpSpPr/>
+        <p:nvPr/>
+      </p:nvGrpSpPr>
+      <p:grpSpPr>
+        <a:xfrm>
+          <a:off x="0" y="0"/>
+          <a:ext cx="0" cy="0"/>
+          <a:chOff x="0" y="0"/>
+          <a:chExt cx="0" cy="0"/>
+        </a:xfrm>
+      </p:grpSpPr>
+      <p:sp>
+        <p:nvSpPr>
+          <p:cNvPr id="2" name="Title 1"/>
+          <p:cNvSpPr>
+            <a:spLocks noGrp="1"/>
+          </p:cNvSpPr>
+          <p:nvPr>
+            <p:ph type="title"/>
+          </p:nvPr>
+        </p:nvSpPr>
+        <p:spPr/>
+        <p:txBody>
+          <a:bodyPr/>
+          <a:lstStyle/>
+          <a:p>
+            <a:r>
+              <a:rPr lang="en-US" dirty="0"/>
+              <a:t>What is R</a:t>
+            </a:r>
+          </a:p>
+        </p:txBody>
+      </p:sp>
+      <p:sp>
+        <p:nvSpPr>
+          <p:cNvPr id="3" name="Content Placeholder 2"/>
+          <p:cNvSpPr>
+            <a:spLocks noGrp="1"/>
+          </p:cNvSpPr>
+          <p:nvPr>
+            <p:ph idx="1"/>
+          </p:nvPr>
+        </p:nvSpPr>
+        <p:spPr/>
+        <p:txBody>
+          <a:bodyPr/>
+          <a:lstStyle/>
+          <a:p>
+            <a:r>
+              <a:rPr lang="en-US" dirty="0"/>
+              <a:t>An effective data handling and storage facility</a:t>
+            </a:r>
+          </a:p>
+          <a:p>
+            <a:r>
+              <a:rPr lang="en-US" dirty="0"/>
+              <a:t>A large, integrated collection of tools for </a:t>
+            </a:r>
+            <a:r>
+              <a:rPr lang="en-US" dirty="0">
+                <a:solidFill>
+                  <a:srgbClr val="00B050"/>
+                </a:solidFill>
+              </a:rPr>
+              <a:t>data analysis</a:t>
+            </a:r>
+          </a:p>
+          <a:p>
+            <a:r>
+              <a:rPr lang="en-US" dirty="0"/>
+              <a:t>A large and highly flexible collection of graphing facilities for </a:t>
+            </a:r>
+            <a:r>
+              <a:rPr lang="en-US" dirty="0">
+                <a:solidFill>
+                  <a:srgbClr val="00B050"/>
+                </a:solidFill>
+              </a:rPr>
+              <a:t>data display</a:t>
+            </a:r>
+          </a:p>
+          <a:p>
+            <a:r>
+              <a:rPr lang="en-US" dirty="0"/>
+              <a:t>A well-developed and relatively simple </a:t>
+            </a:r>
+            <a:r>
+              <a:rPr lang="en-US" dirty="0">
+                <a:solidFill>
+                  <a:srgbClr val="00B050"/>
+                </a:solidFill>
+              </a:rPr>
+              <a:t>programming language</a:t>
+            </a:r>
+          </a:p>
+          <a:p>
+            <a:pPr lvl="1"/>
+            <a:r>
+              <a:rPr lang="en-US" dirty="0"/>
+              <a:t>Conditionals (if-then-else), loops (for, while), user-defined functions, input and output</a:t>
+            </a:r>
+          </a:p>
+        </p:txBody>
+      </p:sp>
+      <p:pic>
+        <p:nvPicPr>
+          <p:cNvPr id="4" name="Picture 2" descr="R logo"/>
+          <p:cNvPicPr>
+            <a:picLocks noChangeAspect="1" noChangeArrowheads="1"/>
+          </p:cNvPicPr>
+          <p:nvPr/>
+        </p:nvPicPr>
+        <p:blipFill>
+          <a:blip r:embed="rId2">
+            <a:extLst>
+              <a:ext uri="{28A0092B-C50C-407E-A947-70E740481C1C}">
+                <a14:useLocalDpi xmlns:a14="http://schemas.microsoft.com/office/drawing/2010/main" val="0"/>
+              </a:ext>
+            </a:extLst>
+          </a:blip>
+          <a:srcRect/>
+          <a:stretch>
+            <a:fillRect/>
+          </a:stretch>
+        </p:blipFill>
+        <p:spPr bwMode="auto">
+          <a:xfrm>
+            <a:off x="2133600" y="457200"/>
+            <a:ext cx="952500" cy="723900"/>
+          </a:xfrm>
+          <a:prstGeom prst="rect">
+            <a:avLst/>
+          </a:prstGeom>
+          <a:noFill/>
+          <a:extLst>
+            <a:ext uri="{909E8E84-426E-40DD-AFC4-6F175D3DCCD1}">
+              <a14:hiddenFill xmlns:a14="http://schemas.microsoft.com/office/drawing/2010/main">
+                <a:solidFill>
+                  <a:srgbClr val="FFFFFF"/>
+                </a:solidFill>
+              </a14:hiddenFill>
+            </a:ext>
+          </a:extLst>
+        </p:spPr>
+      </p:pic>
+    </p:spTree>
+    <p:extLst>
+      <p:ext uri="{BB962C8B-B14F-4D97-AF65-F5344CB8AC3E}">
+        <p14:creationId xmlns:p14="http://schemas.microsoft.com/office/powerpoint/2010/main" val="2218832828"/>
+      </p:ext>
+    </p:extLst>
+  </p:cSld>
+  <p:clrMapOvr>
+    <a:masterClrMapping/>
+  </p:clrMapOvr>
+</p:sld>
+</file>
+
+<file path=ppt/slides/slide30.xml><?xml version="1.0" encoding="utf-8"?>
 <p:sld xmlns:a="http://schemas.openxmlformats.org/drawingml/2006/main" xmlns:r="http://schemas.openxmlformats.org/officeDocument/2006/relationships" xmlns:p="http://schemas.openxmlformats.org/presentationml/2006/main">
   <p:cSld>
     <p:spTree>
@@ -10035,7 +11554,7 @@
 </p:sld>
 </file>
 
-<file path=ppt/slides/slide28.xml><?xml version="1.0" encoding="utf-8"?>
+<file path=ppt/slides/slide31.xml><?xml version="1.0" encoding="utf-8"?>
 <p:sld xmlns:a="http://schemas.openxmlformats.org/drawingml/2006/main" xmlns:r="http://schemas.openxmlformats.org/officeDocument/2006/relationships" xmlns:p="http://schemas.openxmlformats.org/presentationml/2006/main">
   <p:cSld>
     <p:spTree>
@@ -10400,7 +11919,7 @@
 </p:sld>
 </file>
 
-<file path=ppt/slides/slide29.xml><?xml version="1.0" encoding="utf-8"?>
+<file path=ppt/slides/slide32.xml><?xml version="1.0" encoding="utf-8"?>
 <p:sld xmlns:a="http://schemas.openxmlformats.org/drawingml/2006/main" xmlns:r="http://schemas.openxmlformats.org/officeDocument/2006/relationships" xmlns:p="http://schemas.openxmlformats.org/presentationml/2006/main">
   <p:cSld>
     <p:spTree>
@@ -10784,171 +12303,7 @@
 </p:sld>
 </file>
 
-<file path=ppt/slides/slide3.xml><?xml version="1.0" encoding="utf-8"?>
-<p:sld xmlns:a="http://schemas.openxmlformats.org/drawingml/2006/main" xmlns:r="http://schemas.openxmlformats.org/officeDocument/2006/relationships" xmlns:p="http://schemas.openxmlformats.org/presentationml/2006/main">
-  <p:cSld>
-    <p:spTree>
-      <p:nvGrpSpPr>
-        <p:cNvPr id="1" name=""/>
-        <p:cNvGrpSpPr/>
-        <p:nvPr/>
-      </p:nvGrpSpPr>
-      <p:grpSpPr>
-        <a:xfrm>
-          <a:off x="0" y="0"/>
-          <a:ext cx="0" cy="0"/>
-          <a:chOff x="0" y="0"/>
-          <a:chExt cx="0" cy="0"/>
-        </a:xfrm>
-      </p:grpSpPr>
-      <p:sp>
-        <p:nvSpPr>
-          <p:cNvPr id="2" name="Title 1"/>
-          <p:cNvSpPr>
-            <a:spLocks noGrp="1"/>
-          </p:cNvSpPr>
-          <p:nvPr>
-            <p:ph type="title"/>
-          </p:nvPr>
-        </p:nvSpPr>
-        <p:spPr/>
-        <p:txBody>
-          <a:bodyPr/>
-          <a:lstStyle/>
-          <a:p>
-            <a:r>
-              <a:rPr lang="en-US" dirty="0"/>
-              <a:t>What is R</a:t>
-            </a:r>
-          </a:p>
-        </p:txBody>
-      </p:sp>
-      <p:sp>
-        <p:nvSpPr>
-          <p:cNvPr id="3" name="Content Placeholder 2"/>
-          <p:cNvSpPr>
-            <a:spLocks noGrp="1"/>
-          </p:cNvSpPr>
-          <p:nvPr>
-            <p:ph idx="1"/>
-          </p:nvPr>
-        </p:nvSpPr>
-        <p:spPr/>
-        <p:txBody>
-          <a:bodyPr/>
-          <a:lstStyle/>
-          <a:p>
-            <a:r>
-              <a:rPr lang="en-US" dirty="0"/>
-              <a:t>An effective data handling and storage facility</a:t>
-            </a:r>
-          </a:p>
-          <a:p>
-            <a:r>
-              <a:rPr lang="en-US" dirty="0"/>
-              <a:t>A large, integrated collection of tools for </a:t>
-            </a:r>
-            <a:r>
-              <a:rPr lang="en-US" dirty="0">
-                <a:solidFill>
-                  <a:srgbClr val="00B050"/>
-                </a:solidFill>
-              </a:rPr>
-              <a:t>data analysis</a:t>
-            </a:r>
-          </a:p>
-          <a:p>
-            <a:r>
-              <a:rPr lang="en-US" dirty="0"/>
-              <a:t>A large and highly flexible collection of graphing facilities for </a:t>
-            </a:r>
-            <a:r>
-              <a:rPr lang="en-US" dirty="0">
-                <a:solidFill>
-                  <a:srgbClr val="00B050"/>
-                </a:solidFill>
-              </a:rPr>
-              <a:t>data display</a:t>
-            </a:r>
-          </a:p>
-          <a:p>
-            <a:r>
-              <a:rPr lang="en-US" dirty="0"/>
-              <a:t>A well-developed and relatively simple </a:t>
-            </a:r>
-            <a:r>
-              <a:rPr lang="en-US" dirty="0">
-                <a:solidFill>
-                  <a:srgbClr val="00B050"/>
-                </a:solidFill>
-              </a:rPr>
-              <a:t>programming language</a:t>
-            </a:r>
-          </a:p>
-          <a:p>
-            <a:pPr lvl="1"/>
-            <a:r>
-              <a:rPr lang="en-US" dirty="0"/>
-              <a:t>Conditionals (if-then-else), loops (for, while), user-defined functions, input and output</a:t>
-            </a:r>
-          </a:p>
-        </p:txBody>
-      </p:sp>
-      <p:pic>
-        <p:nvPicPr>
-          <p:cNvPr id="4" name="Picture 2" descr="R logo"/>
-          <p:cNvPicPr>
-            <a:picLocks noChangeAspect="1" noChangeArrowheads="1"/>
-          </p:cNvPicPr>
-          <p:nvPr/>
-        </p:nvPicPr>
-        <p:blipFill>
-          <a:blip r:embed="rId2">
-            <a:extLst>
-              <a:ext uri="{28A0092B-C50C-407E-A947-70E740481C1C}">
-                <a14:useLocalDpi xmlns:a14="http://schemas.microsoft.com/office/drawing/2010/main" val="0"/>
-              </a:ext>
-            </a:extLst>
-          </a:blip>
-          <a:srcRect/>
-          <a:stretch>
-            <a:fillRect/>
-          </a:stretch>
-        </p:blipFill>
-        <p:spPr bwMode="auto">
-          <a:xfrm>
-            <a:off x="2133600" y="457200"/>
-            <a:ext cx="952500" cy="723900"/>
-          </a:xfrm>
-          <a:prstGeom prst="rect">
-            <a:avLst/>
-          </a:prstGeom>
-          <a:noFill/>
-          <a:extLst>
-            <a:ext uri="{909E8E84-426E-40DD-AFC4-6F175D3DCCD1}">
-              <a14:hiddenFill xmlns:a14="http://schemas.microsoft.com/office/drawing/2010/main">
-                <a:solidFill>
-                  <a:srgbClr val="FFFFFF"/>
-                </a:solidFill>
-              </a14:hiddenFill>
-            </a:ext>
-          </a:extLst>
-        </p:spPr>
-      </p:pic>
-    </p:spTree>
-    <p:extLst>
-      <p:ext uri="{BB962C8B-B14F-4D97-AF65-F5344CB8AC3E}">
-        <p14:creationId xmlns:p14="http://schemas.microsoft.com/office/powerpoint/2010/main" val="2218832828"/>
-      </p:ext>
-    </p:extLst>
-  </p:cSld>
-  <p:clrMapOvr>
-    <a:masterClrMapping/>
-  </p:clrMapOvr>
-</p:sld>
-</file>
-
-<file path=ppt/slides/slide30.xml><?xml version="1.0" encoding="utf-8"?>
+<file path=ppt/slides/slide33.xml><?xml version="1.0" encoding="utf-8"?>
 <p:sld xmlns:a="http://schemas.openxmlformats.org/drawingml/2006/main" xmlns:r="http://schemas.openxmlformats.org/officeDocument/2006/relationships" xmlns:p="http://schemas.openxmlformats.org/presentationml/2006/main">
   <p:cSld>
     <p:spTree>
@@ -14715,865 +16070,6 @@
 </p:sld>
 </file>
 
-<file path=ppt/slides/slide31.xml><?xml version="1.0" encoding="utf-8"?>
-<p:sld xmlns:a="http://schemas.openxmlformats.org/drawingml/2006/main" xmlns:r="http://schemas.openxmlformats.org/officeDocument/2006/relationships" xmlns:p="http://schemas.openxmlformats.org/presentationml/2006/main">
-  <p:cSld>
-    <p:spTree>
-      <p:nvGrpSpPr>
-        <p:cNvPr id="1" name=""/>
-        <p:cNvGrpSpPr/>
-        <p:nvPr/>
-      </p:nvGrpSpPr>
-      <p:grpSpPr>
-        <a:xfrm>
-          <a:off x="0" y="0"/>
-          <a:ext cx="0" cy="0"/>
-          <a:chOff x="0" y="0"/>
-          <a:chExt cx="0" cy="0"/>
-        </a:xfrm>
-      </p:grpSpPr>
-      <p:sp>
-        <p:nvSpPr>
-          <p:cNvPr id="2" name="Title 1"/>
-          <p:cNvSpPr>
-            <a:spLocks noGrp="1"/>
-          </p:cNvSpPr>
-          <p:nvPr>
-            <p:ph type="title"/>
-          </p:nvPr>
-        </p:nvSpPr>
-        <p:spPr/>
-        <p:txBody>
-          <a:bodyPr/>
-          <a:lstStyle/>
-          <a:p>
-            <a:r>
-              <a:rPr lang="en-US" dirty="0"/>
-              <a:t>Viewing objects</a:t>
-            </a:r>
-          </a:p>
-        </p:txBody>
-      </p:sp>
-      <p:sp>
-        <p:nvSpPr>
-          <p:cNvPr id="3" name="Content Placeholder 2"/>
-          <p:cNvSpPr>
-            <a:spLocks noGrp="1"/>
-          </p:cNvSpPr>
-          <p:nvPr>
-            <p:ph idx="1"/>
-          </p:nvPr>
-        </p:nvSpPr>
-        <p:spPr/>
-        <p:txBody>
-          <a:bodyPr/>
-          <a:lstStyle/>
-          <a:p>
-            <a:r>
-              <a:rPr lang="en-US" dirty="0"/>
-              <a:t>RStudio: just look at the top-right Workspace tab</a:t>
-            </a:r>
-          </a:p>
-          <a:p>
-            <a:r>
-              <a:rPr lang="en-US" dirty="0"/>
-              <a:t>Alternatively (and more generally):</a:t>
-            </a:r>
-            <a:endParaRPr lang="en-US" sz="2400" dirty="0">
-              <a:latin typeface="Courier New" panose="02070309020205020404" pitchFamily="49" charset="0"/>
-              <a:cs typeface="Courier New" panose="02070309020205020404" pitchFamily="49" charset="0"/>
-            </a:endParaRPr>
-          </a:p>
-          <a:p>
-            <a:pPr marL="0" indent="0">
-              <a:buNone/>
-            </a:pPr>
-            <a:r>
-              <a:rPr lang="en-US" sz="2400" dirty="0">
-                <a:solidFill>
-                  <a:srgbClr val="0000FF"/>
-                </a:solidFill>
-                <a:latin typeface="Courier New" panose="02070309020205020404" pitchFamily="49" charset="0"/>
-                <a:cs typeface="Courier New" panose="02070309020205020404" pitchFamily="49" charset="0"/>
-              </a:rPr>
-              <a:t>&gt; print(answer) </a:t>
-            </a:r>
-          </a:p>
-          <a:p>
-            <a:pPr marL="0" indent="0">
-              <a:buNone/>
-            </a:pPr>
-            <a:r>
-              <a:rPr lang="en-US" sz="2400" dirty="0">
-                <a:latin typeface="Courier New" panose="02070309020205020404" pitchFamily="49" charset="0"/>
-                <a:cs typeface="Courier New" panose="02070309020205020404" pitchFamily="49" charset="0"/>
-              </a:rPr>
-              <a:t>[1] 0.9162907 </a:t>
-            </a:r>
-          </a:p>
-          <a:p>
-            <a:pPr marL="0" indent="0">
-              <a:buNone/>
-            </a:pPr>
-            <a:endParaRPr lang="en-US" sz="2400" dirty="0">
-              <a:latin typeface="Courier New" panose="02070309020205020404" pitchFamily="49" charset="0"/>
-              <a:cs typeface="Courier New" panose="02070309020205020404" pitchFamily="49" charset="0"/>
-            </a:endParaRPr>
-          </a:p>
-          <a:p>
-            <a:pPr marL="0" indent="0">
-              <a:buNone/>
-            </a:pPr>
-            <a:r>
-              <a:rPr lang="en-US" sz="2400" dirty="0">
-                <a:solidFill>
-                  <a:srgbClr val="0000FF"/>
-                </a:solidFill>
-                <a:latin typeface="Courier New" panose="02070309020205020404" pitchFamily="49" charset="0"/>
-                <a:cs typeface="Courier New" panose="02070309020205020404" pitchFamily="49" charset="0"/>
-              </a:rPr>
-              <a:t>&gt; answer </a:t>
-            </a:r>
-          </a:p>
-          <a:p>
-            <a:pPr marL="0" indent="0">
-              <a:buNone/>
-            </a:pPr>
-            <a:r>
-              <a:rPr lang="en-US" sz="2400" dirty="0">
-                <a:latin typeface="Courier New" panose="02070309020205020404" pitchFamily="49" charset="0"/>
-                <a:cs typeface="Courier New" panose="02070309020205020404" pitchFamily="49" charset="0"/>
-              </a:rPr>
-              <a:t>[1] 0.9162907</a:t>
-            </a:r>
-          </a:p>
-          <a:p>
-            <a:pPr marL="0" indent="0">
-              <a:buNone/>
-            </a:pPr>
-            <a:r>
-              <a:rPr lang="en-US" sz="2400" dirty="0">
-                <a:latin typeface="Courier New" panose="02070309020205020404" pitchFamily="49" charset="0"/>
-                <a:cs typeface="Courier New" panose="02070309020205020404" pitchFamily="49" charset="0"/>
-              </a:rPr>
-              <a:t> </a:t>
-            </a:r>
-          </a:p>
-          <a:p>
-            <a:pPr marL="0" indent="0">
-              <a:buNone/>
-            </a:pPr>
-            <a:r>
-              <a:rPr lang="en-US" sz="2400" dirty="0">
-                <a:solidFill>
-                  <a:srgbClr val="0000FF"/>
-                </a:solidFill>
-                <a:latin typeface="Courier New" panose="02070309020205020404" pitchFamily="49" charset="0"/>
-                <a:cs typeface="Courier New" panose="02070309020205020404" pitchFamily="49" charset="0"/>
-              </a:rPr>
-              <a:t>&gt; answer * 10 </a:t>
-            </a:r>
-          </a:p>
-          <a:p>
-            <a:pPr marL="0" indent="0">
-              <a:buNone/>
-            </a:pPr>
-            <a:r>
-              <a:rPr lang="en-US" sz="2400" dirty="0">
-                <a:latin typeface="Courier New" panose="02070309020205020404" pitchFamily="49" charset="0"/>
-                <a:cs typeface="Courier New" panose="02070309020205020404" pitchFamily="49" charset="0"/>
-              </a:rPr>
-              <a:t>[1] 9.162907</a:t>
-            </a:r>
-          </a:p>
-        </p:txBody>
-      </p:sp>
-      <p:sp>
-        <p:nvSpPr>
-          <p:cNvPr id="4" name="TextBox 3"/>
-          <p:cNvSpPr txBox="1"/>
-          <p:nvPr/>
-        </p:nvSpPr>
-        <p:spPr>
-          <a:xfrm>
-            <a:off x="3521440" y="2513350"/>
-            <a:ext cx="4631960" cy="369332"/>
-          </a:xfrm>
-          <a:prstGeom prst="rect">
-            <a:avLst/>
-          </a:prstGeom>
-          <a:noFill/>
-        </p:spPr>
-        <p:txBody>
-          <a:bodyPr wrap="square" rtlCol="0">
-            <a:spAutoFit/>
-          </a:bodyPr>
-          <a:lstStyle/>
-          <a:p>
-            <a:r>
-              <a:rPr lang="en-US" dirty="0">
-                <a:solidFill>
-                  <a:srgbClr val="FF0000"/>
-                </a:solidFill>
-              </a:rPr>
-              <a:t>Very general command, works on everything</a:t>
-            </a:r>
-          </a:p>
-        </p:txBody>
-      </p:sp>
-      <p:sp>
-        <p:nvSpPr>
-          <p:cNvPr id="5" name="TextBox 4"/>
-          <p:cNvSpPr txBox="1"/>
-          <p:nvPr/>
-        </p:nvSpPr>
-        <p:spPr>
-          <a:xfrm>
-            <a:off x="3521440" y="5105400"/>
-            <a:ext cx="5012960" cy="369332"/>
-          </a:xfrm>
-          <a:prstGeom prst="rect">
-            <a:avLst/>
-          </a:prstGeom>
-          <a:noFill/>
-        </p:spPr>
-        <p:txBody>
-          <a:bodyPr wrap="square" rtlCol="0">
-            <a:spAutoFit/>
-          </a:bodyPr>
-          <a:lstStyle/>
-          <a:p>
-            <a:r>
-              <a:rPr lang="en-US" dirty="0">
-                <a:solidFill>
-                  <a:srgbClr val="FF0000"/>
-                </a:solidFill>
-              </a:rPr>
-              <a:t>Manipulate the value contained within the object</a:t>
-            </a:r>
-          </a:p>
-        </p:txBody>
-      </p:sp>
-    </p:spTree>
-    <p:extLst>
-      <p:ext uri="{BB962C8B-B14F-4D97-AF65-F5344CB8AC3E}">
-        <p14:creationId xmlns:p14="http://schemas.microsoft.com/office/powerpoint/2010/main" val="3007275282"/>
-      </p:ext>
-    </p:extLst>
-  </p:cSld>
-  <p:clrMapOvr>
-    <a:masterClrMapping/>
-  </p:clrMapOvr>
-</p:sld>
-</file>
-
-<file path=ppt/slides/slide32.xml><?xml version="1.0" encoding="utf-8"?>
-<p:sld xmlns:a="http://schemas.openxmlformats.org/drawingml/2006/main" xmlns:r="http://schemas.openxmlformats.org/officeDocument/2006/relationships" xmlns:p="http://schemas.openxmlformats.org/presentationml/2006/main">
-  <p:cSld>
-    <p:spTree>
-      <p:nvGrpSpPr>
-        <p:cNvPr id="1" name=""/>
-        <p:cNvGrpSpPr/>
-        <p:nvPr/>
-      </p:nvGrpSpPr>
-      <p:grpSpPr>
-        <a:xfrm>
-          <a:off x="0" y="0"/>
-          <a:ext cx="0" cy="0"/>
-          <a:chOff x="0" y="0"/>
-          <a:chExt cx="0" cy="0"/>
-        </a:xfrm>
-      </p:grpSpPr>
-      <p:sp>
-        <p:nvSpPr>
-          <p:cNvPr id="2" name="Title 1"/>
-          <p:cNvSpPr>
-            <a:spLocks noGrp="1"/>
-          </p:cNvSpPr>
-          <p:nvPr>
-            <p:ph type="title"/>
-          </p:nvPr>
-        </p:nvSpPr>
-        <p:spPr/>
-        <p:txBody>
-          <a:bodyPr/>
-          <a:lstStyle/>
-          <a:p>
-            <a:r>
-              <a:rPr lang="en-US" dirty="0"/>
-              <a:t>Removing objects</a:t>
-            </a:r>
-          </a:p>
-        </p:txBody>
-      </p:sp>
-      <p:sp>
-        <p:nvSpPr>
-          <p:cNvPr id="3" name="Content Placeholder 2"/>
-          <p:cNvSpPr>
-            <a:spLocks noGrp="1"/>
-          </p:cNvSpPr>
-          <p:nvPr>
-            <p:ph idx="1"/>
-          </p:nvPr>
-        </p:nvSpPr>
-        <p:spPr/>
-        <p:txBody>
-          <a:bodyPr/>
-          <a:lstStyle/>
-          <a:p>
-            <a:r>
-              <a:rPr lang="en-US" dirty="0"/>
-              <a:t>To find a list of all objects in the workspace</a:t>
-            </a:r>
-          </a:p>
-          <a:p>
-            <a:pPr marL="0" indent="0">
-              <a:buNone/>
-            </a:pPr>
-            <a:r>
-              <a:rPr lang="en-US" sz="2400" dirty="0">
-                <a:solidFill>
-                  <a:srgbClr val="0000FF"/>
-                </a:solidFill>
-                <a:latin typeface="Courier New" panose="02070309020205020404" pitchFamily="49" charset="0"/>
-                <a:cs typeface="Courier New" panose="02070309020205020404" pitchFamily="49" charset="0"/>
-              </a:rPr>
-              <a:t>&gt; </a:t>
-            </a:r>
-            <a:r>
-              <a:rPr lang="en-US" sz="2400" dirty="0" err="1">
-                <a:solidFill>
-                  <a:srgbClr val="0000FF"/>
-                </a:solidFill>
-                <a:latin typeface="Courier New" panose="02070309020205020404" pitchFamily="49" charset="0"/>
-                <a:cs typeface="Courier New" panose="02070309020205020404" pitchFamily="49" charset="0"/>
-              </a:rPr>
-              <a:t>ls</a:t>
-            </a:r>
-            <a:r>
-              <a:rPr lang="en-US" sz="2400" dirty="0">
-                <a:solidFill>
-                  <a:srgbClr val="0000FF"/>
-                </a:solidFill>
-                <a:latin typeface="Courier New" panose="02070309020205020404" pitchFamily="49" charset="0"/>
-                <a:cs typeface="Courier New" panose="02070309020205020404" pitchFamily="49" charset="0"/>
-              </a:rPr>
-              <a:t>() </a:t>
-            </a:r>
-          </a:p>
-          <a:p>
-            <a:pPr marL="0" indent="0">
-              <a:buNone/>
-            </a:pPr>
-            <a:r>
-              <a:rPr lang="en-US" sz="2400" dirty="0">
-                <a:latin typeface="Courier New" panose="02070309020205020404" pitchFamily="49" charset="0"/>
-                <a:cs typeface="Courier New" panose="02070309020205020404" pitchFamily="49" charset="0"/>
-              </a:rPr>
-              <a:t>[1] "answer" "</a:t>
-            </a:r>
-            <a:r>
-              <a:rPr lang="en-US" sz="2400" dirty="0" err="1">
-                <a:latin typeface="Courier New" panose="02070309020205020404" pitchFamily="49" charset="0"/>
-                <a:cs typeface="Courier New" panose="02070309020205020404" pitchFamily="49" charset="0"/>
-              </a:rPr>
-              <a:t>myName</a:t>
-            </a:r>
-            <a:r>
-              <a:rPr lang="en-US" sz="2400" dirty="0">
-                <a:latin typeface="Courier New" panose="02070309020205020404" pitchFamily="49" charset="0"/>
-                <a:cs typeface="Courier New" panose="02070309020205020404" pitchFamily="49" charset="0"/>
-              </a:rPr>
-              <a:t>"</a:t>
-            </a:r>
-          </a:p>
-          <a:p>
-            <a:r>
-              <a:rPr lang="en-US" dirty="0"/>
-              <a:t>To remove an object</a:t>
-            </a:r>
-          </a:p>
-          <a:p>
-            <a:pPr marL="0" indent="0">
-              <a:buNone/>
-            </a:pPr>
-            <a:r>
-              <a:rPr lang="en-US" sz="2400" dirty="0">
-                <a:solidFill>
-                  <a:srgbClr val="0000FF"/>
-                </a:solidFill>
-                <a:latin typeface="Courier New" panose="02070309020205020404" pitchFamily="49" charset="0"/>
-                <a:cs typeface="Courier New" panose="02070309020205020404" pitchFamily="49" charset="0"/>
-              </a:rPr>
-              <a:t>&gt; </a:t>
-            </a:r>
-            <a:r>
-              <a:rPr lang="en-US" sz="2400" dirty="0" err="1">
-                <a:solidFill>
-                  <a:srgbClr val="0000FF"/>
-                </a:solidFill>
-                <a:latin typeface="Courier New" panose="02070309020205020404" pitchFamily="49" charset="0"/>
-                <a:cs typeface="Courier New" panose="02070309020205020404" pitchFamily="49" charset="0"/>
-              </a:rPr>
-              <a:t>rm</a:t>
-            </a:r>
-            <a:r>
-              <a:rPr lang="en-US" sz="2400" dirty="0">
-                <a:solidFill>
-                  <a:srgbClr val="0000FF"/>
-                </a:solidFill>
-                <a:latin typeface="Courier New" panose="02070309020205020404" pitchFamily="49" charset="0"/>
-                <a:cs typeface="Courier New" panose="02070309020205020404" pitchFamily="49" charset="0"/>
-              </a:rPr>
-              <a:t>(answer)</a:t>
-            </a:r>
-          </a:p>
-          <a:p>
-            <a:pPr marL="0" indent="0">
-              <a:buNone/>
-            </a:pPr>
-            <a:r>
-              <a:rPr lang="en-US" sz="2400" dirty="0">
-                <a:solidFill>
-                  <a:srgbClr val="0000FF"/>
-                </a:solidFill>
-                <a:latin typeface="Courier New" panose="02070309020205020404" pitchFamily="49" charset="0"/>
-                <a:cs typeface="Courier New" panose="02070309020205020404" pitchFamily="49" charset="0"/>
-              </a:rPr>
-              <a:t>&gt; </a:t>
-            </a:r>
-            <a:r>
-              <a:rPr lang="en-US" sz="2400" dirty="0" err="1">
-                <a:solidFill>
-                  <a:srgbClr val="0000FF"/>
-                </a:solidFill>
-                <a:latin typeface="Courier New" panose="02070309020205020404" pitchFamily="49" charset="0"/>
-                <a:cs typeface="Courier New" panose="02070309020205020404" pitchFamily="49" charset="0"/>
-              </a:rPr>
-              <a:t>ls</a:t>
-            </a:r>
-            <a:r>
-              <a:rPr lang="en-US" sz="2400" dirty="0">
-                <a:solidFill>
-                  <a:srgbClr val="0000FF"/>
-                </a:solidFill>
-                <a:latin typeface="Courier New" panose="02070309020205020404" pitchFamily="49" charset="0"/>
-                <a:cs typeface="Courier New" panose="02070309020205020404" pitchFamily="49" charset="0"/>
-              </a:rPr>
-              <a:t>() </a:t>
-            </a:r>
-          </a:p>
-          <a:p>
-            <a:pPr marL="0" indent="0">
-              <a:buNone/>
-            </a:pPr>
-            <a:r>
-              <a:rPr lang="en-US" sz="2400" dirty="0">
-                <a:latin typeface="Courier New" panose="02070309020205020404" pitchFamily="49" charset="0"/>
-                <a:cs typeface="Courier New" panose="02070309020205020404" pitchFamily="49" charset="0"/>
-              </a:rPr>
-              <a:t>[1] "</a:t>
-            </a:r>
-            <a:r>
-              <a:rPr lang="en-US" sz="2400" dirty="0" err="1">
-                <a:latin typeface="Courier New" panose="02070309020205020404" pitchFamily="49" charset="0"/>
-                <a:cs typeface="Courier New" panose="02070309020205020404" pitchFamily="49" charset="0"/>
-              </a:rPr>
-              <a:t>myName</a:t>
-            </a:r>
-            <a:r>
-              <a:rPr lang="en-US" sz="2400" dirty="0">
-                <a:latin typeface="Courier New" panose="02070309020205020404" pitchFamily="49" charset="0"/>
-                <a:cs typeface="Courier New" panose="02070309020205020404" pitchFamily="49" charset="0"/>
-              </a:rPr>
-              <a:t>"</a:t>
-            </a:r>
-          </a:p>
-          <a:p>
-            <a:r>
-              <a:rPr lang="en-US" dirty="0"/>
-              <a:t>To remove </a:t>
-            </a:r>
-            <a:r>
-              <a:rPr lang="en-US" b="1" dirty="0"/>
-              <a:t>all </a:t>
-            </a:r>
-            <a:r>
-              <a:rPr lang="en-US" dirty="0"/>
-              <a:t>objects</a:t>
-            </a:r>
-          </a:p>
-          <a:p>
-            <a:pPr marL="0" indent="0">
-              <a:buNone/>
-            </a:pPr>
-            <a:r>
-              <a:rPr lang="en-US" sz="2400" dirty="0">
-                <a:solidFill>
-                  <a:srgbClr val="0000FF"/>
-                </a:solidFill>
-                <a:latin typeface="Courier New" panose="02070309020205020404" pitchFamily="49" charset="0"/>
-                <a:cs typeface="Courier New" panose="02070309020205020404" pitchFamily="49" charset="0"/>
-              </a:rPr>
-              <a:t>&gt; </a:t>
-            </a:r>
-            <a:r>
-              <a:rPr lang="en-US" sz="2400" dirty="0" err="1">
-                <a:solidFill>
-                  <a:srgbClr val="0000FF"/>
-                </a:solidFill>
-                <a:latin typeface="Courier New" panose="02070309020205020404" pitchFamily="49" charset="0"/>
-                <a:cs typeface="Courier New" panose="02070309020205020404" pitchFamily="49" charset="0"/>
-              </a:rPr>
-              <a:t>rm</a:t>
-            </a:r>
-            <a:r>
-              <a:rPr lang="en-US" sz="2400" dirty="0">
-                <a:solidFill>
-                  <a:srgbClr val="0000FF"/>
-                </a:solidFill>
-                <a:latin typeface="Courier New" panose="02070309020205020404" pitchFamily="49" charset="0"/>
-                <a:cs typeface="Courier New" panose="02070309020205020404" pitchFamily="49" charset="0"/>
-              </a:rPr>
-              <a:t>(list = </a:t>
-            </a:r>
-            <a:r>
-              <a:rPr lang="en-US" sz="2400" dirty="0" err="1">
-                <a:solidFill>
-                  <a:srgbClr val="0000FF"/>
-                </a:solidFill>
-                <a:latin typeface="Courier New" panose="02070309020205020404" pitchFamily="49" charset="0"/>
-                <a:cs typeface="Courier New" panose="02070309020205020404" pitchFamily="49" charset="0"/>
-              </a:rPr>
-              <a:t>ls</a:t>
-            </a:r>
-            <a:r>
-              <a:rPr lang="en-US" sz="2400" dirty="0">
-                <a:solidFill>
-                  <a:srgbClr val="0000FF"/>
-                </a:solidFill>
-                <a:latin typeface="Courier New" panose="02070309020205020404" pitchFamily="49" charset="0"/>
-                <a:cs typeface="Courier New" panose="02070309020205020404" pitchFamily="49" charset="0"/>
-              </a:rPr>
-              <a:t>())</a:t>
-            </a:r>
-          </a:p>
-          <a:p>
-            <a:pPr marL="0" indent="0">
-              <a:buNone/>
-            </a:pPr>
-            <a:r>
-              <a:rPr lang="en-US" sz="2400" dirty="0">
-                <a:solidFill>
-                  <a:srgbClr val="0000FF"/>
-                </a:solidFill>
-                <a:latin typeface="Courier New" panose="02070309020205020404" pitchFamily="49" charset="0"/>
-                <a:cs typeface="Courier New" panose="02070309020205020404" pitchFamily="49" charset="0"/>
-              </a:rPr>
-              <a:t>&gt; </a:t>
-            </a:r>
-            <a:r>
-              <a:rPr lang="en-US" sz="2400" dirty="0" err="1">
-                <a:solidFill>
-                  <a:srgbClr val="0000FF"/>
-                </a:solidFill>
-                <a:latin typeface="Courier New" panose="02070309020205020404" pitchFamily="49" charset="0"/>
-                <a:cs typeface="Courier New" panose="02070309020205020404" pitchFamily="49" charset="0"/>
-              </a:rPr>
-              <a:t>ls</a:t>
-            </a:r>
-            <a:r>
-              <a:rPr lang="en-US" sz="2400" dirty="0">
-                <a:solidFill>
-                  <a:srgbClr val="0000FF"/>
-                </a:solidFill>
-                <a:latin typeface="Courier New" panose="02070309020205020404" pitchFamily="49" charset="0"/>
-                <a:cs typeface="Courier New" panose="02070309020205020404" pitchFamily="49" charset="0"/>
-              </a:rPr>
-              <a:t>() </a:t>
-            </a:r>
-          </a:p>
-          <a:p>
-            <a:pPr marL="0" indent="0">
-              <a:buNone/>
-            </a:pPr>
-            <a:r>
-              <a:rPr lang="en-US" sz="2400" dirty="0">
-                <a:latin typeface="Courier New" panose="02070309020205020404" pitchFamily="49" charset="0"/>
-                <a:cs typeface="Courier New" panose="02070309020205020404" pitchFamily="49" charset="0"/>
-              </a:rPr>
-              <a:t>character(0)</a:t>
-            </a:r>
-          </a:p>
-        </p:txBody>
-      </p:sp>
-      <p:sp>
-        <p:nvSpPr>
-          <p:cNvPr id="4" name="TextBox 3"/>
-          <p:cNvSpPr txBox="1"/>
-          <p:nvPr/>
-        </p:nvSpPr>
-        <p:spPr>
-          <a:xfrm>
-            <a:off x="3826240" y="6107668"/>
-            <a:ext cx="5012960" cy="369332"/>
-          </a:xfrm>
-          <a:prstGeom prst="rect">
-            <a:avLst/>
-          </a:prstGeom>
-          <a:noFill/>
-        </p:spPr>
-        <p:txBody>
-          <a:bodyPr wrap="square" rtlCol="0">
-            <a:spAutoFit/>
-          </a:bodyPr>
-          <a:lstStyle/>
-          <a:p>
-            <a:r>
-              <a:rPr lang="en-US" dirty="0">
-                <a:solidFill>
-                  <a:srgbClr val="FF0000"/>
-                </a:solidFill>
-              </a:rPr>
-              <a:t>Nothing left in workspace</a:t>
-            </a:r>
-          </a:p>
-        </p:txBody>
-      </p:sp>
-      <p:sp>
-        <p:nvSpPr>
-          <p:cNvPr id="5" name="TextBox 4"/>
-          <p:cNvSpPr txBox="1"/>
-          <p:nvPr/>
-        </p:nvSpPr>
-        <p:spPr>
-          <a:xfrm>
-            <a:off x="3824990" y="5224498"/>
-            <a:ext cx="5012960" cy="646331"/>
-          </a:xfrm>
-          <a:prstGeom prst="rect">
-            <a:avLst/>
-          </a:prstGeom>
-          <a:noFill/>
-        </p:spPr>
-        <p:txBody>
-          <a:bodyPr wrap="square" rtlCol="0">
-            <a:spAutoFit/>
-          </a:bodyPr>
-          <a:lstStyle/>
-          <a:p>
-            <a:r>
-              <a:rPr lang="en-US" dirty="0">
-                <a:solidFill>
-                  <a:srgbClr val="FF0000"/>
-                </a:solidFill>
-              </a:rPr>
-              <a:t>Useful for clearing your workspace at  the start of a new session</a:t>
-            </a:r>
-          </a:p>
-        </p:txBody>
-      </p:sp>
-      <p:sp>
-        <p:nvSpPr>
-          <p:cNvPr id="6" name="TextBox 5"/>
-          <p:cNvSpPr txBox="1"/>
-          <p:nvPr/>
-        </p:nvSpPr>
-        <p:spPr>
-          <a:xfrm>
-            <a:off x="4298430" y="4769370"/>
-            <a:ext cx="4693170" cy="369332"/>
-          </a:xfrm>
-          <a:prstGeom prst="rect">
-            <a:avLst/>
-          </a:prstGeom>
-          <a:noFill/>
-        </p:spPr>
-        <p:txBody>
-          <a:bodyPr wrap="square" rtlCol="0">
-            <a:spAutoFit/>
-          </a:bodyPr>
-          <a:lstStyle/>
-          <a:p>
-            <a:r>
-              <a:rPr lang="en-US" dirty="0">
-                <a:solidFill>
-                  <a:schemeClr val="bg1">
-                    <a:lumMod val="50000"/>
-                  </a:schemeClr>
-                </a:solidFill>
-              </a:rPr>
-              <a:t>Or Workspace/Clear All menu option in RStudio </a:t>
-            </a:r>
-          </a:p>
-        </p:txBody>
-      </p:sp>
-    </p:spTree>
-    <p:extLst>
-      <p:ext uri="{BB962C8B-B14F-4D97-AF65-F5344CB8AC3E}">
-        <p14:creationId xmlns:p14="http://schemas.microsoft.com/office/powerpoint/2010/main" val="1915885425"/>
-      </p:ext>
-    </p:extLst>
-  </p:cSld>
-  <p:clrMapOvr>
-    <a:masterClrMapping/>
-  </p:clrMapOvr>
-</p:sld>
-</file>
-
-<file path=ppt/slides/slide33.xml><?xml version="1.0" encoding="utf-8"?>
-<p:sld xmlns:a="http://schemas.openxmlformats.org/drawingml/2006/main" xmlns:r="http://schemas.openxmlformats.org/officeDocument/2006/relationships" xmlns:p="http://schemas.openxmlformats.org/presentationml/2006/main">
-  <p:cSld>
-    <p:spTree>
-      <p:nvGrpSpPr>
-        <p:cNvPr id="1" name=""/>
-        <p:cNvGrpSpPr/>
-        <p:nvPr/>
-      </p:nvGrpSpPr>
-      <p:grpSpPr>
-        <a:xfrm>
-          <a:off x="0" y="0"/>
-          <a:ext cx="0" cy="0"/>
-          <a:chOff x="0" y="0"/>
-          <a:chExt cx="0" cy="0"/>
-        </a:xfrm>
-      </p:grpSpPr>
-      <p:sp>
-        <p:nvSpPr>
-          <p:cNvPr id="2" name="Title 1"/>
-          <p:cNvSpPr>
-            <a:spLocks noGrp="1"/>
-          </p:cNvSpPr>
-          <p:nvPr>
-            <p:ph type="title"/>
-          </p:nvPr>
-        </p:nvSpPr>
-        <p:spPr/>
-        <p:txBody>
-          <a:bodyPr/>
-          <a:lstStyle/>
-          <a:p>
-            <a:r>
-              <a:rPr lang="en-US" dirty="0"/>
-              <a:t>Data types</a:t>
-            </a:r>
-          </a:p>
-        </p:txBody>
-      </p:sp>
-      <p:sp>
-        <p:nvSpPr>
-          <p:cNvPr id="3" name="Content Placeholder 2"/>
-          <p:cNvSpPr>
-            <a:spLocks noGrp="1"/>
-          </p:cNvSpPr>
-          <p:nvPr>
-            <p:ph idx="1"/>
-          </p:nvPr>
-        </p:nvSpPr>
-        <p:spPr/>
-        <p:txBody>
-          <a:bodyPr/>
-          <a:lstStyle/>
-          <a:p>
-            <a:r>
-              <a:rPr lang="en-US" dirty="0"/>
-              <a:t>Data types describe how objects are stored in computer memory</a:t>
-            </a:r>
-          </a:p>
-          <a:p>
-            <a:r>
-              <a:rPr lang="en-US" dirty="0"/>
-              <a:t>In R, you do </a:t>
-            </a:r>
-            <a:r>
-              <a:rPr lang="en-US" b="1" dirty="0"/>
-              <a:t>not</a:t>
-            </a:r>
-            <a:r>
-              <a:rPr lang="en-US" dirty="0"/>
-              <a:t> need to specify the data type</a:t>
-            </a:r>
-          </a:p>
-          <a:p>
-            <a:r>
-              <a:rPr lang="en-US" dirty="0"/>
-              <a:t>Common data types (also known as </a:t>
-            </a:r>
-            <a:r>
-              <a:rPr lang="en-US" b="1" dirty="0"/>
-              <a:t>mode</a:t>
-            </a:r>
-            <a:r>
-              <a:rPr lang="en-US" dirty="0"/>
-              <a:t>) include</a:t>
-            </a:r>
-          </a:p>
-          <a:p>
-            <a:pPr lvl="1"/>
-            <a:r>
-              <a:rPr lang="en-US" dirty="0">
-                <a:solidFill>
-                  <a:srgbClr val="0432FF"/>
-                </a:solidFill>
-              </a:rPr>
-              <a:t>Numeric </a:t>
-            </a:r>
-            <a:r>
-              <a:rPr lang="en-US" dirty="0"/>
-              <a:t>(integer, floating point numbers or doubles)</a:t>
-            </a:r>
-          </a:p>
-          <a:p>
-            <a:pPr lvl="1"/>
-            <a:r>
-              <a:rPr lang="en-US" dirty="0">
-                <a:solidFill>
-                  <a:srgbClr val="0432FF"/>
-                </a:solidFill>
-              </a:rPr>
-              <a:t>Logical </a:t>
-            </a:r>
-            <a:r>
-              <a:rPr lang="en-US" dirty="0"/>
-              <a:t>(Boolean, true or false)</a:t>
-            </a:r>
-          </a:p>
-          <a:p>
-            <a:pPr lvl="1"/>
-            <a:r>
-              <a:rPr lang="en-US" dirty="0">
-                <a:solidFill>
-                  <a:srgbClr val="0432FF"/>
-                </a:solidFill>
-              </a:rPr>
-              <a:t>Characters</a:t>
-            </a:r>
-            <a:r>
-              <a:rPr lang="en-US" dirty="0"/>
-              <a:t> (text or string data)</a:t>
-            </a:r>
-          </a:p>
-          <a:p>
-            <a:r>
-              <a:rPr lang="en-US" dirty="0"/>
-              <a:t>The object type is not always obvious in R, and knowing what it is can be important</a:t>
-            </a:r>
-          </a:p>
-        </p:txBody>
-      </p:sp>
-    </p:spTree>
-    <p:extLst>
-      <p:ext uri="{BB962C8B-B14F-4D97-AF65-F5344CB8AC3E}">
-        <p14:creationId xmlns:p14="http://schemas.microsoft.com/office/powerpoint/2010/main" val="1945866585"/>
-      </p:ext>
-    </p:extLst>
-  </p:cSld>
-  <p:clrMapOvr>
-    <a:masterClrMapping/>
-  </p:clrMapOvr>
-</p:sld>
-</file>
-
 <file path=ppt/slides/slide34.xml><?xml version="1.0" encoding="utf-8"?>
 <p:sld xmlns:a="http://schemas.openxmlformats.org/drawingml/2006/main" xmlns:r="http://schemas.openxmlformats.org/officeDocument/2006/relationships" xmlns:p="http://schemas.openxmlformats.org/presentationml/2006/main">
   <p:cSld>
@@ -15608,6 +16104,865 @@
           <a:p>
             <a:r>
               <a:rPr lang="en-US" dirty="0"/>
+              <a:t>Viewing objects</a:t>
+            </a:r>
+          </a:p>
+        </p:txBody>
+      </p:sp>
+      <p:sp>
+        <p:nvSpPr>
+          <p:cNvPr id="3" name="Content Placeholder 2"/>
+          <p:cNvSpPr>
+            <a:spLocks noGrp="1"/>
+          </p:cNvSpPr>
+          <p:nvPr>
+            <p:ph idx="1"/>
+          </p:nvPr>
+        </p:nvSpPr>
+        <p:spPr/>
+        <p:txBody>
+          <a:bodyPr/>
+          <a:lstStyle/>
+          <a:p>
+            <a:r>
+              <a:rPr lang="en-US" dirty="0"/>
+              <a:t>RStudio: just look at the top-right Workspace tab</a:t>
+            </a:r>
+          </a:p>
+          <a:p>
+            <a:r>
+              <a:rPr lang="en-US" dirty="0"/>
+              <a:t>Alternatively (and more generally):</a:t>
+            </a:r>
+            <a:endParaRPr lang="en-US" sz="2400" dirty="0">
+              <a:latin typeface="Courier New" panose="02070309020205020404" pitchFamily="49" charset="0"/>
+              <a:cs typeface="Courier New" panose="02070309020205020404" pitchFamily="49" charset="0"/>
+            </a:endParaRPr>
+          </a:p>
+          <a:p>
+            <a:pPr marL="0" indent="0">
+              <a:buNone/>
+            </a:pPr>
+            <a:r>
+              <a:rPr lang="en-US" sz="2400" dirty="0">
+                <a:solidFill>
+                  <a:srgbClr val="0000FF"/>
+                </a:solidFill>
+                <a:latin typeface="Courier New" panose="02070309020205020404" pitchFamily="49" charset="0"/>
+                <a:cs typeface="Courier New" panose="02070309020205020404" pitchFamily="49" charset="0"/>
+              </a:rPr>
+              <a:t>&gt; print(answer) </a:t>
+            </a:r>
+          </a:p>
+          <a:p>
+            <a:pPr marL="0" indent="0">
+              <a:buNone/>
+            </a:pPr>
+            <a:r>
+              <a:rPr lang="en-US" sz="2400" dirty="0">
+                <a:latin typeface="Courier New" panose="02070309020205020404" pitchFamily="49" charset="0"/>
+                <a:cs typeface="Courier New" panose="02070309020205020404" pitchFamily="49" charset="0"/>
+              </a:rPr>
+              <a:t>[1] 0.9162907 </a:t>
+            </a:r>
+          </a:p>
+          <a:p>
+            <a:pPr marL="0" indent="0">
+              <a:buNone/>
+            </a:pPr>
+            <a:endParaRPr lang="en-US" sz="2400" dirty="0">
+              <a:latin typeface="Courier New" panose="02070309020205020404" pitchFamily="49" charset="0"/>
+              <a:cs typeface="Courier New" panose="02070309020205020404" pitchFamily="49" charset="0"/>
+            </a:endParaRPr>
+          </a:p>
+          <a:p>
+            <a:pPr marL="0" indent="0">
+              <a:buNone/>
+            </a:pPr>
+            <a:r>
+              <a:rPr lang="en-US" sz="2400" dirty="0">
+                <a:solidFill>
+                  <a:srgbClr val="0000FF"/>
+                </a:solidFill>
+                <a:latin typeface="Courier New" panose="02070309020205020404" pitchFamily="49" charset="0"/>
+                <a:cs typeface="Courier New" panose="02070309020205020404" pitchFamily="49" charset="0"/>
+              </a:rPr>
+              <a:t>&gt; answer </a:t>
+            </a:r>
+          </a:p>
+          <a:p>
+            <a:pPr marL="0" indent="0">
+              <a:buNone/>
+            </a:pPr>
+            <a:r>
+              <a:rPr lang="en-US" sz="2400" dirty="0">
+                <a:latin typeface="Courier New" panose="02070309020205020404" pitchFamily="49" charset="0"/>
+                <a:cs typeface="Courier New" panose="02070309020205020404" pitchFamily="49" charset="0"/>
+              </a:rPr>
+              <a:t>[1] 0.9162907</a:t>
+            </a:r>
+          </a:p>
+          <a:p>
+            <a:pPr marL="0" indent="0">
+              <a:buNone/>
+            </a:pPr>
+            <a:r>
+              <a:rPr lang="en-US" sz="2400" dirty="0">
+                <a:latin typeface="Courier New" panose="02070309020205020404" pitchFamily="49" charset="0"/>
+                <a:cs typeface="Courier New" panose="02070309020205020404" pitchFamily="49" charset="0"/>
+              </a:rPr>
+              <a:t> </a:t>
+            </a:r>
+          </a:p>
+          <a:p>
+            <a:pPr marL="0" indent="0">
+              <a:buNone/>
+            </a:pPr>
+            <a:r>
+              <a:rPr lang="en-US" sz="2400" dirty="0">
+                <a:solidFill>
+                  <a:srgbClr val="0000FF"/>
+                </a:solidFill>
+                <a:latin typeface="Courier New" panose="02070309020205020404" pitchFamily="49" charset="0"/>
+                <a:cs typeface="Courier New" panose="02070309020205020404" pitchFamily="49" charset="0"/>
+              </a:rPr>
+              <a:t>&gt; answer * 10 </a:t>
+            </a:r>
+          </a:p>
+          <a:p>
+            <a:pPr marL="0" indent="0">
+              <a:buNone/>
+            </a:pPr>
+            <a:r>
+              <a:rPr lang="en-US" sz="2400" dirty="0">
+                <a:latin typeface="Courier New" panose="02070309020205020404" pitchFamily="49" charset="0"/>
+                <a:cs typeface="Courier New" panose="02070309020205020404" pitchFamily="49" charset="0"/>
+              </a:rPr>
+              <a:t>[1] 9.162907</a:t>
+            </a:r>
+          </a:p>
+        </p:txBody>
+      </p:sp>
+      <p:sp>
+        <p:nvSpPr>
+          <p:cNvPr id="4" name="TextBox 3"/>
+          <p:cNvSpPr txBox="1"/>
+          <p:nvPr/>
+        </p:nvSpPr>
+        <p:spPr>
+          <a:xfrm>
+            <a:off x="3521440" y="2513350"/>
+            <a:ext cx="4631960" cy="369332"/>
+          </a:xfrm>
+          <a:prstGeom prst="rect">
+            <a:avLst/>
+          </a:prstGeom>
+          <a:noFill/>
+        </p:spPr>
+        <p:txBody>
+          <a:bodyPr wrap="square" rtlCol="0">
+            <a:spAutoFit/>
+          </a:bodyPr>
+          <a:lstStyle/>
+          <a:p>
+            <a:r>
+              <a:rPr lang="en-US" dirty="0">
+                <a:solidFill>
+                  <a:srgbClr val="FF0000"/>
+                </a:solidFill>
+              </a:rPr>
+              <a:t>Very general command, works on everything</a:t>
+            </a:r>
+          </a:p>
+        </p:txBody>
+      </p:sp>
+      <p:sp>
+        <p:nvSpPr>
+          <p:cNvPr id="5" name="TextBox 4"/>
+          <p:cNvSpPr txBox="1"/>
+          <p:nvPr/>
+        </p:nvSpPr>
+        <p:spPr>
+          <a:xfrm>
+            <a:off x="3521440" y="5105400"/>
+            <a:ext cx="5012960" cy="369332"/>
+          </a:xfrm>
+          <a:prstGeom prst="rect">
+            <a:avLst/>
+          </a:prstGeom>
+          <a:noFill/>
+        </p:spPr>
+        <p:txBody>
+          <a:bodyPr wrap="square" rtlCol="0">
+            <a:spAutoFit/>
+          </a:bodyPr>
+          <a:lstStyle/>
+          <a:p>
+            <a:r>
+              <a:rPr lang="en-US" dirty="0">
+                <a:solidFill>
+                  <a:srgbClr val="FF0000"/>
+                </a:solidFill>
+              </a:rPr>
+              <a:t>Manipulate the value contained within the object</a:t>
+            </a:r>
+          </a:p>
+        </p:txBody>
+      </p:sp>
+    </p:spTree>
+    <p:extLst>
+      <p:ext uri="{BB962C8B-B14F-4D97-AF65-F5344CB8AC3E}">
+        <p14:creationId xmlns:p14="http://schemas.microsoft.com/office/powerpoint/2010/main" val="3007275282"/>
+      </p:ext>
+    </p:extLst>
+  </p:cSld>
+  <p:clrMapOvr>
+    <a:masterClrMapping/>
+  </p:clrMapOvr>
+</p:sld>
+</file>
+
+<file path=ppt/slides/slide35.xml><?xml version="1.0" encoding="utf-8"?>
+<p:sld xmlns:a="http://schemas.openxmlformats.org/drawingml/2006/main" xmlns:r="http://schemas.openxmlformats.org/officeDocument/2006/relationships" xmlns:p="http://schemas.openxmlformats.org/presentationml/2006/main">
+  <p:cSld>
+    <p:spTree>
+      <p:nvGrpSpPr>
+        <p:cNvPr id="1" name=""/>
+        <p:cNvGrpSpPr/>
+        <p:nvPr/>
+      </p:nvGrpSpPr>
+      <p:grpSpPr>
+        <a:xfrm>
+          <a:off x="0" y="0"/>
+          <a:ext cx="0" cy="0"/>
+          <a:chOff x="0" y="0"/>
+          <a:chExt cx="0" cy="0"/>
+        </a:xfrm>
+      </p:grpSpPr>
+      <p:sp>
+        <p:nvSpPr>
+          <p:cNvPr id="2" name="Title 1"/>
+          <p:cNvSpPr>
+            <a:spLocks noGrp="1"/>
+          </p:cNvSpPr>
+          <p:nvPr>
+            <p:ph type="title"/>
+          </p:nvPr>
+        </p:nvSpPr>
+        <p:spPr/>
+        <p:txBody>
+          <a:bodyPr/>
+          <a:lstStyle/>
+          <a:p>
+            <a:r>
+              <a:rPr lang="en-US" dirty="0"/>
+              <a:t>Removing objects</a:t>
+            </a:r>
+          </a:p>
+        </p:txBody>
+      </p:sp>
+      <p:sp>
+        <p:nvSpPr>
+          <p:cNvPr id="3" name="Content Placeholder 2"/>
+          <p:cNvSpPr>
+            <a:spLocks noGrp="1"/>
+          </p:cNvSpPr>
+          <p:nvPr>
+            <p:ph idx="1"/>
+          </p:nvPr>
+        </p:nvSpPr>
+        <p:spPr/>
+        <p:txBody>
+          <a:bodyPr/>
+          <a:lstStyle/>
+          <a:p>
+            <a:r>
+              <a:rPr lang="en-US" dirty="0"/>
+              <a:t>To find a list of all objects in the workspace</a:t>
+            </a:r>
+          </a:p>
+          <a:p>
+            <a:pPr marL="0" indent="0">
+              <a:buNone/>
+            </a:pPr>
+            <a:r>
+              <a:rPr lang="en-US" sz="2400" dirty="0">
+                <a:solidFill>
+                  <a:srgbClr val="0000FF"/>
+                </a:solidFill>
+                <a:latin typeface="Courier New" panose="02070309020205020404" pitchFamily="49" charset="0"/>
+                <a:cs typeface="Courier New" panose="02070309020205020404" pitchFamily="49" charset="0"/>
+              </a:rPr>
+              <a:t>&gt; </a:t>
+            </a:r>
+            <a:r>
+              <a:rPr lang="en-US" sz="2400" dirty="0" err="1">
+                <a:solidFill>
+                  <a:srgbClr val="0000FF"/>
+                </a:solidFill>
+                <a:latin typeface="Courier New" panose="02070309020205020404" pitchFamily="49" charset="0"/>
+                <a:cs typeface="Courier New" panose="02070309020205020404" pitchFamily="49" charset="0"/>
+              </a:rPr>
+              <a:t>ls</a:t>
+            </a:r>
+            <a:r>
+              <a:rPr lang="en-US" sz="2400" dirty="0">
+                <a:solidFill>
+                  <a:srgbClr val="0000FF"/>
+                </a:solidFill>
+                <a:latin typeface="Courier New" panose="02070309020205020404" pitchFamily="49" charset="0"/>
+                <a:cs typeface="Courier New" panose="02070309020205020404" pitchFamily="49" charset="0"/>
+              </a:rPr>
+              <a:t>() </a:t>
+            </a:r>
+          </a:p>
+          <a:p>
+            <a:pPr marL="0" indent="0">
+              <a:buNone/>
+            </a:pPr>
+            <a:r>
+              <a:rPr lang="en-US" sz="2400" dirty="0">
+                <a:latin typeface="Courier New" panose="02070309020205020404" pitchFamily="49" charset="0"/>
+                <a:cs typeface="Courier New" panose="02070309020205020404" pitchFamily="49" charset="0"/>
+              </a:rPr>
+              <a:t>[1] "answer" "</a:t>
+            </a:r>
+            <a:r>
+              <a:rPr lang="en-US" sz="2400" dirty="0" err="1">
+                <a:latin typeface="Courier New" panose="02070309020205020404" pitchFamily="49" charset="0"/>
+                <a:cs typeface="Courier New" panose="02070309020205020404" pitchFamily="49" charset="0"/>
+              </a:rPr>
+              <a:t>myName</a:t>
+            </a:r>
+            <a:r>
+              <a:rPr lang="en-US" sz="2400" dirty="0">
+                <a:latin typeface="Courier New" panose="02070309020205020404" pitchFamily="49" charset="0"/>
+                <a:cs typeface="Courier New" panose="02070309020205020404" pitchFamily="49" charset="0"/>
+              </a:rPr>
+              <a:t>"</a:t>
+            </a:r>
+          </a:p>
+          <a:p>
+            <a:r>
+              <a:rPr lang="en-US" dirty="0"/>
+              <a:t>To remove an object</a:t>
+            </a:r>
+          </a:p>
+          <a:p>
+            <a:pPr marL="0" indent="0">
+              <a:buNone/>
+            </a:pPr>
+            <a:r>
+              <a:rPr lang="en-US" sz="2400" dirty="0">
+                <a:solidFill>
+                  <a:srgbClr val="0000FF"/>
+                </a:solidFill>
+                <a:latin typeface="Courier New" panose="02070309020205020404" pitchFamily="49" charset="0"/>
+                <a:cs typeface="Courier New" panose="02070309020205020404" pitchFamily="49" charset="0"/>
+              </a:rPr>
+              <a:t>&gt; </a:t>
+            </a:r>
+            <a:r>
+              <a:rPr lang="en-US" sz="2400" dirty="0" err="1">
+                <a:solidFill>
+                  <a:srgbClr val="0000FF"/>
+                </a:solidFill>
+                <a:latin typeface="Courier New" panose="02070309020205020404" pitchFamily="49" charset="0"/>
+                <a:cs typeface="Courier New" panose="02070309020205020404" pitchFamily="49" charset="0"/>
+              </a:rPr>
+              <a:t>rm</a:t>
+            </a:r>
+            <a:r>
+              <a:rPr lang="en-US" sz="2400" dirty="0">
+                <a:solidFill>
+                  <a:srgbClr val="0000FF"/>
+                </a:solidFill>
+                <a:latin typeface="Courier New" panose="02070309020205020404" pitchFamily="49" charset="0"/>
+                <a:cs typeface="Courier New" panose="02070309020205020404" pitchFamily="49" charset="0"/>
+              </a:rPr>
+              <a:t>(answer)</a:t>
+            </a:r>
+          </a:p>
+          <a:p>
+            <a:pPr marL="0" indent="0">
+              <a:buNone/>
+            </a:pPr>
+            <a:r>
+              <a:rPr lang="en-US" sz="2400" dirty="0">
+                <a:solidFill>
+                  <a:srgbClr val="0000FF"/>
+                </a:solidFill>
+                <a:latin typeface="Courier New" panose="02070309020205020404" pitchFamily="49" charset="0"/>
+                <a:cs typeface="Courier New" panose="02070309020205020404" pitchFamily="49" charset="0"/>
+              </a:rPr>
+              <a:t>&gt; </a:t>
+            </a:r>
+            <a:r>
+              <a:rPr lang="en-US" sz="2400" dirty="0" err="1">
+                <a:solidFill>
+                  <a:srgbClr val="0000FF"/>
+                </a:solidFill>
+                <a:latin typeface="Courier New" panose="02070309020205020404" pitchFamily="49" charset="0"/>
+                <a:cs typeface="Courier New" panose="02070309020205020404" pitchFamily="49" charset="0"/>
+              </a:rPr>
+              <a:t>ls</a:t>
+            </a:r>
+            <a:r>
+              <a:rPr lang="en-US" sz="2400" dirty="0">
+                <a:solidFill>
+                  <a:srgbClr val="0000FF"/>
+                </a:solidFill>
+                <a:latin typeface="Courier New" panose="02070309020205020404" pitchFamily="49" charset="0"/>
+                <a:cs typeface="Courier New" panose="02070309020205020404" pitchFamily="49" charset="0"/>
+              </a:rPr>
+              <a:t>() </a:t>
+            </a:r>
+          </a:p>
+          <a:p>
+            <a:pPr marL="0" indent="0">
+              <a:buNone/>
+            </a:pPr>
+            <a:r>
+              <a:rPr lang="en-US" sz="2400" dirty="0">
+                <a:latin typeface="Courier New" panose="02070309020205020404" pitchFamily="49" charset="0"/>
+                <a:cs typeface="Courier New" panose="02070309020205020404" pitchFamily="49" charset="0"/>
+              </a:rPr>
+              <a:t>[1] "</a:t>
+            </a:r>
+            <a:r>
+              <a:rPr lang="en-US" sz="2400" dirty="0" err="1">
+                <a:latin typeface="Courier New" panose="02070309020205020404" pitchFamily="49" charset="0"/>
+                <a:cs typeface="Courier New" panose="02070309020205020404" pitchFamily="49" charset="0"/>
+              </a:rPr>
+              <a:t>myName</a:t>
+            </a:r>
+            <a:r>
+              <a:rPr lang="en-US" sz="2400" dirty="0">
+                <a:latin typeface="Courier New" panose="02070309020205020404" pitchFamily="49" charset="0"/>
+                <a:cs typeface="Courier New" panose="02070309020205020404" pitchFamily="49" charset="0"/>
+              </a:rPr>
+              <a:t>"</a:t>
+            </a:r>
+          </a:p>
+          <a:p>
+            <a:r>
+              <a:rPr lang="en-US" dirty="0"/>
+              <a:t>To remove </a:t>
+            </a:r>
+            <a:r>
+              <a:rPr lang="en-US" b="1" dirty="0"/>
+              <a:t>all </a:t>
+            </a:r>
+            <a:r>
+              <a:rPr lang="en-US" dirty="0"/>
+              <a:t>objects</a:t>
+            </a:r>
+          </a:p>
+          <a:p>
+            <a:pPr marL="0" indent="0">
+              <a:buNone/>
+            </a:pPr>
+            <a:r>
+              <a:rPr lang="en-US" sz="2400" dirty="0">
+                <a:solidFill>
+                  <a:srgbClr val="0000FF"/>
+                </a:solidFill>
+                <a:latin typeface="Courier New" panose="02070309020205020404" pitchFamily="49" charset="0"/>
+                <a:cs typeface="Courier New" panose="02070309020205020404" pitchFamily="49" charset="0"/>
+              </a:rPr>
+              <a:t>&gt; </a:t>
+            </a:r>
+            <a:r>
+              <a:rPr lang="en-US" sz="2400" dirty="0" err="1">
+                <a:solidFill>
+                  <a:srgbClr val="0000FF"/>
+                </a:solidFill>
+                <a:latin typeface="Courier New" panose="02070309020205020404" pitchFamily="49" charset="0"/>
+                <a:cs typeface="Courier New" panose="02070309020205020404" pitchFamily="49" charset="0"/>
+              </a:rPr>
+              <a:t>rm</a:t>
+            </a:r>
+            <a:r>
+              <a:rPr lang="en-US" sz="2400" dirty="0">
+                <a:solidFill>
+                  <a:srgbClr val="0000FF"/>
+                </a:solidFill>
+                <a:latin typeface="Courier New" panose="02070309020205020404" pitchFamily="49" charset="0"/>
+                <a:cs typeface="Courier New" panose="02070309020205020404" pitchFamily="49" charset="0"/>
+              </a:rPr>
+              <a:t>(list = </a:t>
+            </a:r>
+            <a:r>
+              <a:rPr lang="en-US" sz="2400" dirty="0" err="1">
+                <a:solidFill>
+                  <a:srgbClr val="0000FF"/>
+                </a:solidFill>
+                <a:latin typeface="Courier New" panose="02070309020205020404" pitchFamily="49" charset="0"/>
+                <a:cs typeface="Courier New" panose="02070309020205020404" pitchFamily="49" charset="0"/>
+              </a:rPr>
+              <a:t>ls</a:t>
+            </a:r>
+            <a:r>
+              <a:rPr lang="en-US" sz="2400" dirty="0">
+                <a:solidFill>
+                  <a:srgbClr val="0000FF"/>
+                </a:solidFill>
+                <a:latin typeface="Courier New" panose="02070309020205020404" pitchFamily="49" charset="0"/>
+                <a:cs typeface="Courier New" panose="02070309020205020404" pitchFamily="49" charset="0"/>
+              </a:rPr>
+              <a:t>())</a:t>
+            </a:r>
+          </a:p>
+          <a:p>
+            <a:pPr marL="0" indent="0">
+              <a:buNone/>
+            </a:pPr>
+            <a:r>
+              <a:rPr lang="en-US" sz="2400" dirty="0">
+                <a:solidFill>
+                  <a:srgbClr val="0000FF"/>
+                </a:solidFill>
+                <a:latin typeface="Courier New" panose="02070309020205020404" pitchFamily="49" charset="0"/>
+                <a:cs typeface="Courier New" panose="02070309020205020404" pitchFamily="49" charset="0"/>
+              </a:rPr>
+              <a:t>&gt; </a:t>
+            </a:r>
+            <a:r>
+              <a:rPr lang="en-US" sz="2400" dirty="0" err="1">
+                <a:solidFill>
+                  <a:srgbClr val="0000FF"/>
+                </a:solidFill>
+                <a:latin typeface="Courier New" panose="02070309020205020404" pitchFamily="49" charset="0"/>
+                <a:cs typeface="Courier New" panose="02070309020205020404" pitchFamily="49" charset="0"/>
+              </a:rPr>
+              <a:t>ls</a:t>
+            </a:r>
+            <a:r>
+              <a:rPr lang="en-US" sz="2400" dirty="0">
+                <a:solidFill>
+                  <a:srgbClr val="0000FF"/>
+                </a:solidFill>
+                <a:latin typeface="Courier New" panose="02070309020205020404" pitchFamily="49" charset="0"/>
+                <a:cs typeface="Courier New" panose="02070309020205020404" pitchFamily="49" charset="0"/>
+              </a:rPr>
+              <a:t>() </a:t>
+            </a:r>
+          </a:p>
+          <a:p>
+            <a:pPr marL="0" indent="0">
+              <a:buNone/>
+            </a:pPr>
+            <a:r>
+              <a:rPr lang="en-US" sz="2400" dirty="0">
+                <a:latin typeface="Courier New" panose="02070309020205020404" pitchFamily="49" charset="0"/>
+                <a:cs typeface="Courier New" panose="02070309020205020404" pitchFamily="49" charset="0"/>
+              </a:rPr>
+              <a:t>character(0)</a:t>
+            </a:r>
+          </a:p>
+        </p:txBody>
+      </p:sp>
+      <p:sp>
+        <p:nvSpPr>
+          <p:cNvPr id="4" name="TextBox 3"/>
+          <p:cNvSpPr txBox="1"/>
+          <p:nvPr/>
+        </p:nvSpPr>
+        <p:spPr>
+          <a:xfrm>
+            <a:off x="3826240" y="6107668"/>
+            <a:ext cx="5012960" cy="369332"/>
+          </a:xfrm>
+          <a:prstGeom prst="rect">
+            <a:avLst/>
+          </a:prstGeom>
+          <a:noFill/>
+        </p:spPr>
+        <p:txBody>
+          <a:bodyPr wrap="square" rtlCol="0">
+            <a:spAutoFit/>
+          </a:bodyPr>
+          <a:lstStyle/>
+          <a:p>
+            <a:r>
+              <a:rPr lang="en-US" dirty="0">
+                <a:solidFill>
+                  <a:srgbClr val="FF0000"/>
+                </a:solidFill>
+              </a:rPr>
+              <a:t>Nothing left in workspace</a:t>
+            </a:r>
+          </a:p>
+        </p:txBody>
+      </p:sp>
+      <p:sp>
+        <p:nvSpPr>
+          <p:cNvPr id="5" name="TextBox 4"/>
+          <p:cNvSpPr txBox="1"/>
+          <p:nvPr/>
+        </p:nvSpPr>
+        <p:spPr>
+          <a:xfrm>
+            <a:off x="3824990" y="5224498"/>
+            <a:ext cx="5012960" cy="646331"/>
+          </a:xfrm>
+          <a:prstGeom prst="rect">
+            <a:avLst/>
+          </a:prstGeom>
+          <a:noFill/>
+        </p:spPr>
+        <p:txBody>
+          <a:bodyPr wrap="square" rtlCol="0">
+            <a:spAutoFit/>
+          </a:bodyPr>
+          <a:lstStyle/>
+          <a:p>
+            <a:r>
+              <a:rPr lang="en-US" dirty="0">
+                <a:solidFill>
+                  <a:srgbClr val="FF0000"/>
+                </a:solidFill>
+              </a:rPr>
+              <a:t>Useful for clearing your workspace at  the start of a new session</a:t>
+            </a:r>
+          </a:p>
+        </p:txBody>
+      </p:sp>
+      <p:sp>
+        <p:nvSpPr>
+          <p:cNvPr id="6" name="TextBox 5"/>
+          <p:cNvSpPr txBox="1"/>
+          <p:nvPr/>
+        </p:nvSpPr>
+        <p:spPr>
+          <a:xfrm>
+            <a:off x="4298430" y="4769370"/>
+            <a:ext cx="4693170" cy="369332"/>
+          </a:xfrm>
+          <a:prstGeom prst="rect">
+            <a:avLst/>
+          </a:prstGeom>
+          <a:noFill/>
+        </p:spPr>
+        <p:txBody>
+          <a:bodyPr wrap="square" rtlCol="0">
+            <a:spAutoFit/>
+          </a:bodyPr>
+          <a:lstStyle/>
+          <a:p>
+            <a:r>
+              <a:rPr lang="en-US" dirty="0">
+                <a:solidFill>
+                  <a:schemeClr val="bg1">
+                    <a:lumMod val="50000"/>
+                  </a:schemeClr>
+                </a:solidFill>
+              </a:rPr>
+              <a:t>Or Workspace/Clear All menu option in RStudio </a:t>
+            </a:r>
+          </a:p>
+        </p:txBody>
+      </p:sp>
+    </p:spTree>
+    <p:extLst>
+      <p:ext uri="{BB962C8B-B14F-4D97-AF65-F5344CB8AC3E}">
+        <p14:creationId xmlns:p14="http://schemas.microsoft.com/office/powerpoint/2010/main" val="1915885425"/>
+      </p:ext>
+    </p:extLst>
+  </p:cSld>
+  <p:clrMapOvr>
+    <a:masterClrMapping/>
+  </p:clrMapOvr>
+</p:sld>
+</file>
+
+<file path=ppt/slides/slide36.xml><?xml version="1.0" encoding="utf-8"?>
+<p:sld xmlns:a="http://schemas.openxmlformats.org/drawingml/2006/main" xmlns:r="http://schemas.openxmlformats.org/officeDocument/2006/relationships" xmlns:p="http://schemas.openxmlformats.org/presentationml/2006/main">
+  <p:cSld>
+    <p:spTree>
+      <p:nvGrpSpPr>
+        <p:cNvPr id="1" name=""/>
+        <p:cNvGrpSpPr/>
+        <p:nvPr/>
+      </p:nvGrpSpPr>
+      <p:grpSpPr>
+        <a:xfrm>
+          <a:off x="0" y="0"/>
+          <a:ext cx="0" cy="0"/>
+          <a:chOff x="0" y="0"/>
+          <a:chExt cx="0" cy="0"/>
+        </a:xfrm>
+      </p:grpSpPr>
+      <p:sp>
+        <p:nvSpPr>
+          <p:cNvPr id="2" name="Title 1"/>
+          <p:cNvSpPr>
+            <a:spLocks noGrp="1"/>
+          </p:cNvSpPr>
+          <p:nvPr>
+            <p:ph type="title"/>
+          </p:nvPr>
+        </p:nvSpPr>
+        <p:spPr/>
+        <p:txBody>
+          <a:bodyPr/>
+          <a:lstStyle/>
+          <a:p>
+            <a:r>
+              <a:rPr lang="en-US" dirty="0"/>
+              <a:t>Data types</a:t>
+            </a:r>
+          </a:p>
+        </p:txBody>
+      </p:sp>
+      <p:sp>
+        <p:nvSpPr>
+          <p:cNvPr id="3" name="Content Placeholder 2"/>
+          <p:cNvSpPr>
+            <a:spLocks noGrp="1"/>
+          </p:cNvSpPr>
+          <p:nvPr>
+            <p:ph idx="1"/>
+          </p:nvPr>
+        </p:nvSpPr>
+        <p:spPr/>
+        <p:txBody>
+          <a:bodyPr/>
+          <a:lstStyle/>
+          <a:p>
+            <a:r>
+              <a:rPr lang="en-US" dirty="0"/>
+              <a:t>Data types describe how objects are stored in computer memory</a:t>
+            </a:r>
+          </a:p>
+          <a:p>
+            <a:r>
+              <a:rPr lang="en-US" dirty="0"/>
+              <a:t>In R, you do </a:t>
+            </a:r>
+            <a:r>
+              <a:rPr lang="en-US" b="1" dirty="0"/>
+              <a:t>not</a:t>
+            </a:r>
+            <a:r>
+              <a:rPr lang="en-US" dirty="0"/>
+              <a:t> need to specify the data type</a:t>
+            </a:r>
+          </a:p>
+          <a:p>
+            <a:r>
+              <a:rPr lang="en-US" dirty="0"/>
+              <a:t>Common data types (also known as </a:t>
+            </a:r>
+            <a:r>
+              <a:rPr lang="en-US" b="1" dirty="0"/>
+              <a:t>mode</a:t>
+            </a:r>
+            <a:r>
+              <a:rPr lang="en-US" dirty="0"/>
+              <a:t>) include</a:t>
+            </a:r>
+          </a:p>
+          <a:p>
+            <a:pPr lvl="1"/>
+            <a:r>
+              <a:rPr lang="en-US" dirty="0">
+                <a:solidFill>
+                  <a:srgbClr val="0432FF"/>
+                </a:solidFill>
+              </a:rPr>
+              <a:t>Numeric </a:t>
+            </a:r>
+            <a:r>
+              <a:rPr lang="en-US" dirty="0"/>
+              <a:t>(integer, floating point numbers or doubles)</a:t>
+            </a:r>
+          </a:p>
+          <a:p>
+            <a:pPr lvl="1"/>
+            <a:r>
+              <a:rPr lang="en-US" dirty="0">
+                <a:solidFill>
+                  <a:srgbClr val="0432FF"/>
+                </a:solidFill>
+              </a:rPr>
+              <a:t>Logical </a:t>
+            </a:r>
+            <a:r>
+              <a:rPr lang="en-US" dirty="0"/>
+              <a:t>(Boolean, true or false)</a:t>
+            </a:r>
+          </a:p>
+          <a:p>
+            <a:pPr lvl="1"/>
+            <a:r>
+              <a:rPr lang="en-US" dirty="0">
+                <a:solidFill>
+                  <a:srgbClr val="0432FF"/>
+                </a:solidFill>
+              </a:rPr>
+              <a:t>Characters</a:t>
+            </a:r>
+            <a:r>
+              <a:rPr lang="en-US" dirty="0"/>
+              <a:t> (text or string data)</a:t>
+            </a:r>
+          </a:p>
+          <a:p>
+            <a:r>
+              <a:rPr lang="en-US" dirty="0"/>
+              <a:t>The object type is not always obvious in R, and knowing what it is can be important</a:t>
+            </a:r>
+          </a:p>
+        </p:txBody>
+      </p:sp>
+    </p:spTree>
+    <p:extLst>
+      <p:ext uri="{BB962C8B-B14F-4D97-AF65-F5344CB8AC3E}">
+        <p14:creationId xmlns:p14="http://schemas.microsoft.com/office/powerpoint/2010/main" val="1945866585"/>
+      </p:ext>
+    </p:extLst>
+  </p:cSld>
+  <p:clrMapOvr>
+    <a:masterClrMapping/>
+  </p:clrMapOvr>
+</p:sld>
+</file>
+
+<file path=ppt/slides/slide37.xml><?xml version="1.0" encoding="utf-8"?>
+<p:sld xmlns:a="http://schemas.openxmlformats.org/drawingml/2006/main" xmlns:r="http://schemas.openxmlformats.org/officeDocument/2006/relationships" xmlns:p="http://schemas.openxmlformats.org/presentationml/2006/main">
+  <p:cSld>
+    <p:spTree>
+      <p:nvGrpSpPr>
+        <p:cNvPr id="1" name=""/>
+        <p:cNvGrpSpPr/>
+        <p:nvPr/>
+      </p:nvGrpSpPr>
+      <p:grpSpPr>
+        <a:xfrm>
+          <a:off x="0" y="0"/>
+          <a:ext cx="0" cy="0"/>
+          <a:chOff x="0" y="0"/>
+          <a:chExt cx="0" cy="0"/>
+        </a:xfrm>
+      </p:grpSpPr>
+      <p:sp>
+        <p:nvSpPr>
+          <p:cNvPr id="2" name="Title 1"/>
+          <p:cNvSpPr>
+            <a:spLocks noGrp="1"/>
+          </p:cNvSpPr>
+          <p:nvPr>
+            <p:ph type="title"/>
+          </p:nvPr>
+        </p:nvSpPr>
+        <p:spPr/>
+        <p:txBody>
+          <a:bodyPr/>
+          <a:lstStyle/>
+          <a:p>
+            <a:r>
+              <a:rPr lang="en-US" dirty="0"/>
               <a:t>Finding data types</a:t>
             </a:r>
           </a:p>
@@ -16073,7 +17428,7 @@
 </p:sld>
 </file>
 
-<file path=ppt/slides/slide35.xml><?xml version="1.0" encoding="utf-8"?>
+<file path=ppt/slides/slide38.xml><?xml version="1.0" encoding="utf-8"?>
 <p:sld xmlns:a="http://schemas.openxmlformats.org/drawingml/2006/main" xmlns:r="http://schemas.openxmlformats.org/officeDocument/2006/relationships" xmlns:p="http://schemas.openxmlformats.org/presentationml/2006/main">
   <p:cSld>
     <p:spTree>
@@ -16532,7 +17887,7 @@
 </p:sld>
 </file>
 
-<file path=ppt/slides/slide36.xml><?xml version="1.0" encoding="utf-8"?>
+<file path=ppt/slides/slide39.xml><?xml version="1.0" encoding="utf-8"?>
 <p:sld xmlns:a="http://schemas.openxmlformats.org/drawingml/2006/main" xmlns:r="http://schemas.openxmlformats.org/officeDocument/2006/relationships" xmlns:p="http://schemas.openxmlformats.org/presentationml/2006/main">
   <p:cSld>
     <p:spTree>
@@ -16965,1219 +18320,6 @@
 </p:sld>
 </file>
 
-<file path=ppt/slides/slide37.xml><?xml version="1.0" encoding="utf-8"?>
-<p:sld xmlns:a="http://schemas.openxmlformats.org/drawingml/2006/main" xmlns:r="http://schemas.openxmlformats.org/officeDocument/2006/relationships" xmlns:p="http://schemas.openxmlformats.org/presentationml/2006/main">
-  <p:cSld>
-    <p:spTree>
-      <p:nvGrpSpPr>
-        <p:cNvPr id="1" name=""/>
-        <p:cNvGrpSpPr/>
-        <p:nvPr/>
-      </p:nvGrpSpPr>
-      <p:grpSpPr>
-        <a:xfrm>
-          <a:off x="0" y="0"/>
-          <a:ext cx="0" cy="0"/>
-          <a:chOff x="0" y="0"/>
-          <a:chExt cx="0" cy="0"/>
-        </a:xfrm>
-      </p:grpSpPr>
-      <p:sp>
-        <p:nvSpPr>
-          <p:cNvPr id="2" name="Title 1"/>
-          <p:cNvSpPr>
-            <a:spLocks noGrp="1"/>
-          </p:cNvSpPr>
-          <p:nvPr>
-            <p:ph type="title"/>
-          </p:nvPr>
-        </p:nvSpPr>
-        <p:spPr/>
-        <p:txBody>
-          <a:bodyPr/>
-          <a:lstStyle/>
-          <a:p>
-            <a:r>
-              <a:rPr lang="en-US" dirty="0"/>
-              <a:t>Finding data types</a:t>
-            </a:r>
-          </a:p>
-        </p:txBody>
-      </p:sp>
-      <p:sp>
-        <p:nvSpPr>
-          <p:cNvPr id="3" name="Content Placeholder 2"/>
-          <p:cNvSpPr>
-            <a:spLocks noGrp="1"/>
-          </p:cNvSpPr>
-          <p:nvPr>
-            <p:ph idx="1"/>
-          </p:nvPr>
-        </p:nvSpPr>
-        <p:spPr/>
-        <p:txBody>
-          <a:bodyPr/>
-          <a:lstStyle/>
-          <a:p>
-            <a:r>
-              <a:rPr lang="en-US" dirty="0"/>
-              <a:t>Similar functions can be applied to character variables; character and numeric storage modes will be common encountered in this class</a:t>
-            </a:r>
-          </a:p>
-          <a:p>
-            <a:pPr marL="0" indent="0">
-              <a:buNone/>
-            </a:pPr>
-            <a:r>
-              <a:rPr lang="en-US" sz="2400" dirty="0">
-                <a:solidFill>
-                  <a:srgbClr val="0000FF"/>
-                </a:solidFill>
-                <a:latin typeface="Courier New" panose="02070309020205020404" pitchFamily="49" charset="0"/>
-                <a:cs typeface="Courier New" panose="02070309020205020404" pitchFamily="49" charset="0"/>
-              </a:rPr>
-              <a:t>&gt; </a:t>
-            </a:r>
-            <a:r>
-              <a:rPr lang="en-US" sz="2400" dirty="0" err="1">
-                <a:solidFill>
-                  <a:srgbClr val="0000FF"/>
-                </a:solidFill>
-                <a:latin typeface="Courier New" panose="02070309020205020404" pitchFamily="49" charset="0"/>
-                <a:cs typeface="Courier New" panose="02070309020205020404" pitchFamily="49" charset="0"/>
-              </a:rPr>
-              <a:t>is.character</a:t>
-            </a:r>
-            <a:r>
-              <a:rPr lang="en-US" sz="2400" dirty="0">
-                <a:solidFill>
-                  <a:srgbClr val="0000FF"/>
-                </a:solidFill>
-                <a:latin typeface="Courier New" panose="02070309020205020404" pitchFamily="49" charset="0"/>
-                <a:cs typeface="Courier New" panose="02070309020205020404" pitchFamily="49" charset="0"/>
-              </a:rPr>
-              <a:t>(answer)</a:t>
-            </a:r>
-          </a:p>
-          <a:p>
-            <a:pPr marL="0" indent="0">
-              <a:buNone/>
-            </a:pPr>
-            <a:r>
-              <a:rPr lang="en-US" sz="2400" dirty="0">
-                <a:latin typeface="Courier New" panose="02070309020205020404" pitchFamily="49" charset="0"/>
-                <a:cs typeface="Courier New" panose="02070309020205020404" pitchFamily="49" charset="0"/>
-              </a:rPr>
-              <a:t>[1] FALSE</a:t>
-            </a:r>
-          </a:p>
-          <a:p>
-            <a:pPr marL="0" indent="0">
-              <a:buNone/>
-            </a:pPr>
-            <a:r>
-              <a:rPr lang="en-US" sz="2400" dirty="0">
-                <a:solidFill>
-                  <a:srgbClr val="0000FF"/>
-                </a:solidFill>
-                <a:latin typeface="Courier New" panose="02070309020205020404" pitchFamily="49" charset="0"/>
-                <a:cs typeface="Courier New" panose="02070309020205020404" pitchFamily="49" charset="0"/>
-              </a:rPr>
-              <a:t>&gt; </a:t>
-            </a:r>
-            <a:r>
-              <a:rPr lang="en-US" sz="2400" dirty="0" err="1">
-                <a:solidFill>
-                  <a:srgbClr val="0000FF"/>
-                </a:solidFill>
-                <a:latin typeface="Courier New" panose="02070309020205020404" pitchFamily="49" charset="0"/>
-                <a:cs typeface="Courier New" panose="02070309020205020404" pitchFamily="49" charset="0"/>
-              </a:rPr>
-              <a:t>is.character</a:t>
-            </a:r>
-            <a:r>
-              <a:rPr lang="en-US" sz="2400" dirty="0">
-                <a:solidFill>
-                  <a:srgbClr val="0000FF"/>
-                </a:solidFill>
-                <a:latin typeface="Courier New" panose="02070309020205020404" pitchFamily="49" charset="0"/>
-                <a:cs typeface="Courier New" panose="02070309020205020404" pitchFamily="49" charset="0"/>
-              </a:rPr>
-              <a:t>(</a:t>
-            </a:r>
-            <a:r>
-              <a:rPr lang="en-US" sz="2400" dirty="0" err="1">
-                <a:solidFill>
-                  <a:srgbClr val="0000FF"/>
-                </a:solidFill>
-                <a:latin typeface="Courier New" panose="02070309020205020404" pitchFamily="49" charset="0"/>
-                <a:cs typeface="Courier New" panose="02070309020205020404" pitchFamily="49" charset="0"/>
-              </a:rPr>
-              <a:t>myName</a:t>
-            </a:r>
-            <a:r>
-              <a:rPr lang="en-US" sz="2400" dirty="0">
-                <a:solidFill>
-                  <a:srgbClr val="0000FF"/>
-                </a:solidFill>
-                <a:latin typeface="Courier New" panose="02070309020205020404" pitchFamily="49" charset="0"/>
-                <a:cs typeface="Courier New" panose="02070309020205020404" pitchFamily="49" charset="0"/>
-              </a:rPr>
-              <a:t>)</a:t>
-            </a:r>
-          </a:p>
-          <a:p>
-            <a:pPr marL="0" indent="0">
-              <a:buNone/>
-            </a:pPr>
-            <a:r>
-              <a:rPr lang="en-US" sz="2400" dirty="0">
-                <a:latin typeface="Courier New" panose="02070309020205020404" pitchFamily="49" charset="0"/>
-                <a:cs typeface="Courier New" panose="02070309020205020404" pitchFamily="49" charset="0"/>
-              </a:rPr>
-              <a:t>[1] TRUE</a:t>
-            </a:r>
-          </a:p>
-          <a:p>
-            <a:pPr marL="0" indent="0">
-              <a:buNone/>
-            </a:pPr>
-            <a:r>
-              <a:rPr lang="en-US" sz="2400" dirty="0">
-                <a:solidFill>
-                  <a:srgbClr val="0000FF"/>
-                </a:solidFill>
-                <a:latin typeface="Courier New" panose="02070309020205020404" pitchFamily="49" charset="0"/>
-                <a:cs typeface="Courier New" panose="02070309020205020404" pitchFamily="49" charset="0"/>
-              </a:rPr>
-              <a:t>&gt; </a:t>
-            </a:r>
-            <a:r>
-              <a:rPr lang="en-US" sz="2400" dirty="0" err="1">
-                <a:solidFill>
-                  <a:srgbClr val="0000FF"/>
-                </a:solidFill>
-                <a:latin typeface="Courier New" panose="02070309020205020404" pitchFamily="49" charset="0"/>
-                <a:cs typeface="Courier New" panose="02070309020205020404" pitchFamily="49" charset="0"/>
-              </a:rPr>
-              <a:t>typeof</a:t>
-            </a:r>
-            <a:r>
-              <a:rPr lang="en-US" sz="2400" dirty="0">
-                <a:solidFill>
-                  <a:srgbClr val="0000FF"/>
-                </a:solidFill>
-                <a:latin typeface="Courier New" panose="02070309020205020404" pitchFamily="49" charset="0"/>
-                <a:cs typeface="Courier New" panose="02070309020205020404" pitchFamily="49" charset="0"/>
-              </a:rPr>
-              <a:t>(</a:t>
-            </a:r>
-            <a:r>
-              <a:rPr lang="en-US" sz="2400" dirty="0" err="1">
-                <a:solidFill>
-                  <a:srgbClr val="0000FF"/>
-                </a:solidFill>
-                <a:latin typeface="Courier New" panose="02070309020205020404" pitchFamily="49" charset="0"/>
-                <a:cs typeface="Courier New" panose="02070309020205020404" pitchFamily="49" charset="0"/>
-              </a:rPr>
-              <a:t>myName</a:t>
-            </a:r>
-            <a:r>
-              <a:rPr lang="en-US" sz="2400" dirty="0">
-                <a:solidFill>
-                  <a:srgbClr val="0000FF"/>
-                </a:solidFill>
-                <a:latin typeface="Courier New" panose="02070309020205020404" pitchFamily="49" charset="0"/>
-                <a:cs typeface="Courier New" panose="02070309020205020404" pitchFamily="49" charset="0"/>
-              </a:rPr>
-              <a:t>)</a:t>
-            </a:r>
-          </a:p>
-          <a:p>
-            <a:pPr marL="0" indent="0">
-              <a:buNone/>
-            </a:pPr>
-            <a:r>
-              <a:rPr lang="en-US" sz="2400" dirty="0">
-                <a:latin typeface="Courier New" panose="02070309020205020404" pitchFamily="49" charset="0"/>
-                <a:cs typeface="Courier New" panose="02070309020205020404" pitchFamily="49" charset="0"/>
-              </a:rPr>
-              <a:t>[1] "character"</a:t>
-            </a:r>
-            <a:endParaRPr lang="en-US" dirty="0">
-              <a:latin typeface="Courier New" panose="02070309020205020404" pitchFamily="49" charset="0"/>
-              <a:cs typeface="Courier New" panose="02070309020205020404" pitchFamily="49" charset="0"/>
-            </a:endParaRPr>
-          </a:p>
-        </p:txBody>
-      </p:sp>
-    </p:spTree>
-    <p:extLst>
-      <p:ext uri="{BB962C8B-B14F-4D97-AF65-F5344CB8AC3E}">
-        <p14:creationId xmlns:p14="http://schemas.microsoft.com/office/powerpoint/2010/main" val="2848846171"/>
-      </p:ext>
-    </p:extLst>
-  </p:cSld>
-  <p:clrMapOvr>
-    <a:masterClrMapping/>
-  </p:clrMapOvr>
-</p:sld>
-</file>
-
-<file path=ppt/slides/slide38.xml><?xml version="1.0" encoding="utf-8"?>
-<p:sld xmlns:a="http://schemas.openxmlformats.org/drawingml/2006/main" xmlns:r="http://schemas.openxmlformats.org/officeDocument/2006/relationships" xmlns:p="http://schemas.openxmlformats.org/presentationml/2006/main">
-  <p:cSld>
-    <p:spTree>
-      <p:nvGrpSpPr>
-        <p:cNvPr id="1" name=""/>
-        <p:cNvGrpSpPr/>
-        <p:nvPr/>
-      </p:nvGrpSpPr>
-      <p:grpSpPr>
-        <a:xfrm>
-          <a:off x="0" y="0"/>
-          <a:ext cx="0" cy="0"/>
-          <a:chOff x="0" y="0"/>
-          <a:chExt cx="0" cy="0"/>
-        </a:xfrm>
-      </p:grpSpPr>
-      <p:sp>
-        <p:nvSpPr>
-          <p:cNvPr id="2" name="Title 1"/>
-          <p:cNvSpPr>
-            <a:spLocks noGrp="1"/>
-          </p:cNvSpPr>
-          <p:nvPr>
-            <p:ph type="title"/>
-          </p:nvPr>
-        </p:nvSpPr>
-        <p:spPr/>
-        <p:txBody>
-          <a:bodyPr/>
-          <a:lstStyle/>
-          <a:p>
-            <a:r>
-              <a:rPr lang="en-US" dirty="0"/>
-              <a:t>Vectors</a:t>
-            </a:r>
-          </a:p>
-        </p:txBody>
-      </p:sp>
-      <p:sp>
-        <p:nvSpPr>
-          <p:cNvPr id="3" name="Content Placeholder 2"/>
-          <p:cNvSpPr>
-            <a:spLocks noGrp="1"/>
-          </p:cNvSpPr>
-          <p:nvPr>
-            <p:ph idx="1"/>
-          </p:nvPr>
-        </p:nvSpPr>
-        <p:spPr/>
-        <p:txBody>
-          <a:bodyPr/>
-          <a:lstStyle/>
-          <a:p>
-            <a:pPr marL="0" indent="0">
-              <a:buNone/>
-            </a:pPr>
-            <a:r>
-              <a:rPr lang="en-US" dirty="0"/>
-              <a:t>A vector is a one-dimensional ordered collection of the same type of object</a:t>
-            </a:r>
-          </a:p>
-          <a:p>
-            <a:pPr marL="0" indent="0">
-              <a:buNone/>
-            </a:pPr>
-            <a:endParaRPr lang="en-US" sz="2400" dirty="0">
-              <a:latin typeface="Courier New" panose="02070309020205020404" pitchFamily="49" charset="0"/>
-              <a:cs typeface="Courier New" panose="02070309020205020404" pitchFamily="49" charset="0"/>
-            </a:endParaRPr>
-          </a:p>
-          <a:p>
-            <a:pPr marL="0" indent="0">
-              <a:buNone/>
-            </a:pPr>
-            <a:r>
-              <a:rPr lang="en-US" sz="2400" dirty="0">
-                <a:solidFill>
-                  <a:srgbClr val="0000FF"/>
-                </a:solidFill>
-                <a:latin typeface="Courier New" panose="02070309020205020404" pitchFamily="49" charset="0"/>
-                <a:cs typeface="Courier New" panose="02070309020205020404" pitchFamily="49" charset="0"/>
-              </a:rPr>
-              <a:t>&gt; lengths &lt;- c(7.8, 9.0, 7.1, 8.8, 8.8)</a:t>
-            </a:r>
-          </a:p>
-          <a:p>
-            <a:pPr marL="0" indent="0">
-              <a:buNone/>
-            </a:pPr>
-            <a:r>
-              <a:rPr lang="en-US" sz="2400" dirty="0">
-                <a:solidFill>
-                  <a:srgbClr val="0000FF"/>
-                </a:solidFill>
-                <a:latin typeface="Courier New" panose="02070309020205020404" pitchFamily="49" charset="0"/>
-                <a:cs typeface="Courier New" panose="02070309020205020404" pitchFamily="49" charset="0"/>
-              </a:rPr>
-              <a:t>&gt; lengths</a:t>
-            </a:r>
-          </a:p>
-          <a:p>
-            <a:pPr marL="0" indent="0">
-              <a:buNone/>
-            </a:pPr>
-            <a:r>
-              <a:rPr lang="en-US" sz="2400" dirty="0">
-                <a:latin typeface="Courier New" panose="02070309020205020404" pitchFamily="49" charset="0"/>
-                <a:cs typeface="Courier New" panose="02070309020205020404" pitchFamily="49" charset="0"/>
-              </a:rPr>
-              <a:t>[1] 7.8 9.0 7.1 8.8 8.8</a:t>
-            </a:r>
-          </a:p>
-          <a:p>
-            <a:pPr marL="0" indent="0">
-              <a:buNone/>
-            </a:pPr>
-            <a:r>
-              <a:rPr lang="en-US" sz="2400" dirty="0">
-                <a:solidFill>
-                  <a:srgbClr val="0000FF"/>
-                </a:solidFill>
-                <a:latin typeface="Courier New" panose="02070309020205020404" pitchFamily="49" charset="0"/>
-                <a:cs typeface="Courier New" panose="02070309020205020404" pitchFamily="49" charset="0"/>
-              </a:rPr>
-              <a:t>1:10</a:t>
-            </a:r>
-          </a:p>
-          <a:p>
-            <a:pPr marL="0" indent="0">
-              <a:buNone/>
-            </a:pPr>
-            <a:r>
-              <a:rPr lang="en-US" sz="2400" dirty="0" err="1">
-                <a:solidFill>
-                  <a:srgbClr val="0000FF"/>
-                </a:solidFill>
-                <a:latin typeface="Courier New" panose="02070309020205020404" pitchFamily="49" charset="0"/>
-                <a:cs typeface="Courier New" panose="02070309020205020404" pitchFamily="49" charset="0"/>
-              </a:rPr>
-              <a:t>seq</a:t>
-            </a:r>
-            <a:r>
-              <a:rPr lang="en-US" sz="2400" dirty="0">
-                <a:solidFill>
-                  <a:srgbClr val="0000FF"/>
-                </a:solidFill>
-                <a:latin typeface="Courier New" panose="02070309020205020404" pitchFamily="49" charset="0"/>
-                <a:cs typeface="Courier New" panose="02070309020205020404" pitchFamily="49" charset="0"/>
-              </a:rPr>
-              <a:t>(from=1, to=10, by=2)</a:t>
-            </a:r>
-          </a:p>
-          <a:p>
-            <a:pPr marL="0" indent="0">
-              <a:buNone/>
-            </a:pPr>
-            <a:r>
-              <a:rPr lang="en-US" sz="2400" dirty="0" err="1">
-                <a:solidFill>
-                  <a:srgbClr val="0000FF"/>
-                </a:solidFill>
-                <a:latin typeface="Courier New" panose="02070309020205020404" pitchFamily="49" charset="0"/>
-                <a:cs typeface="Courier New" panose="02070309020205020404" pitchFamily="49" charset="0"/>
-              </a:rPr>
-              <a:t>seq</a:t>
-            </a:r>
-            <a:r>
-              <a:rPr lang="en-US" sz="2400" dirty="0">
-                <a:solidFill>
-                  <a:srgbClr val="0000FF"/>
-                </a:solidFill>
-                <a:latin typeface="Courier New" panose="02070309020205020404" pitchFamily="49" charset="0"/>
-                <a:cs typeface="Courier New" panose="02070309020205020404" pitchFamily="49" charset="0"/>
-              </a:rPr>
-              <a:t>(1,10,2)</a:t>
-            </a:r>
-          </a:p>
-          <a:p>
-            <a:pPr marL="0" indent="0">
-              <a:buNone/>
-            </a:pPr>
-            <a:r>
-              <a:rPr lang="en-US" sz="2400" dirty="0" err="1">
-                <a:solidFill>
-                  <a:srgbClr val="0000FF"/>
-                </a:solidFill>
-                <a:latin typeface="Courier New" panose="02070309020205020404" pitchFamily="49" charset="0"/>
-                <a:cs typeface="Courier New" panose="02070309020205020404" pitchFamily="49" charset="0"/>
-              </a:rPr>
-              <a:t>seq</a:t>
-            </a:r>
-            <a:r>
-              <a:rPr lang="en-US" sz="2400" dirty="0">
-                <a:solidFill>
-                  <a:srgbClr val="0000FF"/>
-                </a:solidFill>
-                <a:latin typeface="Courier New" panose="02070309020205020404" pitchFamily="49" charset="0"/>
-                <a:cs typeface="Courier New" panose="02070309020205020404" pitchFamily="49" charset="0"/>
-              </a:rPr>
-              <a:t>(from=1, to=10,length.out=5)</a:t>
-            </a:r>
-          </a:p>
-        </p:txBody>
-      </p:sp>
-      <p:sp>
-        <p:nvSpPr>
-          <p:cNvPr id="4" name="TextBox 3"/>
-          <p:cNvSpPr txBox="1"/>
-          <p:nvPr/>
-        </p:nvSpPr>
-        <p:spPr>
-          <a:xfrm>
-            <a:off x="2728210" y="2514600"/>
-            <a:ext cx="5577590" cy="369332"/>
-          </a:xfrm>
-          <a:prstGeom prst="rect">
-            <a:avLst/>
-          </a:prstGeom>
-          <a:noFill/>
-        </p:spPr>
-        <p:txBody>
-          <a:bodyPr wrap="square" rtlCol="0">
-            <a:spAutoFit/>
-          </a:bodyPr>
-          <a:lstStyle/>
-          <a:p>
-            <a:r>
-              <a:rPr lang="en-US" dirty="0">
-                <a:solidFill>
-                  <a:srgbClr val="FF0000"/>
-                </a:solidFill>
-                <a:latin typeface="Courier New" panose="02070309020205020404" pitchFamily="49" charset="0"/>
-                <a:cs typeface="Courier New" panose="02070309020205020404" pitchFamily="49" charset="0"/>
-              </a:rPr>
-              <a:t>c() </a:t>
-            </a:r>
-            <a:r>
-              <a:rPr lang="en-US" dirty="0">
-                <a:solidFill>
-                  <a:srgbClr val="FF0000"/>
-                </a:solidFill>
-              </a:rPr>
-              <a:t>is a function that concatenates values together</a:t>
-            </a:r>
-          </a:p>
-        </p:txBody>
-      </p:sp>
-      <p:sp>
-        <p:nvSpPr>
-          <p:cNvPr id="5" name="TextBox 4"/>
-          <p:cNvSpPr txBox="1"/>
-          <p:nvPr/>
-        </p:nvSpPr>
-        <p:spPr>
-          <a:xfrm>
-            <a:off x="2274903" y="3303234"/>
-            <a:ext cx="2819400" cy="369332"/>
-          </a:xfrm>
-          <a:prstGeom prst="rect">
-            <a:avLst/>
-          </a:prstGeom>
-          <a:noFill/>
-        </p:spPr>
-        <p:txBody>
-          <a:bodyPr wrap="square" rtlCol="0">
-            <a:spAutoFit/>
-          </a:bodyPr>
-          <a:lstStyle/>
-          <a:p>
-            <a:r>
-              <a:rPr lang="en-US" dirty="0">
-                <a:solidFill>
-                  <a:srgbClr val="FF0000"/>
-                </a:solidFill>
-              </a:rPr>
-              <a:t>this is a vector of numbers</a:t>
-            </a:r>
-          </a:p>
-        </p:txBody>
-      </p:sp>
-      <p:sp>
-        <p:nvSpPr>
-          <p:cNvPr id="6" name="TextBox 5"/>
-          <p:cNvSpPr txBox="1"/>
-          <p:nvPr/>
-        </p:nvSpPr>
-        <p:spPr>
-          <a:xfrm>
-            <a:off x="1327949" y="4169542"/>
-            <a:ext cx="4964097" cy="369332"/>
-          </a:xfrm>
-          <a:prstGeom prst="rect">
-            <a:avLst/>
-          </a:prstGeom>
-          <a:noFill/>
-        </p:spPr>
-        <p:txBody>
-          <a:bodyPr wrap="square" rtlCol="0">
-            <a:spAutoFit/>
-          </a:bodyPr>
-          <a:lstStyle/>
-          <a:p>
-            <a:r>
-              <a:rPr lang="en-US" dirty="0">
-                <a:solidFill>
-                  <a:srgbClr val="FF0000"/>
-                </a:solidFill>
-              </a:rPr>
-              <a:t>the </a:t>
-            </a:r>
-            <a:r>
-              <a:rPr lang="en-US" dirty="0">
-                <a:solidFill>
-                  <a:srgbClr val="FF0000"/>
-                </a:solidFill>
-                <a:latin typeface="Courier New" panose="02070309020205020404" pitchFamily="49" charset="0"/>
-                <a:cs typeface="Courier New" panose="02070309020205020404" pitchFamily="49" charset="0"/>
-              </a:rPr>
-              <a:t>:</a:t>
-            </a:r>
-            <a:r>
-              <a:rPr lang="en-US" dirty="0">
-                <a:solidFill>
-                  <a:srgbClr val="FF0000"/>
-                </a:solidFill>
-              </a:rPr>
-              <a:t> function is used for consecutive numbers</a:t>
-            </a:r>
-          </a:p>
-        </p:txBody>
-      </p:sp>
-      <p:sp>
-        <p:nvSpPr>
-          <p:cNvPr id="7" name="TextBox 6"/>
-          <p:cNvSpPr txBox="1"/>
-          <p:nvPr/>
-        </p:nvSpPr>
-        <p:spPr>
-          <a:xfrm>
-            <a:off x="5094303" y="4648200"/>
-            <a:ext cx="3821097" cy="369332"/>
-          </a:xfrm>
-          <a:prstGeom prst="rect">
-            <a:avLst/>
-          </a:prstGeom>
-          <a:noFill/>
-        </p:spPr>
-        <p:txBody>
-          <a:bodyPr wrap="square" rtlCol="0">
-            <a:spAutoFit/>
-          </a:bodyPr>
-          <a:lstStyle/>
-          <a:p>
-            <a:r>
-              <a:rPr lang="en-US" dirty="0" err="1">
-                <a:solidFill>
-                  <a:srgbClr val="FF0000"/>
-                </a:solidFill>
-                <a:latin typeface="Courier New" panose="02070309020205020404" pitchFamily="49" charset="0"/>
-                <a:cs typeface="Courier New" panose="02070309020205020404" pitchFamily="49" charset="0"/>
-              </a:rPr>
-              <a:t>seq</a:t>
-            </a:r>
-            <a:r>
-              <a:rPr lang="en-US" dirty="0">
-                <a:solidFill>
-                  <a:srgbClr val="FF0000"/>
-                </a:solidFill>
-              </a:rPr>
-              <a:t> function allows more flexibility</a:t>
-            </a:r>
-          </a:p>
-        </p:txBody>
-      </p:sp>
-      <p:sp>
-        <p:nvSpPr>
-          <p:cNvPr id="8" name="TextBox 7"/>
-          <p:cNvSpPr txBox="1"/>
-          <p:nvPr/>
-        </p:nvSpPr>
-        <p:spPr>
-          <a:xfrm>
-            <a:off x="2728210" y="5045814"/>
-            <a:ext cx="6110990" cy="369332"/>
-          </a:xfrm>
-          <a:prstGeom prst="rect">
-            <a:avLst/>
-          </a:prstGeom>
-          <a:noFill/>
-        </p:spPr>
-        <p:txBody>
-          <a:bodyPr wrap="square" rtlCol="0">
-            <a:spAutoFit/>
-          </a:bodyPr>
-          <a:lstStyle/>
-          <a:p>
-            <a:r>
-              <a:rPr lang="en-US" dirty="0">
-                <a:solidFill>
-                  <a:srgbClr val="FF0000"/>
-                </a:solidFill>
-              </a:rPr>
-              <a:t>default order of parameters, no labels</a:t>
-            </a:r>
-          </a:p>
-        </p:txBody>
-      </p:sp>
-      <p:sp>
-        <p:nvSpPr>
-          <p:cNvPr id="9" name="TextBox 8"/>
-          <p:cNvSpPr txBox="1"/>
-          <p:nvPr/>
-        </p:nvSpPr>
-        <p:spPr>
-          <a:xfrm>
-            <a:off x="6259495" y="5473820"/>
-            <a:ext cx="2514600" cy="923330"/>
-          </a:xfrm>
-          <a:prstGeom prst="rect">
-            <a:avLst/>
-          </a:prstGeom>
-          <a:noFill/>
-        </p:spPr>
-        <p:txBody>
-          <a:bodyPr wrap="square" rtlCol="0">
-            <a:spAutoFit/>
-          </a:bodyPr>
-          <a:lstStyle/>
-          <a:p>
-            <a:r>
-              <a:rPr lang="en-US" dirty="0">
-                <a:solidFill>
-                  <a:srgbClr val="FF0000"/>
-                </a:solidFill>
-              </a:rPr>
-              <a:t>vector of five numbers exactly from start to end numbers</a:t>
-            </a:r>
-          </a:p>
-        </p:txBody>
-      </p:sp>
-    </p:spTree>
-    <p:extLst>
-      <p:ext uri="{BB962C8B-B14F-4D97-AF65-F5344CB8AC3E}">
-        <p14:creationId xmlns:p14="http://schemas.microsoft.com/office/powerpoint/2010/main" val="2147351529"/>
-      </p:ext>
-    </p:extLst>
-  </p:cSld>
-  <p:clrMapOvr>
-    <a:masterClrMapping/>
-  </p:clrMapOvr>
-</p:sld>
-</file>
-
-<file path=ppt/slides/slide39.xml><?xml version="1.0" encoding="utf-8"?>
-<p:sld xmlns:a="http://schemas.openxmlformats.org/drawingml/2006/main" xmlns:r="http://schemas.openxmlformats.org/officeDocument/2006/relationships" xmlns:p="http://schemas.openxmlformats.org/presentationml/2006/main">
-  <p:cSld>
-    <p:spTree>
-      <p:nvGrpSpPr>
-        <p:cNvPr id="1" name=""/>
-        <p:cNvGrpSpPr/>
-        <p:nvPr/>
-      </p:nvGrpSpPr>
-      <p:grpSpPr>
-        <a:xfrm>
-          <a:off x="0" y="0"/>
-          <a:ext cx="0" cy="0"/>
-          <a:chOff x="0" y="0"/>
-          <a:chExt cx="0" cy="0"/>
-        </a:xfrm>
-      </p:grpSpPr>
-      <p:sp>
-        <p:nvSpPr>
-          <p:cNvPr id="2" name="Title 1"/>
-          <p:cNvSpPr>
-            <a:spLocks noGrp="1"/>
-          </p:cNvSpPr>
-          <p:nvPr>
-            <p:ph type="title"/>
-          </p:nvPr>
-        </p:nvSpPr>
-        <p:spPr/>
-        <p:txBody>
-          <a:bodyPr/>
-          <a:lstStyle/>
-          <a:p>
-            <a:r>
-              <a:rPr lang="en-US" dirty="0"/>
-              <a:t>Creating vectors using </a:t>
-            </a:r>
-            <a:r>
-              <a:rPr lang="en-US" dirty="0">
-                <a:latin typeface="Courier New" panose="02070309020205020404" pitchFamily="49" charset="0"/>
-                <a:cs typeface="Courier New" panose="02070309020205020404" pitchFamily="49" charset="0"/>
-              </a:rPr>
-              <a:t>rep</a:t>
-            </a:r>
-          </a:p>
-        </p:txBody>
-      </p:sp>
-      <p:sp>
-        <p:nvSpPr>
-          <p:cNvPr id="3" name="Content Placeholder 2"/>
-          <p:cNvSpPr>
-            <a:spLocks noGrp="1"/>
-          </p:cNvSpPr>
-          <p:nvPr>
-            <p:ph idx="1"/>
-          </p:nvPr>
-        </p:nvSpPr>
-        <p:spPr/>
-        <p:txBody>
-          <a:bodyPr>
-            <a:normAutofit/>
-          </a:bodyPr>
-          <a:lstStyle/>
-          <a:p>
-            <a:pPr marL="0" indent="0">
-              <a:buNone/>
-            </a:pPr>
-            <a:r>
-              <a:rPr lang="en-US" sz="2400" dirty="0">
-                <a:solidFill>
-                  <a:srgbClr val="0000FF"/>
-                </a:solidFill>
-                <a:latin typeface="Courier New" panose="02070309020205020404" pitchFamily="49" charset="0"/>
-                <a:cs typeface="Courier New" panose="02070309020205020404" pitchFamily="49" charset="0"/>
-              </a:rPr>
-              <a:t>&gt; rep(3,times=10) </a:t>
-            </a:r>
-          </a:p>
-          <a:p>
-            <a:pPr marL="0" indent="0">
-              <a:buNone/>
-            </a:pPr>
-            <a:r>
-              <a:rPr lang="en-US" sz="2400" dirty="0">
-                <a:solidFill>
-                  <a:srgbClr val="000000"/>
-                </a:solidFill>
-                <a:latin typeface="Courier New" panose="02070309020205020404" pitchFamily="49" charset="0"/>
-                <a:cs typeface="Courier New" panose="02070309020205020404" pitchFamily="49" charset="0"/>
-              </a:rPr>
-              <a:t>[1] 3 3 3 3 3 3 3 3 3 3 </a:t>
-            </a:r>
-          </a:p>
-          <a:p>
-            <a:pPr marL="0" indent="0">
-              <a:buNone/>
-            </a:pPr>
-            <a:r>
-              <a:rPr lang="en-US" sz="2400" dirty="0">
-                <a:solidFill>
-                  <a:srgbClr val="0000FF"/>
-                </a:solidFill>
-                <a:latin typeface="Courier New" panose="02070309020205020404" pitchFamily="49" charset="0"/>
-                <a:cs typeface="Courier New" panose="02070309020205020404" pitchFamily="49" charset="0"/>
-              </a:rPr>
-              <a:t>&gt; y &lt;- 1:3 </a:t>
-            </a:r>
-          </a:p>
-          <a:p>
-            <a:pPr marL="0" indent="0">
-              <a:buNone/>
-            </a:pPr>
-            <a:r>
-              <a:rPr lang="en-US" sz="2400" dirty="0">
-                <a:solidFill>
-                  <a:srgbClr val="0000FF"/>
-                </a:solidFill>
-                <a:latin typeface="Courier New" panose="02070309020205020404" pitchFamily="49" charset="0"/>
-                <a:cs typeface="Courier New" panose="02070309020205020404" pitchFamily="49" charset="0"/>
-              </a:rPr>
-              <a:t>&gt; rep(</a:t>
-            </a:r>
-            <a:r>
-              <a:rPr lang="en-US" sz="2400" dirty="0" err="1">
-                <a:solidFill>
-                  <a:srgbClr val="0000FF"/>
-                </a:solidFill>
-                <a:latin typeface="Courier New" panose="02070309020205020404" pitchFamily="49" charset="0"/>
-                <a:cs typeface="Courier New" panose="02070309020205020404" pitchFamily="49" charset="0"/>
-              </a:rPr>
-              <a:t>y,times</a:t>
-            </a:r>
-            <a:r>
-              <a:rPr lang="en-US" sz="2400" dirty="0">
-                <a:solidFill>
-                  <a:srgbClr val="0000FF"/>
-                </a:solidFill>
-                <a:latin typeface="Courier New" panose="02070309020205020404" pitchFamily="49" charset="0"/>
-                <a:cs typeface="Courier New" panose="02070309020205020404" pitchFamily="49" charset="0"/>
-              </a:rPr>
-              <a:t>=4) </a:t>
-            </a:r>
-          </a:p>
-          <a:p>
-            <a:pPr marL="0" indent="0">
-              <a:buNone/>
-            </a:pPr>
-            <a:r>
-              <a:rPr lang="en-US" sz="2400" dirty="0">
-                <a:solidFill>
-                  <a:srgbClr val="000000"/>
-                </a:solidFill>
-                <a:latin typeface="Courier New" panose="02070309020205020404" pitchFamily="49" charset="0"/>
-                <a:cs typeface="Courier New" panose="02070309020205020404" pitchFamily="49" charset="0"/>
-              </a:rPr>
-              <a:t>[1] 1 2 3 1 2 3 1 2 3 1 2 3 </a:t>
-            </a:r>
-          </a:p>
-          <a:p>
-            <a:pPr marL="0" indent="0">
-              <a:buNone/>
-            </a:pPr>
-            <a:r>
-              <a:rPr lang="en-US" sz="2400" dirty="0">
-                <a:solidFill>
-                  <a:srgbClr val="0000FF"/>
-                </a:solidFill>
-                <a:latin typeface="Courier New" panose="02070309020205020404" pitchFamily="49" charset="0"/>
-                <a:cs typeface="Courier New" panose="02070309020205020404" pitchFamily="49" charset="0"/>
-              </a:rPr>
-              <a:t>&gt; rep(</a:t>
-            </a:r>
-            <a:r>
-              <a:rPr lang="en-US" sz="2400" dirty="0" err="1">
-                <a:solidFill>
-                  <a:srgbClr val="0000FF"/>
-                </a:solidFill>
-                <a:latin typeface="Courier New" panose="02070309020205020404" pitchFamily="49" charset="0"/>
-                <a:cs typeface="Courier New" panose="02070309020205020404" pitchFamily="49" charset="0"/>
-              </a:rPr>
-              <a:t>y,length</a:t>
-            </a:r>
-            <a:r>
-              <a:rPr lang="en-US" sz="2400" dirty="0">
-                <a:solidFill>
-                  <a:srgbClr val="0000FF"/>
-                </a:solidFill>
-                <a:latin typeface="Courier New" panose="02070309020205020404" pitchFamily="49" charset="0"/>
-                <a:cs typeface="Courier New" panose="02070309020205020404" pitchFamily="49" charset="0"/>
-              </a:rPr>
-              <a:t>=10) </a:t>
-            </a:r>
-          </a:p>
-          <a:p>
-            <a:pPr marL="0" indent="0">
-              <a:buNone/>
-            </a:pPr>
-            <a:r>
-              <a:rPr lang="en-US" sz="2400" dirty="0">
-                <a:solidFill>
-                  <a:srgbClr val="000000"/>
-                </a:solidFill>
-                <a:latin typeface="Courier New" panose="02070309020205020404" pitchFamily="49" charset="0"/>
-                <a:cs typeface="Courier New" panose="02070309020205020404" pitchFamily="49" charset="0"/>
-              </a:rPr>
-              <a:t>[1] 1 2 3 1 2 3 1 2 3 1</a:t>
-            </a:r>
-          </a:p>
-          <a:p>
-            <a:pPr marL="0" indent="0">
-              <a:buNone/>
-            </a:pPr>
-            <a:r>
-              <a:rPr lang="en-US" sz="2400" dirty="0">
-                <a:solidFill>
-                  <a:srgbClr val="0000FF"/>
-                </a:solidFill>
-                <a:latin typeface="Courier New" panose="02070309020205020404" pitchFamily="49" charset="0"/>
-                <a:cs typeface="Courier New" panose="02070309020205020404" pitchFamily="49" charset="0"/>
-              </a:rPr>
-              <a:t>&gt; rep(</a:t>
-            </a:r>
-            <a:r>
-              <a:rPr lang="en-US" sz="2400" dirty="0" err="1">
-                <a:solidFill>
-                  <a:srgbClr val="0000FF"/>
-                </a:solidFill>
-                <a:latin typeface="Courier New" panose="02070309020205020404" pitchFamily="49" charset="0"/>
-                <a:cs typeface="Courier New" panose="02070309020205020404" pitchFamily="49" charset="0"/>
-              </a:rPr>
-              <a:t>y,length</a:t>
-            </a:r>
-            <a:r>
-              <a:rPr lang="en-US" sz="2400" dirty="0">
-                <a:solidFill>
-                  <a:srgbClr val="0000FF"/>
-                </a:solidFill>
-                <a:latin typeface="Courier New" panose="02070309020205020404" pitchFamily="49" charset="0"/>
-                <a:cs typeface="Courier New" panose="02070309020205020404" pitchFamily="49" charset="0"/>
-              </a:rPr>
-              <a:t>=30) </a:t>
-            </a:r>
-          </a:p>
-          <a:p>
-            <a:pPr marL="0" indent="0">
-              <a:buNone/>
-            </a:pPr>
-            <a:r>
-              <a:rPr lang="en-US" sz="2400" dirty="0">
-                <a:solidFill>
-                  <a:srgbClr val="000000"/>
-                </a:solidFill>
-                <a:latin typeface="Courier New" panose="02070309020205020404" pitchFamily="49" charset="0"/>
-                <a:cs typeface="Courier New" panose="02070309020205020404" pitchFamily="49" charset="0"/>
-              </a:rPr>
-              <a:t>[1] 1 2 3 1 2 3 1 2 3 1 2 3 1 </a:t>
-            </a:r>
-          </a:p>
-          <a:p>
-            <a:pPr marL="0" indent="0">
-              <a:buNone/>
-            </a:pPr>
-            <a:r>
-              <a:rPr lang="en-US" sz="2400" dirty="0">
-                <a:solidFill>
-                  <a:srgbClr val="000000"/>
-                </a:solidFill>
-                <a:latin typeface="Courier New" panose="02070309020205020404" pitchFamily="49" charset="0"/>
-                <a:cs typeface="Courier New" panose="02070309020205020404" pitchFamily="49" charset="0"/>
-              </a:rPr>
-              <a:t>[14] 2 3 1 2 3 1 2 3 1 2 3 1 2 </a:t>
-            </a:r>
-          </a:p>
-          <a:p>
-            <a:pPr marL="0" indent="0">
-              <a:buNone/>
-            </a:pPr>
-            <a:r>
-              <a:rPr lang="en-US" sz="2400" dirty="0">
-                <a:solidFill>
-                  <a:srgbClr val="000000"/>
-                </a:solidFill>
-                <a:latin typeface="Courier New" panose="02070309020205020404" pitchFamily="49" charset="0"/>
-                <a:cs typeface="Courier New" panose="02070309020205020404" pitchFamily="49" charset="0"/>
-              </a:rPr>
-              <a:t>[27] 3 1 2 3</a:t>
-            </a:r>
-            <a:endParaRPr lang="en-US" sz="2400" dirty="0">
-              <a:latin typeface="Courier New" panose="02070309020205020404" pitchFamily="49" charset="0"/>
-              <a:cs typeface="Courier New" panose="02070309020205020404" pitchFamily="49" charset="0"/>
-            </a:endParaRPr>
-          </a:p>
-        </p:txBody>
-      </p:sp>
-      <p:sp>
-        <p:nvSpPr>
-          <p:cNvPr id="4" name="TextBox 3"/>
-          <p:cNvSpPr txBox="1"/>
-          <p:nvPr/>
-        </p:nvSpPr>
-        <p:spPr>
-          <a:xfrm>
-            <a:off x="3596195" y="1499307"/>
-            <a:ext cx="2209800" cy="369332"/>
-          </a:xfrm>
-          <a:prstGeom prst="rect">
-            <a:avLst/>
-          </a:prstGeom>
-          <a:noFill/>
-        </p:spPr>
-        <p:txBody>
-          <a:bodyPr wrap="square" rtlCol="0">
-            <a:spAutoFit/>
-          </a:bodyPr>
-          <a:lstStyle/>
-          <a:p>
-            <a:r>
-              <a:rPr lang="en-US" dirty="0">
-                <a:solidFill>
-                  <a:srgbClr val="FF0000"/>
-                </a:solidFill>
-              </a:rPr>
-              <a:t>repeat 3 10 times</a:t>
-            </a:r>
-          </a:p>
-        </p:txBody>
-      </p:sp>
-      <p:sp>
-        <p:nvSpPr>
-          <p:cNvPr id="5" name="TextBox 4"/>
-          <p:cNvSpPr txBox="1"/>
-          <p:nvPr/>
-        </p:nvSpPr>
-        <p:spPr>
-          <a:xfrm>
-            <a:off x="3596195" y="2362940"/>
-            <a:ext cx="2209800" cy="369332"/>
-          </a:xfrm>
-          <a:prstGeom prst="rect">
-            <a:avLst/>
-          </a:prstGeom>
-          <a:noFill/>
-        </p:spPr>
-        <p:txBody>
-          <a:bodyPr wrap="square" rtlCol="0">
-            <a:spAutoFit/>
-          </a:bodyPr>
-          <a:lstStyle/>
-          <a:p>
-            <a:r>
-              <a:rPr lang="en-US" dirty="0">
-                <a:solidFill>
-                  <a:srgbClr val="FF0000"/>
-                </a:solidFill>
-              </a:rPr>
-              <a:t>y contains 1,2,3</a:t>
-            </a:r>
-          </a:p>
-        </p:txBody>
-      </p:sp>
-      <p:sp>
-        <p:nvSpPr>
-          <p:cNvPr id="6" name="TextBox 5"/>
-          <p:cNvSpPr txBox="1"/>
-          <p:nvPr/>
-        </p:nvSpPr>
-        <p:spPr>
-          <a:xfrm>
-            <a:off x="3596195" y="2795556"/>
-            <a:ext cx="2209800" cy="369332"/>
-          </a:xfrm>
-          <a:prstGeom prst="rect">
-            <a:avLst/>
-          </a:prstGeom>
-          <a:noFill/>
-        </p:spPr>
-        <p:txBody>
-          <a:bodyPr wrap="square" rtlCol="0">
-            <a:spAutoFit/>
-          </a:bodyPr>
-          <a:lstStyle/>
-          <a:p>
-            <a:r>
-              <a:rPr lang="en-US" dirty="0">
-                <a:solidFill>
-                  <a:srgbClr val="FF0000"/>
-                </a:solidFill>
-              </a:rPr>
-              <a:t>repeat y four times</a:t>
-            </a:r>
-          </a:p>
-        </p:txBody>
-      </p:sp>
-      <p:sp>
-        <p:nvSpPr>
-          <p:cNvPr id="7" name="TextBox 6"/>
-          <p:cNvSpPr txBox="1"/>
-          <p:nvPr/>
-        </p:nvSpPr>
-        <p:spPr>
-          <a:xfrm>
-            <a:off x="4953000" y="3661557"/>
-            <a:ext cx="4045998" cy="646331"/>
-          </a:xfrm>
-          <a:prstGeom prst="rect">
-            <a:avLst/>
-          </a:prstGeom>
-          <a:noFill/>
-        </p:spPr>
-        <p:txBody>
-          <a:bodyPr wrap="square" rtlCol="0">
-            <a:spAutoFit/>
-          </a:bodyPr>
-          <a:lstStyle/>
-          <a:p>
-            <a:r>
-              <a:rPr lang="en-US" dirty="0">
-                <a:solidFill>
-                  <a:srgbClr val="FF0000"/>
-                </a:solidFill>
-              </a:rPr>
-              <a:t>repeat y until there are 10 elements. The elements are </a:t>
-            </a:r>
-            <a:r>
-              <a:rPr lang="en-US" b="1" dirty="0">
-                <a:solidFill>
-                  <a:srgbClr val="FF0000"/>
-                </a:solidFill>
-              </a:rPr>
-              <a:t>recycled</a:t>
-            </a:r>
-            <a:endParaRPr lang="en-US" dirty="0">
-              <a:solidFill>
-                <a:srgbClr val="FF0000"/>
-              </a:solidFill>
-            </a:endParaRPr>
-          </a:p>
-        </p:txBody>
-      </p:sp>
-      <p:sp>
-        <p:nvSpPr>
-          <p:cNvPr id="8" name="TextBox 7"/>
-          <p:cNvSpPr txBox="1"/>
-          <p:nvPr/>
-        </p:nvSpPr>
-        <p:spPr>
-          <a:xfrm>
-            <a:off x="381000" y="6244709"/>
-            <a:ext cx="8534400" cy="369332"/>
-          </a:xfrm>
-          <a:prstGeom prst="rect">
-            <a:avLst/>
-          </a:prstGeom>
-          <a:noFill/>
-        </p:spPr>
-        <p:txBody>
-          <a:bodyPr wrap="square" rtlCol="0">
-            <a:spAutoFit/>
-          </a:bodyPr>
-          <a:lstStyle/>
-          <a:p>
-            <a:r>
-              <a:rPr lang="en-US" dirty="0">
-                <a:solidFill>
-                  <a:srgbClr val="FF0000"/>
-                </a:solidFill>
-              </a:rPr>
-              <a:t>numbers [1], [14], [27] are </a:t>
-            </a:r>
-            <a:r>
-              <a:rPr lang="en-US" b="1" dirty="0">
-                <a:solidFill>
-                  <a:srgbClr val="FF0000"/>
-                </a:solidFill>
-              </a:rPr>
-              <a:t>index</a:t>
-            </a:r>
-            <a:r>
-              <a:rPr lang="en-US" dirty="0">
-                <a:solidFill>
-                  <a:srgbClr val="FF0000"/>
-                </a:solidFill>
-              </a:rPr>
-              <a:t> numbers of the first element on each line of the output</a:t>
-            </a:r>
-          </a:p>
-        </p:txBody>
-      </p:sp>
-    </p:spTree>
-    <p:extLst>
-      <p:ext uri="{BB962C8B-B14F-4D97-AF65-F5344CB8AC3E}">
-        <p14:creationId xmlns:p14="http://schemas.microsoft.com/office/powerpoint/2010/main" val="1480944876"/>
-      </p:ext>
-    </p:extLst>
-  </p:cSld>
-  <p:clrMapOvr>
-    <a:masterClrMapping/>
-  </p:clrMapOvr>
-</p:sld>
-</file>
-
 <file path=ppt/slides/slide4.xml><?xml version="1.0" encoding="utf-8"?>
 <p:sld xmlns:a="http://schemas.openxmlformats.org/drawingml/2006/main" xmlns:r="http://schemas.openxmlformats.org/officeDocument/2006/relationships" xmlns:p="http://schemas.openxmlformats.org/presentationml/2006/main">
   <p:cSld>
@@ -18463,7 +18605,7 @@
           <a:p>
             <a:r>
               <a:rPr lang="en-US" dirty="0"/>
-              <a:t>Vector operations work element-wise</a:t>
+              <a:t>Finding data types</a:t>
             </a:r>
           </a:p>
         </p:txBody>
@@ -18478,30 +18620,49 @@
             <p:ph idx="1"/>
           </p:nvPr>
         </p:nvSpPr>
-        <p:spPr>
-          <a:xfrm>
-            <a:off x="457200" y="1219200"/>
-            <a:ext cx="8229600" cy="5105400"/>
-          </a:xfrm>
-        </p:spPr>
-        <p:txBody>
-          <a:bodyPr numCol="2">
-            <a:noAutofit/>
-          </a:bodyPr>
-          <a:lstStyle/>
+        <p:spPr/>
+        <p:txBody>
+          <a:bodyPr/>
+          <a:lstStyle/>
+          <a:p>
+            <a:r>
+              <a:rPr lang="en-US" dirty="0"/>
+              <a:t>Similar functions can be applied to character variables; character and numeric storage modes will be common encountered in this class</a:t>
+            </a:r>
+          </a:p>
           <a:p>
             <a:pPr marL="0" indent="0">
               <a:buNone/>
             </a:pPr>
             <a:r>
-              <a:rPr lang="es-ES" sz="2400" dirty="0">
+              <a:rPr lang="en-US" sz="2400" dirty="0">
                 <a:solidFill>
                   <a:srgbClr val="0000FF"/>
                 </a:solidFill>
                 <a:latin typeface="Courier New" panose="02070309020205020404" pitchFamily="49" charset="0"/>
                 <a:cs typeface="Courier New" panose="02070309020205020404" pitchFamily="49" charset="0"/>
               </a:rPr>
-              <a:t>&gt; (x &lt;- 1:3) </a:t>
+              <a:t>&gt; </a:t>
+            </a:r>
+            <a:r>
+              <a:rPr lang="en-US" sz="2400" dirty="0" err="1">
+                <a:solidFill>
+                  <a:srgbClr val="0000FF"/>
+                </a:solidFill>
+                <a:latin typeface="Courier New" panose="02070309020205020404" pitchFamily="49" charset="0"/>
+                <a:cs typeface="Courier New" panose="02070309020205020404" pitchFamily="49" charset="0"/>
+              </a:rPr>
+              <a:t>is.character</a:t>
+            </a:r>
+            <a:r>
+              <a:rPr lang="en-US" sz="2400" dirty="0">
+                <a:solidFill>
+                  <a:srgbClr val="0000FF"/>
+                </a:solidFill>
+                <a:latin typeface="Courier New" panose="02070309020205020404" pitchFamily="49" charset="0"/>
+                <a:cs typeface="Courier New" panose="02070309020205020404" pitchFamily="49" charset="0"/>
+              </a:rPr>
+              <a:t>(answer)</a:t>
             </a:r>
           </a:p>
           <a:p>
@@ -18509,335 +18670,157 @@
               <a:buNone/>
             </a:pPr>
             <a:r>
-              <a:rPr lang="es-ES" sz="2400" dirty="0">
-                <a:solidFill>
-                  <a:srgbClr val="000000"/>
-                </a:solidFill>
-                <a:latin typeface="Courier New" panose="02070309020205020404" pitchFamily="49" charset="0"/>
-                <a:cs typeface="Courier New" panose="02070309020205020404" pitchFamily="49" charset="0"/>
-              </a:rPr>
-              <a:t>[1] 1 2 3 </a:t>
+              <a:rPr lang="en-US" sz="2400" dirty="0">
+                <a:latin typeface="Courier New" panose="02070309020205020404" pitchFamily="49" charset="0"/>
+                <a:cs typeface="Courier New" panose="02070309020205020404" pitchFamily="49" charset="0"/>
+              </a:rPr>
+              <a:t>[1] FALSE</a:t>
             </a:r>
           </a:p>
           <a:p>
             <a:pPr marL="0" indent="0">
               <a:buNone/>
             </a:pPr>
-            <a:endParaRPr lang="es-ES" sz="2400" dirty="0">
-              <a:solidFill>
-                <a:srgbClr val="0000FF"/>
-              </a:solidFill>
+            <a:r>
+              <a:rPr lang="en-US" sz="2400" dirty="0">
+                <a:solidFill>
+                  <a:srgbClr val="0000FF"/>
+                </a:solidFill>
+                <a:latin typeface="Courier New" panose="02070309020205020404" pitchFamily="49" charset="0"/>
+                <a:cs typeface="Courier New" panose="02070309020205020404" pitchFamily="49" charset="0"/>
+              </a:rPr>
+              <a:t>&gt; </a:t>
+            </a:r>
+            <a:r>
+              <a:rPr lang="en-US" sz="2400" dirty="0" err="1">
+                <a:solidFill>
+                  <a:srgbClr val="0000FF"/>
+                </a:solidFill>
+                <a:latin typeface="Courier New" panose="02070309020205020404" pitchFamily="49" charset="0"/>
+                <a:cs typeface="Courier New" panose="02070309020205020404" pitchFamily="49" charset="0"/>
+              </a:rPr>
+              <a:t>is.character</a:t>
+            </a:r>
+            <a:r>
+              <a:rPr lang="en-US" sz="2400" dirty="0">
+                <a:solidFill>
+                  <a:srgbClr val="0000FF"/>
+                </a:solidFill>
+                <a:latin typeface="Courier New" panose="02070309020205020404" pitchFamily="49" charset="0"/>
+                <a:cs typeface="Courier New" panose="02070309020205020404" pitchFamily="49" charset="0"/>
+              </a:rPr>
+              <a:t>(</a:t>
+            </a:r>
+            <a:r>
+              <a:rPr lang="en-US" sz="2400" dirty="0" err="1">
+                <a:solidFill>
+                  <a:srgbClr val="0000FF"/>
+                </a:solidFill>
+                <a:latin typeface="Courier New" panose="02070309020205020404" pitchFamily="49" charset="0"/>
+                <a:cs typeface="Courier New" panose="02070309020205020404" pitchFamily="49" charset="0"/>
+              </a:rPr>
+              <a:t>myName</a:t>
+            </a:r>
+            <a:r>
+              <a:rPr lang="en-US" sz="2400" dirty="0">
+                <a:solidFill>
+                  <a:srgbClr val="0000FF"/>
+                </a:solidFill>
+                <a:latin typeface="Courier New" panose="02070309020205020404" pitchFamily="49" charset="0"/>
+                <a:cs typeface="Courier New" panose="02070309020205020404" pitchFamily="49" charset="0"/>
+              </a:rPr>
+              <a:t>)</a:t>
+            </a:r>
+          </a:p>
+          <a:p>
+            <a:pPr marL="0" indent="0">
+              <a:buNone/>
+            </a:pPr>
+            <a:r>
+              <a:rPr lang="en-US" sz="2400" dirty="0">
+                <a:latin typeface="Courier New" panose="02070309020205020404" pitchFamily="49" charset="0"/>
+                <a:cs typeface="Courier New" panose="02070309020205020404" pitchFamily="49" charset="0"/>
+              </a:rPr>
+              <a:t>[1] TRUE</a:t>
+            </a:r>
+          </a:p>
+          <a:p>
+            <a:pPr marL="0" indent="0">
+              <a:buNone/>
+            </a:pPr>
+            <a:r>
+              <a:rPr lang="en-US" sz="2400" dirty="0">
+                <a:solidFill>
+                  <a:srgbClr val="0000FF"/>
+                </a:solidFill>
+                <a:latin typeface="Courier New" panose="02070309020205020404" pitchFamily="49" charset="0"/>
+                <a:cs typeface="Courier New" panose="02070309020205020404" pitchFamily="49" charset="0"/>
+              </a:rPr>
+              <a:t>&gt; </a:t>
+            </a:r>
+            <a:r>
+              <a:rPr lang="en-US" sz="2400" dirty="0" err="1">
+                <a:solidFill>
+                  <a:srgbClr val="0000FF"/>
+                </a:solidFill>
+                <a:latin typeface="Courier New" panose="02070309020205020404" pitchFamily="49" charset="0"/>
+                <a:cs typeface="Courier New" panose="02070309020205020404" pitchFamily="49" charset="0"/>
+              </a:rPr>
+              <a:t>typeof</a:t>
+            </a:r>
+            <a:r>
+              <a:rPr lang="en-US" sz="2400" dirty="0">
+                <a:solidFill>
+                  <a:srgbClr val="0000FF"/>
+                </a:solidFill>
+                <a:latin typeface="Courier New" panose="02070309020205020404" pitchFamily="49" charset="0"/>
+                <a:cs typeface="Courier New" panose="02070309020205020404" pitchFamily="49" charset="0"/>
+              </a:rPr>
+              <a:t>(</a:t>
+            </a:r>
+            <a:r>
+              <a:rPr lang="en-US" sz="2400" dirty="0" err="1">
+                <a:solidFill>
+                  <a:srgbClr val="0000FF"/>
+                </a:solidFill>
+                <a:latin typeface="Courier New" panose="02070309020205020404" pitchFamily="49" charset="0"/>
+                <a:cs typeface="Courier New" panose="02070309020205020404" pitchFamily="49" charset="0"/>
+              </a:rPr>
+              <a:t>myName</a:t>
+            </a:r>
+            <a:r>
+              <a:rPr lang="en-US" sz="2400" dirty="0">
+                <a:solidFill>
+                  <a:srgbClr val="0000FF"/>
+                </a:solidFill>
+                <a:latin typeface="Courier New" panose="02070309020205020404" pitchFamily="49" charset="0"/>
+                <a:cs typeface="Courier New" panose="02070309020205020404" pitchFamily="49" charset="0"/>
+              </a:rPr>
+              <a:t>)</a:t>
+            </a:r>
+          </a:p>
+          <a:p>
+            <a:pPr marL="0" indent="0">
+              <a:buNone/>
+            </a:pPr>
+            <a:r>
+              <a:rPr lang="en-US" sz="2400" dirty="0">
+                <a:latin typeface="Courier New" panose="02070309020205020404" pitchFamily="49" charset="0"/>
+                <a:cs typeface="Courier New" panose="02070309020205020404" pitchFamily="49" charset="0"/>
+              </a:rPr>
+              <a:t>[1] "character"</a:t>
+            </a:r>
+            <a:endParaRPr lang="en-US" dirty="0">
               <a:latin typeface="Courier New" panose="02070309020205020404" pitchFamily="49" charset="0"/>
               <a:cs typeface="Courier New" panose="02070309020205020404" pitchFamily="49" charset="0"/>
             </a:endParaRPr>
           </a:p>
-          <a:p>
-            <a:pPr marL="0" indent="0">
-              <a:buNone/>
-            </a:pPr>
-            <a:r>
-              <a:rPr lang="es-ES" sz="2400" dirty="0">
-                <a:solidFill>
-                  <a:srgbClr val="0000FF"/>
-                </a:solidFill>
-                <a:latin typeface="Courier New" panose="02070309020205020404" pitchFamily="49" charset="0"/>
-                <a:cs typeface="Courier New" panose="02070309020205020404" pitchFamily="49" charset="0"/>
-              </a:rPr>
-              <a:t>&gt; log(x) </a:t>
-            </a:r>
-          </a:p>
-          <a:p>
-            <a:pPr marL="0" indent="0">
-              <a:buNone/>
-            </a:pPr>
-            <a:r>
-              <a:rPr lang="es-ES" sz="2400" dirty="0">
-                <a:solidFill>
-                  <a:srgbClr val="000000"/>
-                </a:solidFill>
-                <a:latin typeface="Courier New" panose="02070309020205020404" pitchFamily="49" charset="0"/>
-                <a:cs typeface="Courier New" panose="02070309020205020404" pitchFamily="49" charset="0"/>
-              </a:rPr>
-              <a:t>[1] 0.0000000 0.6931472 1.0986123 </a:t>
-            </a:r>
-          </a:p>
-          <a:p>
-            <a:pPr marL="0" indent="0">
-              <a:buNone/>
-            </a:pPr>
-            <a:endParaRPr lang="es-ES" sz="2400" dirty="0">
-              <a:solidFill>
-                <a:srgbClr val="0000FF"/>
-              </a:solidFill>
-              <a:latin typeface="Courier New" panose="02070309020205020404" pitchFamily="49" charset="0"/>
-              <a:cs typeface="Courier New" panose="02070309020205020404" pitchFamily="49" charset="0"/>
-            </a:endParaRPr>
-          </a:p>
-          <a:p>
-            <a:pPr marL="0" indent="0">
-              <a:buNone/>
-            </a:pPr>
-            <a:r>
-              <a:rPr lang="es-ES" sz="2400" dirty="0">
-                <a:solidFill>
-                  <a:srgbClr val="0000FF"/>
-                </a:solidFill>
-                <a:latin typeface="Courier New" panose="02070309020205020404" pitchFamily="49" charset="0"/>
-                <a:cs typeface="Courier New" panose="02070309020205020404" pitchFamily="49" charset="0"/>
-              </a:rPr>
-              <a:t>&gt; x+1 </a:t>
-            </a:r>
-          </a:p>
-          <a:p>
-            <a:pPr marL="0" indent="0">
-              <a:buNone/>
-            </a:pPr>
-            <a:r>
-              <a:rPr lang="es-ES" sz="2400" dirty="0">
-                <a:solidFill>
-                  <a:srgbClr val="000000"/>
-                </a:solidFill>
-                <a:latin typeface="Courier New" panose="02070309020205020404" pitchFamily="49" charset="0"/>
-                <a:cs typeface="Courier New" panose="02070309020205020404" pitchFamily="49" charset="0"/>
-              </a:rPr>
-              <a:t>[1] 2 3 4 </a:t>
-            </a:r>
-          </a:p>
-          <a:p>
-            <a:pPr marL="0" indent="0">
-              <a:buNone/>
-            </a:pPr>
-            <a:endParaRPr lang="es-ES" sz="2400" dirty="0">
-              <a:solidFill>
-                <a:srgbClr val="0000FF"/>
-              </a:solidFill>
-              <a:latin typeface="Courier New" panose="02070309020205020404" pitchFamily="49" charset="0"/>
-              <a:cs typeface="Courier New" panose="02070309020205020404" pitchFamily="49" charset="0"/>
-            </a:endParaRPr>
-          </a:p>
-          <a:p>
-            <a:pPr marL="0" indent="0">
-              <a:buNone/>
-            </a:pPr>
-            <a:r>
-              <a:rPr lang="es-ES" sz="2400" dirty="0">
-                <a:solidFill>
-                  <a:srgbClr val="0000FF"/>
-                </a:solidFill>
-                <a:latin typeface="Courier New" panose="02070309020205020404" pitchFamily="49" charset="0"/>
-                <a:cs typeface="Courier New" panose="02070309020205020404" pitchFamily="49" charset="0"/>
-              </a:rPr>
-              <a:t>&gt; x*2 </a:t>
-            </a:r>
-          </a:p>
-          <a:p>
-            <a:pPr marL="0" indent="0">
-              <a:buNone/>
-            </a:pPr>
-            <a:r>
-              <a:rPr lang="es-ES" sz="2400" dirty="0">
-                <a:solidFill>
-                  <a:srgbClr val="000000"/>
-                </a:solidFill>
-                <a:latin typeface="Courier New" panose="02070309020205020404" pitchFamily="49" charset="0"/>
-                <a:cs typeface="Courier New" panose="02070309020205020404" pitchFamily="49" charset="0"/>
-              </a:rPr>
-              <a:t>[1] 2 4 6 </a:t>
-            </a:r>
-          </a:p>
-          <a:p>
-            <a:pPr marL="0" indent="0">
-              <a:buNone/>
-            </a:pPr>
-            <a:endParaRPr lang="es-ES" sz="2400" dirty="0">
-              <a:solidFill>
-                <a:srgbClr val="0000FF"/>
-              </a:solidFill>
-              <a:latin typeface="Courier New" panose="02070309020205020404" pitchFamily="49" charset="0"/>
-              <a:cs typeface="Courier New" panose="02070309020205020404" pitchFamily="49" charset="0"/>
-            </a:endParaRPr>
-          </a:p>
-          <a:p>
-            <a:pPr marL="0" indent="0">
-              <a:buNone/>
-            </a:pPr>
-            <a:r>
-              <a:rPr lang="es-ES" sz="2400" dirty="0">
-                <a:solidFill>
-                  <a:srgbClr val="0000FF"/>
-                </a:solidFill>
-                <a:latin typeface="Courier New" panose="02070309020205020404" pitchFamily="49" charset="0"/>
-                <a:cs typeface="Courier New" panose="02070309020205020404" pitchFamily="49" charset="0"/>
-              </a:rPr>
-              <a:t>&gt; y &lt;- 4:6 </a:t>
-            </a:r>
-          </a:p>
-          <a:p>
-            <a:pPr marL="0" indent="0">
-              <a:buNone/>
-            </a:pPr>
-            <a:r>
-              <a:rPr lang="es-ES" sz="2400" dirty="0">
-                <a:solidFill>
-                  <a:srgbClr val="0000FF"/>
-                </a:solidFill>
-                <a:latin typeface="Courier New" panose="02070309020205020404" pitchFamily="49" charset="0"/>
-                <a:cs typeface="Courier New" panose="02070309020205020404" pitchFamily="49" charset="0"/>
-              </a:rPr>
-              <a:t>&gt; x + y </a:t>
-            </a:r>
-          </a:p>
-          <a:p>
-            <a:pPr marL="0" indent="0">
-              <a:buNone/>
-            </a:pPr>
-            <a:r>
-              <a:rPr lang="es-ES" sz="2400" dirty="0">
-                <a:solidFill>
-                  <a:srgbClr val="000000"/>
-                </a:solidFill>
-                <a:latin typeface="Courier New" panose="02070309020205020404" pitchFamily="49" charset="0"/>
-                <a:cs typeface="Courier New" panose="02070309020205020404" pitchFamily="49" charset="0"/>
-              </a:rPr>
-              <a:t>[1] 5 7 9 </a:t>
-            </a:r>
-          </a:p>
-          <a:p>
-            <a:pPr marL="0" indent="0">
-              <a:buNone/>
-            </a:pPr>
-            <a:endParaRPr lang="es-ES" sz="2400" dirty="0">
-              <a:solidFill>
-                <a:srgbClr val="0000FF"/>
-              </a:solidFill>
-              <a:latin typeface="Courier New" panose="02070309020205020404" pitchFamily="49" charset="0"/>
-              <a:cs typeface="Courier New" panose="02070309020205020404" pitchFamily="49" charset="0"/>
-            </a:endParaRPr>
-          </a:p>
-          <a:p>
-            <a:pPr marL="0" indent="0">
-              <a:buNone/>
-            </a:pPr>
-            <a:r>
-              <a:rPr lang="es-ES" sz="2400" dirty="0">
-                <a:solidFill>
-                  <a:srgbClr val="0000FF"/>
-                </a:solidFill>
-                <a:latin typeface="Courier New" panose="02070309020205020404" pitchFamily="49" charset="0"/>
-                <a:cs typeface="Courier New" panose="02070309020205020404" pitchFamily="49" charset="0"/>
-              </a:rPr>
-              <a:t>&gt; y - x </a:t>
-            </a:r>
-          </a:p>
-          <a:p>
-            <a:pPr marL="0" indent="0">
-              <a:buNone/>
-            </a:pPr>
-            <a:r>
-              <a:rPr lang="es-ES" sz="2400" dirty="0">
-                <a:solidFill>
-                  <a:srgbClr val="000000"/>
-                </a:solidFill>
-                <a:latin typeface="Courier New" panose="02070309020205020404" pitchFamily="49" charset="0"/>
-                <a:cs typeface="Courier New" panose="02070309020205020404" pitchFamily="49" charset="0"/>
-              </a:rPr>
-              <a:t>[1] 3 3 3 </a:t>
-            </a:r>
-          </a:p>
-          <a:p>
-            <a:pPr marL="0" indent="0">
-              <a:buNone/>
-            </a:pPr>
-            <a:endParaRPr lang="es-ES" sz="2400" dirty="0">
-              <a:solidFill>
-                <a:srgbClr val="0000FF"/>
-              </a:solidFill>
-              <a:latin typeface="Courier New" panose="02070309020205020404" pitchFamily="49" charset="0"/>
-              <a:cs typeface="Courier New" panose="02070309020205020404" pitchFamily="49" charset="0"/>
-            </a:endParaRPr>
-          </a:p>
-          <a:p>
-            <a:pPr marL="0" indent="0">
-              <a:buNone/>
-            </a:pPr>
-            <a:r>
-              <a:rPr lang="es-ES" sz="2400" dirty="0">
-                <a:solidFill>
-                  <a:srgbClr val="0000FF"/>
-                </a:solidFill>
-                <a:latin typeface="Courier New" panose="02070309020205020404" pitchFamily="49" charset="0"/>
-                <a:cs typeface="Courier New" panose="02070309020205020404" pitchFamily="49" charset="0"/>
-              </a:rPr>
-              <a:t>&gt; x / y </a:t>
-            </a:r>
-          </a:p>
-          <a:p>
-            <a:pPr marL="0" indent="0">
-              <a:buNone/>
-            </a:pPr>
-            <a:r>
-              <a:rPr lang="es-ES" sz="2400" dirty="0">
-                <a:solidFill>
-                  <a:srgbClr val="000000"/>
-                </a:solidFill>
-                <a:latin typeface="Courier New" panose="02070309020205020404" pitchFamily="49" charset="0"/>
-                <a:cs typeface="Courier New" panose="02070309020205020404" pitchFamily="49" charset="0"/>
-              </a:rPr>
-              <a:t>[1] 0.25 0.40 0.50 </a:t>
-            </a:r>
-          </a:p>
-          <a:p>
-            <a:pPr marL="0" indent="0">
-              <a:buNone/>
-            </a:pPr>
-            <a:endParaRPr lang="es-ES" sz="2400" dirty="0">
-              <a:solidFill>
-                <a:srgbClr val="0000FF"/>
-              </a:solidFill>
-              <a:latin typeface="Courier New" panose="02070309020205020404" pitchFamily="49" charset="0"/>
-              <a:cs typeface="Courier New" panose="02070309020205020404" pitchFamily="49" charset="0"/>
-            </a:endParaRPr>
-          </a:p>
-          <a:p>
-            <a:pPr marL="0" indent="0">
-              <a:buNone/>
-            </a:pPr>
-            <a:r>
-              <a:rPr lang="es-ES" sz="2400" dirty="0">
-                <a:solidFill>
-                  <a:srgbClr val="0000FF"/>
-                </a:solidFill>
-                <a:latin typeface="Courier New" panose="02070309020205020404" pitchFamily="49" charset="0"/>
-                <a:cs typeface="Courier New" panose="02070309020205020404" pitchFamily="49" charset="0"/>
-              </a:rPr>
-              <a:t>&gt; x * y </a:t>
-            </a:r>
-          </a:p>
-          <a:p>
-            <a:pPr marL="0" indent="0">
-              <a:buNone/>
-            </a:pPr>
-            <a:r>
-              <a:rPr lang="es-ES" sz="2400" dirty="0">
-                <a:solidFill>
-                  <a:srgbClr val="000000"/>
-                </a:solidFill>
-                <a:latin typeface="Courier New" panose="02070309020205020404" pitchFamily="49" charset="0"/>
-                <a:cs typeface="Courier New" panose="02070309020205020404" pitchFamily="49" charset="0"/>
-              </a:rPr>
-              <a:t>[1] 4 10 18</a:t>
-            </a:r>
-            <a:endParaRPr lang="en-US" sz="2400" dirty="0">
-              <a:latin typeface="Courier New" panose="02070309020205020404" pitchFamily="49" charset="0"/>
-              <a:cs typeface="Courier New" panose="02070309020205020404" pitchFamily="49" charset="0"/>
-            </a:endParaRPr>
-          </a:p>
         </p:txBody>
       </p:sp>
     </p:spTree>
     <p:extLst>
       <p:ext uri="{BB962C8B-B14F-4D97-AF65-F5344CB8AC3E}">
-        <p14:creationId xmlns:p14="http://schemas.microsoft.com/office/powerpoint/2010/main" val="2529525538"/>
+        <p14:creationId xmlns:p14="http://schemas.microsoft.com/office/powerpoint/2010/main" val="2848846171"/>
       </p:ext>
     </p:extLst>
   </p:cSld>
@@ -18881,7 +18864,7 @@
           <a:p>
             <a:r>
               <a:rPr lang="en-US" dirty="0"/>
-              <a:t>In-class exercise 2</a:t>
+              <a:t>Vectors</a:t>
             </a:r>
           </a:p>
         </p:txBody>
@@ -18901,12 +18884,89 @@
           <a:bodyPr/>
           <a:lstStyle/>
           <a:p>
+            <a:pPr marL="0" indent="0">
+              <a:buNone/>
+            </a:pPr>
             <a:r>
               <a:rPr lang="en-US" dirty="0"/>
-              <a:t>Create vectors using </a:t>
-            </a:r>
+              <a:t>A vector is a one-dimensional ordered collection of the same type of object</a:t>
+            </a:r>
+          </a:p>
+          <a:p>
+            <a:pPr marL="0" indent="0">
+              <a:buNone/>
+            </a:pPr>
+            <a:endParaRPr lang="en-US" sz="2400" dirty="0">
+              <a:latin typeface="Courier New" panose="02070309020205020404" pitchFamily="49" charset="0"/>
+              <a:cs typeface="Courier New" panose="02070309020205020404" pitchFamily="49" charset="0"/>
+            </a:endParaRPr>
+          </a:p>
+          <a:p>
+            <a:pPr marL="0" indent="0">
+              <a:buNone/>
+            </a:pPr>
+            <a:r>
+              <a:rPr lang="en-US" sz="2400" dirty="0">
+                <a:solidFill>
+                  <a:srgbClr val="0000FF"/>
+                </a:solidFill>
+                <a:latin typeface="Courier New" panose="02070309020205020404" pitchFamily="49" charset="0"/>
+                <a:cs typeface="Courier New" panose="02070309020205020404" pitchFamily="49" charset="0"/>
+              </a:rPr>
+              <a:t>&gt; lengths &lt;- c(7.8, 9.0, 7.1, 8.8, 8.8)</a:t>
+            </a:r>
+          </a:p>
+          <a:p>
+            <a:pPr marL="0" indent="0">
+              <a:buNone/>
+            </a:pPr>
+            <a:r>
+              <a:rPr lang="en-US" sz="2400" dirty="0">
+                <a:solidFill>
+                  <a:srgbClr val="0000FF"/>
+                </a:solidFill>
+                <a:latin typeface="Courier New" panose="02070309020205020404" pitchFamily="49" charset="0"/>
+                <a:cs typeface="Courier New" panose="02070309020205020404" pitchFamily="49" charset="0"/>
+              </a:rPr>
+              <a:t>&gt; lengths</a:t>
+            </a:r>
+          </a:p>
+          <a:p>
+            <a:pPr marL="0" indent="0">
+              <a:buNone/>
+            </a:pPr>
+            <a:r>
+              <a:rPr lang="en-US" sz="2400" dirty="0">
+                <a:latin typeface="Courier New" panose="02070309020205020404" pitchFamily="49" charset="0"/>
+                <a:cs typeface="Courier New" panose="02070309020205020404" pitchFamily="49" charset="0"/>
+              </a:rPr>
+              <a:t>[1] 7.8 9.0 7.1 8.8 8.8</a:t>
+            </a:r>
+          </a:p>
+          <a:p>
+            <a:pPr marL="0" indent="0">
+              <a:buNone/>
+            </a:pPr>
+            <a:r>
+              <a:rPr lang="en-US" sz="2400" dirty="0">
+                <a:solidFill>
+                  <a:srgbClr val="0000FF"/>
+                </a:solidFill>
+                <a:latin typeface="Courier New" panose="02070309020205020404" pitchFamily="49" charset="0"/>
+                <a:cs typeface="Courier New" panose="02070309020205020404" pitchFamily="49" charset="0"/>
+              </a:rPr>
+              <a:t>1:10</a:t>
+            </a:r>
+          </a:p>
+          <a:p>
+            <a:pPr marL="0" indent="0">
+              <a:buNone/>
+            </a:pPr>
             <a:r>
               <a:rPr lang="en-US" sz="2400" dirty="0" err="1">
+                <a:solidFill>
+                  <a:srgbClr val="0000FF"/>
+                </a:solidFill>
                 <a:latin typeface="Courier New" panose="02070309020205020404" pitchFamily="49" charset="0"/>
                 <a:cs typeface="Courier New" panose="02070309020205020404" pitchFamily="49" charset="0"/>
               </a:rPr>
@@ -18914,78 +18974,299 @@
             </a:r>
             <a:r>
               <a:rPr lang="en-US" sz="2400" dirty="0">
-                <a:latin typeface="Courier New" panose="02070309020205020404" pitchFamily="49" charset="0"/>
-                <a:cs typeface="Courier New" panose="02070309020205020404" pitchFamily="49" charset="0"/>
-              </a:rPr>
-              <a:t>()</a:t>
-            </a:r>
-            <a:r>
-              <a:rPr lang="en-US" dirty="0"/>
-              <a:t> and </a:t>
+                <a:solidFill>
+                  <a:srgbClr val="0000FF"/>
+                </a:solidFill>
+                <a:latin typeface="Courier New" panose="02070309020205020404" pitchFamily="49" charset="0"/>
+                <a:cs typeface="Courier New" panose="02070309020205020404" pitchFamily="49" charset="0"/>
+              </a:rPr>
+              <a:t>(from=1, to=10, by=2)</a:t>
+            </a:r>
+          </a:p>
+          <a:p>
+            <a:pPr marL="0" indent="0">
+              <a:buNone/>
+            </a:pPr>
+            <a:r>
+              <a:rPr lang="en-US" sz="2400" dirty="0" err="1">
+                <a:solidFill>
+                  <a:srgbClr val="0000FF"/>
+                </a:solidFill>
+                <a:latin typeface="Courier New" panose="02070309020205020404" pitchFamily="49" charset="0"/>
+                <a:cs typeface="Courier New" panose="02070309020205020404" pitchFamily="49" charset="0"/>
+              </a:rPr>
+              <a:t>seq</a:t>
             </a:r>
             <a:r>
               <a:rPr lang="en-US" sz="2400" dirty="0">
-                <a:latin typeface="Courier New" panose="02070309020205020404" pitchFamily="49" charset="0"/>
-                <a:cs typeface="Courier New" panose="02070309020205020404" pitchFamily="49" charset="0"/>
-              </a:rPr>
-              <a:t>rep()</a:t>
-            </a:r>
-            <a:r>
-              <a:rPr lang="en-US" dirty="0"/>
-              <a:t>. Only use </a:t>
+                <a:solidFill>
+                  <a:srgbClr val="0000FF"/>
+                </a:solidFill>
+                <a:latin typeface="Courier New" panose="02070309020205020404" pitchFamily="49" charset="0"/>
+                <a:cs typeface="Courier New" panose="02070309020205020404" pitchFamily="49" charset="0"/>
+              </a:rPr>
+              <a:t>(1,10,2)</a:t>
+            </a:r>
+          </a:p>
+          <a:p>
+            <a:pPr marL="0" indent="0">
+              <a:buNone/>
+            </a:pPr>
+            <a:r>
+              <a:rPr lang="en-US" sz="2400" dirty="0" err="1">
+                <a:solidFill>
+                  <a:srgbClr val="0000FF"/>
+                </a:solidFill>
+                <a:latin typeface="Courier New" panose="02070309020205020404" pitchFamily="49" charset="0"/>
+                <a:cs typeface="Courier New" panose="02070309020205020404" pitchFamily="49" charset="0"/>
+              </a:rPr>
+              <a:t>seq</a:t>
             </a:r>
             <a:r>
               <a:rPr lang="en-US" sz="2400" dirty="0">
-                <a:latin typeface="Courier New" panose="02070309020205020404" pitchFamily="49" charset="0"/>
-                <a:cs typeface="Courier New" panose="02070309020205020404" pitchFamily="49" charset="0"/>
-              </a:rPr>
-              <a:t>c()</a:t>
-            </a:r>
-            <a:r>
-              <a:rPr lang="en-US" dirty="0"/>
-              <a:t> if absolutely necessary</a:t>
-            </a:r>
-          </a:p>
-          <a:p>
-            <a:pPr lvl="1"/>
-            <a:r>
-              <a:rPr lang="en-US" dirty="0"/>
-              <a:t>Positive integers from 1 to 99</a:t>
-            </a:r>
-          </a:p>
-          <a:p>
-            <a:pPr lvl="1"/>
-            <a:r>
-              <a:rPr lang="en-US" dirty="0"/>
-              <a:t>Odd integers between 1 and 99</a:t>
-            </a:r>
-          </a:p>
-          <a:p>
-            <a:pPr lvl="1"/>
-            <a:r>
-              <a:rPr lang="en-US" dirty="0"/>
-              <a:t>The numbers 1,1,1, 2,2,2, 3,3,3</a:t>
-            </a:r>
-          </a:p>
-          <a:p>
-            <a:pPr lvl="1"/>
-            <a:r>
-              <a:rPr lang="en-US" dirty="0"/>
-              <a:t>The numbers 1,2,3,4,5,4,3,2,1,0</a:t>
-            </a:r>
-          </a:p>
-          <a:p>
-            <a:pPr lvl="1"/>
-            <a:r>
-              <a:rPr lang="en-US" dirty="0"/>
-              <a:t>The fractions 1, 1/2, 1/3, 1/4, …, 1/10</a:t>
-            </a:r>
-          </a:p>
-          <a:p>
-            <a:pPr lvl="1"/>
-            <a:r>
-              <a:rPr lang="en-US" dirty="0"/>
-              <a:t>The cubes 1, 8, 27, 64, 125, 216</a:t>
+                <a:solidFill>
+                  <a:srgbClr val="0000FF"/>
+                </a:solidFill>
+                <a:latin typeface="Courier New" panose="02070309020205020404" pitchFamily="49" charset="0"/>
+                <a:cs typeface="Courier New" panose="02070309020205020404" pitchFamily="49" charset="0"/>
+              </a:rPr>
+              <a:t>(from=1, to=10,length.out=5)</a:t>
+            </a:r>
+          </a:p>
+        </p:txBody>
+      </p:sp>
+      <p:sp>
+        <p:nvSpPr>
+          <p:cNvPr id="4" name="TextBox 3"/>
+          <p:cNvSpPr txBox="1"/>
+          <p:nvPr/>
+        </p:nvSpPr>
+        <p:spPr>
+          <a:xfrm>
+            <a:off x="2728210" y="2514600"/>
+            <a:ext cx="5577590" cy="369332"/>
+          </a:xfrm>
+          <a:prstGeom prst="rect">
+            <a:avLst/>
+          </a:prstGeom>
+          <a:noFill/>
+        </p:spPr>
+        <p:txBody>
+          <a:bodyPr wrap="square" rtlCol="0">
+            <a:spAutoFit/>
+          </a:bodyPr>
+          <a:lstStyle/>
+          <a:p>
+            <a:r>
+              <a:rPr lang="en-US" dirty="0">
+                <a:solidFill>
+                  <a:srgbClr val="FF0000"/>
+                </a:solidFill>
+                <a:latin typeface="Courier New" panose="02070309020205020404" pitchFamily="49" charset="0"/>
+                <a:cs typeface="Courier New" panose="02070309020205020404" pitchFamily="49" charset="0"/>
+              </a:rPr>
+              <a:t>c() </a:t>
+            </a:r>
+            <a:r>
+              <a:rPr lang="en-US" dirty="0">
+                <a:solidFill>
+                  <a:srgbClr val="FF0000"/>
+                </a:solidFill>
+              </a:rPr>
+              <a:t>is a function that concatenates values together</a:t>
+            </a:r>
+          </a:p>
+        </p:txBody>
+      </p:sp>
+      <p:sp>
+        <p:nvSpPr>
+          <p:cNvPr id="5" name="TextBox 4"/>
+          <p:cNvSpPr txBox="1"/>
+          <p:nvPr/>
+        </p:nvSpPr>
+        <p:spPr>
+          <a:xfrm>
+            <a:off x="2274903" y="3303234"/>
+            <a:ext cx="2819400" cy="369332"/>
+          </a:xfrm>
+          <a:prstGeom prst="rect">
+            <a:avLst/>
+          </a:prstGeom>
+          <a:noFill/>
+        </p:spPr>
+        <p:txBody>
+          <a:bodyPr wrap="square" rtlCol="0">
+            <a:spAutoFit/>
+          </a:bodyPr>
+          <a:lstStyle/>
+          <a:p>
+            <a:r>
+              <a:rPr lang="en-US" dirty="0">
+                <a:solidFill>
+                  <a:srgbClr val="FF0000"/>
+                </a:solidFill>
+              </a:rPr>
+              <a:t>this is a vector of numbers</a:t>
+            </a:r>
+          </a:p>
+        </p:txBody>
+      </p:sp>
+      <p:sp>
+        <p:nvSpPr>
+          <p:cNvPr id="6" name="TextBox 5"/>
+          <p:cNvSpPr txBox="1"/>
+          <p:nvPr/>
+        </p:nvSpPr>
+        <p:spPr>
+          <a:xfrm>
+            <a:off x="1327949" y="4169542"/>
+            <a:ext cx="4964097" cy="369332"/>
+          </a:xfrm>
+          <a:prstGeom prst="rect">
+            <a:avLst/>
+          </a:prstGeom>
+          <a:noFill/>
+        </p:spPr>
+        <p:txBody>
+          <a:bodyPr wrap="square" rtlCol="0">
+            <a:spAutoFit/>
+          </a:bodyPr>
+          <a:lstStyle/>
+          <a:p>
+            <a:r>
+              <a:rPr lang="en-US" dirty="0">
+                <a:solidFill>
+                  <a:srgbClr val="FF0000"/>
+                </a:solidFill>
+              </a:rPr>
+              <a:t>the </a:t>
+            </a:r>
+            <a:r>
+              <a:rPr lang="en-US" dirty="0">
+                <a:solidFill>
+                  <a:srgbClr val="FF0000"/>
+                </a:solidFill>
+                <a:latin typeface="Courier New" panose="02070309020205020404" pitchFamily="49" charset="0"/>
+                <a:cs typeface="Courier New" panose="02070309020205020404" pitchFamily="49" charset="0"/>
+              </a:rPr>
+              <a:t>:</a:t>
+            </a:r>
+            <a:r>
+              <a:rPr lang="en-US" dirty="0">
+                <a:solidFill>
+                  <a:srgbClr val="FF0000"/>
+                </a:solidFill>
+              </a:rPr>
+              <a:t> function is used for consecutive numbers</a:t>
+            </a:r>
+          </a:p>
+        </p:txBody>
+      </p:sp>
+      <p:sp>
+        <p:nvSpPr>
+          <p:cNvPr id="7" name="TextBox 6"/>
+          <p:cNvSpPr txBox="1"/>
+          <p:nvPr/>
+        </p:nvSpPr>
+        <p:spPr>
+          <a:xfrm>
+            <a:off x="5094303" y="4648200"/>
+            <a:ext cx="3821097" cy="369332"/>
+          </a:xfrm>
+          <a:prstGeom prst="rect">
+            <a:avLst/>
+          </a:prstGeom>
+          <a:noFill/>
+        </p:spPr>
+        <p:txBody>
+          <a:bodyPr wrap="square" rtlCol="0">
+            <a:spAutoFit/>
+          </a:bodyPr>
+          <a:lstStyle/>
+          <a:p>
+            <a:r>
+              <a:rPr lang="en-US" dirty="0" err="1">
+                <a:solidFill>
+                  <a:srgbClr val="FF0000"/>
+                </a:solidFill>
+                <a:latin typeface="Courier New" panose="02070309020205020404" pitchFamily="49" charset="0"/>
+                <a:cs typeface="Courier New" panose="02070309020205020404" pitchFamily="49" charset="0"/>
+              </a:rPr>
+              <a:t>seq</a:t>
+            </a:r>
+            <a:r>
+              <a:rPr lang="en-US" dirty="0">
+                <a:solidFill>
+                  <a:srgbClr val="FF0000"/>
+                </a:solidFill>
+              </a:rPr>
+              <a:t> function allows more flexibility</a:t>
+            </a:r>
+          </a:p>
+        </p:txBody>
+      </p:sp>
+      <p:sp>
+        <p:nvSpPr>
+          <p:cNvPr id="8" name="TextBox 7"/>
+          <p:cNvSpPr txBox="1"/>
+          <p:nvPr/>
+        </p:nvSpPr>
+        <p:spPr>
+          <a:xfrm>
+            <a:off x="2728210" y="5045814"/>
+            <a:ext cx="6110990" cy="369332"/>
+          </a:xfrm>
+          <a:prstGeom prst="rect">
+            <a:avLst/>
+          </a:prstGeom>
+          <a:noFill/>
+        </p:spPr>
+        <p:txBody>
+          <a:bodyPr wrap="square" rtlCol="0">
+            <a:spAutoFit/>
+          </a:bodyPr>
+          <a:lstStyle/>
+          <a:p>
+            <a:r>
+              <a:rPr lang="en-US" dirty="0">
+                <a:solidFill>
+                  <a:srgbClr val="FF0000"/>
+                </a:solidFill>
+              </a:rPr>
+              <a:t>default order of parameters, no labels</a:t>
+            </a:r>
+          </a:p>
+        </p:txBody>
+      </p:sp>
+      <p:sp>
+        <p:nvSpPr>
+          <p:cNvPr id="9" name="TextBox 8"/>
+          <p:cNvSpPr txBox="1"/>
+          <p:nvPr/>
+        </p:nvSpPr>
+        <p:spPr>
+          <a:xfrm>
+            <a:off x="6259495" y="5473820"/>
+            <a:ext cx="2514600" cy="923330"/>
+          </a:xfrm>
+          <a:prstGeom prst="rect">
+            <a:avLst/>
+          </a:prstGeom>
+          <a:noFill/>
+        </p:spPr>
+        <p:txBody>
+          <a:bodyPr wrap="square" rtlCol="0">
+            <a:spAutoFit/>
+          </a:bodyPr>
+          <a:lstStyle/>
+          <a:p>
+            <a:r>
+              <a:rPr lang="en-US" dirty="0">
+                <a:solidFill>
+                  <a:srgbClr val="FF0000"/>
+                </a:solidFill>
+              </a:rPr>
+              <a:t>vector of five numbers exactly from start to end numbers</a:t>
             </a:r>
           </a:p>
         </p:txBody>
@@ -18993,7 +19274,7 @@
     </p:spTree>
     <p:extLst>
       <p:ext uri="{BB962C8B-B14F-4D97-AF65-F5344CB8AC3E}">
-        <p14:creationId xmlns:p14="http://schemas.microsoft.com/office/powerpoint/2010/main" val="3363490876"/>
+        <p14:creationId xmlns:p14="http://schemas.microsoft.com/office/powerpoint/2010/main" val="2147351529"/>
       </p:ext>
     </p:extLst>
   </p:cSld>
@@ -19037,7 +19318,14 @@
           <a:p>
             <a:r>
               <a:rPr lang="en-US" dirty="0"/>
-              <a:t>Using functions on vectors</a:t>
+              <a:t>Creating vectors using </a:t>
+            </a:r>
+            <a:r>
+              <a:rPr lang="en-US" dirty="0">
+                <a:latin typeface="Courier New" panose="02070309020205020404" pitchFamily="49" charset="0"/>
+                <a:cs typeface="Courier New" panose="02070309020205020404" pitchFamily="49" charset="0"/>
+              </a:rPr>
+              <a:t>rep</a:t>
             </a:r>
           </a:p>
         </p:txBody>
@@ -19054,14 +19342,10 @@
         </p:nvSpPr>
         <p:spPr/>
         <p:txBody>
-          <a:bodyPr/>
-          <a:lstStyle/>
-          <a:p>
-            <a:r>
-              <a:rPr lang="en-US" dirty="0"/>
-              <a:t>Many datasets are built into R for testing purposes, for a full list: </a:t>
-            </a:r>
-          </a:p>
+          <a:bodyPr>
+            <a:normAutofit/>
+          </a:bodyPr>
+          <a:lstStyle/>
           <a:p>
             <a:pPr marL="0" indent="0">
               <a:buNone/>
@@ -19074,17 +19358,7 @@
                 <a:latin typeface="Courier New" panose="02070309020205020404" pitchFamily="49" charset="0"/>
                 <a:cs typeface="Courier New" panose="02070309020205020404" pitchFamily="49" charset="0"/>
               </a:rPr>
-              <a:t>&gt; library(help="datasets")</a:t>
-            </a:r>
-            <a:endParaRPr lang="en-US" dirty="0">
-              <a:latin typeface="Courier New" panose="02070309020205020404" pitchFamily="49" charset="0"/>
-              <a:cs typeface="Courier New" panose="02070309020205020404" pitchFamily="49" charset="0"/>
-            </a:endParaRPr>
-          </a:p>
-          <a:p>
-            <a:r>
-              <a:rPr lang="en-US" dirty="0"/>
-              <a:t>For example, the “islands” dataset</a:t>
+              <a:t>&gt; rep(3,times=10) </a:t>
             </a:r>
           </a:p>
           <a:p>
@@ -19094,12 +19368,27 @@
             <a:r>
               <a:rPr lang="en-US" sz="2400" dirty="0">
                 <a:solidFill>
+                  <a:srgbClr val="000000"/>
+                </a:solidFill>
+                <a:latin typeface="Courier New" panose="02070309020205020404" pitchFamily="49" charset="0"/>
+                <a:cs typeface="Courier New" panose="02070309020205020404" pitchFamily="49" charset="0"/>
+              </a:rPr>
+              <a:t>[1] 3 3 3 3 3 3 3 3 3 3 </a:t>
+            </a:r>
+          </a:p>
+          <a:p>
+            <a:pPr marL="0" indent="0">
+              <a:buNone/>
+            </a:pPr>
+            <a:r>
+              <a:rPr lang="en-US" sz="2400" dirty="0">
+                <a:solidFill>
                   <a:srgbClr val="0000FF"/>
                 </a:solidFill>
                 <a:latin typeface="Courier New" panose="02070309020205020404" pitchFamily="49" charset="0"/>
                 <a:cs typeface="Courier New" panose="02070309020205020404" pitchFamily="49" charset="0"/>
               </a:rPr>
-              <a:t>&gt; islands</a:t>
+              <a:t>&gt; y &lt;- 1:3 </a:t>
             </a:r>
           </a:p>
           <a:p>
@@ -19109,12 +19398,47 @@
             <a:r>
               <a:rPr lang="en-US" sz="2400" dirty="0">
                 <a:solidFill>
+                  <a:srgbClr val="0000FF"/>
+                </a:solidFill>
+                <a:latin typeface="Courier New" panose="02070309020205020404" pitchFamily="49" charset="0"/>
+                <a:cs typeface="Courier New" panose="02070309020205020404" pitchFamily="49" charset="0"/>
+              </a:rPr>
+              <a:t>&gt; rep(</a:t>
+            </a:r>
+            <a:r>
+              <a:rPr lang="en-US" sz="2400" dirty="0" err="1">
+                <a:solidFill>
+                  <a:srgbClr val="0000FF"/>
+                </a:solidFill>
+                <a:latin typeface="Courier New" panose="02070309020205020404" pitchFamily="49" charset="0"/>
+                <a:cs typeface="Courier New" panose="02070309020205020404" pitchFamily="49" charset="0"/>
+              </a:rPr>
+              <a:t>y,times</a:t>
+            </a:r>
+            <a:r>
+              <a:rPr lang="en-US" sz="2400" dirty="0">
+                <a:solidFill>
+                  <a:srgbClr val="0000FF"/>
+                </a:solidFill>
+                <a:latin typeface="Courier New" panose="02070309020205020404" pitchFamily="49" charset="0"/>
+                <a:cs typeface="Courier New" panose="02070309020205020404" pitchFamily="49" charset="0"/>
+              </a:rPr>
+              <a:t>=4) </a:t>
+            </a:r>
+          </a:p>
+          <a:p>
+            <a:pPr marL="0" indent="0">
+              <a:buNone/>
+            </a:pPr>
+            <a:r>
+              <a:rPr lang="en-US" sz="2400" dirty="0">
+                <a:solidFill>
                   <a:srgbClr val="000000"/>
                 </a:solidFill>
                 <a:latin typeface="Courier New" panose="02070309020205020404" pitchFamily="49" charset="0"/>
                 <a:cs typeface="Courier New" panose="02070309020205020404" pitchFamily="49" charset="0"/>
               </a:rPr>
-              <a:t>Africa Antarctica   Asia Australia …</a:t>
+              <a:t>[1] 1 2 3 1 2 3 1 2 3 1 2 3 </a:t>
             </a:r>
           </a:p>
           <a:p>
@@ -19124,12 +19448,127 @@
             <a:r>
               <a:rPr lang="en-US" sz="2400" dirty="0">
                 <a:solidFill>
+                  <a:srgbClr val="0000FF"/>
+                </a:solidFill>
+                <a:latin typeface="Courier New" panose="02070309020205020404" pitchFamily="49" charset="0"/>
+                <a:cs typeface="Courier New" panose="02070309020205020404" pitchFamily="49" charset="0"/>
+              </a:rPr>
+              <a:t>&gt; rep(</a:t>
+            </a:r>
+            <a:r>
+              <a:rPr lang="en-US" sz="2400" dirty="0" err="1">
+                <a:solidFill>
+                  <a:srgbClr val="0000FF"/>
+                </a:solidFill>
+                <a:latin typeface="Courier New" panose="02070309020205020404" pitchFamily="49" charset="0"/>
+                <a:cs typeface="Courier New" panose="02070309020205020404" pitchFamily="49" charset="0"/>
+              </a:rPr>
+              <a:t>y,length</a:t>
+            </a:r>
+            <a:r>
+              <a:rPr lang="en-US" sz="2400" dirty="0">
+                <a:solidFill>
+                  <a:srgbClr val="0000FF"/>
+                </a:solidFill>
+                <a:latin typeface="Courier New" panose="02070309020205020404" pitchFamily="49" charset="0"/>
+                <a:cs typeface="Courier New" panose="02070309020205020404" pitchFamily="49" charset="0"/>
+              </a:rPr>
+              <a:t>=10) </a:t>
+            </a:r>
+          </a:p>
+          <a:p>
+            <a:pPr marL="0" indent="0">
+              <a:buNone/>
+            </a:pPr>
+            <a:r>
+              <a:rPr lang="en-US" sz="2400" dirty="0">
+                <a:solidFill>
                   <a:srgbClr val="000000"/>
                 </a:solidFill>
                 <a:latin typeface="Courier New" panose="02070309020205020404" pitchFamily="49" charset="0"/>
                 <a:cs typeface="Courier New" panose="02070309020205020404" pitchFamily="49" charset="0"/>
               </a:rPr>
-              <a:t> 11506       5500  16988      2968 …</a:t>
+              <a:t>[1] 1 2 3 1 2 3 1 2 3 1</a:t>
+            </a:r>
+          </a:p>
+          <a:p>
+            <a:pPr marL="0" indent="0">
+              <a:buNone/>
+            </a:pPr>
+            <a:r>
+              <a:rPr lang="en-US" sz="2400" dirty="0">
+                <a:solidFill>
+                  <a:srgbClr val="0000FF"/>
+                </a:solidFill>
+                <a:latin typeface="Courier New" panose="02070309020205020404" pitchFamily="49" charset="0"/>
+                <a:cs typeface="Courier New" panose="02070309020205020404" pitchFamily="49" charset="0"/>
+              </a:rPr>
+              <a:t>&gt; rep(</a:t>
+            </a:r>
+            <a:r>
+              <a:rPr lang="en-US" sz="2400" dirty="0" err="1">
+                <a:solidFill>
+                  <a:srgbClr val="0000FF"/>
+                </a:solidFill>
+                <a:latin typeface="Courier New" panose="02070309020205020404" pitchFamily="49" charset="0"/>
+                <a:cs typeface="Courier New" panose="02070309020205020404" pitchFamily="49" charset="0"/>
+              </a:rPr>
+              <a:t>y,length</a:t>
+            </a:r>
+            <a:r>
+              <a:rPr lang="en-US" sz="2400" dirty="0">
+                <a:solidFill>
+                  <a:srgbClr val="0000FF"/>
+                </a:solidFill>
+                <a:latin typeface="Courier New" panose="02070309020205020404" pitchFamily="49" charset="0"/>
+                <a:cs typeface="Courier New" panose="02070309020205020404" pitchFamily="49" charset="0"/>
+              </a:rPr>
+              <a:t>=30) </a:t>
+            </a:r>
+          </a:p>
+          <a:p>
+            <a:pPr marL="0" indent="0">
+              <a:buNone/>
+            </a:pPr>
+            <a:r>
+              <a:rPr lang="en-US" sz="2400" dirty="0">
+                <a:solidFill>
+                  <a:srgbClr val="000000"/>
+                </a:solidFill>
+                <a:latin typeface="Courier New" panose="02070309020205020404" pitchFamily="49" charset="0"/>
+                <a:cs typeface="Courier New" panose="02070309020205020404" pitchFamily="49" charset="0"/>
+              </a:rPr>
+              <a:t>[1] 1 2 3 1 2 3 1 2 3 1 2 3 1 </a:t>
+            </a:r>
+          </a:p>
+          <a:p>
+            <a:pPr marL="0" indent="0">
+              <a:buNone/>
+            </a:pPr>
+            <a:r>
+              <a:rPr lang="en-US" sz="2400" dirty="0">
+                <a:solidFill>
+                  <a:srgbClr val="000000"/>
+                </a:solidFill>
+                <a:latin typeface="Courier New" panose="02070309020205020404" pitchFamily="49" charset="0"/>
+                <a:cs typeface="Courier New" panose="02070309020205020404" pitchFamily="49" charset="0"/>
+              </a:rPr>
+              <a:t>[14] 2 3 1 2 3 1 2 3 1 2 3 1 2 </a:t>
+            </a:r>
+          </a:p>
+          <a:p>
+            <a:pPr marL="0" indent="0">
+              <a:buNone/>
+            </a:pPr>
+            <a:r>
+              <a:rPr lang="en-US" sz="2400" dirty="0">
+                <a:solidFill>
+                  <a:srgbClr val="000000"/>
+                </a:solidFill>
+                <a:latin typeface="Courier New" panose="02070309020205020404" pitchFamily="49" charset="0"/>
+                <a:cs typeface="Courier New" panose="02070309020205020404" pitchFamily="49" charset="0"/>
+              </a:rPr>
+              <a:t>[27] 3 1 2 3</a:t>
             </a:r>
             <a:endParaRPr lang="en-US" sz="2400" dirty="0">
               <a:latin typeface="Courier New" panose="02070309020205020404" pitchFamily="49" charset="0"/>
@@ -19138,10 +19577,204 @@
           </a:p>
         </p:txBody>
       </p:sp>
+      <p:sp>
+        <p:nvSpPr>
+          <p:cNvPr id="4" name="TextBox 3"/>
+          <p:cNvSpPr txBox="1"/>
+          <p:nvPr/>
+        </p:nvSpPr>
+        <p:spPr>
+          <a:xfrm>
+            <a:off x="3596195" y="1499307"/>
+            <a:ext cx="2209800" cy="369332"/>
+          </a:xfrm>
+          <a:prstGeom prst="rect">
+            <a:avLst/>
+          </a:prstGeom>
+          <a:noFill/>
+        </p:spPr>
+        <p:txBody>
+          <a:bodyPr wrap="square" rtlCol="0">
+            <a:spAutoFit/>
+          </a:bodyPr>
+          <a:lstStyle/>
+          <a:p>
+            <a:r>
+              <a:rPr lang="en-US" dirty="0">
+                <a:solidFill>
+                  <a:srgbClr val="FF0000"/>
+                </a:solidFill>
+              </a:rPr>
+              <a:t>repeat 3 10 times</a:t>
+            </a:r>
+          </a:p>
+        </p:txBody>
+      </p:sp>
+      <p:sp>
+        <p:nvSpPr>
+          <p:cNvPr id="5" name="TextBox 4"/>
+          <p:cNvSpPr txBox="1"/>
+          <p:nvPr/>
+        </p:nvSpPr>
+        <p:spPr>
+          <a:xfrm>
+            <a:off x="3596195" y="2362940"/>
+            <a:ext cx="2209800" cy="369332"/>
+          </a:xfrm>
+          <a:prstGeom prst="rect">
+            <a:avLst/>
+          </a:prstGeom>
+          <a:noFill/>
+        </p:spPr>
+        <p:txBody>
+          <a:bodyPr wrap="square" rtlCol="0">
+            <a:spAutoFit/>
+          </a:bodyPr>
+          <a:lstStyle/>
+          <a:p>
+            <a:r>
+              <a:rPr lang="en-US" dirty="0">
+                <a:solidFill>
+                  <a:srgbClr val="FF0000"/>
+                </a:solidFill>
+              </a:rPr>
+              <a:t>y contains 1,2,3</a:t>
+            </a:r>
+          </a:p>
+        </p:txBody>
+      </p:sp>
+      <p:sp>
+        <p:nvSpPr>
+          <p:cNvPr id="6" name="TextBox 5"/>
+          <p:cNvSpPr txBox="1"/>
+          <p:nvPr/>
+        </p:nvSpPr>
+        <p:spPr>
+          <a:xfrm>
+            <a:off x="3596195" y="2795556"/>
+            <a:ext cx="2209800" cy="369332"/>
+          </a:xfrm>
+          <a:prstGeom prst="rect">
+            <a:avLst/>
+          </a:prstGeom>
+          <a:noFill/>
+        </p:spPr>
+        <p:txBody>
+          <a:bodyPr wrap="square" rtlCol="0">
+            <a:spAutoFit/>
+          </a:bodyPr>
+          <a:lstStyle/>
+          <a:p>
+            <a:r>
+              <a:rPr lang="en-US" dirty="0">
+                <a:solidFill>
+                  <a:srgbClr val="FF0000"/>
+                </a:solidFill>
+              </a:rPr>
+              <a:t>repeat y four times</a:t>
+            </a:r>
+          </a:p>
+        </p:txBody>
+      </p:sp>
+      <p:sp>
+        <p:nvSpPr>
+          <p:cNvPr id="7" name="TextBox 6"/>
+          <p:cNvSpPr txBox="1"/>
+          <p:nvPr/>
+        </p:nvSpPr>
+        <p:spPr>
+          <a:xfrm>
+            <a:off x="4953000" y="3661557"/>
+            <a:ext cx="4045998" cy="646331"/>
+          </a:xfrm>
+          <a:prstGeom prst="rect">
+            <a:avLst/>
+          </a:prstGeom>
+          <a:noFill/>
+        </p:spPr>
+        <p:txBody>
+          <a:bodyPr wrap="square" rtlCol="0">
+            <a:spAutoFit/>
+          </a:bodyPr>
+          <a:lstStyle/>
+          <a:p>
+            <a:r>
+              <a:rPr lang="en-US" dirty="0">
+                <a:solidFill>
+                  <a:srgbClr val="FF0000"/>
+                </a:solidFill>
+              </a:rPr>
+              <a:t>repeat y until there are 10 elements. The elements are </a:t>
+            </a:r>
+            <a:r>
+              <a:rPr lang="en-US" b="1" dirty="0">
+                <a:solidFill>
+                  <a:srgbClr val="FF0000"/>
+                </a:solidFill>
+              </a:rPr>
+              <a:t>recycled</a:t>
+            </a:r>
+            <a:endParaRPr lang="en-US" dirty="0">
+              <a:solidFill>
+                <a:srgbClr val="FF0000"/>
+              </a:solidFill>
+            </a:endParaRPr>
+          </a:p>
+        </p:txBody>
+      </p:sp>
+      <p:sp>
+        <p:nvSpPr>
+          <p:cNvPr id="8" name="TextBox 7"/>
+          <p:cNvSpPr txBox="1"/>
+          <p:nvPr/>
+        </p:nvSpPr>
+        <p:spPr>
+          <a:xfrm>
+            <a:off x="381000" y="6244709"/>
+            <a:ext cx="8534400" cy="369332"/>
+          </a:xfrm>
+          <a:prstGeom prst="rect">
+            <a:avLst/>
+          </a:prstGeom>
+          <a:noFill/>
+        </p:spPr>
+        <p:txBody>
+          <a:bodyPr wrap="square" rtlCol="0">
+            <a:spAutoFit/>
+          </a:bodyPr>
+          <a:lstStyle/>
+          <a:p>
+            <a:r>
+              <a:rPr lang="en-US" dirty="0">
+                <a:solidFill>
+                  <a:srgbClr val="FF0000"/>
+                </a:solidFill>
+              </a:rPr>
+              <a:t>numbers [1], [14], [27] are </a:t>
+            </a:r>
+            <a:r>
+              <a:rPr lang="en-US" b="1" dirty="0">
+                <a:solidFill>
+                  <a:srgbClr val="FF0000"/>
+                </a:solidFill>
+              </a:rPr>
+              <a:t>index</a:t>
+            </a:r>
+            <a:r>
+              <a:rPr lang="en-US" dirty="0">
+                <a:solidFill>
+                  <a:srgbClr val="FF0000"/>
+                </a:solidFill>
+              </a:rPr>
+              <a:t> numbers of the first element on each line of the output</a:t>
+            </a:r>
+          </a:p>
+        </p:txBody>
+      </p:sp>
     </p:spTree>
     <p:extLst>
       <p:ext uri="{BB962C8B-B14F-4D97-AF65-F5344CB8AC3E}">
-        <p14:creationId xmlns:p14="http://schemas.microsoft.com/office/powerpoint/2010/main" val="3931906149"/>
+        <p14:creationId xmlns:p14="http://schemas.microsoft.com/office/powerpoint/2010/main" val="1480944876"/>
       </p:ext>
     </p:extLst>
   </p:cSld>
@@ -19185,7 +19818,7 @@
           <a:p>
             <a:r>
               <a:rPr lang="en-US" dirty="0"/>
-              <a:t>Useful arithmetic functions</a:t>
+              <a:t>Vector operations work element-wise</a:t>
             </a:r>
           </a:p>
         </p:txBody>
@@ -19202,13 +19835,13 @@
         </p:nvSpPr>
         <p:spPr>
           <a:xfrm>
-            <a:off x="457200" y="1447800"/>
-            <a:ext cx="8229600" cy="3733800"/>
+            <a:off x="457200" y="1219200"/>
+            <a:ext cx="8229600" cy="5105400"/>
           </a:xfrm>
         </p:spPr>
         <p:txBody>
           <a:bodyPr numCol="2">
-            <a:normAutofit/>
+            <a:noAutofit/>
           </a:bodyPr>
           <a:lstStyle/>
           <a:p>
@@ -19216,14 +19849,14 @@
               <a:buNone/>
             </a:pPr>
             <a:r>
-              <a:rPr lang="en-US" sz="2400" dirty="0">
+              <a:rPr lang="es-ES" sz="2400" dirty="0">
                 <a:solidFill>
                   <a:srgbClr val="0000FF"/>
                 </a:solidFill>
                 <a:latin typeface="Courier New" panose="02070309020205020404" pitchFamily="49" charset="0"/>
                 <a:cs typeface="Courier New" panose="02070309020205020404" pitchFamily="49" charset="0"/>
               </a:rPr>
-              <a:t>&gt; min(islands) </a:t>
+              <a:t>&gt; (x &lt;- 1:3) </a:t>
             </a:r>
           </a:p>
           <a:p>
@@ -19231,29 +19864,41 @@
               <a:buNone/>
             </a:pPr>
             <a:r>
-              <a:rPr lang="en-US" sz="2400" dirty="0">
+              <a:rPr lang="es-ES" sz="2400" dirty="0">
                 <a:solidFill>
                   <a:srgbClr val="000000"/>
                 </a:solidFill>
                 <a:latin typeface="Courier New" panose="02070309020205020404" pitchFamily="49" charset="0"/>
                 <a:cs typeface="Courier New" panose="02070309020205020404" pitchFamily="49" charset="0"/>
               </a:rPr>
-              <a:t>[1] 12 </a:t>
+              <a:t>[1] 1 2 3 </a:t>
             </a:r>
           </a:p>
           <a:p>
             <a:pPr marL="0" indent="0">
               <a:buNone/>
             </a:pPr>
-            <a:r>
-              <a:rPr lang="en-US" sz="2400" dirty="0">
+            <a:endParaRPr lang="es-ES" sz="2400" dirty="0">
+              <a:solidFill>
+                <a:srgbClr val="0000FF"/>
+              </a:solidFill>
+              <a:latin typeface="Courier New" panose="02070309020205020404" pitchFamily="49" charset="0"/>
+              <a:cs typeface="Courier New" panose="02070309020205020404" pitchFamily="49" charset="0"/>
+            </a:endParaRPr>
+          </a:p>
+          <a:p>
+            <a:pPr marL="0" indent="0">
+              <a:buNone/>
+            </a:pPr>
+            <a:r>
+              <a:rPr lang="es-ES" sz="2400" dirty="0">
                 <a:solidFill>
                   <a:srgbClr val="0000FF"/>
                 </a:solidFill>
                 <a:latin typeface="Courier New" panose="02070309020205020404" pitchFamily="49" charset="0"/>
                 <a:cs typeface="Courier New" panose="02070309020205020404" pitchFamily="49" charset="0"/>
               </a:rPr>
-              <a:t>&gt; max(islands) </a:t>
+              <a:t>&gt; log(x) </a:t>
             </a:r>
           </a:p>
           <a:p>
@@ -19261,29 +19906,41 @@
               <a:buNone/>
             </a:pPr>
             <a:r>
-              <a:rPr lang="en-US" sz="2400" dirty="0">
+              <a:rPr lang="es-ES" sz="2400" dirty="0">
                 <a:solidFill>
                   <a:srgbClr val="000000"/>
                 </a:solidFill>
                 <a:latin typeface="Courier New" panose="02070309020205020404" pitchFamily="49" charset="0"/>
                 <a:cs typeface="Courier New" panose="02070309020205020404" pitchFamily="49" charset="0"/>
               </a:rPr>
-              <a:t>[1] 16988 </a:t>
+              <a:t>[1] 0.0000000 0.6931472 1.0986123 </a:t>
             </a:r>
           </a:p>
           <a:p>
             <a:pPr marL="0" indent="0">
               <a:buNone/>
             </a:pPr>
-            <a:r>
-              <a:rPr lang="en-US" sz="2400" dirty="0">
+            <a:endParaRPr lang="es-ES" sz="2400" dirty="0">
+              <a:solidFill>
+                <a:srgbClr val="0000FF"/>
+              </a:solidFill>
+              <a:latin typeface="Courier New" panose="02070309020205020404" pitchFamily="49" charset="0"/>
+              <a:cs typeface="Courier New" panose="02070309020205020404" pitchFamily="49" charset="0"/>
+            </a:endParaRPr>
+          </a:p>
+          <a:p>
+            <a:pPr marL="0" indent="0">
+              <a:buNone/>
+            </a:pPr>
+            <a:r>
+              <a:rPr lang="es-ES" sz="2400" dirty="0">
                 <a:solidFill>
                   <a:srgbClr val="0000FF"/>
                 </a:solidFill>
                 <a:latin typeface="Courier New" panose="02070309020205020404" pitchFamily="49" charset="0"/>
                 <a:cs typeface="Courier New" panose="02070309020205020404" pitchFamily="49" charset="0"/>
               </a:rPr>
-              <a:t>&gt; mean(islands) </a:t>
+              <a:t>&gt; x+1 </a:t>
             </a:r>
           </a:p>
           <a:p>
@@ -19291,29 +19948,41 @@
               <a:buNone/>
             </a:pPr>
             <a:r>
-              <a:rPr lang="en-US" sz="2400" dirty="0">
+              <a:rPr lang="es-ES" sz="2400" dirty="0">
                 <a:solidFill>
                   <a:srgbClr val="000000"/>
                 </a:solidFill>
                 <a:latin typeface="Courier New" panose="02070309020205020404" pitchFamily="49" charset="0"/>
                 <a:cs typeface="Courier New" panose="02070309020205020404" pitchFamily="49" charset="0"/>
               </a:rPr>
-              <a:t>[1] 1252.729 </a:t>
+              <a:t>[1] 2 3 4 </a:t>
             </a:r>
           </a:p>
           <a:p>
             <a:pPr marL="0" indent="0">
               <a:buNone/>
             </a:pPr>
-            <a:r>
-              <a:rPr lang="en-US" sz="2400" dirty="0">
+            <a:endParaRPr lang="es-ES" sz="2400" dirty="0">
+              <a:solidFill>
+                <a:srgbClr val="0000FF"/>
+              </a:solidFill>
+              <a:latin typeface="Courier New" panose="02070309020205020404" pitchFamily="49" charset="0"/>
+              <a:cs typeface="Courier New" panose="02070309020205020404" pitchFamily="49" charset="0"/>
+            </a:endParaRPr>
+          </a:p>
+          <a:p>
+            <a:pPr marL="0" indent="0">
+              <a:buNone/>
+            </a:pPr>
+            <a:r>
+              <a:rPr lang="es-ES" sz="2400" dirty="0">
                 <a:solidFill>
                   <a:srgbClr val="0000FF"/>
                 </a:solidFill>
                 <a:latin typeface="Courier New" panose="02070309020205020404" pitchFamily="49" charset="0"/>
                 <a:cs typeface="Courier New" panose="02070309020205020404" pitchFamily="49" charset="0"/>
               </a:rPr>
-              <a:t>&gt; median(islands) </a:t>
+              <a:t>&gt; x*2 </a:t>
             </a:r>
           </a:p>
           <a:p>
@@ -19321,49 +19990,98 @@
               <a:buNone/>
             </a:pPr>
             <a:r>
-              <a:rPr lang="en-US" sz="2400" dirty="0">
+              <a:rPr lang="es-ES" sz="2400" dirty="0">
                 <a:solidFill>
                   <a:srgbClr val="000000"/>
                 </a:solidFill>
                 <a:latin typeface="Courier New" panose="02070309020205020404" pitchFamily="49" charset="0"/>
                 <a:cs typeface="Courier New" panose="02070309020205020404" pitchFamily="49" charset="0"/>
               </a:rPr>
-              <a:t>[1] 41 </a:t>
+              <a:t>[1] 2 4 6 </a:t>
             </a:r>
           </a:p>
           <a:p>
             <a:pPr marL="0" indent="0">
               <a:buNone/>
             </a:pPr>
-            <a:r>
-              <a:rPr lang="en-US" sz="2400" dirty="0">
+            <a:endParaRPr lang="es-ES" sz="2400" dirty="0">
+              <a:solidFill>
+                <a:srgbClr val="0000FF"/>
+              </a:solidFill>
+              <a:latin typeface="Courier New" panose="02070309020205020404" pitchFamily="49" charset="0"/>
+              <a:cs typeface="Courier New" panose="02070309020205020404" pitchFamily="49" charset="0"/>
+            </a:endParaRPr>
+          </a:p>
+          <a:p>
+            <a:pPr marL="0" indent="0">
+              <a:buNone/>
+            </a:pPr>
+            <a:r>
+              <a:rPr lang="es-ES" sz="2400" dirty="0">
                 <a:solidFill>
                   <a:srgbClr val="0000FF"/>
                 </a:solidFill>
                 <a:latin typeface="Courier New" panose="02070309020205020404" pitchFamily="49" charset="0"/>
                 <a:cs typeface="Courier New" panose="02070309020205020404" pitchFamily="49" charset="0"/>
               </a:rPr>
-              <a:t>&gt; </a:t>
-            </a:r>
-            <a:r>
-              <a:rPr lang="en-US" sz="2400" dirty="0" err="1">
+              <a:t>&gt; y &lt;- 4:6 </a:t>
+            </a:r>
+          </a:p>
+          <a:p>
+            <a:pPr marL="0" indent="0">
+              <a:buNone/>
+            </a:pPr>
+            <a:r>
+              <a:rPr lang="es-ES" sz="2400" dirty="0">
                 <a:solidFill>
                   <a:srgbClr val="0000FF"/>
                 </a:solidFill>
                 <a:latin typeface="Courier New" panose="02070309020205020404" pitchFamily="49" charset="0"/>
                 <a:cs typeface="Courier New" panose="02070309020205020404" pitchFamily="49" charset="0"/>
               </a:rPr>
-              <a:t>var</a:t>
-            </a:r>
-            <a:r>
-              <a:rPr lang="en-US" sz="2400" dirty="0">
+              <a:t>&gt; x + y </a:t>
+            </a:r>
+          </a:p>
+          <a:p>
+            <a:pPr marL="0" indent="0">
+              <a:buNone/>
+            </a:pPr>
+            <a:r>
+              <a:rPr lang="es-ES" sz="2400" dirty="0">
+                <a:solidFill>
+                  <a:srgbClr val="000000"/>
+                </a:solidFill>
+                <a:latin typeface="Courier New" panose="02070309020205020404" pitchFamily="49" charset="0"/>
+                <a:cs typeface="Courier New" panose="02070309020205020404" pitchFamily="49" charset="0"/>
+              </a:rPr>
+              <a:t>[1] 5 7 9 </a:t>
+            </a:r>
+          </a:p>
+          <a:p>
+            <a:pPr marL="0" indent="0">
+              <a:buNone/>
+            </a:pPr>
+            <a:endParaRPr lang="es-ES" sz="2400" dirty="0">
+              <a:solidFill>
+                <a:srgbClr val="0000FF"/>
+              </a:solidFill>
+              <a:latin typeface="Courier New" panose="02070309020205020404" pitchFamily="49" charset="0"/>
+              <a:cs typeface="Courier New" panose="02070309020205020404" pitchFamily="49" charset="0"/>
+            </a:endParaRPr>
+          </a:p>
+          <a:p>
+            <a:pPr marL="0" indent="0">
+              <a:buNone/>
+            </a:pPr>
+            <a:r>
+              <a:rPr lang="es-ES" sz="2400" dirty="0">
                 <a:solidFill>
                   <a:srgbClr val="0000FF"/>
                 </a:solidFill>
                 <a:latin typeface="Courier New" panose="02070309020205020404" pitchFamily="49" charset="0"/>
                 <a:cs typeface="Courier New" panose="02070309020205020404" pitchFamily="49" charset="0"/>
               </a:rPr>
-              <a:t>(islands) </a:t>
+              <a:t>&gt; y - x </a:t>
             </a:r>
           </a:p>
           <a:p>
@@ -19371,49 +20089,83 @@
               <a:buNone/>
             </a:pPr>
             <a:r>
-              <a:rPr lang="en-US" sz="2400" dirty="0">
+              <a:rPr lang="es-ES" sz="2400" dirty="0">
                 <a:solidFill>
                   <a:srgbClr val="000000"/>
                 </a:solidFill>
                 <a:latin typeface="Courier New" panose="02070309020205020404" pitchFamily="49" charset="0"/>
                 <a:cs typeface="Courier New" panose="02070309020205020404" pitchFamily="49" charset="0"/>
               </a:rPr>
-              <a:t>[1] 11364624 </a:t>
+              <a:t>[1] 3 3 3 </a:t>
             </a:r>
           </a:p>
           <a:p>
             <a:pPr marL="0" indent="0">
               <a:buNone/>
             </a:pPr>
-            <a:r>
-              <a:rPr lang="en-US" sz="2400" dirty="0">
+            <a:endParaRPr lang="es-ES" sz="2400" dirty="0">
+              <a:solidFill>
+                <a:srgbClr val="0000FF"/>
+              </a:solidFill>
+              <a:latin typeface="Courier New" panose="02070309020205020404" pitchFamily="49" charset="0"/>
+              <a:cs typeface="Courier New" panose="02070309020205020404" pitchFamily="49" charset="0"/>
+            </a:endParaRPr>
+          </a:p>
+          <a:p>
+            <a:pPr marL="0" indent="0">
+              <a:buNone/>
+            </a:pPr>
+            <a:r>
+              <a:rPr lang="es-ES" sz="2400" dirty="0">
                 <a:solidFill>
                   <a:srgbClr val="0000FF"/>
                 </a:solidFill>
                 <a:latin typeface="Courier New" panose="02070309020205020404" pitchFamily="49" charset="0"/>
                 <a:cs typeface="Courier New" panose="02070309020205020404" pitchFamily="49" charset="0"/>
               </a:rPr>
-              <a:t>&gt; </a:t>
-            </a:r>
-            <a:r>
-              <a:rPr lang="en-US" sz="2400" dirty="0" err="1">
+              <a:t>&gt; x / y </a:t>
+            </a:r>
+          </a:p>
+          <a:p>
+            <a:pPr marL="0" indent="0">
+              <a:buNone/>
+            </a:pPr>
+            <a:r>
+              <a:rPr lang="es-ES" sz="2400" dirty="0">
+                <a:solidFill>
+                  <a:srgbClr val="000000"/>
+                </a:solidFill>
+                <a:latin typeface="Courier New" panose="02070309020205020404" pitchFamily="49" charset="0"/>
+                <a:cs typeface="Courier New" panose="02070309020205020404" pitchFamily="49" charset="0"/>
+              </a:rPr>
+              <a:t>[1] 0.25 0.40 0.50 </a:t>
+            </a:r>
+          </a:p>
+          <a:p>
+            <a:pPr marL="0" indent="0">
+              <a:buNone/>
+            </a:pPr>
+            <a:endParaRPr lang="es-ES" sz="2400" dirty="0">
+              <a:solidFill>
+                <a:srgbClr val="0000FF"/>
+              </a:solidFill>
+              <a:latin typeface="Courier New" panose="02070309020205020404" pitchFamily="49" charset="0"/>
+              <a:cs typeface="Courier New" panose="02070309020205020404" pitchFamily="49" charset="0"/>
+            </a:endParaRPr>
+          </a:p>
+          <a:p>
+            <a:pPr marL="0" indent="0">
+              <a:buNone/>
+            </a:pPr>
+            <a:r>
+              <a:rPr lang="es-ES" sz="2400" dirty="0">
                 <a:solidFill>
                   <a:srgbClr val="0000FF"/>
                 </a:solidFill>
                 <a:latin typeface="Courier New" panose="02070309020205020404" pitchFamily="49" charset="0"/>
                 <a:cs typeface="Courier New" panose="02070309020205020404" pitchFamily="49" charset="0"/>
               </a:rPr>
-              <a:t>sd</a:t>
-            </a:r>
-            <a:r>
-              <a:rPr lang="en-US" sz="2400" dirty="0">
-                <a:solidFill>
-                  <a:srgbClr val="0000FF"/>
-                </a:solidFill>
-                <a:latin typeface="Courier New" panose="02070309020205020404" pitchFamily="49" charset="0"/>
-                <a:cs typeface="Courier New" panose="02070309020205020404" pitchFamily="49" charset="0"/>
-              </a:rPr>
-              <a:t>(islands) </a:t>
+              <a:t>&gt; x * y </a:t>
             </a:r>
           </a:p>
           <a:p>
@@ -19421,44 +20173,14 @@
               <a:buNone/>
             </a:pPr>
             <a:r>
-              <a:rPr lang="en-US" sz="2400" dirty="0">
+              <a:rPr lang="es-ES" sz="2400" dirty="0">
                 <a:solidFill>
                   <a:srgbClr val="000000"/>
                 </a:solidFill>
                 <a:latin typeface="Courier New" panose="02070309020205020404" pitchFamily="49" charset="0"/>
                 <a:cs typeface="Courier New" panose="02070309020205020404" pitchFamily="49" charset="0"/>
               </a:rPr>
-              <a:t>[1] 3371.146 </a:t>
-            </a:r>
-          </a:p>
-          <a:p>
-            <a:pPr marL="0" indent="0">
-              <a:buNone/>
-            </a:pPr>
-            <a:r>
-              <a:rPr lang="en-US" sz="2400" dirty="0">
-                <a:solidFill>
-                  <a:srgbClr val="0000FF"/>
-                </a:solidFill>
-                <a:latin typeface="Courier New" panose="02070309020205020404" pitchFamily="49" charset="0"/>
-                <a:cs typeface="Courier New" panose="02070309020205020404" pitchFamily="49" charset="0"/>
-              </a:rPr>
-              <a:t>&gt; range(islands) </a:t>
-            </a:r>
-          </a:p>
-          <a:p>
-            <a:pPr marL="0" indent="0">
-              <a:buNone/>
-            </a:pPr>
-            <a:r>
-              <a:rPr lang="en-US" sz="2400" dirty="0">
-                <a:solidFill>
-                  <a:srgbClr val="000000"/>
-                </a:solidFill>
-                <a:latin typeface="Courier New" panose="02070309020205020404" pitchFamily="49" charset="0"/>
-                <a:cs typeface="Courier New" panose="02070309020205020404" pitchFamily="49" charset="0"/>
-              </a:rPr>
-              <a:t>[1] 12 16988</a:t>
+              <a:t>[1] 4 10 18</a:t>
             </a:r>
             <a:endParaRPr lang="en-US" sz="2400" dirty="0">
               <a:latin typeface="Courier New" panose="02070309020205020404" pitchFamily="49" charset="0"/>
@@ -19467,245 +20189,10 @@
           </a:p>
         </p:txBody>
       </p:sp>
-      <p:sp>
-        <p:nvSpPr>
-          <p:cNvPr id="4" name="Content Placeholder 2"/>
-          <p:cNvSpPr txBox="1">
-            <a:spLocks/>
-          </p:cNvSpPr>
-          <p:nvPr/>
-        </p:nvSpPr>
-        <p:spPr>
-          <a:xfrm>
-            <a:off x="457200" y="4953000"/>
-            <a:ext cx="8229600" cy="1371600"/>
-          </a:xfrm>
-          <a:prstGeom prst="rect">
-            <a:avLst/>
-          </a:prstGeom>
-        </p:spPr>
-        <p:txBody>
-          <a:bodyPr vert="horz" lIns="91440" tIns="45720" rIns="91440" bIns="45720" numCol="1" rtlCol="0">
-            <a:normAutofit/>
-          </a:bodyPr>
-          <a:lstStyle>
-            <a:lvl1pPr marL="342900" indent="-342900" algn="l" defTabSz="914400" rtl="0" eaLnBrk="1" latinLnBrk="0" hangingPunct="1">
-              <a:spcBef>
-                <a:spcPct val="20000"/>
-              </a:spcBef>
-              <a:buFont typeface="Arial" panose="020B0604020202020204" pitchFamily="34" charset="0"/>
-              <a:buChar char="•"/>
-              <a:defRPr sz="2800" kern="1200">
-                <a:solidFill>
-                  <a:schemeClr val="tx1"/>
-                </a:solidFill>
-                <a:latin typeface="+mn-lt"/>
-                <a:ea typeface="+mn-ea"/>
-                <a:cs typeface="+mn-cs"/>
-              </a:defRPr>
-            </a:lvl1pPr>
-            <a:lvl2pPr marL="742950" indent="-285750" algn="l" defTabSz="914400" rtl="0" eaLnBrk="1" latinLnBrk="0" hangingPunct="1">
-              <a:spcBef>
-                <a:spcPct val="20000"/>
-              </a:spcBef>
-              <a:buFont typeface="Arial" panose="020B0604020202020204" pitchFamily="34" charset="0"/>
-              <a:buChar char="–"/>
-              <a:defRPr sz="2400" kern="1200">
-                <a:solidFill>
-                  <a:schemeClr val="tx1"/>
-                </a:solidFill>
-                <a:latin typeface="+mn-lt"/>
-                <a:ea typeface="+mn-ea"/>
-                <a:cs typeface="+mn-cs"/>
-              </a:defRPr>
-            </a:lvl2pPr>
-            <a:lvl3pPr marL="1143000" indent="-228600" algn="l" defTabSz="914400" rtl="0" eaLnBrk="1" latinLnBrk="0" hangingPunct="1">
-              <a:spcBef>
-                <a:spcPct val="20000"/>
-              </a:spcBef>
-              <a:buFont typeface="Arial" panose="020B0604020202020204" pitchFamily="34" charset="0"/>
-              <a:buChar char="•"/>
-              <a:defRPr sz="2000" kern="1200">
-                <a:solidFill>
-                  <a:schemeClr val="tx1"/>
-                </a:solidFill>
-                <a:latin typeface="+mn-lt"/>
-                <a:ea typeface="+mn-ea"/>
-                <a:cs typeface="+mn-cs"/>
-              </a:defRPr>
-            </a:lvl3pPr>
-            <a:lvl4pPr marL="1600200" indent="-228600" algn="l" defTabSz="914400" rtl="0" eaLnBrk="1" latinLnBrk="0" hangingPunct="1">
-              <a:spcBef>
-                <a:spcPct val="20000"/>
-              </a:spcBef>
-              <a:buFont typeface="Arial" panose="020B0604020202020204" pitchFamily="34" charset="0"/>
-              <a:buChar char="–"/>
-              <a:defRPr sz="1800" kern="1200">
-                <a:solidFill>
-                  <a:schemeClr val="tx1"/>
-                </a:solidFill>
-                <a:latin typeface="+mn-lt"/>
-                <a:ea typeface="+mn-ea"/>
-                <a:cs typeface="+mn-cs"/>
-              </a:defRPr>
-            </a:lvl4pPr>
-            <a:lvl5pPr marL="2057400" indent="-228600" algn="l" defTabSz="914400" rtl="0" eaLnBrk="1" latinLnBrk="0" hangingPunct="1">
-              <a:spcBef>
-                <a:spcPct val="20000"/>
-              </a:spcBef>
-              <a:buFont typeface="Arial" panose="020B0604020202020204" pitchFamily="34" charset="0"/>
-              <a:buChar char="»"/>
-              <a:defRPr sz="1800" kern="1200">
-                <a:solidFill>
-                  <a:schemeClr val="tx1"/>
-                </a:solidFill>
-                <a:latin typeface="+mn-lt"/>
-                <a:ea typeface="+mn-ea"/>
-                <a:cs typeface="+mn-cs"/>
-              </a:defRPr>
-            </a:lvl5pPr>
-            <a:lvl6pPr marL="2514600" indent="-228600" algn="l" defTabSz="914400" rtl="0" eaLnBrk="1" latinLnBrk="0" hangingPunct="1">
-              <a:spcBef>
-                <a:spcPct val="20000"/>
-              </a:spcBef>
-              <a:buFont typeface="Arial" panose="020B0604020202020204" pitchFamily="34" charset="0"/>
-              <a:buChar char="•"/>
-              <a:defRPr sz="2000" kern="1200">
-                <a:solidFill>
-                  <a:schemeClr val="tx1"/>
-                </a:solidFill>
-                <a:latin typeface="+mn-lt"/>
-                <a:ea typeface="+mn-ea"/>
-                <a:cs typeface="+mn-cs"/>
-              </a:defRPr>
-            </a:lvl6pPr>
-            <a:lvl7pPr marL="2971800" indent="-228600" algn="l" defTabSz="914400" rtl="0" eaLnBrk="1" latinLnBrk="0" hangingPunct="1">
-              <a:spcBef>
-                <a:spcPct val="20000"/>
-              </a:spcBef>
-              <a:buFont typeface="Arial" panose="020B0604020202020204" pitchFamily="34" charset="0"/>
-              <a:buChar char="•"/>
-              <a:defRPr sz="2000" kern="1200">
-                <a:solidFill>
-                  <a:schemeClr val="tx1"/>
-                </a:solidFill>
-                <a:latin typeface="+mn-lt"/>
-                <a:ea typeface="+mn-ea"/>
-                <a:cs typeface="+mn-cs"/>
-              </a:defRPr>
-            </a:lvl7pPr>
-            <a:lvl8pPr marL="3429000" indent="-228600" algn="l" defTabSz="914400" rtl="0" eaLnBrk="1" latinLnBrk="0" hangingPunct="1">
-              <a:spcBef>
-                <a:spcPct val="20000"/>
-              </a:spcBef>
-              <a:buFont typeface="Arial" panose="020B0604020202020204" pitchFamily="34" charset="0"/>
-              <a:buChar char="•"/>
-              <a:defRPr sz="2000" kern="1200">
-                <a:solidFill>
-                  <a:schemeClr val="tx1"/>
-                </a:solidFill>
-                <a:latin typeface="+mn-lt"/>
-                <a:ea typeface="+mn-ea"/>
-                <a:cs typeface="+mn-cs"/>
-              </a:defRPr>
-            </a:lvl8pPr>
-            <a:lvl9pPr marL="3886200" indent="-228600" algn="l" defTabSz="914400" rtl="0" eaLnBrk="1" latinLnBrk="0" hangingPunct="1">
-              <a:spcBef>
-                <a:spcPct val="20000"/>
-              </a:spcBef>
-              <a:buFont typeface="Arial" panose="020B0604020202020204" pitchFamily="34" charset="0"/>
-              <a:buChar char="•"/>
-              <a:defRPr sz="2000" kern="1200">
-                <a:solidFill>
-                  <a:schemeClr val="tx1"/>
-                </a:solidFill>
-                <a:latin typeface="+mn-lt"/>
-                <a:ea typeface="+mn-ea"/>
-                <a:cs typeface="+mn-cs"/>
-              </a:defRPr>
-            </a:lvl9pPr>
-          </a:lstStyle>
-          <a:p>
-            <a:pPr marL="0" indent="0">
-              <a:buNone/>
-            </a:pPr>
-            <a:r>
-              <a:rPr lang="en-US" sz="2400" dirty="0">
-                <a:solidFill>
-                  <a:srgbClr val="0000FF"/>
-                </a:solidFill>
-                <a:latin typeface="Courier New" panose="02070309020205020404" pitchFamily="49" charset="0"/>
-                <a:cs typeface="Courier New" panose="02070309020205020404" pitchFamily="49" charset="0"/>
-              </a:rPr>
-              <a:t>&gt; </a:t>
-            </a:r>
-            <a:r>
-              <a:rPr lang="en-US" sz="2400" dirty="0" err="1">
-                <a:solidFill>
-                  <a:srgbClr val="0000FF"/>
-                </a:solidFill>
-                <a:latin typeface="Courier New" panose="02070309020205020404" pitchFamily="49" charset="0"/>
-                <a:cs typeface="Courier New" panose="02070309020205020404" pitchFamily="49" charset="0"/>
-              </a:rPr>
-              <a:t>quantile</a:t>
-            </a:r>
-            <a:r>
-              <a:rPr lang="en-US" sz="2400" dirty="0">
-                <a:solidFill>
-                  <a:srgbClr val="0000FF"/>
-                </a:solidFill>
-                <a:latin typeface="Courier New" panose="02070309020205020404" pitchFamily="49" charset="0"/>
-                <a:cs typeface="Courier New" panose="02070309020205020404" pitchFamily="49" charset="0"/>
-              </a:rPr>
-              <a:t>(islands) </a:t>
-            </a:r>
-          </a:p>
-          <a:p>
-            <a:pPr marL="0" indent="0">
-              <a:buNone/>
-            </a:pPr>
-            <a:r>
-              <a:rPr lang="en-US" sz="2400" dirty="0">
-                <a:solidFill>
-                  <a:srgbClr val="000000"/>
-                </a:solidFill>
-                <a:latin typeface="Courier New" panose="02070309020205020404" pitchFamily="49" charset="0"/>
-                <a:cs typeface="Courier New" panose="02070309020205020404" pitchFamily="49" charset="0"/>
-              </a:rPr>
-              <a:t>0%      25%   50%    75%     100% </a:t>
-            </a:r>
-          </a:p>
-          <a:p>
-            <a:pPr marL="0" indent="0">
-              <a:buNone/>
-            </a:pPr>
-            <a:r>
-              <a:rPr lang="en-US" sz="2400" dirty="0">
-                <a:solidFill>
-                  <a:srgbClr val="000000"/>
-                </a:solidFill>
-                <a:latin typeface="Courier New" panose="02070309020205020404" pitchFamily="49" charset="0"/>
-                <a:cs typeface="Courier New" panose="02070309020205020404" pitchFamily="49" charset="0"/>
-              </a:rPr>
-              <a:t>12.00 20.50 41.00 183.25 16988.00 </a:t>
-            </a:r>
-          </a:p>
-          <a:p>
-            <a:pPr marL="0" indent="0">
-              <a:buFont typeface="Arial" panose="020B0604020202020204" pitchFamily="34" charset="0"/>
-              <a:buNone/>
-            </a:pPr>
-            <a:endParaRPr lang="en-US" sz="2400" dirty="0">
-              <a:latin typeface="Courier New" panose="02070309020205020404" pitchFamily="49" charset="0"/>
-              <a:cs typeface="Courier New" panose="02070309020205020404" pitchFamily="49" charset="0"/>
-            </a:endParaRPr>
-          </a:p>
-        </p:txBody>
-      </p:sp>
     </p:spTree>
     <p:extLst>
       <p:ext uri="{BB962C8B-B14F-4D97-AF65-F5344CB8AC3E}">
-        <p14:creationId xmlns:p14="http://schemas.microsoft.com/office/powerpoint/2010/main" val="1086405412"/>
+        <p14:creationId xmlns:p14="http://schemas.microsoft.com/office/powerpoint/2010/main" val="2529525538"/>
       </p:ext>
     </p:extLst>
   </p:cSld>
@@ -19749,18 +20236,7 @@
           <a:p>
             <a:r>
               <a:rPr lang="en-US" dirty="0"/>
-              <a:t>The </a:t>
-            </a:r>
-            <a:r>
-              <a:rPr lang="en-US" sz="3600" dirty="0">
-                <a:latin typeface="Courier New" panose="02070309020205020404" pitchFamily="49" charset="0"/>
-                <a:cs typeface="Courier New" panose="02070309020205020404" pitchFamily="49" charset="0"/>
-              </a:rPr>
-              <a:t>length</a:t>
-            </a:r>
-            <a:r>
-              <a:rPr lang="en-US" dirty="0"/>
-              <a:t> function</a:t>
+              <a:t>In-class exercise 2</a:t>
             </a:r>
           </a:p>
         </p:txBody>
@@ -19775,236 +20251,104 @@
             <p:ph idx="1"/>
           </p:nvPr>
         </p:nvSpPr>
-        <p:spPr>
-          <a:xfrm>
-            <a:off x="457200" y="1143000"/>
-            <a:ext cx="8229600" cy="5410200"/>
-          </a:xfrm>
-        </p:spPr>
-        <p:txBody>
-          <a:bodyPr>
-            <a:normAutofit fontScale="77500" lnSpcReduction="20000"/>
-          </a:bodyPr>
-          <a:lstStyle/>
-          <a:p>
-            <a:pPr marL="0" indent="0">
-              <a:buNone/>
-            </a:pPr>
-            <a:r>
-              <a:rPr lang="en-US" sz="3600" dirty="0"/>
-              <a:t>This function returns the number of elements in a vector and is very useful for generalizing code</a:t>
-            </a:r>
-          </a:p>
-          <a:p>
-            <a:pPr marL="0" indent="0">
-              <a:buNone/>
-            </a:pPr>
-            <a:r>
-              <a:rPr lang="en-US" dirty="0">
-                <a:solidFill>
-                  <a:srgbClr val="0000FF"/>
-                </a:solidFill>
-                <a:latin typeface="Courier New" panose="02070309020205020404" pitchFamily="49" charset="0"/>
-                <a:cs typeface="Courier New" panose="02070309020205020404" pitchFamily="49" charset="0"/>
-              </a:rPr>
-              <a:t>&gt; length(islands) </a:t>
-            </a:r>
-          </a:p>
-          <a:p>
-            <a:pPr marL="0" indent="0">
-              <a:buNone/>
-            </a:pPr>
-            <a:r>
-              <a:rPr lang="en-US" dirty="0">
-                <a:solidFill>
-                  <a:srgbClr val="000000"/>
-                </a:solidFill>
-                <a:latin typeface="Courier New" panose="02070309020205020404" pitchFamily="49" charset="0"/>
-                <a:cs typeface="Courier New" panose="02070309020205020404" pitchFamily="49" charset="0"/>
-              </a:rPr>
-              <a:t>[1] 48 </a:t>
-            </a:r>
-          </a:p>
-          <a:p>
-            <a:pPr marL="0" indent="0">
-              <a:buNone/>
-            </a:pPr>
-            <a:r>
-              <a:rPr lang="en-US" dirty="0">
-                <a:solidFill>
-                  <a:srgbClr val="0000FF"/>
-                </a:solidFill>
-                <a:latin typeface="Courier New" panose="02070309020205020404" pitchFamily="49" charset="0"/>
-                <a:cs typeface="Courier New" panose="02070309020205020404" pitchFamily="49" charset="0"/>
-              </a:rPr>
-              <a:t>&gt; </a:t>
-            </a:r>
-            <a:r>
-              <a:rPr lang="en-US" dirty="0" err="1">
-                <a:solidFill>
-                  <a:srgbClr val="0000FF"/>
-                </a:solidFill>
-                <a:latin typeface="Courier New" panose="02070309020205020404" pitchFamily="49" charset="0"/>
-                <a:cs typeface="Courier New" panose="02070309020205020404" pitchFamily="49" charset="0"/>
-              </a:rPr>
-              <a:t>nislands</a:t>
-            </a:r>
-            <a:r>
-              <a:rPr lang="en-US" dirty="0">
-                <a:solidFill>
-                  <a:srgbClr val="0000FF"/>
-                </a:solidFill>
-                <a:latin typeface="Courier New" panose="02070309020205020404" pitchFamily="49" charset="0"/>
-                <a:cs typeface="Courier New" panose="02070309020205020404" pitchFamily="49" charset="0"/>
-              </a:rPr>
-              <a:t> &lt;- length(islands) </a:t>
-            </a:r>
-          </a:p>
-          <a:p>
-            <a:pPr marL="0" indent="0">
-              <a:buNone/>
-            </a:pPr>
-            <a:r>
-              <a:rPr lang="en-US" dirty="0">
-                <a:solidFill>
-                  <a:srgbClr val="0000FF"/>
-                </a:solidFill>
-                <a:latin typeface="Courier New" panose="02070309020205020404" pitchFamily="49" charset="0"/>
-                <a:cs typeface="Courier New" panose="02070309020205020404" pitchFamily="49" charset="0"/>
-              </a:rPr>
-              <a:t>&gt; 1:nislands </a:t>
-            </a:r>
-          </a:p>
-          <a:p>
-            <a:pPr marL="0" indent="0">
-              <a:buNone/>
-            </a:pPr>
-            <a:r>
-              <a:rPr lang="en-US" dirty="0">
-                <a:solidFill>
-                  <a:srgbClr val="000000"/>
-                </a:solidFill>
-                <a:latin typeface="Courier New" panose="02070309020205020404" pitchFamily="49" charset="0"/>
-                <a:cs typeface="Courier New" panose="02070309020205020404" pitchFamily="49" charset="0"/>
-              </a:rPr>
-              <a:t>[1] 1 2 3 4 5 6 7 8 9 10 11 12 13 14 15 16 17 18 19 20 21 22 23 24 </a:t>
-            </a:r>
-            <a:r>
-              <a:rPr lang="en-US">
-                <a:solidFill>
-                  <a:srgbClr val="000000"/>
-                </a:solidFill>
-                <a:latin typeface="Courier New" panose="02070309020205020404" pitchFamily="49" charset="0"/>
-                <a:cs typeface="Courier New" panose="02070309020205020404" pitchFamily="49" charset="0"/>
-              </a:rPr>
-              <a:t>25 26 </a:t>
-            </a:r>
-            <a:r>
-              <a:rPr lang="en-US" dirty="0">
-                <a:solidFill>
-                  <a:srgbClr val="000000"/>
-                </a:solidFill>
-                <a:latin typeface="Courier New" panose="02070309020205020404" pitchFamily="49" charset="0"/>
-                <a:cs typeface="Courier New" panose="02070309020205020404" pitchFamily="49" charset="0"/>
-              </a:rPr>
-              <a:t>27 28 29 30 31 32 33 34 35 36 37 38 39 40 41 42 43 44 45 46 47 48 </a:t>
-            </a:r>
-          </a:p>
-          <a:p>
-            <a:pPr marL="0" indent="0">
-              <a:buNone/>
-            </a:pPr>
-            <a:r>
-              <a:rPr lang="en-US" dirty="0">
-                <a:solidFill>
-                  <a:srgbClr val="0000FF"/>
-                </a:solidFill>
-                <a:latin typeface="Courier New" panose="02070309020205020404" pitchFamily="49" charset="0"/>
-                <a:cs typeface="Courier New" panose="02070309020205020404" pitchFamily="49" charset="0"/>
-              </a:rPr>
-              <a:t>&gt; years &lt;- </a:t>
-            </a:r>
-            <a:r>
-              <a:rPr lang="en-US" dirty="0" err="1">
-                <a:solidFill>
-                  <a:srgbClr val="0000FF"/>
-                </a:solidFill>
+        <p:spPr/>
+        <p:txBody>
+          <a:bodyPr/>
+          <a:lstStyle/>
+          <a:p>
+            <a:r>
+              <a:rPr lang="en-US" dirty="0"/>
+              <a:t>Create vectors using </a:t>
+            </a:r>
+            <a:r>
+              <a:rPr lang="en-US" sz="2400" dirty="0" err="1">
                 <a:latin typeface="Courier New" panose="02070309020205020404" pitchFamily="49" charset="0"/>
                 <a:cs typeface="Courier New" panose="02070309020205020404" pitchFamily="49" charset="0"/>
               </a:rPr>
               <a:t>seq</a:t>
             </a:r>
             <a:r>
-              <a:rPr lang="en-US" dirty="0">
-                <a:solidFill>
-                  <a:srgbClr val="0000FF"/>
-                </a:solidFill>
-                <a:latin typeface="Courier New" panose="02070309020205020404" pitchFamily="49" charset="0"/>
-                <a:cs typeface="Courier New" panose="02070309020205020404" pitchFamily="49" charset="0"/>
-              </a:rPr>
-              <a:t>(from=2013, length=</a:t>
-            </a:r>
-            <a:r>
-              <a:rPr lang="en-US" dirty="0" err="1">
-                <a:solidFill>
-                  <a:srgbClr val="0000FF"/>
-                </a:solidFill>
-                <a:latin typeface="Courier New" panose="02070309020205020404" pitchFamily="49" charset="0"/>
-                <a:cs typeface="Courier New" panose="02070309020205020404" pitchFamily="49" charset="0"/>
-              </a:rPr>
-              <a:t>nislands</a:t>
-            </a:r>
-            <a:r>
-              <a:rPr lang="en-US" dirty="0">
-                <a:solidFill>
-                  <a:srgbClr val="0000FF"/>
-                </a:solidFill>
-                <a:latin typeface="Courier New" panose="02070309020205020404" pitchFamily="49" charset="0"/>
-                <a:cs typeface="Courier New" panose="02070309020205020404" pitchFamily="49" charset="0"/>
-              </a:rPr>
-              <a:t>) </a:t>
-            </a:r>
-          </a:p>
-          <a:p>
-            <a:pPr marL="0" indent="0">
-              <a:buNone/>
-            </a:pPr>
-            <a:r>
-              <a:rPr lang="en-US" dirty="0">
-                <a:solidFill>
-                  <a:srgbClr val="0000FF"/>
-                </a:solidFill>
-                <a:latin typeface="Courier New" panose="02070309020205020404" pitchFamily="49" charset="0"/>
-                <a:cs typeface="Courier New" panose="02070309020205020404" pitchFamily="49" charset="0"/>
-              </a:rPr>
-              <a:t>&gt; years </a:t>
-            </a:r>
-          </a:p>
-          <a:p>
-            <a:pPr marL="0" indent="0">
-              <a:buNone/>
-            </a:pPr>
-            <a:r>
-              <a:rPr lang="en-US" sz="2300" dirty="0">
-                <a:solidFill>
-                  <a:srgbClr val="000000"/>
-                </a:solidFill>
-                <a:latin typeface="Courier New" panose="02070309020205020404" pitchFamily="49" charset="0"/>
-                <a:cs typeface="Courier New" panose="02070309020205020404" pitchFamily="49" charset="0"/>
-              </a:rPr>
-              <a:t>[1] 2013 2014 2015 2016 2017 2018 2019 2020 2021 2022 2023 2024 2025 2026 2027 2028 2029 2030 2031 2032 2033 2034 2035 2036 2037 2038 2039 2040 2041 2042 2043 2044 2045 2046 2047 2048 2049 2050 2051 2052 2053 2054 2055 2056 2057 2058 2059 2060</a:t>
-            </a:r>
-            <a:endParaRPr lang="en-US" sz="2300" dirty="0">
-              <a:latin typeface="Courier New" panose="02070309020205020404" pitchFamily="49" charset="0"/>
-              <a:cs typeface="Courier New" panose="02070309020205020404" pitchFamily="49" charset="0"/>
-            </a:endParaRPr>
+              <a:rPr lang="en-US" sz="2400" dirty="0">
+                <a:latin typeface="Courier New" panose="02070309020205020404" pitchFamily="49" charset="0"/>
+                <a:cs typeface="Courier New" panose="02070309020205020404" pitchFamily="49" charset="0"/>
+              </a:rPr>
+              <a:t>()</a:t>
+            </a:r>
+            <a:r>
+              <a:rPr lang="en-US" dirty="0"/>
+              <a:t> and </a:t>
+            </a:r>
+            <a:r>
+              <a:rPr lang="en-US" sz="2400" dirty="0">
+                <a:latin typeface="Courier New" panose="02070309020205020404" pitchFamily="49" charset="0"/>
+                <a:cs typeface="Courier New" panose="02070309020205020404" pitchFamily="49" charset="0"/>
+              </a:rPr>
+              <a:t>rep()</a:t>
+            </a:r>
+            <a:r>
+              <a:rPr lang="en-US" dirty="0"/>
+              <a:t>. Only use </a:t>
+            </a:r>
+            <a:r>
+              <a:rPr lang="en-US" sz="2400" dirty="0">
+                <a:latin typeface="Courier New" panose="02070309020205020404" pitchFamily="49" charset="0"/>
+                <a:cs typeface="Courier New" panose="02070309020205020404" pitchFamily="49" charset="0"/>
+              </a:rPr>
+              <a:t>c()</a:t>
+            </a:r>
+            <a:r>
+              <a:rPr lang="en-US" dirty="0"/>
+              <a:t> if absolutely necessary</a:t>
+            </a:r>
+          </a:p>
+          <a:p>
+            <a:pPr lvl="1"/>
+            <a:r>
+              <a:rPr lang="en-US" dirty="0"/>
+              <a:t>Positive integers from 1 to 99</a:t>
+            </a:r>
+          </a:p>
+          <a:p>
+            <a:pPr lvl="1"/>
+            <a:r>
+              <a:rPr lang="en-US" dirty="0"/>
+              <a:t>Odd integers between 1 and 99</a:t>
+            </a:r>
+          </a:p>
+          <a:p>
+            <a:pPr lvl="1"/>
+            <a:r>
+              <a:rPr lang="en-US" dirty="0"/>
+              <a:t>The numbers 1,1,1, 2,2,2, 3,3,3</a:t>
+            </a:r>
+          </a:p>
+          <a:p>
+            <a:pPr lvl="1"/>
+            <a:r>
+              <a:rPr lang="en-US" dirty="0"/>
+              <a:t>The numbers 1,2,3,4,5,4,3,2,1,0</a:t>
+            </a:r>
+          </a:p>
+          <a:p>
+            <a:pPr lvl="1"/>
+            <a:r>
+              <a:rPr lang="en-US" dirty="0"/>
+              <a:t>The fractions 1, 1/2, 1/3, 1/4, …, 1/10</a:t>
+            </a:r>
+          </a:p>
+          <a:p>
+            <a:pPr lvl="1"/>
+            <a:r>
+              <a:rPr lang="en-US" dirty="0"/>
+              <a:t>The cubes 1, 8, 27, 64, 125, 216</a:t>
+            </a:r>
           </a:p>
         </p:txBody>
       </p:sp>
     </p:spTree>
     <p:extLst>
       <p:ext uri="{BB962C8B-B14F-4D97-AF65-F5344CB8AC3E}">
-        <p14:creationId xmlns:p14="http://schemas.microsoft.com/office/powerpoint/2010/main" val="3806253542"/>
+        <p14:creationId xmlns:p14="http://schemas.microsoft.com/office/powerpoint/2010/main" val="3363490876"/>
       </p:ext>
     </p:extLst>
   </p:cSld>
@@ -20048,6 +20392,1017 @@
           <a:p>
             <a:r>
               <a:rPr lang="en-US" dirty="0"/>
+              <a:t>Using functions on vectors</a:t>
+            </a:r>
+          </a:p>
+        </p:txBody>
+      </p:sp>
+      <p:sp>
+        <p:nvSpPr>
+          <p:cNvPr id="3" name="Content Placeholder 2"/>
+          <p:cNvSpPr>
+            <a:spLocks noGrp="1"/>
+          </p:cNvSpPr>
+          <p:nvPr>
+            <p:ph idx="1"/>
+          </p:nvPr>
+        </p:nvSpPr>
+        <p:spPr/>
+        <p:txBody>
+          <a:bodyPr/>
+          <a:lstStyle/>
+          <a:p>
+            <a:r>
+              <a:rPr lang="en-US" dirty="0"/>
+              <a:t>Many datasets are built into R for testing purposes, for a full list: </a:t>
+            </a:r>
+          </a:p>
+          <a:p>
+            <a:pPr marL="0" indent="0">
+              <a:buNone/>
+            </a:pPr>
+            <a:r>
+              <a:rPr lang="en-US" sz="2400" dirty="0">
+                <a:solidFill>
+                  <a:srgbClr val="0000FF"/>
+                </a:solidFill>
+                <a:latin typeface="Courier New" panose="02070309020205020404" pitchFamily="49" charset="0"/>
+                <a:cs typeface="Courier New" panose="02070309020205020404" pitchFamily="49" charset="0"/>
+              </a:rPr>
+              <a:t>&gt; library(help="datasets")</a:t>
+            </a:r>
+            <a:endParaRPr lang="en-US" dirty="0">
+              <a:latin typeface="Courier New" panose="02070309020205020404" pitchFamily="49" charset="0"/>
+              <a:cs typeface="Courier New" panose="02070309020205020404" pitchFamily="49" charset="0"/>
+            </a:endParaRPr>
+          </a:p>
+          <a:p>
+            <a:r>
+              <a:rPr lang="en-US" dirty="0"/>
+              <a:t>For example, the “islands” dataset</a:t>
+            </a:r>
+          </a:p>
+          <a:p>
+            <a:pPr marL="0" indent="0">
+              <a:buNone/>
+            </a:pPr>
+            <a:r>
+              <a:rPr lang="en-US" sz="2400" dirty="0">
+                <a:solidFill>
+                  <a:srgbClr val="0000FF"/>
+                </a:solidFill>
+                <a:latin typeface="Courier New" panose="02070309020205020404" pitchFamily="49" charset="0"/>
+                <a:cs typeface="Courier New" panose="02070309020205020404" pitchFamily="49" charset="0"/>
+              </a:rPr>
+              <a:t>&gt; islands</a:t>
+            </a:r>
+          </a:p>
+          <a:p>
+            <a:pPr marL="0" indent="0">
+              <a:buNone/>
+            </a:pPr>
+            <a:r>
+              <a:rPr lang="en-US" sz="2400" dirty="0">
+                <a:solidFill>
+                  <a:srgbClr val="000000"/>
+                </a:solidFill>
+                <a:latin typeface="Courier New" panose="02070309020205020404" pitchFamily="49" charset="0"/>
+                <a:cs typeface="Courier New" panose="02070309020205020404" pitchFamily="49" charset="0"/>
+              </a:rPr>
+              <a:t>Africa Antarctica   Asia Australia …</a:t>
+            </a:r>
+          </a:p>
+          <a:p>
+            <a:pPr marL="0" indent="0">
+              <a:buNone/>
+            </a:pPr>
+            <a:r>
+              <a:rPr lang="en-US" sz="2400" dirty="0">
+                <a:solidFill>
+                  <a:srgbClr val="000000"/>
+                </a:solidFill>
+                <a:latin typeface="Courier New" panose="02070309020205020404" pitchFamily="49" charset="0"/>
+                <a:cs typeface="Courier New" panose="02070309020205020404" pitchFamily="49" charset="0"/>
+              </a:rPr>
+              <a:t> 11506       5500  16988      2968 …</a:t>
+            </a:r>
+            <a:endParaRPr lang="en-US" sz="2400" dirty="0">
+              <a:latin typeface="Courier New" panose="02070309020205020404" pitchFamily="49" charset="0"/>
+              <a:cs typeface="Courier New" panose="02070309020205020404" pitchFamily="49" charset="0"/>
+            </a:endParaRPr>
+          </a:p>
+        </p:txBody>
+      </p:sp>
+    </p:spTree>
+    <p:extLst>
+      <p:ext uri="{BB962C8B-B14F-4D97-AF65-F5344CB8AC3E}">
+        <p14:creationId xmlns:p14="http://schemas.microsoft.com/office/powerpoint/2010/main" val="3931906149"/>
+      </p:ext>
+    </p:extLst>
+  </p:cSld>
+  <p:clrMapOvr>
+    <a:masterClrMapping/>
+  </p:clrMapOvr>
+</p:sld>
+</file>
+
+<file path=ppt/slides/slide46.xml><?xml version="1.0" encoding="utf-8"?>
+<p:sld xmlns:a="http://schemas.openxmlformats.org/drawingml/2006/main" xmlns:r="http://schemas.openxmlformats.org/officeDocument/2006/relationships" xmlns:p="http://schemas.openxmlformats.org/presentationml/2006/main">
+  <p:cSld>
+    <p:spTree>
+      <p:nvGrpSpPr>
+        <p:cNvPr id="1" name=""/>
+        <p:cNvGrpSpPr/>
+        <p:nvPr/>
+      </p:nvGrpSpPr>
+      <p:grpSpPr>
+        <a:xfrm>
+          <a:off x="0" y="0"/>
+          <a:ext cx="0" cy="0"/>
+          <a:chOff x="0" y="0"/>
+          <a:chExt cx="0" cy="0"/>
+        </a:xfrm>
+      </p:grpSpPr>
+      <p:sp>
+        <p:nvSpPr>
+          <p:cNvPr id="2" name="Title 1"/>
+          <p:cNvSpPr>
+            <a:spLocks noGrp="1"/>
+          </p:cNvSpPr>
+          <p:nvPr>
+            <p:ph type="title"/>
+          </p:nvPr>
+        </p:nvSpPr>
+        <p:spPr/>
+        <p:txBody>
+          <a:bodyPr/>
+          <a:lstStyle/>
+          <a:p>
+            <a:r>
+              <a:rPr lang="en-US" dirty="0"/>
+              <a:t>Useful arithmetic functions</a:t>
+            </a:r>
+          </a:p>
+        </p:txBody>
+      </p:sp>
+      <p:sp>
+        <p:nvSpPr>
+          <p:cNvPr id="3" name="Content Placeholder 2"/>
+          <p:cNvSpPr>
+            <a:spLocks noGrp="1"/>
+          </p:cNvSpPr>
+          <p:nvPr>
+            <p:ph idx="1"/>
+          </p:nvPr>
+        </p:nvSpPr>
+        <p:spPr>
+          <a:xfrm>
+            <a:off x="457200" y="1447800"/>
+            <a:ext cx="8229600" cy="3733800"/>
+          </a:xfrm>
+        </p:spPr>
+        <p:txBody>
+          <a:bodyPr numCol="2">
+            <a:normAutofit/>
+          </a:bodyPr>
+          <a:lstStyle/>
+          <a:p>
+            <a:pPr marL="0" indent="0">
+              <a:buNone/>
+            </a:pPr>
+            <a:r>
+              <a:rPr lang="en-US" sz="2400" dirty="0">
+                <a:solidFill>
+                  <a:srgbClr val="0000FF"/>
+                </a:solidFill>
+                <a:latin typeface="Courier New" panose="02070309020205020404" pitchFamily="49" charset="0"/>
+                <a:cs typeface="Courier New" panose="02070309020205020404" pitchFamily="49" charset="0"/>
+              </a:rPr>
+              <a:t>&gt; min(islands) </a:t>
+            </a:r>
+          </a:p>
+          <a:p>
+            <a:pPr marL="0" indent="0">
+              <a:buNone/>
+            </a:pPr>
+            <a:r>
+              <a:rPr lang="en-US" sz="2400" dirty="0">
+                <a:solidFill>
+                  <a:srgbClr val="000000"/>
+                </a:solidFill>
+                <a:latin typeface="Courier New" panose="02070309020205020404" pitchFamily="49" charset="0"/>
+                <a:cs typeface="Courier New" panose="02070309020205020404" pitchFamily="49" charset="0"/>
+              </a:rPr>
+              <a:t>[1] 12 </a:t>
+            </a:r>
+          </a:p>
+          <a:p>
+            <a:pPr marL="0" indent="0">
+              <a:buNone/>
+            </a:pPr>
+            <a:r>
+              <a:rPr lang="en-US" sz="2400" dirty="0">
+                <a:solidFill>
+                  <a:srgbClr val="0000FF"/>
+                </a:solidFill>
+                <a:latin typeface="Courier New" panose="02070309020205020404" pitchFamily="49" charset="0"/>
+                <a:cs typeface="Courier New" panose="02070309020205020404" pitchFamily="49" charset="0"/>
+              </a:rPr>
+              <a:t>&gt; max(islands) </a:t>
+            </a:r>
+          </a:p>
+          <a:p>
+            <a:pPr marL="0" indent="0">
+              <a:buNone/>
+            </a:pPr>
+            <a:r>
+              <a:rPr lang="en-US" sz="2400" dirty="0">
+                <a:solidFill>
+                  <a:srgbClr val="000000"/>
+                </a:solidFill>
+                <a:latin typeface="Courier New" panose="02070309020205020404" pitchFamily="49" charset="0"/>
+                <a:cs typeface="Courier New" panose="02070309020205020404" pitchFamily="49" charset="0"/>
+              </a:rPr>
+              <a:t>[1] 16988 </a:t>
+            </a:r>
+          </a:p>
+          <a:p>
+            <a:pPr marL="0" indent="0">
+              <a:buNone/>
+            </a:pPr>
+            <a:r>
+              <a:rPr lang="en-US" sz="2400" dirty="0">
+                <a:solidFill>
+                  <a:srgbClr val="0000FF"/>
+                </a:solidFill>
+                <a:latin typeface="Courier New" panose="02070309020205020404" pitchFamily="49" charset="0"/>
+                <a:cs typeface="Courier New" panose="02070309020205020404" pitchFamily="49" charset="0"/>
+              </a:rPr>
+              <a:t>&gt; mean(islands) </a:t>
+            </a:r>
+          </a:p>
+          <a:p>
+            <a:pPr marL="0" indent="0">
+              <a:buNone/>
+            </a:pPr>
+            <a:r>
+              <a:rPr lang="en-US" sz="2400" dirty="0">
+                <a:solidFill>
+                  <a:srgbClr val="000000"/>
+                </a:solidFill>
+                <a:latin typeface="Courier New" panose="02070309020205020404" pitchFamily="49" charset="0"/>
+                <a:cs typeface="Courier New" panose="02070309020205020404" pitchFamily="49" charset="0"/>
+              </a:rPr>
+              <a:t>[1] 1252.729 </a:t>
+            </a:r>
+          </a:p>
+          <a:p>
+            <a:pPr marL="0" indent="0">
+              <a:buNone/>
+            </a:pPr>
+            <a:r>
+              <a:rPr lang="en-US" sz="2400" dirty="0">
+                <a:solidFill>
+                  <a:srgbClr val="0000FF"/>
+                </a:solidFill>
+                <a:latin typeface="Courier New" panose="02070309020205020404" pitchFamily="49" charset="0"/>
+                <a:cs typeface="Courier New" panose="02070309020205020404" pitchFamily="49" charset="0"/>
+              </a:rPr>
+              <a:t>&gt; median(islands) </a:t>
+            </a:r>
+          </a:p>
+          <a:p>
+            <a:pPr marL="0" indent="0">
+              <a:buNone/>
+            </a:pPr>
+            <a:r>
+              <a:rPr lang="en-US" sz="2400" dirty="0">
+                <a:solidFill>
+                  <a:srgbClr val="000000"/>
+                </a:solidFill>
+                <a:latin typeface="Courier New" panose="02070309020205020404" pitchFamily="49" charset="0"/>
+                <a:cs typeface="Courier New" panose="02070309020205020404" pitchFamily="49" charset="0"/>
+              </a:rPr>
+              <a:t>[1] 41 </a:t>
+            </a:r>
+          </a:p>
+          <a:p>
+            <a:pPr marL="0" indent="0">
+              <a:buNone/>
+            </a:pPr>
+            <a:r>
+              <a:rPr lang="en-US" sz="2400" dirty="0">
+                <a:solidFill>
+                  <a:srgbClr val="0000FF"/>
+                </a:solidFill>
+                <a:latin typeface="Courier New" panose="02070309020205020404" pitchFamily="49" charset="0"/>
+                <a:cs typeface="Courier New" panose="02070309020205020404" pitchFamily="49" charset="0"/>
+              </a:rPr>
+              <a:t>&gt; </a:t>
+            </a:r>
+            <a:r>
+              <a:rPr lang="en-US" sz="2400" dirty="0" err="1">
+                <a:solidFill>
+                  <a:srgbClr val="0000FF"/>
+                </a:solidFill>
+                <a:latin typeface="Courier New" panose="02070309020205020404" pitchFamily="49" charset="0"/>
+                <a:cs typeface="Courier New" panose="02070309020205020404" pitchFamily="49" charset="0"/>
+              </a:rPr>
+              <a:t>var</a:t>
+            </a:r>
+            <a:r>
+              <a:rPr lang="en-US" sz="2400" dirty="0">
+                <a:solidFill>
+                  <a:srgbClr val="0000FF"/>
+                </a:solidFill>
+                <a:latin typeface="Courier New" panose="02070309020205020404" pitchFamily="49" charset="0"/>
+                <a:cs typeface="Courier New" panose="02070309020205020404" pitchFamily="49" charset="0"/>
+              </a:rPr>
+              <a:t>(islands) </a:t>
+            </a:r>
+          </a:p>
+          <a:p>
+            <a:pPr marL="0" indent="0">
+              <a:buNone/>
+            </a:pPr>
+            <a:r>
+              <a:rPr lang="en-US" sz="2400" dirty="0">
+                <a:solidFill>
+                  <a:srgbClr val="000000"/>
+                </a:solidFill>
+                <a:latin typeface="Courier New" panose="02070309020205020404" pitchFamily="49" charset="0"/>
+                <a:cs typeface="Courier New" panose="02070309020205020404" pitchFamily="49" charset="0"/>
+              </a:rPr>
+              <a:t>[1] 11364624 </a:t>
+            </a:r>
+          </a:p>
+          <a:p>
+            <a:pPr marL="0" indent="0">
+              <a:buNone/>
+            </a:pPr>
+            <a:r>
+              <a:rPr lang="en-US" sz="2400" dirty="0">
+                <a:solidFill>
+                  <a:srgbClr val="0000FF"/>
+                </a:solidFill>
+                <a:latin typeface="Courier New" panose="02070309020205020404" pitchFamily="49" charset="0"/>
+                <a:cs typeface="Courier New" panose="02070309020205020404" pitchFamily="49" charset="0"/>
+              </a:rPr>
+              <a:t>&gt; </a:t>
+            </a:r>
+            <a:r>
+              <a:rPr lang="en-US" sz="2400" dirty="0" err="1">
+                <a:solidFill>
+                  <a:srgbClr val="0000FF"/>
+                </a:solidFill>
+                <a:latin typeface="Courier New" panose="02070309020205020404" pitchFamily="49" charset="0"/>
+                <a:cs typeface="Courier New" panose="02070309020205020404" pitchFamily="49" charset="0"/>
+              </a:rPr>
+              <a:t>sd</a:t>
+            </a:r>
+            <a:r>
+              <a:rPr lang="en-US" sz="2400" dirty="0">
+                <a:solidFill>
+                  <a:srgbClr val="0000FF"/>
+                </a:solidFill>
+                <a:latin typeface="Courier New" panose="02070309020205020404" pitchFamily="49" charset="0"/>
+                <a:cs typeface="Courier New" panose="02070309020205020404" pitchFamily="49" charset="0"/>
+              </a:rPr>
+              <a:t>(islands) </a:t>
+            </a:r>
+          </a:p>
+          <a:p>
+            <a:pPr marL="0" indent="0">
+              <a:buNone/>
+            </a:pPr>
+            <a:r>
+              <a:rPr lang="en-US" sz="2400" dirty="0">
+                <a:solidFill>
+                  <a:srgbClr val="000000"/>
+                </a:solidFill>
+                <a:latin typeface="Courier New" panose="02070309020205020404" pitchFamily="49" charset="0"/>
+                <a:cs typeface="Courier New" panose="02070309020205020404" pitchFamily="49" charset="0"/>
+              </a:rPr>
+              <a:t>[1] 3371.146 </a:t>
+            </a:r>
+          </a:p>
+          <a:p>
+            <a:pPr marL="0" indent="0">
+              <a:buNone/>
+            </a:pPr>
+            <a:r>
+              <a:rPr lang="en-US" sz="2400" dirty="0">
+                <a:solidFill>
+                  <a:srgbClr val="0000FF"/>
+                </a:solidFill>
+                <a:latin typeface="Courier New" panose="02070309020205020404" pitchFamily="49" charset="0"/>
+                <a:cs typeface="Courier New" panose="02070309020205020404" pitchFamily="49" charset="0"/>
+              </a:rPr>
+              <a:t>&gt; range(islands) </a:t>
+            </a:r>
+          </a:p>
+          <a:p>
+            <a:pPr marL="0" indent="0">
+              <a:buNone/>
+            </a:pPr>
+            <a:r>
+              <a:rPr lang="en-US" sz="2400" dirty="0">
+                <a:solidFill>
+                  <a:srgbClr val="000000"/>
+                </a:solidFill>
+                <a:latin typeface="Courier New" panose="02070309020205020404" pitchFamily="49" charset="0"/>
+                <a:cs typeface="Courier New" panose="02070309020205020404" pitchFamily="49" charset="0"/>
+              </a:rPr>
+              <a:t>[1] 12 16988</a:t>
+            </a:r>
+            <a:endParaRPr lang="en-US" sz="2400" dirty="0">
+              <a:latin typeface="Courier New" panose="02070309020205020404" pitchFamily="49" charset="0"/>
+              <a:cs typeface="Courier New" panose="02070309020205020404" pitchFamily="49" charset="0"/>
+            </a:endParaRPr>
+          </a:p>
+        </p:txBody>
+      </p:sp>
+      <p:sp>
+        <p:nvSpPr>
+          <p:cNvPr id="4" name="Content Placeholder 2"/>
+          <p:cNvSpPr txBox="1">
+            <a:spLocks/>
+          </p:cNvSpPr>
+          <p:nvPr/>
+        </p:nvSpPr>
+        <p:spPr>
+          <a:xfrm>
+            <a:off x="457200" y="4953000"/>
+            <a:ext cx="8229600" cy="1371600"/>
+          </a:xfrm>
+          <a:prstGeom prst="rect">
+            <a:avLst/>
+          </a:prstGeom>
+        </p:spPr>
+        <p:txBody>
+          <a:bodyPr vert="horz" lIns="91440" tIns="45720" rIns="91440" bIns="45720" numCol="1" rtlCol="0">
+            <a:normAutofit/>
+          </a:bodyPr>
+          <a:lstStyle>
+            <a:lvl1pPr marL="342900" indent="-342900" algn="l" defTabSz="914400" rtl="0" eaLnBrk="1" latinLnBrk="0" hangingPunct="1">
+              <a:spcBef>
+                <a:spcPct val="20000"/>
+              </a:spcBef>
+              <a:buFont typeface="Arial" panose="020B0604020202020204" pitchFamily="34" charset="0"/>
+              <a:buChar char="•"/>
+              <a:defRPr sz="2800" kern="1200">
+                <a:solidFill>
+                  <a:schemeClr val="tx1"/>
+                </a:solidFill>
+                <a:latin typeface="+mn-lt"/>
+                <a:ea typeface="+mn-ea"/>
+                <a:cs typeface="+mn-cs"/>
+              </a:defRPr>
+            </a:lvl1pPr>
+            <a:lvl2pPr marL="742950" indent="-285750" algn="l" defTabSz="914400" rtl="0" eaLnBrk="1" latinLnBrk="0" hangingPunct="1">
+              <a:spcBef>
+                <a:spcPct val="20000"/>
+              </a:spcBef>
+              <a:buFont typeface="Arial" panose="020B0604020202020204" pitchFamily="34" charset="0"/>
+              <a:buChar char="–"/>
+              <a:defRPr sz="2400" kern="1200">
+                <a:solidFill>
+                  <a:schemeClr val="tx1"/>
+                </a:solidFill>
+                <a:latin typeface="+mn-lt"/>
+                <a:ea typeface="+mn-ea"/>
+                <a:cs typeface="+mn-cs"/>
+              </a:defRPr>
+            </a:lvl2pPr>
+            <a:lvl3pPr marL="1143000" indent="-228600" algn="l" defTabSz="914400" rtl="0" eaLnBrk="1" latinLnBrk="0" hangingPunct="1">
+              <a:spcBef>
+                <a:spcPct val="20000"/>
+              </a:spcBef>
+              <a:buFont typeface="Arial" panose="020B0604020202020204" pitchFamily="34" charset="0"/>
+              <a:buChar char="•"/>
+              <a:defRPr sz="2000" kern="1200">
+                <a:solidFill>
+                  <a:schemeClr val="tx1"/>
+                </a:solidFill>
+                <a:latin typeface="+mn-lt"/>
+                <a:ea typeface="+mn-ea"/>
+                <a:cs typeface="+mn-cs"/>
+              </a:defRPr>
+            </a:lvl3pPr>
+            <a:lvl4pPr marL="1600200" indent="-228600" algn="l" defTabSz="914400" rtl="0" eaLnBrk="1" latinLnBrk="0" hangingPunct="1">
+              <a:spcBef>
+                <a:spcPct val="20000"/>
+              </a:spcBef>
+              <a:buFont typeface="Arial" panose="020B0604020202020204" pitchFamily="34" charset="0"/>
+              <a:buChar char="–"/>
+              <a:defRPr sz="1800" kern="1200">
+                <a:solidFill>
+                  <a:schemeClr val="tx1"/>
+                </a:solidFill>
+                <a:latin typeface="+mn-lt"/>
+                <a:ea typeface="+mn-ea"/>
+                <a:cs typeface="+mn-cs"/>
+              </a:defRPr>
+            </a:lvl4pPr>
+            <a:lvl5pPr marL="2057400" indent="-228600" algn="l" defTabSz="914400" rtl="0" eaLnBrk="1" latinLnBrk="0" hangingPunct="1">
+              <a:spcBef>
+                <a:spcPct val="20000"/>
+              </a:spcBef>
+              <a:buFont typeface="Arial" panose="020B0604020202020204" pitchFamily="34" charset="0"/>
+              <a:buChar char="»"/>
+              <a:defRPr sz="1800" kern="1200">
+                <a:solidFill>
+                  <a:schemeClr val="tx1"/>
+                </a:solidFill>
+                <a:latin typeface="+mn-lt"/>
+                <a:ea typeface="+mn-ea"/>
+                <a:cs typeface="+mn-cs"/>
+              </a:defRPr>
+            </a:lvl5pPr>
+            <a:lvl6pPr marL="2514600" indent="-228600" algn="l" defTabSz="914400" rtl="0" eaLnBrk="1" latinLnBrk="0" hangingPunct="1">
+              <a:spcBef>
+                <a:spcPct val="20000"/>
+              </a:spcBef>
+              <a:buFont typeface="Arial" panose="020B0604020202020204" pitchFamily="34" charset="0"/>
+              <a:buChar char="•"/>
+              <a:defRPr sz="2000" kern="1200">
+                <a:solidFill>
+                  <a:schemeClr val="tx1"/>
+                </a:solidFill>
+                <a:latin typeface="+mn-lt"/>
+                <a:ea typeface="+mn-ea"/>
+                <a:cs typeface="+mn-cs"/>
+              </a:defRPr>
+            </a:lvl6pPr>
+            <a:lvl7pPr marL="2971800" indent="-228600" algn="l" defTabSz="914400" rtl="0" eaLnBrk="1" latinLnBrk="0" hangingPunct="1">
+              <a:spcBef>
+                <a:spcPct val="20000"/>
+              </a:spcBef>
+              <a:buFont typeface="Arial" panose="020B0604020202020204" pitchFamily="34" charset="0"/>
+              <a:buChar char="•"/>
+              <a:defRPr sz="2000" kern="1200">
+                <a:solidFill>
+                  <a:schemeClr val="tx1"/>
+                </a:solidFill>
+                <a:latin typeface="+mn-lt"/>
+                <a:ea typeface="+mn-ea"/>
+                <a:cs typeface="+mn-cs"/>
+              </a:defRPr>
+            </a:lvl7pPr>
+            <a:lvl8pPr marL="3429000" indent="-228600" algn="l" defTabSz="914400" rtl="0" eaLnBrk="1" latinLnBrk="0" hangingPunct="1">
+              <a:spcBef>
+                <a:spcPct val="20000"/>
+              </a:spcBef>
+              <a:buFont typeface="Arial" panose="020B0604020202020204" pitchFamily="34" charset="0"/>
+              <a:buChar char="•"/>
+              <a:defRPr sz="2000" kern="1200">
+                <a:solidFill>
+                  <a:schemeClr val="tx1"/>
+                </a:solidFill>
+                <a:latin typeface="+mn-lt"/>
+                <a:ea typeface="+mn-ea"/>
+                <a:cs typeface="+mn-cs"/>
+              </a:defRPr>
+            </a:lvl8pPr>
+            <a:lvl9pPr marL="3886200" indent="-228600" algn="l" defTabSz="914400" rtl="0" eaLnBrk="1" latinLnBrk="0" hangingPunct="1">
+              <a:spcBef>
+                <a:spcPct val="20000"/>
+              </a:spcBef>
+              <a:buFont typeface="Arial" panose="020B0604020202020204" pitchFamily="34" charset="0"/>
+              <a:buChar char="•"/>
+              <a:defRPr sz="2000" kern="1200">
+                <a:solidFill>
+                  <a:schemeClr val="tx1"/>
+                </a:solidFill>
+                <a:latin typeface="+mn-lt"/>
+                <a:ea typeface="+mn-ea"/>
+                <a:cs typeface="+mn-cs"/>
+              </a:defRPr>
+            </a:lvl9pPr>
+          </a:lstStyle>
+          <a:p>
+            <a:pPr marL="0" indent="0">
+              <a:buNone/>
+            </a:pPr>
+            <a:r>
+              <a:rPr lang="en-US" sz="2400" dirty="0">
+                <a:solidFill>
+                  <a:srgbClr val="0000FF"/>
+                </a:solidFill>
+                <a:latin typeface="Courier New" panose="02070309020205020404" pitchFamily="49" charset="0"/>
+                <a:cs typeface="Courier New" panose="02070309020205020404" pitchFamily="49" charset="0"/>
+              </a:rPr>
+              <a:t>&gt; </a:t>
+            </a:r>
+            <a:r>
+              <a:rPr lang="en-US" sz="2400" dirty="0" err="1">
+                <a:solidFill>
+                  <a:srgbClr val="0000FF"/>
+                </a:solidFill>
+                <a:latin typeface="Courier New" panose="02070309020205020404" pitchFamily="49" charset="0"/>
+                <a:cs typeface="Courier New" panose="02070309020205020404" pitchFamily="49" charset="0"/>
+              </a:rPr>
+              <a:t>quantile</a:t>
+            </a:r>
+            <a:r>
+              <a:rPr lang="en-US" sz="2400" dirty="0">
+                <a:solidFill>
+                  <a:srgbClr val="0000FF"/>
+                </a:solidFill>
+                <a:latin typeface="Courier New" panose="02070309020205020404" pitchFamily="49" charset="0"/>
+                <a:cs typeface="Courier New" panose="02070309020205020404" pitchFamily="49" charset="0"/>
+              </a:rPr>
+              <a:t>(islands) </a:t>
+            </a:r>
+          </a:p>
+          <a:p>
+            <a:pPr marL="0" indent="0">
+              <a:buNone/>
+            </a:pPr>
+            <a:r>
+              <a:rPr lang="en-US" sz="2400" dirty="0">
+                <a:solidFill>
+                  <a:srgbClr val="000000"/>
+                </a:solidFill>
+                <a:latin typeface="Courier New" panose="02070309020205020404" pitchFamily="49" charset="0"/>
+                <a:cs typeface="Courier New" panose="02070309020205020404" pitchFamily="49" charset="0"/>
+              </a:rPr>
+              <a:t>0%      25%   50%    75%     100% </a:t>
+            </a:r>
+          </a:p>
+          <a:p>
+            <a:pPr marL="0" indent="0">
+              <a:buNone/>
+            </a:pPr>
+            <a:r>
+              <a:rPr lang="en-US" sz="2400" dirty="0">
+                <a:solidFill>
+                  <a:srgbClr val="000000"/>
+                </a:solidFill>
+                <a:latin typeface="Courier New" panose="02070309020205020404" pitchFamily="49" charset="0"/>
+                <a:cs typeface="Courier New" panose="02070309020205020404" pitchFamily="49" charset="0"/>
+              </a:rPr>
+              <a:t>12.00 20.50 41.00 183.25 16988.00 </a:t>
+            </a:r>
+          </a:p>
+          <a:p>
+            <a:pPr marL="0" indent="0">
+              <a:buFont typeface="Arial" panose="020B0604020202020204" pitchFamily="34" charset="0"/>
+              <a:buNone/>
+            </a:pPr>
+            <a:endParaRPr lang="en-US" sz="2400" dirty="0">
+              <a:latin typeface="Courier New" panose="02070309020205020404" pitchFamily="49" charset="0"/>
+              <a:cs typeface="Courier New" panose="02070309020205020404" pitchFamily="49" charset="0"/>
+            </a:endParaRPr>
+          </a:p>
+        </p:txBody>
+      </p:sp>
+    </p:spTree>
+    <p:extLst>
+      <p:ext uri="{BB962C8B-B14F-4D97-AF65-F5344CB8AC3E}">
+        <p14:creationId xmlns:p14="http://schemas.microsoft.com/office/powerpoint/2010/main" val="1086405412"/>
+      </p:ext>
+    </p:extLst>
+  </p:cSld>
+  <p:clrMapOvr>
+    <a:masterClrMapping/>
+  </p:clrMapOvr>
+</p:sld>
+</file>
+
+<file path=ppt/slides/slide47.xml><?xml version="1.0" encoding="utf-8"?>
+<p:sld xmlns:a="http://schemas.openxmlformats.org/drawingml/2006/main" xmlns:r="http://schemas.openxmlformats.org/officeDocument/2006/relationships" xmlns:p="http://schemas.openxmlformats.org/presentationml/2006/main">
+  <p:cSld>
+    <p:spTree>
+      <p:nvGrpSpPr>
+        <p:cNvPr id="1" name=""/>
+        <p:cNvGrpSpPr/>
+        <p:nvPr/>
+      </p:nvGrpSpPr>
+      <p:grpSpPr>
+        <a:xfrm>
+          <a:off x="0" y="0"/>
+          <a:ext cx="0" cy="0"/>
+          <a:chOff x="0" y="0"/>
+          <a:chExt cx="0" cy="0"/>
+        </a:xfrm>
+      </p:grpSpPr>
+      <p:sp>
+        <p:nvSpPr>
+          <p:cNvPr id="2" name="Title 1"/>
+          <p:cNvSpPr>
+            <a:spLocks noGrp="1"/>
+          </p:cNvSpPr>
+          <p:nvPr>
+            <p:ph type="title"/>
+          </p:nvPr>
+        </p:nvSpPr>
+        <p:spPr/>
+        <p:txBody>
+          <a:bodyPr/>
+          <a:lstStyle/>
+          <a:p>
+            <a:r>
+              <a:rPr lang="en-US" dirty="0"/>
+              <a:t>The </a:t>
+            </a:r>
+            <a:r>
+              <a:rPr lang="en-US" sz="3600" dirty="0">
+                <a:latin typeface="Courier New" panose="02070309020205020404" pitchFamily="49" charset="0"/>
+                <a:cs typeface="Courier New" panose="02070309020205020404" pitchFamily="49" charset="0"/>
+              </a:rPr>
+              <a:t>length</a:t>
+            </a:r>
+            <a:r>
+              <a:rPr lang="en-US" dirty="0"/>
+              <a:t> function</a:t>
+            </a:r>
+          </a:p>
+        </p:txBody>
+      </p:sp>
+      <p:sp>
+        <p:nvSpPr>
+          <p:cNvPr id="3" name="Content Placeholder 2"/>
+          <p:cNvSpPr>
+            <a:spLocks noGrp="1"/>
+          </p:cNvSpPr>
+          <p:nvPr>
+            <p:ph idx="1"/>
+          </p:nvPr>
+        </p:nvSpPr>
+        <p:spPr>
+          <a:xfrm>
+            <a:off x="457200" y="1143000"/>
+            <a:ext cx="8229600" cy="5410200"/>
+          </a:xfrm>
+        </p:spPr>
+        <p:txBody>
+          <a:bodyPr>
+            <a:normAutofit fontScale="77500" lnSpcReduction="20000"/>
+          </a:bodyPr>
+          <a:lstStyle/>
+          <a:p>
+            <a:pPr marL="0" indent="0">
+              <a:buNone/>
+            </a:pPr>
+            <a:r>
+              <a:rPr lang="en-US" sz="3600" dirty="0"/>
+              <a:t>This function returns the number of elements in a vector and is very useful for generalizing code</a:t>
+            </a:r>
+          </a:p>
+          <a:p>
+            <a:pPr marL="0" indent="0">
+              <a:buNone/>
+            </a:pPr>
+            <a:r>
+              <a:rPr lang="en-US" dirty="0">
+                <a:solidFill>
+                  <a:srgbClr val="0000FF"/>
+                </a:solidFill>
+                <a:latin typeface="Courier New" panose="02070309020205020404" pitchFamily="49" charset="0"/>
+                <a:cs typeface="Courier New" panose="02070309020205020404" pitchFamily="49" charset="0"/>
+              </a:rPr>
+              <a:t>&gt; length(islands) </a:t>
+            </a:r>
+          </a:p>
+          <a:p>
+            <a:pPr marL="0" indent="0">
+              <a:buNone/>
+            </a:pPr>
+            <a:r>
+              <a:rPr lang="en-US" dirty="0">
+                <a:solidFill>
+                  <a:srgbClr val="000000"/>
+                </a:solidFill>
+                <a:latin typeface="Courier New" panose="02070309020205020404" pitchFamily="49" charset="0"/>
+                <a:cs typeface="Courier New" panose="02070309020205020404" pitchFamily="49" charset="0"/>
+              </a:rPr>
+              <a:t>[1] 48 </a:t>
+            </a:r>
+          </a:p>
+          <a:p>
+            <a:pPr marL="0" indent="0">
+              <a:buNone/>
+            </a:pPr>
+            <a:r>
+              <a:rPr lang="en-US" dirty="0">
+                <a:solidFill>
+                  <a:srgbClr val="0000FF"/>
+                </a:solidFill>
+                <a:latin typeface="Courier New" panose="02070309020205020404" pitchFamily="49" charset="0"/>
+                <a:cs typeface="Courier New" panose="02070309020205020404" pitchFamily="49" charset="0"/>
+              </a:rPr>
+              <a:t>&gt; </a:t>
+            </a:r>
+            <a:r>
+              <a:rPr lang="en-US" dirty="0" err="1">
+                <a:solidFill>
+                  <a:srgbClr val="0000FF"/>
+                </a:solidFill>
+                <a:latin typeface="Courier New" panose="02070309020205020404" pitchFamily="49" charset="0"/>
+                <a:cs typeface="Courier New" panose="02070309020205020404" pitchFamily="49" charset="0"/>
+              </a:rPr>
+              <a:t>nislands</a:t>
+            </a:r>
+            <a:r>
+              <a:rPr lang="en-US" dirty="0">
+                <a:solidFill>
+                  <a:srgbClr val="0000FF"/>
+                </a:solidFill>
+                <a:latin typeface="Courier New" panose="02070309020205020404" pitchFamily="49" charset="0"/>
+                <a:cs typeface="Courier New" panose="02070309020205020404" pitchFamily="49" charset="0"/>
+              </a:rPr>
+              <a:t> &lt;- length(islands) </a:t>
+            </a:r>
+          </a:p>
+          <a:p>
+            <a:pPr marL="0" indent="0">
+              <a:buNone/>
+            </a:pPr>
+            <a:r>
+              <a:rPr lang="en-US" dirty="0">
+                <a:solidFill>
+                  <a:srgbClr val="0000FF"/>
+                </a:solidFill>
+                <a:latin typeface="Courier New" panose="02070309020205020404" pitchFamily="49" charset="0"/>
+                <a:cs typeface="Courier New" panose="02070309020205020404" pitchFamily="49" charset="0"/>
+              </a:rPr>
+              <a:t>&gt; 1:nislands </a:t>
+            </a:r>
+          </a:p>
+          <a:p>
+            <a:pPr marL="0" indent="0">
+              <a:buNone/>
+            </a:pPr>
+            <a:r>
+              <a:rPr lang="en-US" dirty="0">
+                <a:solidFill>
+                  <a:srgbClr val="000000"/>
+                </a:solidFill>
+                <a:latin typeface="Courier New" panose="02070309020205020404" pitchFamily="49" charset="0"/>
+                <a:cs typeface="Courier New" panose="02070309020205020404" pitchFamily="49" charset="0"/>
+              </a:rPr>
+              <a:t>[1] 1 2 3 4 5 6 7 8 9 10 11 12 13 14 15 16 17 18 19 20 21 22 23 24 </a:t>
+            </a:r>
+            <a:r>
+              <a:rPr lang="en-US">
+                <a:solidFill>
+                  <a:srgbClr val="000000"/>
+                </a:solidFill>
+                <a:latin typeface="Courier New" panose="02070309020205020404" pitchFamily="49" charset="0"/>
+                <a:cs typeface="Courier New" panose="02070309020205020404" pitchFamily="49" charset="0"/>
+              </a:rPr>
+              <a:t>25 26 </a:t>
+            </a:r>
+            <a:r>
+              <a:rPr lang="en-US" dirty="0">
+                <a:solidFill>
+                  <a:srgbClr val="000000"/>
+                </a:solidFill>
+                <a:latin typeface="Courier New" panose="02070309020205020404" pitchFamily="49" charset="0"/>
+                <a:cs typeface="Courier New" panose="02070309020205020404" pitchFamily="49" charset="0"/>
+              </a:rPr>
+              <a:t>27 28 29 30 31 32 33 34 35 36 37 38 39 40 41 42 43 44 45 46 47 48 </a:t>
+            </a:r>
+          </a:p>
+          <a:p>
+            <a:pPr marL="0" indent="0">
+              <a:buNone/>
+            </a:pPr>
+            <a:r>
+              <a:rPr lang="en-US" dirty="0">
+                <a:solidFill>
+                  <a:srgbClr val="0000FF"/>
+                </a:solidFill>
+                <a:latin typeface="Courier New" panose="02070309020205020404" pitchFamily="49" charset="0"/>
+                <a:cs typeface="Courier New" panose="02070309020205020404" pitchFamily="49" charset="0"/>
+              </a:rPr>
+              <a:t>&gt; years &lt;- </a:t>
+            </a:r>
+            <a:r>
+              <a:rPr lang="en-US" dirty="0" err="1">
+                <a:solidFill>
+                  <a:srgbClr val="0000FF"/>
+                </a:solidFill>
+                <a:latin typeface="Courier New" panose="02070309020205020404" pitchFamily="49" charset="0"/>
+                <a:cs typeface="Courier New" panose="02070309020205020404" pitchFamily="49" charset="0"/>
+              </a:rPr>
+              <a:t>seq</a:t>
+            </a:r>
+            <a:r>
+              <a:rPr lang="en-US" dirty="0">
+                <a:solidFill>
+                  <a:srgbClr val="0000FF"/>
+                </a:solidFill>
+                <a:latin typeface="Courier New" panose="02070309020205020404" pitchFamily="49" charset="0"/>
+                <a:cs typeface="Courier New" panose="02070309020205020404" pitchFamily="49" charset="0"/>
+              </a:rPr>
+              <a:t>(from=2013, length=</a:t>
+            </a:r>
+            <a:r>
+              <a:rPr lang="en-US" dirty="0" err="1">
+                <a:solidFill>
+                  <a:srgbClr val="0000FF"/>
+                </a:solidFill>
+                <a:latin typeface="Courier New" panose="02070309020205020404" pitchFamily="49" charset="0"/>
+                <a:cs typeface="Courier New" panose="02070309020205020404" pitchFamily="49" charset="0"/>
+              </a:rPr>
+              <a:t>nislands</a:t>
+            </a:r>
+            <a:r>
+              <a:rPr lang="en-US" dirty="0">
+                <a:solidFill>
+                  <a:srgbClr val="0000FF"/>
+                </a:solidFill>
+                <a:latin typeface="Courier New" panose="02070309020205020404" pitchFamily="49" charset="0"/>
+                <a:cs typeface="Courier New" panose="02070309020205020404" pitchFamily="49" charset="0"/>
+              </a:rPr>
+              <a:t>) </a:t>
+            </a:r>
+          </a:p>
+          <a:p>
+            <a:pPr marL="0" indent="0">
+              <a:buNone/>
+            </a:pPr>
+            <a:r>
+              <a:rPr lang="en-US" dirty="0">
+                <a:solidFill>
+                  <a:srgbClr val="0000FF"/>
+                </a:solidFill>
+                <a:latin typeface="Courier New" panose="02070309020205020404" pitchFamily="49" charset="0"/>
+                <a:cs typeface="Courier New" panose="02070309020205020404" pitchFamily="49" charset="0"/>
+              </a:rPr>
+              <a:t>&gt; years </a:t>
+            </a:r>
+          </a:p>
+          <a:p>
+            <a:pPr marL="0" indent="0">
+              <a:buNone/>
+            </a:pPr>
+            <a:r>
+              <a:rPr lang="en-US" sz="2300" dirty="0">
+                <a:solidFill>
+                  <a:srgbClr val="000000"/>
+                </a:solidFill>
+                <a:latin typeface="Courier New" panose="02070309020205020404" pitchFamily="49" charset="0"/>
+                <a:cs typeface="Courier New" panose="02070309020205020404" pitchFamily="49" charset="0"/>
+              </a:rPr>
+              <a:t>[1] 2013 2014 2015 2016 2017 2018 2019 2020 2021 2022 2023 2024 2025 2026 2027 2028 2029 2030 2031 2032 2033 2034 2035 2036 2037 2038 2039 2040 2041 2042 2043 2044 2045 2046 2047 2048 2049 2050 2051 2052 2053 2054 2055 2056 2057 2058 2059 2060</a:t>
+            </a:r>
+            <a:endParaRPr lang="en-US" sz="2300" dirty="0">
+              <a:latin typeface="Courier New" panose="02070309020205020404" pitchFamily="49" charset="0"/>
+              <a:cs typeface="Courier New" panose="02070309020205020404" pitchFamily="49" charset="0"/>
+            </a:endParaRPr>
+          </a:p>
+        </p:txBody>
+      </p:sp>
+    </p:spTree>
+    <p:extLst>
+      <p:ext uri="{BB962C8B-B14F-4D97-AF65-F5344CB8AC3E}">
+        <p14:creationId xmlns:p14="http://schemas.microsoft.com/office/powerpoint/2010/main" val="3806253542"/>
+      </p:ext>
+    </p:extLst>
+  </p:cSld>
+  <p:clrMapOvr>
+    <a:masterClrMapping/>
+  </p:clrMapOvr>
+</p:sld>
+</file>
+
+<file path=ppt/slides/slide48.xml><?xml version="1.0" encoding="utf-8"?>
+<p:sld xmlns:a="http://schemas.openxmlformats.org/drawingml/2006/main" xmlns:r="http://schemas.openxmlformats.org/officeDocument/2006/relationships" xmlns:p="http://schemas.openxmlformats.org/presentationml/2006/main">
+  <p:cSld>
+    <p:spTree>
+      <p:nvGrpSpPr>
+        <p:cNvPr id="1" name=""/>
+        <p:cNvGrpSpPr/>
+        <p:nvPr/>
+      </p:nvGrpSpPr>
+      <p:grpSpPr>
+        <a:xfrm>
+          <a:off x="0" y="0"/>
+          <a:ext cx="0" cy="0"/>
+          <a:chOff x="0" y="0"/>
+          <a:chExt cx="0" cy="0"/>
+        </a:xfrm>
+      </p:grpSpPr>
+      <p:sp>
+        <p:nvSpPr>
+          <p:cNvPr id="2" name="Title 1"/>
+          <p:cNvSpPr>
+            <a:spLocks noGrp="1"/>
+          </p:cNvSpPr>
+          <p:nvPr>
+            <p:ph type="title"/>
+          </p:nvPr>
+        </p:nvSpPr>
+        <p:spPr/>
+        <p:txBody>
+          <a:bodyPr/>
+          <a:lstStyle/>
+          <a:p>
+            <a:r>
+              <a:rPr lang="en-US" dirty="0"/>
               <a:t>Recommended reading</a:t>
             </a:r>
           </a:p>
@@ -20193,7 +21548,7 @@
 </p:sld>
 </file>
 
-<file path=ppt/slides/slide46.xml><?xml version="1.0" encoding="utf-8"?>
+<file path=ppt/slides/slide49.xml><?xml version="1.0" encoding="utf-8"?>
 <p:sld xmlns:a="http://schemas.openxmlformats.org/drawingml/2006/main" xmlns:r="http://schemas.openxmlformats.org/officeDocument/2006/relationships" xmlns:p="http://schemas.openxmlformats.org/presentationml/2006/main">
   <p:cSld>
     <p:bg>
@@ -20281,7 +21636,215 @@
 </p:sld>
 </file>
 
-<file path=ppt/slides/slide47.xml><?xml version="1.0" encoding="utf-8"?>
+<file path=ppt/slides/slide5.xml><?xml version="1.0" encoding="utf-8"?>
+<p:sld xmlns:a="http://schemas.openxmlformats.org/drawingml/2006/main" xmlns:r="http://schemas.openxmlformats.org/officeDocument/2006/relationships" xmlns:p="http://schemas.openxmlformats.org/presentationml/2006/main">
+  <p:cSld>
+    <p:spTree>
+      <p:nvGrpSpPr>
+        <p:cNvPr id="1" name=""/>
+        <p:cNvGrpSpPr/>
+        <p:nvPr/>
+      </p:nvGrpSpPr>
+      <p:grpSpPr>
+        <a:xfrm>
+          <a:off x="0" y="0"/>
+          <a:ext cx="0" cy="0"/>
+          <a:chOff x="0" y="0"/>
+          <a:chExt cx="0" cy="0"/>
+        </a:xfrm>
+      </p:grpSpPr>
+      <p:sp>
+        <p:nvSpPr>
+          <p:cNvPr id="2" name="Title 1"/>
+          <p:cNvSpPr>
+            <a:spLocks noGrp="1"/>
+          </p:cNvSpPr>
+          <p:nvPr>
+            <p:ph type="title"/>
+          </p:nvPr>
+        </p:nvSpPr>
+        <p:spPr>
+          <a:xfrm>
+            <a:off x="457200" y="274638"/>
+            <a:ext cx="4953000" cy="944562"/>
+          </a:xfrm>
+        </p:spPr>
+        <p:txBody>
+          <a:bodyPr/>
+          <a:lstStyle/>
+          <a:p>
+            <a:r>
+              <a:rPr lang="en-US" dirty="0"/>
+              <a:t>What about Excel?</a:t>
+            </a:r>
+          </a:p>
+        </p:txBody>
+      </p:sp>
+      <p:sp>
+        <p:nvSpPr>
+          <p:cNvPr id="3" name="Content Placeholder 2"/>
+          <p:cNvSpPr>
+            <a:spLocks noGrp="1"/>
+          </p:cNvSpPr>
+          <p:nvPr>
+            <p:ph idx="1"/>
+          </p:nvPr>
+        </p:nvSpPr>
+        <p:spPr/>
+        <p:txBody>
+          <a:bodyPr/>
+          <a:lstStyle/>
+          <a:p>
+            <a:r>
+              <a:rPr lang="en-US" dirty="0"/>
+              <a:t>Excel allows quick prototyping</a:t>
+            </a:r>
+          </a:p>
+          <a:p>
+            <a:r>
+              <a:rPr lang="en-US" dirty="0"/>
+              <a:t>Data manipulation is easy</a:t>
+            </a:r>
+          </a:p>
+          <a:p>
+            <a:r>
+              <a:rPr lang="en-US" dirty="0"/>
+              <a:t>Can see what is happening</a:t>
+            </a:r>
+          </a:p>
+          <a:p>
+            <a:r>
+              <a:rPr lang="en-US" dirty="0"/>
+              <a:t>But: graphics are poor</a:t>
+            </a:r>
+          </a:p>
+          <a:p>
+            <a:r>
+              <a:rPr lang="en-US" dirty="0"/>
+              <a:t>Looping is hard </a:t>
+            </a:r>
+          </a:p>
+          <a:p>
+            <a:r>
+              <a:rPr lang="en-US" dirty="0"/>
+              <a:t>Limited statistical capabilities</a:t>
+            </a:r>
+          </a:p>
+          <a:p>
+            <a:r>
+              <a:rPr lang="en-US" dirty="0"/>
+              <a:t>Inflexible</a:t>
+            </a:r>
+          </a:p>
+          <a:p>
+            <a:r>
+              <a:rPr lang="en-US" dirty="0"/>
+              <a:t>Workflows are not transparent or repeatable</a:t>
+            </a:r>
+          </a:p>
+          <a:p>
+            <a:r>
+              <a:rPr lang="en-US" dirty="0"/>
+              <a:t>There are some things Excel just cannot do</a:t>
+            </a:r>
+          </a:p>
+        </p:txBody>
+      </p:sp>
+      <p:pic>
+        <p:nvPicPr>
+          <p:cNvPr id="4" name="Picture 5" descr="tree"/>
+          <p:cNvPicPr>
+            <a:picLocks noChangeAspect="1" noChangeArrowheads="1"/>
+          </p:cNvPicPr>
+          <p:nvPr/>
+        </p:nvPicPr>
+        <p:blipFill rotWithShape="1">
+          <a:blip r:embed="rId2">
+            <a:extLst>
+              <a:ext uri="{28A0092B-C50C-407E-A947-70E740481C1C}">
+                <a14:useLocalDpi xmlns:a14="http://schemas.microsoft.com/office/drawing/2010/main" val="0"/>
+              </a:ext>
+            </a:extLst>
+          </a:blip>
+          <a:srcRect t="2664" b="2660"/>
+          <a:stretch/>
+        </p:blipFill>
+        <p:spPr bwMode="auto">
+          <a:xfrm>
+            <a:off x="5521916" y="0"/>
+            <a:ext cx="3619500" cy="3580108"/>
+          </a:xfrm>
+          <a:prstGeom prst="rect">
+            <a:avLst/>
+          </a:prstGeom>
+          <a:noFill/>
+          <a:ln>
+            <a:noFill/>
+          </a:ln>
+          <a:extLst>
+            <a:ext uri="{909E8E84-426E-40DD-AFC4-6F175D3DCCD1}">
+              <a14:hiddenFill xmlns:a14="http://schemas.microsoft.com/office/drawing/2010/main">
+                <a:solidFill>
+                  <a:srgbClr val="FFFFFF"/>
+                </a:solidFill>
+              </a14:hiddenFill>
+            </a:ext>
+            <a:ext uri="{91240B29-F687-4F45-9708-019B960494DF}">
+              <a14:hiddenLine xmlns:a14="http://schemas.microsoft.com/office/drawing/2010/main" w="9525">
+                <a:solidFill>
+                  <a:srgbClr val="000000"/>
+                </a:solidFill>
+                <a:miter lim="800000"/>
+                <a:headEnd/>
+                <a:tailEnd/>
+              </a14:hiddenLine>
+            </a:ext>
+          </a:extLst>
+        </p:spPr>
+      </p:pic>
+      <p:sp>
+        <p:nvSpPr>
+          <p:cNvPr id="5" name="TextBox 4"/>
+          <p:cNvSpPr txBox="1"/>
+          <p:nvPr/>
+        </p:nvSpPr>
+        <p:spPr>
+          <a:xfrm>
+            <a:off x="6477000" y="3581400"/>
+            <a:ext cx="1895519" cy="369332"/>
+          </a:xfrm>
+          <a:prstGeom prst="rect">
+            <a:avLst/>
+          </a:prstGeom>
+          <a:noFill/>
+        </p:spPr>
+        <p:txBody>
+          <a:bodyPr wrap="none" rtlCol="0">
+            <a:spAutoFit/>
+          </a:bodyPr>
+          <a:lstStyle/>
+          <a:p>
+            <a:r>
+              <a:rPr lang="en-US" dirty="0"/>
+              <a:t>Use the right tool!</a:t>
+            </a:r>
+          </a:p>
+        </p:txBody>
+      </p:sp>
+    </p:spTree>
+    <p:extLst>
+      <p:ext uri="{BB962C8B-B14F-4D97-AF65-F5344CB8AC3E}">
+        <p14:creationId xmlns:p14="http://schemas.microsoft.com/office/powerpoint/2010/main" val="2947293233"/>
+      </p:ext>
+    </p:extLst>
+  </p:cSld>
+  <p:clrMapOvr>
+    <a:masterClrMapping/>
+  </p:clrMapOvr>
+</p:sld>
+</file>
+
+<file path=ppt/slides/slide50.xml><?xml version="1.0" encoding="utf-8"?>
 <p:sld xmlns:a="http://schemas.openxmlformats.org/drawingml/2006/main" xmlns:r="http://schemas.openxmlformats.org/officeDocument/2006/relationships" xmlns:p="http://schemas.openxmlformats.org/presentationml/2006/main">
   <p:cSld>
     <p:spTree>
@@ -20419,214 +21982,6 @@
     <p:extLst>
       <p:ext uri="{BB962C8B-B14F-4D97-AF65-F5344CB8AC3E}">
         <p14:creationId xmlns:p14="http://schemas.microsoft.com/office/powerpoint/2010/main" val="1959241830"/>
-      </p:ext>
-    </p:extLst>
-  </p:cSld>
-  <p:clrMapOvr>
-    <a:masterClrMapping/>
-  </p:clrMapOvr>
-</p:sld>
-</file>
-
-<file path=ppt/slides/slide5.xml><?xml version="1.0" encoding="utf-8"?>
-<p:sld xmlns:a="http://schemas.openxmlformats.org/drawingml/2006/main" xmlns:r="http://schemas.openxmlformats.org/officeDocument/2006/relationships" xmlns:p="http://schemas.openxmlformats.org/presentationml/2006/main">
-  <p:cSld>
-    <p:spTree>
-      <p:nvGrpSpPr>
-        <p:cNvPr id="1" name=""/>
-        <p:cNvGrpSpPr/>
-        <p:nvPr/>
-      </p:nvGrpSpPr>
-      <p:grpSpPr>
-        <a:xfrm>
-          <a:off x="0" y="0"/>
-          <a:ext cx="0" cy="0"/>
-          <a:chOff x="0" y="0"/>
-          <a:chExt cx="0" cy="0"/>
-        </a:xfrm>
-      </p:grpSpPr>
-      <p:sp>
-        <p:nvSpPr>
-          <p:cNvPr id="2" name="Title 1"/>
-          <p:cNvSpPr>
-            <a:spLocks noGrp="1"/>
-          </p:cNvSpPr>
-          <p:nvPr>
-            <p:ph type="title"/>
-          </p:nvPr>
-        </p:nvSpPr>
-        <p:spPr>
-          <a:xfrm>
-            <a:off x="457200" y="274638"/>
-            <a:ext cx="4953000" cy="944562"/>
-          </a:xfrm>
-        </p:spPr>
-        <p:txBody>
-          <a:bodyPr/>
-          <a:lstStyle/>
-          <a:p>
-            <a:r>
-              <a:rPr lang="en-US" dirty="0"/>
-              <a:t>What about Excel?</a:t>
-            </a:r>
-          </a:p>
-        </p:txBody>
-      </p:sp>
-      <p:sp>
-        <p:nvSpPr>
-          <p:cNvPr id="3" name="Content Placeholder 2"/>
-          <p:cNvSpPr>
-            <a:spLocks noGrp="1"/>
-          </p:cNvSpPr>
-          <p:nvPr>
-            <p:ph idx="1"/>
-          </p:nvPr>
-        </p:nvSpPr>
-        <p:spPr/>
-        <p:txBody>
-          <a:bodyPr/>
-          <a:lstStyle/>
-          <a:p>
-            <a:r>
-              <a:rPr lang="en-US" dirty="0"/>
-              <a:t>Excel allows quick prototyping</a:t>
-            </a:r>
-          </a:p>
-          <a:p>
-            <a:r>
-              <a:rPr lang="en-US" dirty="0"/>
-              <a:t>Data manipulation is easy</a:t>
-            </a:r>
-          </a:p>
-          <a:p>
-            <a:r>
-              <a:rPr lang="en-US" dirty="0"/>
-              <a:t>Can see what is happening</a:t>
-            </a:r>
-          </a:p>
-          <a:p>
-            <a:r>
-              <a:rPr lang="en-US" dirty="0"/>
-              <a:t>But: graphics are poor</a:t>
-            </a:r>
-          </a:p>
-          <a:p>
-            <a:r>
-              <a:rPr lang="en-US" dirty="0"/>
-              <a:t>Looping is hard </a:t>
-            </a:r>
-          </a:p>
-          <a:p>
-            <a:r>
-              <a:rPr lang="en-US" dirty="0"/>
-              <a:t>Limited statistical capabilities</a:t>
-            </a:r>
-          </a:p>
-          <a:p>
-            <a:r>
-              <a:rPr lang="en-US" dirty="0"/>
-              <a:t>Inflexible</a:t>
-            </a:r>
-          </a:p>
-          <a:p>
-            <a:r>
-              <a:rPr lang="en-US" dirty="0"/>
-              <a:t>Workflows are not transparent or repeatable</a:t>
-            </a:r>
-          </a:p>
-          <a:p>
-            <a:r>
-              <a:rPr lang="en-US" dirty="0"/>
-              <a:t>There are some things Excel just cannot do</a:t>
-            </a:r>
-          </a:p>
-        </p:txBody>
-      </p:sp>
-      <p:pic>
-        <p:nvPicPr>
-          <p:cNvPr id="4" name="Picture 5" descr="tree"/>
-          <p:cNvPicPr>
-            <a:picLocks noChangeAspect="1" noChangeArrowheads="1"/>
-          </p:cNvPicPr>
-          <p:nvPr/>
-        </p:nvPicPr>
-        <p:blipFill rotWithShape="1">
-          <a:blip r:embed="rId2">
-            <a:extLst>
-              <a:ext uri="{28A0092B-C50C-407E-A947-70E740481C1C}">
-                <a14:useLocalDpi xmlns:a14="http://schemas.microsoft.com/office/drawing/2010/main" val="0"/>
-              </a:ext>
-            </a:extLst>
-          </a:blip>
-          <a:srcRect t="2664" b="2660"/>
-          <a:stretch/>
-        </p:blipFill>
-        <p:spPr bwMode="auto">
-          <a:xfrm>
-            <a:off x="5521916" y="0"/>
-            <a:ext cx="3619500" cy="3580108"/>
-          </a:xfrm>
-          <a:prstGeom prst="rect">
-            <a:avLst/>
-          </a:prstGeom>
-          <a:noFill/>
-          <a:ln>
-            <a:noFill/>
-          </a:ln>
-          <a:extLst>
-            <a:ext uri="{909E8E84-426E-40DD-AFC4-6F175D3DCCD1}">
-              <a14:hiddenFill xmlns:a14="http://schemas.microsoft.com/office/drawing/2010/main">
-                <a:solidFill>
-                  <a:srgbClr val="FFFFFF"/>
-                </a:solidFill>
-              </a14:hiddenFill>
-            </a:ext>
-            <a:ext uri="{91240B29-F687-4F45-9708-019B960494DF}">
-              <a14:hiddenLine xmlns:a14="http://schemas.microsoft.com/office/drawing/2010/main" w="9525">
-                <a:solidFill>
-                  <a:srgbClr val="000000"/>
-                </a:solidFill>
-                <a:miter lim="800000"/>
-                <a:headEnd/>
-                <a:tailEnd/>
-              </a14:hiddenLine>
-            </a:ext>
-          </a:extLst>
-        </p:spPr>
-      </p:pic>
-      <p:sp>
-        <p:nvSpPr>
-          <p:cNvPr id="5" name="TextBox 4"/>
-          <p:cNvSpPr txBox="1"/>
-          <p:nvPr/>
-        </p:nvSpPr>
-        <p:spPr>
-          <a:xfrm>
-            <a:off x="6477000" y="3581400"/>
-            <a:ext cx="1895519" cy="369332"/>
-          </a:xfrm>
-          <a:prstGeom prst="rect">
-            <a:avLst/>
-          </a:prstGeom>
-          <a:noFill/>
-        </p:spPr>
-        <p:txBody>
-          <a:bodyPr wrap="none" rtlCol="0">
-            <a:spAutoFit/>
-          </a:bodyPr>
-          <a:lstStyle/>
-          <a:p>
-            <a:r>
-              <a:rPr lang="en-US" dirty="0"/>
-              <a:t>Use the right tool!</a:t>
-            </a:r>
-          </a:p>
-        </p:txBody>
-      </p:sp>
-    </p:spTree>
-    <p:extLst>
-      <p:ext uri="{BB962C8B-B14F-4D97-AF65-F5344CB8AC3E}">
-        <p14:creationId xmlns:p14="http://schemas.microsoft.com/office/powerpoint/2010/main" val="2947293233"/>
       </p:ext>
     </p:extLst>
   </p:cSld>
@@ -21166,6 +22521,9 @@
           <a:bodyPr/>
           <a:lstStyle/>
           <a:p>
+            <a:pPr marL="0" indent="0">
+              <a:buNone/>
+            </a:pPr>
             <a:r>
               <a:rPr lang="en-US" dirty="0"/>
               <a:t>Comprehensive set of statistical analysis techniques</a:t>
@@ -21221,6 +22579,9 @@
             </a:r>
           </a:p>
           <a:p>
+            <a:pPr marL="0" indent="0">
+              <a:buNone/>
+            </a:pPr>
             <a:r>
               <a:rPr lang="en-US" dirty="0"/>
               <a:t>Virtually every statistical and analysis technique is either already built into R, or a user-contributed package</a:t>
@@ -21258,6 +22619,53 @@
           <a:chExt cx="0" cy="0"/>
         </a:xfrm>
       </p:grpSpPr>
+      <p:pic>
+        <p:nvPicPr>
+          <p:cNvPr id="6146" name="Picture 2" descr="image">
+            <a:extLst>
+              <a:ext uri="{FF2B5EF4-FFF2-40B4-BE49-F238E27FC236}">
+                <a16:creationId xmlns:a16="http://schemas.microsoft.com/office/drawing/2014/main" id="{A50F406D-AD54-DA49-BE6A-DA8E8B35DFC5}"/>
+              </a:ext>
+            </a:extLst>
+          </p:cNvPr>
+          <p:cNvPicPr>
+            <a:picLocks noChangeAspect="1" noChangeArrowheads="1"/>
+          </p:cNvPicPr>
+          <p:nvPr/>
+        </p:nvPicPr>
+        <p:blipFill>
+          <a:blip r:embed="rId3">
+            <a:extLst>
+              <a:ext uri="{28A0092B-C50C-407E-A947-70E740481C1C}">
+                <a14:useLocalDpi xmlns:a14="http://schemas.microsoft.com/office/drawing/2010/main" val="0"/>
+              </a:ext>
+            </a:extLst>
+          </a:blip>
+          <a:srcRect/>
+          <a:stretch>
+            <a:fillRect/>
+          </a:stretch>
+        </p:blipFill>
+        <p:spPr bwMode="auto">
+          <a:xfrm>
+            <a:off x="5791200" y="2307771"/>
+            <a:ext cx="3226335" cy="4149380"/>
+          </a:xfrm>
+          <a:prstGeom prst="rect">
+            <a:avLst/>
+          </a:prstGeom>
+          <a:noFill/>
+          <a:extLst>
+            <a:ext uri="{909E8E84-426E-40DD-AFC4-6F175D3DCCD1}">
+              <a14:hiddenFill xmlns:a14="http://schemas.microsoft.com/office/drawing/2010/main">
+                <a:solidFill>
+                  <a:srgbClr val="FFFFFF"/>
+                </a:solidFill>
+              </a14:hiddenFill>
+            </a:ext>
+          </a:extLst>
+        </p:spPr>
+      </p:pic>
       <p:sp>
         <p:nvSpPr>
           <p:cNvPr id="2" name="Title 1"/>
@@ -21270,8 +22678,8 @@
         </p:nvSpPr>
         <p:spPr>
           <a:xfrm>
-            <a:off x="244577" y="304800"/>
-            <a:ext cx="4022623" cy="1371600"/>
+            <a:off x="1524000" y="-121474"/>
+            <a:ext cx="6689623" cy="1371600"/>
           </a:xfrm>
         </p:spPr>
         <p:txBody>
@@ -21297,14 +22705,19 @@
         </p:nvSpPr>
         <p:spPr>
           <a:xfrm>
-            <a:off x="457200" y="1828800"/>
-            <a:ext cx="8229600" cy="5105400"/>
+            <a:off x="422505" y="936171"/>
+            <a:ext cx="8534400" cy="2514600"/>
           </a:xfrm>
         </p:spPr>
         <p:txBody>
-          <a:bodyPr/>
-          <a:lstStyle/>
-          <a:p>
+          <a:bodyPr>
+            <a:normAutofit lnSpcReduction="10000"/>
+          </a:bodyPr>
+          <a:lstStyle/>
+          <a:p>
+            <a:pPr marL="0" indent="0">
+              <a:buNone/>
+            </a:pPr>
             <a:r>
               <a:rPr lang="en-US" dirty="0"/>
               <a:t>Completely open-source (Free)</a:t>
@@ -21335,46 +22748,22 @@
             <a:pPr lvl="1"/>
             <a:r>
               <a:rPr lang="en-US" dirty="0"/>
-              <a:t>Easy to replicate your work from data to finished product</a:t>
-            </a:r>
-          </a:p>
-          <a:p>
+              <a:t>Easy to replicate your work from data</a:t>
+            </a:r>
+          </a:p>
+          <a:p>
+            <a:pPr marL="457200" lvl="1" indent="0">
+              <a:buNone/>
+            </a:pPr>
             <a:r>
               <a:rPr lang="en-US" dirty="0"/>
-              <a:t>Publication-quality graphics</a:t>
-            </a:r>
-          </a:p>
-          <a:p>
-            <a:pPr lvl="1"/>
-            <a:r>
-              <a:rPr lang="en-US" dirty="0"/>
-              <a:t>Many default graphics</a:t>
-            </a:r>
-          </a:p>
-          <a:p>
-            <a:pPr lvl="1"/>
-            <a:r>
-              <a:rPr lang="en-US" dirty="0"/>
-              <a:t>Full control of graphics</a:t>
-            </a:r>
-          </a:p>
-          <a:p>
-            <a:pPr lvl="1"/>
-            <a:r>
-              <a:rPr lang="en-US" dirty="0"/>
-              <a:t>Make even rudimentary plots </a:t>
-            </a:r>
-          </a:p>
-          <a:p>
-            <a:pPr marL="457200" lvl="1" indent="0">
+              <a:t>	to finished product</a:t>
+            </a:r>
+          </a:p>
+          <a:p>
+            <a:pPr marL="0" indent="0">
               <a:buNone/>
             </a:pPr>
-            <a:r>
-              <a:rPr lang="en-US" dirty="0"/>
-              <a:t>     vibrant and exciting</a:t>
-            </a:r>
-          </a:p>
-          <a:p>
             <a:endParaRPr lang="en-US" dirty="0"/>
           </a:p>
           <a:p>
@@ -21382,58 +22771,6 @@
           </a:p>
         </p:txBody>
       </p:sp>
-      <p:pic>
-        <p:nvPicPr>
-          <p:cNvPr id="4" name="Picture 7" descr="hist"/>
-          <p:cNvPicPr>
-            <a:picLocks noChangeAspect="1" noChangeArrowheads="1"/>
-          </p:cNvPicPr>
-          <p:nvPr/>
-        </p:nvPicPr>
-        <p:blipFill rotWithShape="1">
-          <a:blip r:embed="rId3" cstate="print">
-            <a:extLst>
-              <a:ext uri="{28A0092B-C50C-407E-A947-70E740481C1C}">
-                <a14:useLocalDpi xmlns:a14="http://schemas.microsoft.com/office/drawing/2010/main" val="0"/>
-              </a:ext>
-            </a:extLst>
-          </a:blip>
-          <a:srcRect t="9535"/>
-          <a:stretch/>
-        </p:blipFill>
-        <p:spPr bwMode="auto">
-          <a:xfrm>
-            <a:off x="5181600" y="4178300"/>
-            <a:ext cx="3238500" cy="2362200"/>
-          </a:xfrm>
-          <a:prstGeom prst="rect">
-            <a:avLst/>
-          </a:prstGeom>
-          <a:noFill/>
-          <a:ln>
-            <a:noFill/>
-          </a:ln>
-          <a:extLst>
-            <a:ext uri="{909E8E84-426E-40DD-AFC4-6F175D3DCCD1}">
-              <a14:hiddenFill xmlns:a14="http://schemas.microsoft.com/office/drawing/2010/main">
-                <a:solidFill>
-                  <a:srgbClr val="FFFFFF"/>
-                </a:solidFill>
-              </a14:hiddenFill>
-            </a:ext>
-            <a:ext uri="{91240B29-F687-4F45-9708-019B960494DF}">
-              <a14:hiddenLine xmlns:a14="http://schemas.microsoft.com/office/drawing/2010/main" w="9525">
-                <a:solidFill>
-                  <a:srgbClr val="000000"/>
-                </a:solidFill>
-                <a:miter lim="800000"/>
-                <a:headEnd/>
-                <a:tailEnd/>
-              </a14:hiddenLine>
-            </a:ext>
-          </a:extLst>
-        </p:spPr>
-      </p:pic>
       <p:pic>
         <p:nvPicPr>
           <p:cNvPr id="5" name="Picture 2">
@@ -21457,8 +22794,8 @@
         </p:blipFill>
         <p:spPr bwMode="auto">
           <a:xfrm>
-            <a:off x="5450410" y="76200"/>
-            <a:ext cx="3611716" cy="2209800"/>
+            <a:off x="533400" y="3580258"/>
+            <a:ext cx="4397452" cy="2690546"/>
           </a:xfrm>
           <a:prstGeom prst="rect">
             <a:avLst/>
@@ -21472,6 +22809,92 @@
           </a:ln>
         </p:spPr>
       </p:pic>
+      <p:sp>
+        <p:nvSpPr>
+          <p:cNvPr id="6" name="TextBox 5">
+            <a:extLst>
+              <a:ext uri="{FF2B5EF4-FFF2-40B4-BE49-F238E27FC236}">
+                <a16:creationId xmlns:a16="http://schemas.microsoft.com/office/drawing/2014/main" id="{0149653C-CBE8-C64C-8BAD-5C9841D258A7}"/>
+              </a:ext>
+            </a:extLst>
+          </p:cNvPr>
+          <p:cNvSpPr txBox="1"/>
+          <p:nvPr/>
+        </p:nvSpPr>
+        <p:spPr>
+          <a:xfrm>
+            <a:off x="5638800" y="6536811"/>
+            <a:ext cx="1981200" cy="276999"/>
+          </a:xfrm>
+          <a:prstGeom prst="rect">
+            <a:avLst/>
+          </a:prstGeom>
+          <a:noFill/>
+        </p:spPr>
+        <p:txBody>
+          <a:bodyPr wrap="square" rtlCol="0">
+            <a:spAutoFit/>
+          </a:bodyPr>
+          <a:lstStyle/>
+          <a:p>
+            <a:r>
+              <a:rPr lang="en-US" sz="1200" dirty="0" err="1"/>
+              <a:t>Auker</a:t>
+            </a:r>
+            <a:r>
+              <a:rPr lang="en-US" sz="1200" dirty="0"/>
+              <a:t> and </a:t>
+            </a:r>
+            <a:r>
+              <a:rPr lang="en-US" sz="1200" dirty="0" err="1"/>
+              <a:t>Barthelmess</a:t>
+            </a:r>
+            <a:r>
+              <a:rPr lang="en-US" sz="1200" dirty="0"/>
+              <a:t> 2021</a:t>
+            </a:r>
+          </a:p>
+        </p:txBody>
+      </p:sp>
+      <p:sp>
+        <p:nvSpPr>
+          <p:cNvPr id="7" name="TextBox 6">
+            <a:extLst>
+              <a:ext uri="{FF2B5EF4-FFF2-40B4-BE49-F238E27FC236}">
+                <a16:creationId xmlns:a16="http://schemas.microsoft.com/office/drawing/2014/main" id="{137175D4-5756-A443-8B76-CC1402A1B0F7}"/>
+              </a:ext>
+            </a:extLst>
+          </p:cNvPr>
+          <p:cNvSpPr txBox="1"/>
+          <p:nvPr/>
+        </p:nvSpPr>
+        <p:spPr>
+          <a:xfrm>
+            <a:off x="328536" y="6398312"/>
+            <a:ext cx="1981200" cy="276999"/>
+          </a:xfrm>
+          <a:prstGeom prst="rect">
+            <a:avLst/>
+          </a:prstGeom>
+          <a:noFill/>
+        </p:spPr>
+        <p:txBody>
+          <a:bodyPr wrap="square" rtlCol="0">
+            <a:spAutoFit/>
+          </a:bodyPr>
+          <a:lstStyle/>
+          <a:p>
+            <a:r>
+              <a:rPr lang="en-US" sz="1200" dirty="0" err="1"/>
+              <a:t>Touchon</a:t>
+            </a:r>
+            <a:r>
+              <a:rPr lang="en-US" sz="1200" dirty="0"/>
+              <a:t> and McCoy 2016</a:t>
+            </a:r>
+          </a:p>
+        </p:txBody>
+      </p:sp>
     </p:spTree>
     <p:extLst>
       <p:ext uri="{BB962C8B-B14F-4D97-AF65-F5344CB8AC3E}">

--- a/1-Introduction to R and Rstudio.pptx
+++ b/1-Introduction to R and Rstudio.pptx
@@ -257,7 +257,7 @@
           <a:p>
             <a:fld id="{4423FC37-365B-BC41-AA8A-8A54106CC33D}" type="datetimeFigureOut">
               <a:rPr lang="en-US" smtClean="0"/>
-              <a:t>10/12/21</a:t>
+              <a:t>10/13/21</a:t>
             </a:fld>
             <a:endParaRPr lang="en-US"/>
           </a:p>
@@ -2301,7 +2301,7 @@
           <a:p>
             <a:fld id="{0D162873-51CE-49DA-B98E-BAD067B56C8D}" type="datetimeFigureOut">
               <a:rPr lang="en-US" smtClean="0"/>
-              <a:t>10/12/21</a:t>
+              <a:t>10/13/21</a:t>
             </a:fld>
             <a:endParaRPr lang="en-US"/>
           </a:p>
@@ -2469,7 +2469,7 @@
           <a:p>
             <a:fld id="{0D162873-51CE-49DA-B98E-BAD067B56C8D}" type="datetimeFigureOut">
               <a:rPr lang="en-US" smtClean="0"/>
-              <a:t>10/12/21</a:t>
+              <a:t>10/13/21</a:t>
             </a:fld>
             <a:endParaRPr lang="en-US"/>
           </a:p>
@@ -2647,7 +2647,7 @@
           <a:p>
             <a:fld id="{0D162873-51CE-49DA-B98E-BAD067B56C8D}" type="datetimeFigureOut">
               <a:rPr lang="en-US" smtClean="0"/>
-              <a:t>10/12/21</a:t>
+              <a:t>10/13/21</a:t>
             </a:fld>
             <a:endParaRPr lang="en-US"/>
           </a:p>
@@ -3027,7 +3027,7 @@
           <a:p>
             <a:fld id="{0D162873-51CE-49DA-B98E-BAD067B56C8D}" type="datetimeFigureOut">
               <a:rPr lang="en-US" smtClean="0"/>
-              <a:t>10/12/21</a:t>
+              <a:t>10/13/21</a:t>
             </a:fld>
             <a:endParaRPr lang="en-US"/>
           </a:p>
@@ -3312,7 +3312,7 @@
           <a:p>
             <a:fld id="{0D162873-51CE-49DA-B98E-BAD067B56C8D}" type="datetimeFigureOut">
               <a:rPr lang="en-US" smtClean="0"/>
-              <a:t>10/12/21</a:t>
+              <a:t>10/13/21</a:t>
             </a:fld>
             <a:endParaRPr lang="en-US"/>
           </a:p>
@@ -3731,7 +3731,7 @@
           <a:p>
             <a:fld id="{0D162873-51CE-49DA-B98E-BAD067B56C8D}" type="datetimeFigureOut">
               <a:rPr lang="en-US" smtClean="0"/>
-              <a:t>10/12/21</a:t>
+              <a:t>10/13/21</a:t>
             </a:fld>
             <a:endParaRPr lang="en-US"/>
           </a:p>
@@ -3848,7 +3848,7 @@
           <a:p>
             <a:fld id="{0D162873-51CE-49DA-B98E-BAD067B56C8D}" type="datetimeFigureOut">
               <a:rPr lang="en-US" smtClean="0"/>
-              <a:t>10/12/21</a:t>
+              <a:t>10/13/21</a:t>
             </a:fld>
             <a:endParaRPr lang="en-US"/>
           </a:p>
@@ -3943,7 +3943,7 @@
           <a:p>
             <a:fld id="{0D162873-51CE-49DA-B98E-BAD067B56C8D}" type="datetimeFigureOut">
               <a:rPr lang="en-US" smtClean="0"/>
-              <a:t>10/12/21</a:t>
+              <a:t>10/13/21</a:t>
             </a:fld>
             <a:endParaRPr lang="en-US"/>
           </a:p>
@@ -4218,7 +4218,7 @@
           <a:p>
             <a:fld id="{0D162873-51CE-49DA-B98E-BAD067B56C8D}" type="datetimeFigureOut">
               <a:rPr lang="en-US" smtClean="0"/>
-              <a:t>10/12/21</a:t>
+              <a:t>10/13/21</a:t>
             </a:fld>
             <a:endParaRPr lang="en-US"/>
           </a:p>
@@ -4470,7 +4470,7 @@
           <a:p>
             <a:fld id="{0D162873-51CE-49DA-B98E-BAD067B56C8D}" type="datetimeFigureOut">
               <a:rPr lang="en-US" smtClean="0"/>
-              <a:t>10/12/21</a:t>
+              <a:t>10/13/21</a:t>
             </a:fld>
             <a:endParaRPr lang="en-US"/>
           </a:p>
@@ -4681,7 +4681,7 @@
           <a:p>
             <a:fld id="{0D162873-51CE-49DA-B98E-BAD067B56C8D}" type="datetimeFigureOut">
               <a:rPr lang="en-US" smtClean="0"/>
-              <a:t>10/12/21</a:t>
+              <a:t>10/13/21</a:t>
             </a:fld>
             <a:endParaRPr lang="en-US"/>
           </a:p>
@@ -5103,7 +5103,7 @@
             </a:r>
             <a:r>
               <a:rPr lang="en-US" dirty="0"/>
-              <a:t>p. 1-28</a:t>
+              <a:t>p. 1-28 </a:t>
             </a:r>
           </a:p>
         </p:txBody>
@@ -10898,7 +10898,7 @@
           <a:graphicData uri="http://schemas.openxmlformats.org/presentationml/2006/ole">
             <mc:AlternateContent xmlns:mc="http://schemas.openxmlformats.org/markup-compatibility/2006">
               <mc:Choice xmlns:v="urn:schemas-microsoft-com:vml" Requires="v">
-                <p:oleObj spid="_x0000_s5280" name="Equation" r:id="rId4" imgW="939600" imgH="253800" progId="Equation.DSMT4">
+                <p:oleObj spid="_x0000_s5284" name="Equation" r:id="rId4" imgW="939600" imgH="253800" progId="Equation.DSMT4">
                   <p:embed/>
                 </p:oleObj>
               </mc:Choice>
@@ -10963,7 +10963,7 @@
           <a:graphicData uri="http://schemas.openxmlformats.org/presentationml/2006/ole">
             <mc:AlternateContent xmlns:mc="http://schemas.openxmlformats.org/markup-compatibility/2006">
               <mc:Choice xmlns:v="urn:schemas-microsoft-com:vml" Requires="v">
-                <p:oleObj spid="_x0000_s5281" name="Equation" r:id="rId6" imgW="571252" imgH="469696" progId="Equation.DSMT4">
+                <p:oleObj spid="_x0000_s5285" name="Equation" r:id="rId6" imgW="571252" imgH="469696" progId="Equation.DSMT4">
                   <p:embed/>
                 </p:oleObj>
               </mc:Choice>

--- a/1-Introduction to R and Rstudio.pptx
+++ b/1-Introduction to R and Rstudio.pptx
@@ -257,7 +257,7 @@
           <a:p>
             <a:fld id="{4423FC37-365B-BC41-AA8A-8A54106CC33D}" type="datetimeFigureOut">
               <a:rPr lang="en-US" smtClean="0"/>
-              <a:t>10/13/21</a:t>
+              <a:t>8/23/22</a:t>
             </a:fld>
             <a:endParaRPr lang="en-US"/>
           </a:p>
@@ -2301,7 +2301,7 @@
           <a:p>
             <a:fld id="{0D162873-51CE-49DA-B98E-BAD067B56C8D}" type="datetimeFigureOut">
               <a:rPr lang="en-US" smtClean="0"/>
-              <a:t>10/13/21</a:t>
+              <a:t>8/23/22</a:t>
             </a:fld>
             <a:endParaRPr lang="en-US"/>
           </a:p>
@@ -2469,7 +2469,7 @@
           <a:p>
             <a:fld id="{0D162873-51CE-49DA-B98E-BAD067B56C8D}" type="datetimeFigureOut">
               <a:rPr lang="en-US" smtClean="0"/>
-              <a:t>10/13/21</a:t>
+              <a:t>8/23/22</a:t>
             </a:fld>
             <a:endParaRPr lang="en-US"/>
           </a:p>
@@ -2647,7 +2647,7 @@
           <a:p>
             <a:fld id="{0D162873-51CE-49DA-B98E-BAD067B56C8D}" type="datetimeFigureOut">
               <a:rPr lang="en-US" smtClean="0"/>
-              <a:t>10/13/21</a:t>
+              <a:t>8/23/22</a:t>
             </a:fld>
             <a:endParaRPr lang="en-US"/>
           </a:p>
@@ -3027,7 +3027,7 @@
           <a:p>
             <a:fld id="{0D162873-51CE-49DA-B98E-BAD067B56C8D}" type="datetimeFigureOut">
               <a:rPr lang="en-US" smtClean="0"/>
-              <a:t>10/13/21</a:t>
+              <a:t>8/23/22</a:t>
             </a:fld>
             <a:endParaRPr lang="en-US"/>
           </a:p>
@@ -3312,7 +3312,7 @@
           <a:p>
             <a:fld id="{0D162873-51CE-49DA-B98E-BAD067B56C8D}" type="datetimeFigureOut">
               <a:rPr lang="en-US" smtClean="0"/>
-              <a:t>10/13/21</a:t>
+              <a:t>8/23/22</a:t>
             </a:fld>
             <a:endParaRPr lang="en-US"/>
           </a:p>
@@ -3731,7 +3731,7 @@
           <a:p>
             <a:fld id="{0D162873-51CE-49DA-B98E-BAD067B56C8D}" type="datetimeFigureOut">
               <a:rPr lang="en-US" smtClean="0"/>
-              <a:t>10/13/21</a:t>
+              <a:t>8/23/22</a:t>
             </a:fld>
             <a:endParaRPr lang="en-US"/>
           </a:p>
@@ -3848,7 +3848,7 @@
           <a:p>
             <a:fld id="{0D162873-51CE-49DA-B98E-BAD067B56C8D}" type="datetimeFigureOut">
               <a:rPr lang="en-US" smtClean="0"/>
-              <a:t>10/13/21</a:t>
+              <a:t>8/23/22</a:t>
             </a:fld>
             <a:endParaRPr lang="en-US"/>
           </a:p>
@@ -3943,7 +3943,7 @@
           <a:p>
             <a:fld id="{0D162873-51CE-49DA-B98E-BAD067B56C8D}" type="datetimeFigureOut">
               <a:rPr lang="en-US" smtClean="0"/>
-              <a:t>10/13/21</a:t>
+              <a:t>8/23/22</a:t>
             </a:fld>
             <a:endParaRPr lang="en-US"/>
           </a:p>
@@ -4218,7 +4218,7 @@
           <a:p>
             <a:fld id="{0D162873-51CE-49DA-B98E-BAD067B56C8D}" type="datetimeFigureOut">
               <a:rPr lang="en-US" smtClean="0"/>
-              <a:t>10/13/21</a:t>
+              <a:t>8/23/22</a:t>
             </a:fld>
             <a:endParaRPr lang="en-US"/>
           </a:p>
@@ -4470,7 +4470,7 @@
           <a:p>
             <a:fld id="{0D162873-51CE-49DA-B98E-BAD067B56C8D}" type="datetimeFigureOut">
               <a:rPr lang="en-US" smtClean="0"/>
-              <a:t>10/13/21</a:t>
+              <a:t>8/23/22</a:t>
             </a:fld>
             <a:endParaRPr lang="en-US"/>
           </a:p>
@@ -4681,7 +4681,7 @@
           <a:p>
             <a:fld id="{0D162873-51CE-49DA-B98E-BAD067B56C8D}" type="datetimeFigureOut">
               <a:rPr lang="en-US" smtClean="0"/>
-              <a:t>10/13/21</a:t>
+              <a:t>8/23/22</a:t>
             </a:fld>
             <a:endParaRPr lang="en-US"/>
           </a:p>
@@ -8939,7 +8939,7 @@
           <a:p>
             <a:r>
               <a:rPr lang="en-US" dirty="0"/>
-              <a:t>Scientific method: complete record of your analyses</a:t>
+              <a:t>Good practice because it’s a complete record of your analyses</a:t>
             </a:r>
           </a:p>
           <a:p>
@@ -10898,12 +10898,12 @@
           <a:graphicData uri="http://schemas.openxmlformats.org/presentationml/2006/ole">
             <mc:AlternateContent xmlns:mc="http://schemas.openxmlformats.org/markup-compatibility/2006">
               <mc:Choice xmlns:v="urn:schemas-microsoft-com:vml" Requires="v">
-                <p:oleObj spid="_x0000_s5284" name="Equation" r:id="rId4" imgW="939600" imgH="253800" progId="Equation.DSMT4">
+                <p:oleObj name="Equation" r:id="rId3" imgW="939600" imgH="253800" progId="Equation.DSMT4">
                   <p:embed/>
                 </p:oleObj>
               </mc:Choice>
               <mc:Fallback>
-                <p:oleObj name="Equation" r:id="rId4" imgW="939600" imgH="253800" progId="Equation.DSMT4">
+                <p:oleObj name="Equation" r:id="rId3" imgW="939600" imgH="253800" progId="Equation.DSMT4">
                   <p:embed/>
                   <p:pic>
                     <p:nvPicPr>
@@ -10914,7 +10914,7 @@
                       <p:nvPr/>
                     </p:nvPicPr>
                     <p:blipFill>
-                      <a:blip r:embed="rId5"/>
+                      <a:blip r:embed="rId4"/>
                       <a:srcRect/>
                       <a:stretch>
                         <a:fillRect/>
@@ -10963,12 +10963,12 @@
           <a:graphicData uri="http://schemas.openxmlformats.org/presentationml/2006/ole">
             <mc:AlternateContent xmlns:mc="http://schemas.openxmlformats.org/markup-compatibility/2006">
               <mc:Choice xmlns:v="urn:schemas-microsoft-com:vml" Requires="v">
-                <p:oleObj spid="_x0000_s5285" name="Equation" r:id="rId6" imgW="571252" imgH="469696" progId="Equation.DSMT4">
+                <p:oleObj name="Equation" r:id="rId5" imgW="571252" imgH="469696" progId="Equation.DSMT4">
                   <p:embed/>
                 </p:oleObj>
               </mc:Choice>
               <mc:Fallback>
-                <p:oleObj name="Equation" r:id="rId6" imgW="571252" imgH="469696" progId="Equation.DSMT4">
+                <p:oleObj name="Equation" r:id="rId5" imgW="571252" imgH="469696" progId="Equation.DSMT4">
                   <p:embed/>
                   <p:pic>
                     <p:nvPicPr>
@@ -10979,7 +10979,7 @@
                       <p:nvPr/>
                     </p:nvPicPr>
                     <p:blipFill>
-                      <a:blip r:embed="rId7">
+                      <a:blip r:embed="rId6">
                         <a:extLst>
                           <a:ext uri="{28A0092B-C50C-407E-A947-70E740481C1C}">
                             <a14:useLocalDpi xmlns:a14="http://schemas.microsoft.com/office/drawing/2010/main" val="0"/>

--- a/1-Introduction to R and Rstudio.pptx
+++ b/1-Introduction to R and Rstudio.pptx
@@ -257,7 +257,7 @@
           <a:p>
             <a:fld id="{4423FC37-365B-BC41-AA8A-8A54106CC33D}" type="datetimeFigureOut">
               <a:rPr lang="en-US" smtClean="0"/>
-              <a:t>8/23/22</a:t>
+              <a:t>10/18/22</a:t>
             </a:fld>
             <a:endParaRPr lang="en-US"/>
           </a:p>
@@ -2301,7 +2301,7 @@
           <a:p>
             <a:fld id="{0D162873-51CE-49DA-B98E-BAD067B56C8D}" type="datetimeFigureOut">
               <a:rPr lang="en-US" smtClean="0"/>
-              <a:t>8/23/22</a:t>
+              <a:t>10/18/22</a:t>
             </a:fld>
             <a:endParaRPr lang="en-US"/>
           </a:p>
@@ -2469,7 +2469,7 @@
           <a:p>
             <a:fld id="{0D162873-51CE-49DA-B98E-BAD067B56C8D}" type="datetimeFigureOut">
               <a:rPr lang="en-US" smtClean="0"/>
-              <a:t>8/23/22</a:t>
+              <a:t>10/18/22</a:t>
             </a:fld>
             <a:endParaRPr lang="en-US"/>
           </a:p>
@@ -2647,7 +2647,7 @@
           <a:p>
             <a:fld id="{0D162873-51CE-49DA-B98E-BAD067B56C8D}" type="datetimeFigureOut">
               <a:rPr lang="en-US" smtClean="0"/>
-              <a:t>8/23/22</a:t>
+              <a:t>10/18/22</a:t>
             </a:fld>
             <a:endParaRPr lang="en-US"/>
           </a:p>
@@ -3027,7 +3027,7 @@
           <a:p>
             <a:fld id="{0D162873-51CE-49DA-B98E-BAD067B56C8D}" type="datetimeFigureOut">
               <a:rPr lang="en-US" smtClean="0"/>
-              <a:t>8/23/22</a:t>
+              <a:t>10/18/22</a:t>
             </a:fld>
             <a:endParaRPr lang="en-US"/>
           </a:p>
@@ -3312,7 +3312,7 @@
           <a:p>
             <a:fld id="{0D162873-51CE-49DA-B98E-BAD067B56C8D}" type="datetimeFigureOut">
               <a:rPr lang="en-US" smtClean="0"/>
-              <a:t>8/23/22</a:t>
+              <a:t>10/18/22</a:t>
             </a:fld>
             <a:endParaRPr lang="en-US"/>
           </a:p>
@@ -3731,7 +3731,7 @@
           <a:p>
             <a:fld id="{0D162873-51CE-49DA-B98E-BAD067B56C8D}" type="datetimeFigureOut">
               <a:rPr lang="en-US" smtClean="0"/>
-              <a:t>8/23/22</a:t>
+              <a:t>10/18/22</a:t>
             </a:fld>
             <a:endParaRPr lang="en-US"/>
           </a:p>
@@ -3848,7 +3848,7 @@
           <a:p>
             <a:fld id="{0D162873-51CE-49DA-B98E-BAD067B56C8D}" type="datetimeFigureOut">
               <a:rPr lang="en-US" smtClean="0"/>
-              <a:t>8/23/22</a:t>
+              <a:t>10/18/22</a:t>
             </a:fld>
             <a:endParaRPr lang="en-US"/>
           </a:p>
@@ -3943,7 +3943,7 @@
           <a:p>
             <a:fld id="{0D162873-51CE-49DA-B98E-BAD067B56C8D}" type="datetimeFigureOut">
               <a:rPr lang="en-US" smtClean="0"/>
-              <a:t>8/23/22</a:t>
+              <a:t>10/18/22</a:t>
             </a:fld>
             <a:endParaRPr lang="en-US"/>
           </a:p>
@@ -4218,7 +4218,7 @@
           <a:p>
             <a:fld id="{0D162873-51CE-49DA-B98E-BAD067B56C8D}" type="datetimeFigureOut">
               <a:rPr lang="en-US" smtClean="0"/>
-              <a:t>8/23/22</a:t>
+              <a:t>10/18/22</a:t>
             </a:fld>
             <a:endParaRPr lang="en-US"/>
           </a:p>
@@ -4470,7 +4470,7 @@
           <a:p>
             <a:fld id="{0D162873-51CE-49DA-B98E-BAD067B56C8D}" type="datetimeFigureOut">
               <a:rPr lang="en-US" smtClean="0"/>
-              <a:t>8/23/22</a:t>
+              <a:t>10/18/22</a:t>
             </a:fld>
             <a:endParaRPr lang="en-US"/>
           </a:p>
@@ -4681,7 +4681,7 @@
           <a:p>
             <a:fld id="{0D162873-51CE-49DA-B98E-BAD067B56C8D}" type="datetimeFigureOut">
               <a:rPr lang="en-US" smtClean="0"/>
-              <a:t>8/23/22</a:t>
+              <a:t>10/18/22</a:t>
             </a:fld>
             <a:endParaRPr lang="en-US"/>
           </a:p>
@@ -5073,8 +5073,13 @@
           <a:p>
             <a:r>
               <a:rPr lang="en-US" dirty="0"/>
-              <a:t>Introduction to R Programming</a:t>
-            </a:r>
+              <a:t>Introduction to </a:t>
+            </a:r>
+            <a:r>
+              <a:rPr lang="en-US"/>
+              <a:t>R Programming</a:t>
+            </a:r>
+            <a:endParaRPr lang="en-US" dirty="0"/>
           </a:p>
         </p:txBody>
       </p:sp>
@@ -10898,12 +10903,12 @@
           <a:graphicData uri="http://schemas.openxmlformats.org/presentationml/2006/ole">
             <mc:AlternateContent xmlns:mc="http://schemas.openxmlformats.org/markup-compatibility/2006">
               <mc:Choice xmlns:v="urn:schemas-microsoft-com:vml" Requires="v">
-                <p:oleObj name="Equation" r:id="rId3" imgW="939600" imgH="253800" progId="Equation.DSMT4">
+                <p:oleObj spid="_x0000_s1025" name="Equation" r:id="rId4" imgW="939600" imgH="253800" progId="Equation.DSMT4">
                   <p:embed/>
                 </p:oleObj>
               </mc:Choice>
               <mc:Fallback>
-                <p:oleObj name="Equation" r:id="rId3" imgW="939600" imgH="253800" progId="Equation.DSMT4">
+                <p:oleObj name="Equation" r:id="rId4" imgW="939600" imgH="253800" progId="Equation.DSMT4">
                   <p:embed/>
                   <p:pic>
                     <p:nvPicPr>
@@ -10914,7 +10919,7 @@
                       <p:nvPr/>
                     </p:nvPicPr>
                     <p:blipFill>
-                      <a:blip r:embed="rId4"/>
+                      <a:blip r:embed="rId5"/>
                       <a:srcRect/>
                       <a:stretch>
                         <a:fillRect/>
@@ -10963,12 +10968,12 @@
           <a:graphicData uri="http://schemas.openxmlformats.org/presentationml/2006/ole">
             <mc:AlternateContent xmlns:mc="http://schemas.openxmlformats.org/markup-compatibility/2006">
               <mc:Choice xmlns:v="urn:schemas-microsoft-com:vml" Requires="v">
-                <p:oleObj name="Equation" r:id="rId5" imgW="571252" imgH="469696" progId="Equation.DSMT4">
+                <p:oleObj spid="_x0000_s1026" name="Equation" r:id="rId6" imgW="571252" imgH="469696" progId="Equation.DSMT4">
                   <p:embed/>
                 </p:oleObj>
               </mc:Choice>
               <mc:Fallback>
-                <p:oleObj name="Equation" r:id="rId5" imgW="571252" imgH="469696" progId="Equation.DSMT4">
+                <p:oleObj name="Equation" r:id="rId6" imgW="571252" imgH="469696" progId="Equation.DSMT4">
                   <p:embed/>
                   <p:pic>
                     <p:nvPicPr>
@@ -10979,7 +10984,7 @@
                       <p:nvPr/>
                     </p:nvPicPr>
                     <p:blipFill>
-                      <a:blip r:embed="rId6">
+                      <a:blip r:embed="rId7">
                         <a:extLst>
                           <a:ext uri="{28A0092B-C50C-407E-A947-70E740481C1C}">
                             <a14:useLocalDpi xmlns:a14="http://schemas.microsoft.com/office/drawing/2010/main" val="0"/>
